--- a/Documents/Design/Design_Präsentation_v1.pptx
+++ b/Documents/Design/Design_Präsentation_v1.pptx
@@ -5,19 +5,26 @@
     <p:sldMasterId id="2147483696" r:id="rId1"/>
   </p:sldMasterIdLst>
   <p:notesMasterIdLst>
-    <p:notesMasterId r:id="rId9"/>
+    <p:notesMasterId r:id="rId16"/>
   </p:notesMasterIdLst>
   <p:handoutMasterIdLst>
-    <p:handoutMasterId r:id="rId10"/>
+    <p:handoutMasterId r:id="rId17"/>
   </p:handoutMasterIdLst>
   <p:sldIdLst>
     <p:sldId id="256" r:id="rId2"/>
     <p:sldId id="275" r:id="rId3"/>
-    <p:sldId id="273" r:id="rId4"/>
-    <p:sldId id="274" r:id="rId5"/>
-    <p:sldId id="276" r:id="rId6"/>
-    <p:sldId id="267" r:id="rId7"/>
-    <p:sldId id="272" r:id="rId8"/>
+    <p:sldId id="277" r:id="rId4"/>
+    <p:sldId id="278" r:id="rId5"/>
+    <p:sldId id="273" r:id="rId6"/>
+    <p:sldId id="279" r:id="rId7"/>
+    <p:sldId id="280" r:id="rId8"/>
+    <p:sldId id="281" r:id="rId9"/>
+    <p:sldId id="283" r:id="rId10"/>
+    <p:sldId id="282" r:id="rId11"/>
+    <p:sldId id="274" r:id="rId12"/>
+    <p:sldId id="276" r:id="rId13"/>
+    <p:sldId id="267" r:id="rId14"/>
+    <p:sldId id="272" r:id="rId15"/>
   </p:sldIdLst>
   <p:sldSz cx="9144000" cy="6858000" type="screen4x3"/>
   <p:notesSz cx="6858000" cy="9144000"/>
@@ -118,7 +125,7 @@
   </p:defaultTextStyle>
   <p:extLst>
     <p:ext uri="{EFAFB233-063F-42B5-8137-9DF3F51BA10A}">
-      <p15:sldGuideLst xmlns:p15="http://schemas.microsoft.com/office/powerpoint/2012/main">
+      <p15:sldGuideLst xmlns:p15="http://schemas.microsoft.com/office/powerpoint/2012/main" xmlns="">
         <p15:guide id="1" orient="horz" pos="2160">
           <p15:clr>
             <a:srgbClr val="A4A3A4"/>
@@ -132,7 +139,7 @@
       </p15:sldGuideLst>
     </p:ext>
     <p:ext uri="{2D200454-40CA-4A62-9FC3-DE9A4176ACB9}">
-      <p15:notesGuideLst xmlns:p15="http://schemas.microsoft.com/office/powerpoint/2012/main"/>
+      <p15:notesGuideLst xmlns:p15="http://schemas.microsoft.com/office/powerpoint/2012/main" xmlns=""/>
     </p:ext>
   </p:extLst>
 </p:presentation>
@@ -220,7 +227,7 @@
           <a:p>
             <a:fld id="{4B25F24D-90CF-44A7-A9EA-C384FF6564EC}" type="datetimeFigureOut">
               <a:rPr lang="de-CH" smtClean="0"/>
-              <a:t>11.11.2014</a:t>
+              <a:t>12.11.2014</a:t>
             </a:fld>
             <a:endParaRPr lang="de-CH"/>
           </a:p>
@@ -286,7 +293,7 @@
           <a:p>
             <a:fld id="{8FA47960-71E6-41D7-97C8-9D68B0218EF7}" type="slidenum">
               <a:rPr lang="de-CH" smtClean="0"/>
-              <a:t>‹Nr.›</a:t>
+              <a:t>‹#›</a:t>
             </a:fld>
             <a:endParaRPr lang="de-CH"/>
           </a:p>
@@ -385,7 +392,7 @@
           <a:p>
             <a:fld id="{F2686799-5163-409F-B733-C9681AE00980}" type="datetimeFigureOut">
               <a:rPr lang="de-CH" smtClean="0"/>
-              <a:t>11.11.2014</a:t>
+              <a:t>12.11.2014</a:t>
             </a:fld>
             <a:endParaRPr lang="de-CH"/>
           </a:p>
@@ -544,7 +551,7 @@
           <a:p>
             <a:fld id="{539D6FB8-A289-4D31-AE1B-368BC10F6FE7}" type="slidenum">
               <a:rPr lang="de-CH" smtClean="0"/>
-              <a:t>‹Nr.›</a:t>
+              <a:t>‹#›</a:t>
             </a:fld>
             <a:endParaRPr lang="de-CH"/>
           </a:p>
@@ -825,7 +832,7 @@
           <a:p>
             <a:fld id="{1BA50D42-C9CD-4801-B293-61D1F53EC57E}" type="datetimeFigureOut">
               <a:rPr lang="de-DE" smtClean="0"/>
-              <a:t>11.11.2014</a:t>
+              <a:t>12.11.2014</a:t>
             </a:fld>
             <a:endParaRPr lang="de-DE"/>
           </a:p>
@@ -883,7 +890,7 @@
           <a:p>
             <a:fld id="{6C6AE60A-B69C-4790-82F7-3882EDF23186}" type="slidenum">
               <a:rPr lang="de-DE" smtClean="0"/>
-              <a:t>‹Nr.›</a:t>
+              <a:t>‹#›</a:t>
             </a:fld>
             <a:endParaRPr lang="de-DE"/>
           </a:p>
@@ -1024,7 +1031,7 @@
           <a:p>
             <a:fld id="{1BA50D42-C9CD-4801-B293-61D1F53EC57E}" type="datetimeFigureOut">
               <a:rPr lang="de-DE" smtClean="0"/>
-              <a:t>11.11.2014</a:t>
+              <a:t>12.11.2014</a:t>
             </a:fld>
             <a:endParaRPr lang="de-DE"/>
           </a:p>
@@ -1082,7 +1089,7 @@
           <a:p>
             <a:fld id="{6C6AE60A-B69C-4790-82F7-3882EDF23186}" type="slidenum">
               <a:rPr lang="de-DE" smtClean="0"/>
-              <a:t>‹Nr.›</a:t>
+              <a:t>‹#›</a:t>
             </a:fld>
             <a:endParaRPr lang="de-DE"/>
           </a:p>
@@ -1577,7 +1584,7 @@
           <a:p>
             <a:fld id="{1BA50D42-C9CD-4801-B293-61D1F53EC57E}" type="datetimeFigureOut">
               <a:rPr lang="de-DE" smtClean="0"/>
-              <a:t>11.11.2014</a:t>
+              <a:t>12.11.2014</a:t>
             </a:fld>
             <a:endParaRPr lang="de-DE"/>
           </a:p>
@@ -1608,7 +1615,7 @@
           <a:p>
             <a:fld id="{6C6AE60A-B69C-4790-82F7-3882EDF23186}" type="slidenum">
               <a:rPr lang="de-DE" smtClean="0"/>
-              <a:t>‹Nr.›</a:t>
+              <a:t>‹#›</a:t>
             </a:fld>
             <a:endParaRPr lang="de-DE"/>
           </a:p>
@@ -1847,7 +1854,7 @@
           <a:p>
             <a:fld id="{1BA50D42-C9CD-4801-B293-61D1F53EC57E}" type="datetimeFigureOut">
               <a:rPr lang="de-DE" smtClean="0"/>
-              <a:t>11.11.2014</a:t>
+              <a:t>12.11.2014</a:t>
             </a:fld>
             <a:endParaRPr lang="de-DE"/>
           </a:p>
@@ -1905,7 +1912,7 @@
           <a:p>
             <a:fld id="{6C6AE60A-B69C-4790-82F7-3882EDF23186}" type="slidenum">
               <a:rPr lang="de-DE" smtClean="0"/>
-              <a:t>‹Nr.›</a:t>
+              <a:t>‹#›</a:t>
             </a:fld>
             <a:endParaRPr lang="de-DE"/>
           </a:p>
@@ -2000,7 +2007,7 @@
           <a:p>
             <a:fld id="{1BA50D42-C9CD-4801-B293-61D1F53EC57E}" type="datetimeFigureOut">
               <a:rPr lang="de-DE" smtClean="0"/>
-              <a:t>11.11.2014</a:t>
+              <a:t>12.11.2014</a:t>
             </a:fld>
             <a:endParaRPr lang="de-DE"/>
           </a:p>
@@ -2058,7 +2065,7 @@
           <a:p>
             <a:fld id="{6C6AE60A-B69C-4790-82F7-3882EDF23186}" type="slidenum">
               <a:rPr lang="de-DE" smtClean="0"/>
-              <a:t>‹Nr.›</a:t>
+              <a:t>‹#›</a:t>
             </a:fld>
             <a:endParaRPr lang="de-DE"/>
           </a:p>
@@ -2382,7 +2389,7 @@
           <a:p>
             <a:fld id="{1BA50D42-C9CD-4801-B293-61D1F53EC57E}" type="datetimeFigureOut">
               <a:rPr lang="de-DE" smtClean="0"/>
-              <a:t>11.11.2014</a:t>
+              <a:t>12.11.2014</a:t>
             </a:fld>
             <a:endParaRPr lang="de-DE"/>
           </a:p>
@@ -2440,7 +2447,7 @@
           <a:p>
             <a:fld id="{6C6AE60A-B69C-4790-82F7-3882EDF23186}" type="slidenum">
               <a:rPr lang="de-DE" smtClean="0"/>
-              <a:t>‹Nr.›</a:t>
+              <a:t>‹#›</a:t>
             </a:fld>
             <a:endParaRPr lang="de-DE"/>
           </a:p>
@@ -2685,7 +2692,7 @@
           <a:p>
             <a:fld id="{1BA50D42-C9CD-4801-B293-61D1F53EC57E}" type="datetimeFigureOut">
               <a:rPr lang="de-DE" smtClean="0"/>
-              <a:t>11.11.2014</a:t>
+              <a:t>12.11.2014</a:t>
             </a:fld>
             <a:endParaRPr lang="de-DE"/>
           </a:p>
@@ -2743,7 +2750,7 @@
           <a:p>
             <a:fld id="{6C6AE60A-B69C-4790-82F7-3882EDF23186}" type="slidenum">
               <a:rPr lang="de-DE" smtClean="0"/>
-              <a:t>‹Nr.›</a:t>
+              <a:t>‹#›</a:t>
             </a:fld>
             <a:endParaRPr lang="de-DE"/>
           </a:p>
@@ -3370,10 +3377,6 @@
               <a:rPr lang="de-CH" sz="8000" dirty="0" smtClean="0"/>
               <a:t>Design</a:t>
             </a:r>
-            <a:r>
-              <a:rPr lang="de-CH" sz="8000" dirty="0" smtClean="0"/>
-              <a:t/>
-            </a:r>
             <a:br>
               <a:rPr lang="de-CH" sz="8000" dirty="0" smtClean="0"/>
             </a:br>
@@ -3422,6 +3425,1633 @@
     <p:extLst>
       <p:ext uri="{BB962C8B-B14F-4D97-AF65-F5344CB8AC3E}">
         <p14:creationId xmlns:p14="http://schemas.microsoft.com/office/powerpoint/2010/main" val="2732462891"/>
+      </p:ext>
+    </p:extLst>
+  </p:cSld>
+  <p:clrMapOvr>
+    <a:masterClrMapping/>
+  </p:clrMapOvr>
+  <p:timing>
+    <p:tnLst>
+      <p:par>
+        <p:cTn id="1" dur="indefinite" restart="never" nodeType="tmRoot"/>
+      </p:par>
+    </p:tnLst>
+  </p:timing>
+</p:sld>
+</file>
+
+<file path=ppt/slides/slide10.xml><?xml version="1.0" encoding="utf-8"?>
+<p:sld xmlns:a="http://schemas.openxmlformats.org/drawingml/2006/main" xmlns:r="http://schemas.openxmlformats.org/officeDocument/2006/relationships" xmlns:p="http://schemas.openxmlformats.org/presentationml/2006/main">
+  <p:cSld>
+    <p:spTree>
+      <p:nvGrpSpPr>
+        <p:cNvPr id="1" name=""/>
+        <p:cNvGrpSpPr/>
+        <p:nvPr/>
+      </p:nvGrpSpPr>
+      <p:grpSpPr>
+        <a:xfrm>
+          <a:off x="0" y="0"/>
+          <a:ext cx="0" cy="0"/>
+          <a:chOff x="0" y="0"/>
+          <a:chExt cx="0" cy="0"/>
+        </a:xfrm>
+      </p:grpSpPr>
+      <p:sp>
+        <p:nvSpPr>
+          <p:cNvPr id="4" name="Titel 3"/>
+          <p:cNvSpPr>
+            <a:spLocks noGrp="1"/>
+          </p:cNvSpPr>
+          <p:nvPr>
+            <p:ph type="title"/>
+          </p:nvPr>
+        </p:nvSpPr>
+        <p:spPr/>
+        <p:txBody>
+          <a:bodyPr>
+            <a:normAutofit fontScale="90000"/>
+          </a:bodyPr>
+          <a:lstStyle/>
+          <a:p>
+            <a:r>
+              <a:rPr lang="de-CH" dirty="0" err="1" smtClean="0"/>
+              <a:t>Levelgenerierung</a:t>
+            </a:r>
+            <a:endParaRPr lang="de-CH" dirty="0"/>
+          </a:p>
+        </p:txBody>
+      </p:sp>
+      <p:sp>
+        <p:nvSpPr>
+          <p:cNvPr id="5" name="Inhaltsplatzhalter 4"/>
+          <p:cNvSpPr>
+            <a:spLocks noGrp="1"/>
+          </p:cNvSpPr>
+          <p:nvPr>
+            <p:ph idx="1"/>
+          </p:nvPr>
+        </p:nvSpPr>
+        <p:spPr>
+          <a:xfrm>
+            <a:off x="539552" y="1412776"/>
+            <a:ext cx="8067040" cy="4896585"/>
+          </a:xfrm>
+        </p:spPr>
+        <p:txBody>
+          <a:bodyPr/>
+          <a:lstStyle/>
+          <a:p>
+            <a:r>
+              <a:rPr lang="de-CH" dirty="0" smtClean="0"/>
+              <a:t>Containerlänge – Problemlösung</a:t>
+            </a:r>
+          </a:p>
+          <a:p>
+            <a:pPr lvl="1"/>
+            <a:r>
+              <a:rPr lang="de-CH" dirty="0" smtClean="0"/>
+              <a:t>Schiffsabmessung 15 x 5</a:t>
+            </a:r>
+          </a:p>
+          <a:p>
+            <a:pPr lvl="1"/>
+            <a:r>
+              <a:rPr lang="de-CH" dirty="0" smtClean="0"/>
+              <a:t>Der Reihe nach in Liste einfügen und </a:t>
+            </a:r>
+            <a:r>
+              <a:rPr lang="de-CH" dirty="0" err="1" smtClean="0"/>
+              <a:t>mischeln</a:t>
+            </a:r>
+            <a:endParaRPr lang="de-CH" dirty="0" smtClean="0"/>
+          </a:p>
+        </p:txBody>
+      </p:sp>
+      <p:pic>
+        <p:nvPicPr>
+          <p:cNvPr id="7" name="Picture 2" descr="C:\admin\github\squarefeed\Documents\Design\bildli für remo\container_4_4.png"/>
+          <p:cNvPicPr>
+            <a:picLocks noChangeAspect="1" noChangeArrowheads="1"/>
+          </p:cNvPicPr>
+          <p:nvPr/>
+        </p:nvPicPr>
+        <p:blipFill>
+          <a:blip r:embed="rId2">
+            <a:extLst>
+              <a:ext uri="{28A0092B-C50C-407E-A947-70E740481C1C}">
+                <a14:useLocalDpi xmlns:a14="http://schemas.microsoft.com/office/drawing/2010/main" val="0"/>
+              </a:ext>
+            </a:extLst>
+          </a:blip>
+          <a:srcRect/>
+          <a:stretch>
+            <a:fillRect/>
+          </a:stretch>
+        </p:blipFill>
+        <p:spPr bwMode="auto">
+          <a:xfrm>
+            <a:off x="5124581" y="4240981"/>
+            <a:ext cx="1841600" cy="460400"/>
+          </a:xfrm>
+          <a:prstGeom prst="rect">
+            <a:avLst/>
+          </a:prstGeom>
+          <a:noFill/>
+          <a:extLst>
+            <a:ext uri="{909E8E84-426E-40DD-AFC4-6F175D3DCCD1}">
+              <a14:hiddenFill xmlns:a14="http://schemas.microsoft.com/office/drawing/2010/main">
+                <a:solidFill>
+                  <a:srgbClr val="FFFFFF"/>
+                </a:solidFill>
+              </a14:hiddenFill>
+            </a:ext>
+          </a:extLst>
+        </p:spPr>
+      </p:pic>
+      <p:pic>
+        <p:nvPicPr>
+          <p:cNvPr id="12" name="Picture 2" descr="C:\admin\github\squarefeed\Documents\Design\bildli für remo\container_4_4.png"/>
+          <p:cNvPicPr>
+            <a:picLocks noChangeAspect="1" noChangeArrowheads="1"/>
+          </p:cNvPicPr>
+          <p:nvPr/>
+        </p:nvPicPr>
+        <p:blipFill>
+          <a:blip r:embed="rId2">
+            <a:extLst>
+              <a:ext uri="{28A0092B-C50C-407E-A947-70E740481C1C}">
+                <a14:useLocalDpi xmlns:a14="http://schemas.microsoft.com/office/drawing/2010/main" val="0"/>
+              </a:ext>
+            </a:extLst>
+          </a:blip>
+          <a:srcRect/>
+          <a:stretch>
+            <a:fillRect/>
+          </a:stretch>
+        </p:blipFill>
+        <p:spPr bwMode="auto">
+          <a:xfrm>
+            <a:off x="971700" y="4705350"/>
+            <a:ext cx="1841600" cy="460400"/>
+          </a:xfrm>
+          <a:prstGeom prst="rect">
+            <a:avLst/>
+          </a:prstGeom>
+          <a:noFill/>
+          <a:extLst>
+            <a:ext uri="{909E8E84-426E-40DD-AFC4-6F175D3DCCD1}">
+              <a14:hiddenFill xmlns:a14="http://schemas.microsoft.com/office/drawing/2010/main">
+                <a:solidFill>
+                  <a:srgbClr val="FFFFFF"/>
+                </a:solidFill>
+              </a14:hiddenFill>
+            </a:ext>
+          </a:extLst>
+        </p:spPr>
+      </p:pic>
+      <p:pic>
+        <p:nvPicPr>
+          <p:cNvPr id="2052" name="Picture 4" descr="C:\admin\github\squarefeed\Documents\Design\bildli für remo\container_2_3.png"/>
+          <p:cNvPicPr>
+            <a:picLocks noChangeAspect="1" noChangeArrowheads="1"/>
+          </p:cNvPicPr>
+          <p:nvPr/>
+        </p:nvPicPr>
+        <p:blipFill>
+          <a:blip r:embed="rId3">
+            <a:extLst>
+              <a:ext uri="{28A0092B-C50C-407E-A947-70E740481C1C}">
+                <a14:useLocalDpi xmlns:a14="http://schemas.microsoft.com/office/drawing/2010/main" val="0"/>
+              </a:ext>
+            </a:extLst>
+          </a:blip>
+          <a:srcRect/>
+          <a:stretch>
+            <a:fillRect/>
+          </a:stretch>
+        </p:blipFill>
+        <p:spPr bwMode="auto">
+          <a:xfrm>
+            <a:off x="6020104" y="4705972"/>
+            <a:ext cx="1381200" cy="460400"/>
+          </a:xfrm>
+          <a:prstGeom prst="rect">
+            <a:avLst/>
+          </a:prstGeom>
+          <a:noFill/>
+          <a:extLst>
+            <a:ext uri="{909E8E84-426E-40DD-AFC4-6F175D3DCCD1}">
+              <a14:hiddenFill xmlns:a14="http://schemas.microsoft.com/office/drawing/2010/main">
+                <a:solidFill>
+                  <a:srgbClr val="FFFFFF"/>
+                </a:solidFill>
+              </a14:hiddenFill>
+            </a:ext>
+          </a:extLst>
+        </p:spPr>
+      </p:pic>
+      <p:pic>
+        <p:nvPicPr>
+          <p:cNvPr id="2053" name="Picture 5" descr="C:\admin\github\squarefeed\Documents\Design\bildli für remo\container_1_2.png"/>
+          <p:cNvPicPr>
+            <a:picLocks noChangeAspect="1" noChangeArrowheads="1"/>
+          </p:cNvPicPr>
+          <p:nvPr/>
+        </p:nvPicPr>
+        <p:blipFill>
+          <a:blip r:embed="rId4">
+            <a:extLst>
+              <a:ext uri="{28A0092B-C50C-407E-A947-70E740481C1C}">
+                <a14:useLocalDpi xmlns:a14="http://schemas.microsoft.com/office/drawing/2010/main" val="0"/>
+              </a:ext>
+            </a:extLst>
+          </a:blip>
+          <a:srcRect/>
+          <a:stretch>
+            <a:fillRect/>
+          </a:stretch>
+        </p:blipFill>
+        <p:spPr bwMode="auto">
+          <a:xfrm>
+            <a:off x="2806950" y="3778820"/>
+            <a:ext cx="920800" cy="460400"/>
+          </a:xfrm>
+          <a:prstGeom prst="rect">
+            <a:avLst/>
+          </a:prstGeom>
+          <a:noFill/>
+          <a:extLst>
+            <a:ext uri="{909E8E84-426E-40DD-AFC4-6F175D3DCCD1}">
+              <a14:hiddenFill xmlns:a14="http://schemas.microsoft.com/office/drawing/2010/main">
+                <a:solidFill>
+                  <a:srgbClr val="FFFFFF"/>
+                </a:solidFill>
+              </a14:hiddenFill>
+            </a:ext>
+          </a:extLst>
+        </p:spPr>
+      </p:pic>
+      <p:pic>
+        <p:nvPicPr>
+          <p:cNvPr id="2054" name="Picture 6" descr="C:\admin\github\squarefeed\Documents\Design\bildli für remo\container_2_1.png"/>
+          <p:cNvPicPr>
+            <a:picLocks noChangeAspect="1" noChangeArrowheads="1"/>
+          </p:cNvPicPr>
+          <p:nvPr/>
+        </p:nvPicPr>
+        <p:blipFill>
+          <a:blip r:embed="rId5">
+            <a:extLst>
+              <a:ext uri="{28A0092B-C50C-407E-A947-70E740481C1C}">
+                <a14:useLocalDpi xmlns:a14="http://schemas.microsoft.com/office/drawing/2010/main" val="0"/>
+              </a:ext>
+            </a:extLst>
+          </a:blip>
+          <a:srcRect/>
+          <a:stretch>
+            <a:fillRect/>
+          </a:stretch>
+        </p:blipFill>
+        <p:spPr bwMode="auto">
+          <a:xfrm>
+            <a:off x="7401304" y="4705972"/>
+            <a:ext cx="460400" cy="460400"/>
+          </a:xfrm>
+          <a:prstGeom prst="rect">
+            <a:avLst/>
+          </a:prstGeom>
+          <a:noFill/>
+          <a:extLst>
+            <a:ext uri="{909E8E84-426E-40DD-AFC4-6F175D3DCCD1}">
+              <a14:hiddenFill xmlns:a14="http://schemas.microsoft.com/office/drawing/2010/main">
+                <a:solidFill>
+                  <a:srgbClr val="FFFFFF"/>
+                </a:solidFill>
+              </a14:hiddenFill>
+            </a:ext>
+          </a:extLst>
+        </p:spPr>
+      </p:pic>
+      <p:pic>
+        <p:nvPicPr>
+          <p:cNvPr id="2055" name="Picture 7" descr="C:\admin\github\squarefeed\Documents\Design\bildli für remo\container_3_1.png"/>
+          <p:cNvPicPr>
+            <a:picLocks noChangeAspect="1" noChangeArrowheads="1"/>
+          </p:cNvPicPr>
+          <p:nvPr/>
+        </p:nvPicPr>
+        <p:blipFill>
+          <a:blip r:embed="rId6">
+            <a:extLst>
+              <a:ext uri="{28A0092B-C50C-407E-A947-70E740481C1C}">
+                <a14:useLocalDpi xmlns:a14="http://schemas.microsoft.com/office/drawing/2010/main" val="0"/>
+              </a:ext>
+            </a:extLst>
+          </a:blip>
+          <a:srcRect/>
+          <a:stretch>
+            <a:fillRect/>
+          </a:stretch>
+        </p:blipFill>
+        <p:spPr bwMode="auto">
+          <a:xfrm>
+            <a:off x="3718585" y="4706096"/>
+            <a:ext cx="460400" cy="460400"/>
+          </a:xfrm>
+          <a:prstGeom prst="rect">
+            <a:avLst/>
+          </a:prstGeom>
+          <a:noFill/>
+          <a:extLst>
+            <a:ext uri="{909E8E84-426E-40DD-AFC4-6F175D3DCCD1}">
+              <a14:hiddenFill xmlns:a14="http://schemas.microsoft.com/office/drawing/2010/main">
+                <a:solidFill>
+                  <a:srgbClr val="FFFFFF"/>
+                </a:solidFill>
+              </a14:hiddenFill>
+            </a:ext>
+          </a:extLst>
+        </p:spPr>
+      </p:pic>
+      <p:pic>
+        <p:nvPicPr>
+          <p:cNvPr id="2056" name="Picture 8" descr="C:\admin\github\squarefeed\Documents\Design\bildli für remo\container_3_3.png"/>
+          <p:cNvPicPr>
+            <a:picLocks noChangeAspect="1" noChangeArrowheads="1"/>
+          </p:cNvPicPr>
+          <p:nvPr/>
+        </p:nvPicPr>
+        <p:blipFill>
+          <a:blip r:embed="rId7">
+            <a:extLst>
+              <a:ext uri="{28A0092B-C50C-407E-A947-70E740481C1C}">
+                <a14:useLocalDpi xmlns:a14="http://schemas.microsoft.com/office/drawing/2010/main" val="0"/>
+              </a:ext>
+            </a:extLst>
+          </a:blip>
+          <a:srcRect/>
+          <a:stretch>
+            <a:fillRect/>
+          </a:stretch>
+        </p:blipFill>
+        <p:spPr bwMode="auto">
+          <a:xfrm>
+            <a:off x="985927" y="4241602"/>
+            <a:ext cx="1376502" cy="458834"/>
+          </a:xfrm>
+          <a:prstGeom prst="rect">
+            <a:avLst/>
+          </a:prstGeom>
+          <a:noFill/>
+          <a:extLst>
+            <a:ext uri="{909E8E84-426E-40DD-AFC4-6F175D3DCCD1}">
+              <a14:hiddenFill xmlns:a14="http://schemas.microsoft.com/office/drawing/2010/main">
+                <a:solidFill>
+                  <a:srgbClr val="FFFFFF"/>
+                </a:solidFill>
+              </a14:hiddenFill>
+            </a:ext>
+          </a:extLst>
+        </p:spPr>
+      </p:pic>
+      <p:pic>
+        <p:nvPicPr>
+          <p:cNvPr id="2057" name="Picture 9" descr="C:\admin\github\squarefeed\Documents\Design\bildli für remo\container_3_4.png"/>
+          <p:cNvPicPr>
+            <a:picLocks noChangeAspect="1" noChangeArrowheads="1"/>
+          </p:cNvPicPr>
+          <p:nvPr/>
+        </p:nvPicPr>
+        <p:blipFill>
+          <a:blip r:embed="rId8">
+            <a:extLst>
+              <a:ext uri="{28A0092B-C50C-407E-A947-70E740481C1C}">
+                <a14:useLocalDpi xmlns:a14="http://schemas.microsoft.com/office/drawing/2010/main" val="0"/>
+              </a:ext>
+            </a:extLst>
+          </a:blip>
+          <a:srcRect/>
+          <a:stretch>
+            <a:fillRect/>
+          </a:stretch>
+        </p:blipFill>
+        <p:spPr bwMode="auto">
+          <a:xfrm>
+            <a:off x="3282981" y="4240981"/>
+            <a:ext cx="1841600" cy="460400"/>
+          </a:xfrm>
+          <a:prstGeom prst="rect">
+            <a:avLst/>
+          </a:prstGeom>
+          <a:noFill/>
+          <a:extLst>
+            <a:ext uri="{909E8E84-426E-40DD-AFC4-6F175D3DCCD1}">
+              <a14:hiddenFill xmlns:a14="http://schemas.microsoft.com/office/drawing/2010/main">
+                <a:solidFill>
+                  <a:srgbClr val="FFFFFF"/>
+                </a:solidFill>
+              </a14:hiddenFill>
+            </a:ext>
+          </a:extLst>
+        </p:spPr>
+      </p:pic>
+      <p:pic>
+        <p:nvPicPr>
+          <p:cNvPr id="20" name="Picture 3" descr="C:\admin\github\squarefeed\Documents\Design\bildli für remo\container_3_2.png"/>
+          <p:cNvPicPr>
+            <a:picLocks noChangeAspect="1" noChangeArrowheads="1"/>
+          </p:cNvPicPr>
+          <p:nvPr/>
+        </p:nvPicPr>
+        <p:blipFill>
+          <a:blip r:embed="rId9">
+            <a:extLst>
+              <a:ext uri="{28A0092B-C50C-407E-A947-70E740481C1C}">
+                <a14:useLocalDpi xmlns:a14="http://schemas.microsoft.com/office/drawing/2010/main" val="0"/>
+              </a:ext>
+            </a:extLst>
+          </a:blip>
+          <a:srcRect/>
+          <a:stretch>
+            <a:fillRect/>
+          </a:stretch>
+        </p:blipFill>
+        <p:spPr bwMode="auto">
+          <a:xfrm>
+            <a:off x="2812276" y="4706096"/>
+            <a:ext cx="920552" cy="460276"/>
+          </a:xfrm>
+          <a:prstGeom prst="rect">
+            <a:avLst/>
+          </a:prstGeom>
+          <a:noFill/>
+          <a:extLst>
+            <a:ext uri="{909E8E84-426E-40DD-AFC4-6F175D3DCCD1}">
+              <a14:hiddenFill xmlns:a14="http://schemas.microsoft.com/office/drawing/2010/main">
+                <a:solidFill>
+                  <a:srgbClr val="FFFFFF"/>
+                </a:solidFill>
+              </a14:hiddenFill>
+            </a:ext>
+          </a:extLst>
+        </p:spPr>
+      </p:pic>
+      <p:pic>
+        <p:nvPicPr>
+          <p:cNvPr id="21" name="Picture 9" descr="C:\admin\github\squarefeed\Documents\Design\bildli für remo\container_3_4.png"/>
+          <p:cNvPicPr>
+            <a:picLocks noChangeAspect="1" noChangeArrowheads="1"/>
+          </p:cNvPicPr>
+          <p:nvPr/>
+        </p:nvPicPr>
+        <p:blipFill>
+          <a:blip r:embed="rId8">
+            <a:extLst>
+              <a:ext uri="{28A0092B-C50C-407E-A947-70E740481C1C}">
+                <a14:useLocalDpi xmlns:a14="http://schemas.microsoft.com/office/drawing/2010/main" val="0"/>
+              </a:ext>
+            </a:extLst>
+          </a:blip>
+          <a:srcRect/>
+          <a:stretch>
+            <a:fillRect/>
+          </a:stretch>
+        </p:blipFill>
+        <p:spPr bwMode="auto">
+          <a:xfrm>
+            <a:off x="4178504" y="4705972"/>
+            <a:ext cx="1841600" cy="460400"/>
+          </a:xfrm>
+          <a:prstGeom prst="rect">
+            <a:avLst/>
+          </a:prstGeom>
+          <a:noFill/>
+          <a:extLst>
+            <a:ext uri="{909E8E84-426E-40DD-AFC4-6F175D3DCCD1}">
+              <a14:hiddenFill xmlns:a14="http://schemas.microsoft.com/office/drawing/2010/main">
+                <a:solidFill>
+                  <a:srgbClr val="FFFFFF"/>
+                </a:solidFill>
+              </a14:hiddenFill>
+            </a:ext>
+          </a:extLst>
+        </p:spPr>
+      </p:pic>
+      <p:pic>
+        <p:nvPicPr>
+          <p:cNvPr id="22" name="Picture 3" descr="C:\admin\github\squarefeed\Documents\Design\bildli für remo\container_3_2.png"/>
+          <p:cNvPicPr>
+            <a:picLocks noChangeAspect="1" noChangeArrowheads="1"/>
+          </p:cNvPicPr>
+          <p:nvPr/>
+        </p:nvPicPr>
+        <p:blipFill>
+          <a:blip r:embed="rId9">
+            <a:extLst>
+              <a:ext uri="{28A0092B-C50C-407E-A947-70E740481C1C}">
+                <a14:useLocalDpi xmlns:a14="http://schemas.microsoft.com/office/drawing/2010/main" val="0"/>
+              </a:ext>
+            </a:extLst>
+          </a:blip>
+          <a:srcRect/>
+          <a:stretch>
+            <a:fillRect/>
+          </a:stretch>
+        </p:blipFill>
+        <p:spPr bwMode="auto">
+          <a:xfrm>
+            <a:off x="2362429" y="4240015"/>
+            <a:ext cx="920552" cy="460276"/>
+          </a:xfrm>
+          <a:prstGeom prst="rect">
+            <a:avLst/>
+          </a:prstGeom>
+          <a:noFill/>
+          <a:extLst>
+            <a:ext uri="{909E8E84-426E-40DD-AFC4-6F175D3DCCD1}">
+              <a14:hiddenFill xmlns:a14="http://schemas.microsoft.com/office/drawing/2010/main">
+                <a:solidFill>
+                  <a:srgbClr val="FFFFFF"/>
+                </a:solidFill>
+              </a14:hiddenFill>
+            </a:ext>
+          </a:extLst>
+        </p:spPr>
+      </p:pic>
+      <p:pic>
+        <p:nvPicPr>
+          <p:cNvPr id="23" name="Picture 7" descr="C:\admin\github\squarefeed\Documents\Design\bildli für remo\container_3_1.png"/>
+          <p:cNvPicPr>
+            <a:picLocks noChangeAspect="1" noChangeArrowheads="1"/>
+          </p:cNvPicPr>
+          <p:nvPr/>
+        </p:nvPicPr>
+        <p:blipFill>
+          <a:blip r:embed="rId6">
+            <a:extLst>
+              <a:ext uri="{28A0092B-C50C-407E-A947-70E740481C1C}">
+                <a14:useLocalDpi xmlns:a14="http://schemas.microsoft.com/office/drawing/2010/main" val="0"/>
+              </a:ext>
+            </a:extLst>
+          </a:blip>
+          <a:srcRect/>
+          <a:stretch>
+            <a:fillRect/>
+          </a:stretch>
+        </p:blipFill>
+        <p:spPr bwMode="auto">
+          <a:xfrm>
+            <a:off x="7401304" y="4237655"/>
+            <a:ext cx="460400" cy="460400"/>
+          </a:xfrm>
+          <a:prstGeom prst="rect">
+            <a:avLst/>
+          </a:prstGeom>
+          <a:noFill/>
+          <a:extLst>
+            <a:ext uri="{909E8E84-426E-40DD-AFC4-6F175D3DCCD1}">
+              <a14:hiddenFill xmlns:a14="http://schemas.microsoft.com/office/drawing/2010/main">
+                <a:solidFill>
+                  <a:srgbClr val="FFFFFF"/>
+                </a:solidFill>
+              </a14:hiddenFill>
+            </a:ext>
+          </a:extLst>
+        </p:spPr>
+      </p:pic>
+      <p:pic>
+        <p:nvPicPr>
+          <p:cNvPr id="24" name="Picture 6" descr="C:\admin\github\squarefeed\Documents\Design\bildli für remo\container_2_1.png"/>
+          <p:cNvPicPr>
+            <a:picLocks noChangeAspect="1" noChangeArrowheads="1"/>
+          </p:cNvPicPr>
+          <p:nvPr/>
+        </p:nvPicPr>
+        <p:blipFill>
+          <a:blip r:embed="rId5">
+            <a:extLst>
+              <a:ext uri="{28A0092B-C50C-407E-A947-70E740481C1C}">
+                <a14:useLocalDpi xmlns:a14="http://schemas.microsoft.com/office/drawing/2010/main" val="0"/>
+              </a:ext>
+            </a:extLst>
+          </a:blip>
+          <a:srcRect/>
+          <a:stretch>
+            <a:fillRect/>
+          </a:stretch>
+        </p:blipFill>
+        <p:spPr bwMode="auto">
+          <a:xfrm>
+            <a:off x="6940904" y="4239196"/>
+            <a:ext cx="460400" cy="460400"/>
+          </a:xfrm>
+          <a:prstGeom prst="rect">
+            <a:avLst/>
+          </a:prstGeom>
+          <a:noFill/>
+          <a:extLst>
+            <a:ext uri="{909E8E84-426E-40DD-AFC4-6F175D3DCCD1}">
+              <a14:hiddenFill xmlns:a14="http://schemas.microsoft.com/office/drawing/2010/main">
+                <a:solidFill>
+                  <a:srgbClr val="FFFFFF"/>
+                </a:solidFill>
+              </a14:hiddenFill>
+            </a:ext>
+          </a:extLst>
+        </p:spPr>
+      </p:pic>
+      <p:pic>
+        <p:nvPicPr>
+          <p:cNvPr id="25" name="Picture 9" descr="C:\admin\github\squarefeed\Documents\Design\bildli für remo\container_3_4.png"/>
+          <p:cNvPicPr>
+            <a:picLocks noChangeAspect="1" noChangeArrowheads="1"/>
+          </p:cNvPicPr>
+          <p:nvPr/>
+        </p:nvPicPr>
+        <p:blipFill>
+          <a:blip r:embed="rId8">
+            <a:extLst>
+              <a:ext uri="{28A0092B-C50C-407E-A947-70E740481C1C}">
+                <a14:useLocalDpi xmlns:a14="http://schemas.microsoft.com/office/drawing/2010/main" val="0"/>
+              </a:ext>
+            </a:extLst>
+          </a:blip>
+          <a:srcRect/>
+          <a:stretch>
+            <a:fillRect/>
+          </a:stretch>
+        </p:blipFill>
+        <p:spPr bwMode="auto">
+          <a:xfrm>
+            <a:off x="968405" y="3773140"/>
+            <a:ext cx="1841600" cy="460400"/>
+          </a:xfrm>
+          <a:prstGeom prst="rect">
+            <a:avLst/>
+          </a:prstGeom>
+          <a:noFill/>
+          <a:extLst>
+            <a:ext uri="{909E8E84-426E-40DD-AFC4-6F175D3DCCD1}">
+              <a14:hiddenFill xmlns:a14="http://schemas.microsoft.com/office/drawing/2010/main">
+                <a:solidFill>
+                  <a:srgbClr val="FFFFFF"/>
+                </a:solidFill>
+              </a14:hiddenFill>
+            </a:ext>
+          </a:extLst>
+        </p:spPr>
+      </p:pic>
+      <p:pic>
+        <p:nvPicPr>
+          <p:cNvPr id="26" name="Picture 8" descr="C:\admin\github\squarefeed\Documents\Design\bildli für remo\container_3_3.png"/>
+          <p:cNvPicPr>
+            <a:picLocks noChangeAspect="1" noChangeArrowheads="1"/>
+          </p:cNvPicPr>
+          <p:nvPr/>
+        </p:nvPicPr>
+        <p:blipFill>
+          <a:blip r:embed="rId7">
+            <a:extLst>
+              <a:ext uri="{28A0092B-C50C-407E-A947-70E740481C1C}">
+                <a14:useLocalDpi xmlns:a14="http://schemas.microsoft.com/office/drawing/2010/main" val="0"/>
+              </a:ext>
+            </a:extLst>
+          </a:blip>
+          <a:srcRect/>
+          <a:stretch>
+            <a:fillRect/>
+          </a:stretch>
+        </p:blipFill>
+        <p:spPr bwMode="auto">
+          <a:xfrm>
+            <a:off x="3723440" y="3784501"/>
+            <a:ext cx="1390729" cy="463576"/>
+          </a:xfrm>
+          <a:prstGeom prst="rect">
+            <a:avLst/>
+          </a:prstGeom>
+          <a:noFill/>
+          <a:extLst>
+            <a:ext uri="{909E8E84-426E-40DD-AFC4-6F175D3DCCD1}">
+              <a14:hiddenFill xmlns:a14="http://schemas.microsoft.com/office/drawing/2010/main">
+                <a:solidFill>
+                  <a:srgbClr val="FFFFFF"/>
+                </a:solidFill>
+              </a14:hiddenFill>
+            </a:ext>
+          </a:extLst>
+        </p:spPr>
+      </p:pic>
+      <p:pic>
+        <p:nvPicPr>
+          <p:cNvPr id="27" name="Picture 3" descr="C:\admin\github\squarefeed\Documents\Design\bildli für remo\container_3_2.png"/>
+          <p:cNvPicPr>
+            <a:picLocks noChangeAspect="1" noChangeArrowheads="1"/>
+          </p:cNvPicPr>
+          <p:nvPr/>
+        </p:nvPicPr>
+        <p:blipFill>
+          <a:blip r:embed="rId9">
+            <a:extLst>
+              <a:ext uri="{28A0092B-C50C-407E-A947-70E740481C1C}">
+                <a14:useLocalDpi xmlns:a14="http://schemas.microsoft.com/office/drawing/2010/main" val="0"/>
+              </a:ext>
+            </a:extLst>
+          </a:blip>
+          <a:srcRect/>
+          <a:stretch>
+            <a:fillRect/>
+          </a:stretch>
+        </p:blipFill>
+        <p:spPr bwMode="auto">
+          <a:xfrm>
+            <a:off x="5124829" y="3777379"/>
+            <a:ext cx="920552" cy="460276"/>
+          </a:xfrm>
+          <a:prstGeom prst="rect">
+            <a:avLst/>
+          </a:prstGeom>
+          <a:noFill/>
+          <a:extLst>
+            <a:ext uri="{909E8E84-426E-40DD-AFC4-6F175D3DCCD1}">
+              <a14:hiddenFill xmlns:a14="http://schemas.microsoft.com/office/drawing/2010/main">
+                <a:solidFill>
+                  <a:srgbClr val="FFFFFF"/>
+                </a:solidFill>
+              </a14:hiddenFill>
+            </a:ext>
+          </a:extLst>
+        </p:spPr>
+      </p:pic>
+      <p:pic>
+        <p:nvPicPr>
+          <p:cNvPr id="28" name="Picture 2" descr="C:\admin\github\squarefeed\Documents\Design\bildli für remo\container_4_4.png"/>
+          <p:cNvPicPr>
+            <a:picLocks noChangeAspect="1" noChangeArrowheads="1"/>
+          </p:cNvPicPr>
+          <p:nvPr/>
+        </p:nvPicPr>
+        <p:blipFill>
+          <a:blip r:embed="rId2">
+            <a:extLst>
+              <a:ext uri="{28A0092B-C50C-407E-A947-70E740481C1C}">
+                <a14:useLocalDpi xmlns:a14="http://schemas.microsoft.com/office/drawing/2010/main" val="0"/>
+              </a:ext>
+            </a:extLst>
+          </a:blip>
+          <a:srcRect/>
+          <a:stretch>
+            <a:fillRect/>
+          </a:stretch>
+        </p:blipFill>
+        <p:spPr bwMode="auto">
+          <a:xfrm>
+            <a:off x="6040146" y="3777379"/>
+            <a:ext cx="1841600" cy="460400"/>
+          </a:xfrm>
+          <a:prstGeom prst="rect">
+            <a:avLst/>
+          </a:prstGeom>
+          <a:noFill/>
+          <a:extLst>
+            <a:ext uri="{909E8E84-426E-40DD-AFC4-6F175D3DCCD1}">
+              <a14:hiddenFill xmlns:a14="http://schemas.microsoft.com/office/drawing/2010/main">
+                <a:solidFill>
+                  <a:srgbClr val="FFFFFF"/>
+                </a:solidFill>
+              </a14:hiddenFill>
+            </a:ext>
+          </a:extLst>
+        </p:spPr>
+      </p:pic>
+      <p:pic>
+        <p:nvPicPr>
+          <p:cNvPr id="29" name="Picture 7" descr="C:\admin\github\squarefeed\Documents\Design\bildli für remo\container_3_1.png"/>
+          <p:cNvPicPr>
+            <a:picLocks noChangeAspect="1" noChangeArrowheads="1"/>
+          </p:cNvPicPr>
+          <p:nvPr/>
+        </p:nvPicPr>
+        <p:blipFill>
+          <a:blip r:embed="rId6">
+            <a:extLst>
+              <a:ext uri="{28A0092B-C50C-407E-A947-70E740481C1C}">
+                <a14:useLocalDpi xmlns:a14="http://schemas.microsoft.com/office/drawing/2010/main" val="0"/>
+              </a:ext>
+            </a:extLst>
+          </a:blip>
+          <a:srcRect/>
+          <a:stretch>
+            <a:fillRect/>
+          </a:stretch>
+        </p:blipFill>
+        <p:spPr bwMode="auto">
+          <a:xfrm>
+            <a:off x="968405" y="3326198"/>
+            <a:ext cx="460400" cy="460400"/>
+          </a:xfrm>
+          <a:prstGeom prst="rect">
+            <a:avLst/>
+          </a:prstGeom>
+          <a:noFill/>
+          <a:extLst>
+            <a:ext uri="{909E8E84-426E-40DD-AFC4-6F175D3DCCD1}">
+              <a14:hiddenFill xmlns:a14="http://schemas.microsoft.com/office/drawing/2010/main">
+                <a:solidFill>
+                  <a:srgbClr val="FFFFFF"/>
+                </a:solidFill>
+              </a14:hiddenFill>
+            </a:ext>
+          </a:extLst>
+        </p:spPr>
+      </p:pic>
+      <p:pic>
+        <p:nvPicPr>
+          <p:cNvPr id="30" name="Picture 6" descr="C:\admin\github\squarefeed\Documents\Design\bildli für remo\container_2_1.png"/>
+          <p:cNvPicPr>
+            <a:picLocks noChangeAspect="1" noChangeArrowheads="1"/>
+          </p:cNvPicPr>
+          <p:nvPr/>
+        </p:nvPicPr>
+        <p:blipFill>
+          <a:blip r:embed="rId5">
+            <a:extLst>
+              <a:ext uri="{28A0092B-C50C-407E-A947-70E740481C1C}">
+                <a14:useLocalDpi xmlns:a14="http://schemas.microsoft.com/office/drawing/2010/main" val="0"/>
+              </a:ext>
+            </a:extLst>
+          </a:blip>
+          <a:srcRect/>
+          <a:stretch>
+            <a:fillRect/>
+          </a:stretch>
+        </p:blipFill>
+        <p:spPr bwMode="auto">
+          <a:xfrm>
+            <a:off x="2338977" y="3326482"/>
+            <a:ext cx="460400" cy="460400"/>
+          </a:xfrm>
+          <a:prstGeom prst="rect">
+            <a:avLst/>
+          </a:prstGeom>
+          <a:noFill/>
+          <a:extLst>
+            <a:ext uri="{909E8E84-426E-40DD-AFC4-6F175D3DCCD1}">
+              <a14:hiddenFill xmlns:a14="http://schemas.microsoft.com/office/drawing/2010/main">
+                <a:solidFill>
+                  <a:srgbClr val="FFFFFF"/>
+                </a:solidFill>
+              </a14:hiddenFill>
+            </a:ext>
+          </a:extLst>
+        </p:spPr>
+      </p:pic>
+      <p:pic>
+        <p:nvPicPr>
+          <p:cNvPr id="31" name="Picture 5" descr="C:\admin\github\squarefeed\Documents\Design\bildli für remo\container_1_2.png"/>
+          <p:cNvPicPr>
+            <a:picLocks noChangeAspect="1" noChangeArrowheads="1"/>
+          </p:cNvPicPr>
+          <p:nvPr/>
+        </p:nvPicPr>
+        <p:blipFill>
+          <a:blip r:embed="rId4">
+            <a:extLst>
+              <a:ext uri="{28A0092B-C50C-407E-A947-70E740481C1C}">
+                <a14:useLocalDpi xmlns:a14="http://schemas.microsoft.com/office/drawing/2010/main" val="0"/>
+              </a:ext>
+            </a:extLst>
+          </a:blip>
+          <a:srcRect/>
+          <a:stretch>
+            <a:fillRect/>
+          </a:stretch>
+        </p:blipFill>
+        <p:spPr bwMode="auto">
+          <a:xfrm>
+            <a:off x="1429048" y="3326482"/>
+            <a:ext cx="920800" cy="460400"/>
+          </a:xfrm>
+          <a:prstGeom prst="rect">
+            <a:avLst/>
+          </a:prstGeom>
+          <a:noFill/>
+          <a:extLst>
+            <a:ext uri="{909E8E84-426E-40DD-AFC4-6F175D3DCCD1}">
+              <a14:hiddenFill xmlns:a14="http://schemas.microsoft.com/office/drawing/2010/main">
+                <a:solidFill>
+                  <a:srgbClr val="FFFFFF"/>
+                </a:solidFill>
+              </a14:hiddenFill>
+            </a:ext>
+          </a:extLst>
+        </p:spPr>
+      </p:pic>
+      <p:pic>
+        <p:nvPicPr>
+          <p:cNvPr id="32" name="Picture 2" descr="C:\admin\github\squarefeed\Documents\Design\bildli für remo\container_4_4.png"/>
+          <p:cNvPicPr>
+            <a:picLocks noChangeAspect="1" noChangeArrowheads="1"/>
+          </p:cNvPicPr>
+          <p:nvPr/>
+        </p:nvPicPr>
+        <p:blipFill>
+          <a:blip r:embed="rId2">
+            <a:extLst>
+              <a:ext uri="{28A0092B-C50C-407E-A947-70E740481C1C}">
+                <a14:useLocalDpi xmlns:a14="http://schemas.microsoft.com/office/drawing/2010/main" val="0"/>
+              </a:ext>
+            </a:extLst>
+          </a:blip>
+          <a:srcRect/>
+          <a:stretch>
+            <a:fillRect/>
+          </a:stretch>
+        </p:blipFill>
+        <p:spPr bwMode="auto">
+          <a:xfrm>
+            <a:off x="2797785" y="3326482"/>
+            <a:ext cx="1841600" cy="460400"/>
+          </a:xfrm>
+          <a:prstGeom prst="rect">
+            <a:avLst/>
+          </a:prstGeom>
+          <a:noFill/>
+          <a:extLst>
+            <a:ext uri="{909E8E84-426E-40DD-AFC4-6F175D3DCCD1}">
+              <a14:hiddenFill xmlns:a14="http://schemas.microsoft.com/office/drawing/2010/main">
+                <a:solidFill>
+                  <a:srgbClr val="FFFFFF"/>
+                </a:solidFill>
+              </a14:hiddenFill>
+            </a:ext>
+          </a:extLst>
+        </p:spPr>
+      </p:pic>
+      <p:pic>
+        <p:nvPicPr>
+          <p:cNvPr id="33" name="Picture 9" descr="C:\admin\github\squarefeed\Documents\Design\bildli für remo\container_3_4.png"/>
+          <p:cNvPicPr>
+            <a:picLocks noChangeAspect="1" noChangeArrowheads="1"/>
+          </p:cNvPicPr>
+          <p:nvPr/>
+        </p:nvPicPr>
+        <p:blipFill>
+          <a:blip r:embed="rId8">
+            <a:extLst>
+              <a:ext uri="{28A0092B-C50C-407E-A947-70E740481C1C}">
+                <a14:useLocalDpi xmlns:a14="http://schemas.microsoft.com/office/drawing/2010/main" val="0"/>
+              </a:ext>
+            </a:extLst>
+          </a:blip>
+          <a:srcRect/>
+          <a:stretch>
+            <a:fillRect/>
+          </a:stretch>
+        </p:blipFill>
+        <p:spPr bwMode="auto">
+          <a:xfrm>
+            <a:off x="4639385" y="3326482"/>
+            <a:ext cx="1841600" cy="460400"/>
+          </a:xfrm>
+          <a:prstGeom prst="rect">
+            <a:avLst/>
+          </a:prstGeom>
+          <a:noFill/>
+          <a:extLst>
+            <a:ext uri="{909E8E84-426E-40DD-AFC4-6F175D3DCCD1}">
+              <a14:hiddenFill xmlns:a14="http://schemas.microsoft.com/office/drawing/2010/main">
+                <a:solidFill>
+                  <a:srgbClr val="FFFFFF"/>
+                </a:solidFill>
+              </a14:hiddenFill>
+            </a:ext>
+          </a:extLst>
+        </p:spPr>
+      </p:pic>
+      <p:pic>
+        <p:nvPicPr>
+          <p:cNvPr id="34" name="Picture 8" descr="C:\admin\github\squarefeed\Documents\Design\bildli für remo\container_3_3.png"/>
+          <p:cNvPicPr>
+            <a:picLocks noChangeAspect="1" noChangeArrowheads="1"/>
+          </p:cNvPicPr>
+          <p:nvPr/>
+        </p:nvPicPr>
+        <p:blipFill>
+          <a:blip r:embed="rId7">
+            <a:extLst>
+              <a:ext uri="{28A0092B-C50C-407E-A947-70E740481C1C}">
+                <a14:useLocalDpi xmlns:a14="http://schemas.microsoft.com/office/drawing/2010/main" val="0"/>
+              </a:ext>
+            </a:extLst>
+          </a:blip>
+          <a:srcRect/>
+          <a:stretch>
+            <a:fillRect/>
+          </a:stretch>
+        </p:blipFill>
+        <p:spPr bwMode="auto">
+          <a:xfrm>
+            <a:off x="6480985" y="3328048"/>
+            <a:ext cx="1376502" cy="458834"/>
+          </a:xfrm>
+          <a:prstGeom prst="rect">
+            <a:avLst/>
+          </a:prstGeom>
+          <a:noFill/>
+          <a:extLst>
+            <a:ext uri="{909E8E84-426E-40DD-AFC4-6F175D3DCCD1}">
+              <a14:hiddenFill xmlns:a14="http://schemas.microsoft.com/office/drawing/2010/main">
+                <a:solidFill>
+                  <a:srgbClr val="FFFFFF"/>
+                </a:solidFill>
+              </a14:hiddenFill>
+            </a:ext>
+          </a:extLst>
+        </p:spPr>
+      </p:pic>
+      <p:pic>
+        <p:nvPicPr>
+          <p:cNvPr id="35" name="Picture 4" descr="C:\admin\github\squarefeed\Documents\Design\bildli für remo\container_2_3.png"/>
+          <p:cNvPicPr>
+            <a:picLocks noChangeAspect="1" noChangeArrowheads="1"/>
+          </p:cNvPicPr>
+          <p:nvPr/>
+        </p:nvPicPr>
+        <p:blipFill>
+          <a:blip r:embed="rId3">
+            <a:extLst>
+              <a:ext uri="{28A0092B-C50C-407E-A947-70E740481C1C}">
+                <a14:useLocalDpi xmlns:a14="http://schemas.microsoft.com/office/drawing/2010/main" val="0"/>
+              </a:ext>
+            </a:extLst>
+          </a:blip>
+          <a:srcRect/>
+          <a:stretch>
+            <a:fillRect/>
+          </a:stretch>
+        </p:blipFill>
+        <p:spPr bwMode="auto">
+          <a:xfrm>
+            <a:off x="967041" y="2861036"/>
+            <a:ext cx="1381200" cy="460400"/>
+          </a:xfrm>
+          <a:prstGeom prst="rect">
+            <a:avLst/>
+          </a:prstGeom>
+          <a:noFill/>
+          <a:extLst>
+            <a:ext uri="{909E8E84-426E-40DD-AFC4-6F175D3DCCD1}">
+              <a14:hiddenFill xmlns:a14="http://schemas.microsoft.com/office/drawing/2010/main">
+                <a:solidFill>
+                  <a:srgbClr val="FFFFFF"/>
+                </a:solidFill>
+              </a14:hiddenFill>
+            </a:ext>
+          </a:extLst>
+        </p:spPr>
+      </p:pic>
+      <p:pic>
+        <p:nvPicPr>
+          <p:cNvPr id="36" name="Picture 9" descr="C:\admin\github\squarefeed\Documents\Design\bildli für remo\container_3_4.png"/>
+          <p:cNvPicPr>
+            <a:picLocks noChangeAspect="1" noChangeArrowheads="1"/>
+          </p:cNvPicPr>
+          <p:nvPr/>
+        </p:nvPicPr>
+        <p:blipFill>
+          <a:blip r:embed="rId8">
+            <a:extLst>
+              <a:ext uri="{28A0092B-C50C-407E-A947-70E740481C1C}">
+                <a14:useLocalDpi xmlns:a14="http://schemas.microsoft.com/office/drawing/2010/main" val="0"/>
+              </a:ext>
+            </a:extLst>
+          </a:blip>
+          <a:srcRect/>
+          <a:stretch>
+            <a:fillRect/>
+          </a:stretch>
+        </p:blipFill>
+        <p:spPr bwMode="auto">
+          <a:xfrm>
+            <a:off x="2351752" y="2857860"/>
+            <a:ext cx="1841600" cy="460400"/>
+          </a:xfrm>
+          <a:prstGeom prst="rect">
+            <a:avLst/>
+          </a:prstGeom>
+          <a:noFill/>
+          <a:extLst>
+            <a:ext uri="{909E8E84-426E-40DD-AFC4-6F175D3DCCD1}">
+              <a14:hiddenFill xmlns:a14="http://schemas.microsoft.com/office/drawing/2010/main">
+                <a:solidFill>
+                  <a:srgbClr val="FFFFFF"/>
+                </a:solidFill>
+              </a14:hiddenFill>
+            </a:ext>
+          </a:extLst>
+        </p:spPr>
+      </p:pic>
+      <p:pic>
+        <p:nvPicPr>
+          <p:cNvPr id="37" name="Picture 8" descr="C:\admin\github\squarefeed\Documents\Design\bildli für remo\container_3_3.png"/>
+          <p:cNvPicPr>
+            <a:picLocks noChangeAspect="1" noChangeArrowheads="1"/>
+          </p:cNvPicPr>
+          <p:nvPr/>
+        </p:nvPicPr>
+        <p:blipFill>
+          <a:blip r:embed="rId7">
+            <a:extLst>
+              <a:ext uri="{28A0092B-C50C-407E-A947-70E740481C1C}">
+                <a14:useLocalDpi xmlns:a14="http://schemas.microsoft.com/office/drawing/2010/main" val="0"/>
+              </a:ext>
+            </a:extLst>
+          </a:blip>
+          <a:srcRect/>
+          <a:stretch>
+            <a:fillRect/>
+          </a:stretch>
+        </p:blipFill>
+        <p:spPr bwMode="auto">
+          <a:xfrm>
+            <a:off x="4178504" y="2857860"/>
+            <a:ext cx="1390729" cy="463576"/>
+          </a:xfrm>
+          <a:prstGeom prst="rect">
+            <a:avLst/>
+          </a:prstGeom>
+          <a:noFill/>
+          <a:extLst>
+            <a:ext uri="{909E8E84-426E-40DD-AFC4-6F175D3DCCD1}">
+              <a14:hiddenFill xmlns:a14="http://schemas.microsoft.com/office/drawing/2010/main">
+                <a:solidFill>
+                  <a:srgbClr val="FFFFFF"/>
+                </a:solidFill>
+              </a14:hiddenFill>
+            </a:ext>
+          </a:extLst>
+        </p:spPr>
+      </p:pic>
+      <p:pic>
+        <p:nvPicPr>
+          <p:cNvPr id="39" name="Picture 7" descr="C:\admin\github\squarefeed\Documents\Design\bildli für remo\container_3_1.png"/>
+          <p:cNvPicPr>
+            <a:picLocks noChangeAspect="1" noChangeArrowheads="1"/>
+          </p:cNvPicPr>
+          <p:nvPr/>
+        </p:nvPicPr>
+        <p:blipFill>
+          <a:blip r:embed="rId6">
+            <a:extLst>
+              <a:ext uri="{28A0092B-C50C-407E-A947-70E740481C1C}">
+                <a14:useLocalDpi xmlns:a14="http://schemas.microsoft.com/office/drawing/2010/main" val="0"/>
+              </a:ext>
+            </a:extLst>
+          </a:blip>
+          <a:srcRect/>
+          <a:stretch>
+            <a:fillRect/>
+          </a:stretch>
+        </p:blipFill>
+        <p:spPr bwMode="auto">
+          <a:xfrm>
+            <a:off x="7397087" y="2857860"/>
+            <a:ext cx="460400" cy="460400"/>
+          </a:xfrm>
+          <a:prstGeom prst="rect">
+            <a:avLst/>
+          </a:prstGeom>
+          <a:noFill/>
+          <a:extLst>
+            <a:ext uri="{909E8E84-426E-40DD-AFC4-6F175D3DCCD1}">
+              <a14:hiddenFill xmlns:a14="http://schemas.microsoft.com/office/drawing/2010/main">
+                <a:solidFill>
+                  <a:srgbClr val="FFFFFF"/>
+                </a:solidFill>
+              </a14:hiddenFill>
+            </a:ext>
+          </a:extLst>
+        </p:spPr>
+      </p:pic>
+      <p:pic>
+        <p:nvPicPr>
+          <p:cNvPr id="40" name="Picture 9" descr="C:\admin\github\squarefeed\Documents\Design\bildli für remo\container_3_4.png"/>
+          <p:cNvPicPr>
+            <a:picLocks noChangeAspect="1" noChangeArrowheads="1"/>
+          </p:cNvPicPr>
+          <p:nvPr/>
+        </p:nvPicPr>
+        <p:blipFill>
+          <a:blip r:embed="rId8">
+            <a:extLst>
+              <a:ext uri="{28A0092B-C50C-407E-A947-70E740481C1C}">
+                <a14:useLocalDpi xmlns:a14="http://schemas.microsoft.com/office/drawing/2010/main" val="0"/>
+              </a:ext>
+            </a:extLst>
+          </a:blip>
+          <a:srcRect/>
+          <a:stretch>
+            <a:fillRect/>
+          </a:stretch>
+        </p:blipFill>
+        <p:spPr bwMode="auto">
+          <a:xfrm>
+            <a:off x="5555487" y="2861036"/>
+            <a:ext cx="1841600" cy="460400"/>
+          </a:xfrm>
+          <a:prstGeom prst="rect">
+            <a:avLst/>
+          </a:prstGeom>
+          <a:noFill/>
+          <a:extLst>
+            <a:ext uri="{909E8E84-426E-40DD-AFC4-6F175D3DCCD1}">
+              <a14:hiddenFill xmlns:a14="http://schemas.microsoft.com/office/drawing/2010/main">
+                <a:solidFill>
+                  <a:srgbClr val="FFFFFF"/>
+                </a:solidFill>
+              </a14:hiddenFill>
+            </a:ext>
+          </a:extLst>
+        </p:spPr>
+      </p:pic>
+    </p:spTree>
+    <p:extLst>
+      <p:ext uri="{BB962C8B-B14F-4D97-AF65-F5344CB8AC3E}">
+        <p14:creationId xmlns:p14="http://schemas.microsoft.com/office/powerpoint/2010/main" val="975108244"/>
+      </p:ext>
+    </p:extLst>
+  </p:cSld>
+  <p:clrMapOvr>
+    <a:masterClrMapping/>
+  </p:clrMapOvr>
+  <p:timing>
+    <p:tnLst>
+      <p:par>
+        <p:cTn id="1" dur="indefinite" restart="never" nodeType="tmRoot">
+          <p:childTnLst>
+            <p:seq concurrent="1" nextAc="seek">
+              <p:cTn id="2" dur="indefinite" nodeType="mainSeq">
+                <p:childTnLst>
+                  <p:par>
+                    <p:cTn id="3" fill="hold">
+                      <p:stCondLst>
+                        <p:cond delay="indefinite"/>
+                      </p:stCondLst>
+                      <p:childTnLst>
+                        <p:par>
+                          <p:cTn id="4" fill="hold">
+                            <p:stCondLst>
+                              <p:cond delay="0"/>
+                            </p:stCondLst>
+                            <p:childTnLst>
+                              <p:par>
+                                <p:cTn id="5" presetID="1" presetClass="entr" presetSubtype="0" fill="hold" nodeType="clickEffect">
+                                  <p:stCondLst>
+                                    <p:cond delay="0"/>
+                                  </p:stCondLst>
+                                  <p:childTnLst>
+                                    <p:set>
+                                      <p:cBhvr>
+                                        <p:cTn id="6" dur="1" fill="hold">
+                                          <p:stCondLst>
+                                            <p:cond delay="0"/>
+                                          </p:stCondLst>
+                                        </p:cTn>
+                                        <p:tgtEl>
+                                          <p:spTgt spid="5">
+                                            <p:txEl>
+                                              <p:pRg st="2" end="2"/>
+                                            </p:txEl>
+                                          </p:spTgt>
+                                        </p:tgtEl>
+                                        <p:attrNameLst>
+                                          <p:attrName>style.visibility</p:attrName>
+                                        </p:attrNameLst>
+                                      </p:cBhvr>
+                                      <p:to>
+                                        <p:strVal val="visible"/>
+                                      </p:to>
+                                    </p:set>
+                                  </p:childTnLst>
+                                </p:cTn>
+                              </p:par>
+                            </p:childTnLst>
+                          </p:cTn>
+                        </p:par>
+                      </p:childTnLst>
+                    </p:cTn>
+                  </p:par>
+                </p:childTnLst>
+              </p:cTn>
+              <p:prevCondLst>
+                <p:cond evt="onPrev" delay="0">
+                  <p:tgtEl>
+                    <p:sldTgt/>
+                  </p:tgtEl>
+                </p:cond>
+              </p:prevCondLst>
+              <p:nextCondLst>
+                <p:cond evt="onNext" delay="0">
+                  <p:tgtEl>
+                    <p:sldTgt/>
+                  </p:tgtEl>
+                </p:cond>
+              </p:nextCondLst>
+            </p:seq>
+          </p:childTnLst>
+        </p:cTn>
+      </p:par>
+    </p:tnLst>
+  </p:timing>
+</p:sld>
+</file>
+
+<file path=ppt/slides/slide11.xml><?xml version="1.0" encoding="utf-8"?>
+<p:sld xmlns:a="http://schemas.openxmlformats.org/drawingml/2006/main" xmlns:r="http://schemas.openxmlformats.org/officeDocument/2006/relationships" xmlns:p="http://schemas.openxmlformats.org/presentationml/2006/main">
+  <p:cSld>
+    <p:spTree>
+      <p:nvGrpSpPr>
+        <p:cNvPr id="1" name=""/>
+        <p:cNvGrpSpPr/>
+        <p:nvPr/>
+      </p:nvGrpSpPr>
+      <p:grpSpPr>
+        <a:xfrm>
+          <a:off x="0" y="0"/>
+          <a:ext cx="0" cy="0"/>
+          <a:chOff x="0" y="0"/>
+          <a:chExt cx="0" cy="0"/>
+        </a:xfrm>
+      </p:grpSpPr>
+      <p:sp>
+        <p:nvSpPr>
+          <p:cNvPr id="2" name="Titel 1"/>
+          <p:cNvSpPr>
+            <a:spLocks noGrp="1"/>
+          </p:cNvSpPr>
+          <p:nvPr>
+            <p:ph type="title"/>
+          </p:nvPr>
+        </p:nvSpPr>
+        <p:spPr/>
+        <p:txBody>
+          <a:bodyPr>
+            <a:normAutofit fontScale="90000"/>
+          </a:bodyPr>
+          <a:lstStyle/>
+          <a:p>
+            <a:r>
+              <a:rPr lang="de-CH" dirty="0" smtClean="0"/>
+              <a:t>Auswertungsalgorithmus</a:t>
+            </a:r>
+            <a:endParaRPr lang="de-CH" dirty="0"/>
+          </a:p>
+        </p:txBody>
+      </p:sp>
+      <p:sp>
+        <p:nvSpPr>
+          <p:cNvPr id="3" name="Inhaltsplatzhalter 2"/>
+          <p:cNvSpPr>
+            <a:spLocks noGrp="1"/>
+          </p:cNvSpPr>
+          <p:nvPr>
+            <p:ph idx="1"/>
+          </p:nvPr>
+        </p:nvSpPr>
+        <p:spPr/>
+        <p:txBody>
+          <a:bodyPr/>
+          <a:lstStyle/>
+          <a:p>
+            <a:endParaRPr lang="de-CH"/>
+          </a:p>
+        </p:txBody>
+      </p:sp>
+    </p:spTree>
+    <p:extLst>
+      <p:ext uri="{BB962C8B-B14F-4D97-AF65-F5344CB8AC3E}">
+        <p14:creationId xmlns:p14="http://schemas.microsoft.com/office/powerpoint/2010/main" val="1319036093"/>
+      </p:ext>
+    </p:extLst>
+  </p:cSld>
+  <p:clrMapOvr>
+    <a:masterClrMapping/>
+  </p:clrMapOvr>
+  <p:timing>
+    <p:tnLst>
+      <p:par>
+        <p:cTn id="1" dur="indefinite" restart="never" nodeType="tmRoot"/>
+      </p:par>
+    </p:tnLst>
+  </p:timing>
+</p:sld>
+</file>
+
+<file path=ppt/slides/slide12.xml><?xml version="1.0" encoding="utf-8"?>
+<p:sld xmlns:a="http://schemas.openxmlformats.org/drawingml/2006/main" xmlns:r="http://schemas.openxmlformats.org/officeDocument/2006/relationships" xmlns:p="http://schemas.openxmlformats.org/presentationml/2006/main">
+  <p:cSld>
+    <p:spTree>
+      <p:nvGrpSpPr>
+        <p:cNvPr id="1" name=""/>
+        <p:cNvGrpSpPr/>
+        <p:nvPr/>
+      </p:nvGrpSpPr>
+      <p:grpSpPr>
+        <a:xfrm>
+          <a:off x="0" y="0"/>
+          <a:ext cx="0" cy="0"/>
+          <a:chOff x="0" y="0"/>
+          <a:chExt cx="0" cy="0"/>
+        </a:xfrm>
+      </p:grpSpPr>
+      <p:sp>
+        <p:nvSpPr>
+          <p:cNvPr id="2" name="Titel 1"/>
+          <p:cNvSpPr>
+            <a:spLocks noGrp="1"/>
+          </p:cNvSpPr>
+          <p:nvPr>
+            <p:ph type="title"/>
+          </p:nvPr>
+        </p:nvSpPr>
+        <p:spPr/>
+        <p:txBody>
+          <a:bodyPr>
+            <a:normAutofit fontScale="90000"/>
+          </a:bodyPr>
+          <a:lstStyle/>
+          <a:p>
+            <a:r>
+              <a:rPr lang="de-CH" dirty="0" smtClean="0"/>
+              <a:t>Grafik</a:t>
+            </a:r>
+            <a:endParaRPr lang="de-CH" dirty="0"/>
+          </a:p>
+        </p:txBody>
+      </p:sp>
+      <p:sp>
+        <p:nvSpPr>
+          <p:cNvPr id="3" name="Inhaltsplatzhalter 2"/>
+          <p:cNvSpPr>
+            <a:spLocks noGrp="1"/>
+          </p:cNvSpPr>
+          <p:nvPr>
+            <p:ph idx="1"/>
+          </p:nvPr>
+        </p:nvSpPr>
+        <p:spPr/>
+        <p:txBody>
+          <a:bodyPr/>
+          <a:lstStyle/>
+          <a:p>
+            <a:endParaRPr lang="de-CH"/>
+          </a:p>
+        </p:txBody>
+      </p:sp>
+    </p:spTree>
+    <p:extLst>
+      <p:ext uri="{BB962C8B-B14F-4D97-AF65-F5344CB8AC3E}">
+        <p14:creationId xmlns:p14="http://schemas.microsoft.com/office/powerpoint/2010/main" val="1427419514"/>
+      </p:ext>
+    </p:extLst>
+  </p:cSld>
+  <p:clrMapOvr>
+    <a:masterClrMapping/>
+  </p:clrMapOvr>
+  <p:timing>
+    <p:tnLst>
+      <p:par>
+        <p:cTn id="1" dur="indefinite" restart="never" nodeType="tmRoot"/>
+      </p:par>
+    </p:tnLst>
+  </p:timing>
+</p:sld>
+</file>
+
+<file path=ppt/slides/slide13.xml><?xml version="1.0" encoding="utf-8"?>
+<p:sld xmlns:a="http://schemas.openxmlformats.org/drawingml/2006/main" xmlns:r="http://schemas.openxmlformats.org/officeDocument/2006/relationships" xmlns:p="http://schemas.openxmlformats.org/presentationml/2006/main">
+  <p:cSld>
+    <p:spTree>
+      <p:nvGrpSpPr>
+        <p:cNvPr id="1" name=""/>
+        <p:cNvGrpSpPr/>
+        <p:nvPr/>
+      </p:nvGrpSpPr>
+      <p:grpSpPr>
+        <a:xfrm>
+          <a:off x="0" y="0"/>
+          <a:ext cx="0" cy="0"/>
+          <a:chOff x="0" y="0"/>
+          <a:chExt cx="0" cy="0"/>
+        </a:xfrm>
+      </p:grpSpPr>
+      <p:sp>
+        <p:nvSpPr>
+          <p:cNvPr id="2" name="Titel 1"/>
+          <p:cNvSpPr>
+            <a:spLocks noGrp="1"/>
+          </p:cNvSpPr>
+          <p:nvPr>
+            <p:ph type="ctrTitle"/>
+          </p:nvPr>
+        </p:nvSpPr>
+        <p:spPr/>
+        <p:txBody>
+          <a:bodyPr>
+            <a:normAutofit/>
+          </a:bodyPr>
+          <a:lstStyle/>
+          <a:p>
+            <a:r>
+              <a:rPr lang="de-CH" dirty="0" smtClean="0"/>
+              <a:t>Fragen?</a:t>
+            </a:r>
+            <a:endParaRPr lang="de-CH" dirty="0"/>
+          </a:p>
+        </p:txBody>
+      </p:sp>
+    </p:spTree>
+    <p:extLst>
+      <p:ext uri="{BB962C8B-B14F-4D97-AF65-F5344CB8AC3E}">
+        <p14:creationId xmlns:p14="http://schemas.microsoft.com/office/powerpoint/2010/main" val="887838879"/>
+      </p:ext>
+    </p:extLst>
+  </p:cSld>
+  <p:clrMapOvr>
+    <a:masterClrMapping/>
+  </p:clrMapOvr>
+  <p:timing>
+    <p:tnLst>
+      <p:par>
+        <p:cTn id="1" dur="indefinite" restart="never" nodeType="tmRoot"/>
+      </p:par>
+    </p:tnLst>
+  </p:timing>
+</p:sld>
+</file>
+
+<file path=ppt/slides/slide14.xml><?xml version="1.0" encoding="utf-8"?>
+<p:sld xmlns:a="http://schemas.openxmlformats.org/drawingml/2006/main" xmlns:r="http://schemas.openxmlformats.org/officeDocument/2006/relationships" xmlns:p="http://schemas.openxmlformats.org/presentationml/2006/main">
+  <p:cSld>
+    <p:spTree>
+      <p:nvGrpSpPr>
+        <p:cNvPr id="1" name=""/>
+        <p:cNvGrpSpPr/>
+        <p:nvPr/>
+      </p:nvGrpSpPr>
+      <p:grpSpPr>
+        <a:xfrm>
+          <a:off x="0" y="0"/>
+          <a:ext cx="0" cy="0"/>
+          <a:chOff x="0" y="0"/>
+          <a:chExt cx="0" cy="0"/>
+        </a:xfrm>
+      </p:grpSpPr>
+      <p:sp>
+        <p:nvSpPr>
+          <p:cNvPr id="2" name="Titel 1"/>
+          <p:cNvSpPr>
+            <a:spLocks noGrp="1"/>
+          </p:cNvSpPr>
+          <p:nvPr>
+            <p:ph type="ctrTitle"/>
+          </p:nvPr>
+        </p:nvSpPr>
+        <p:spPr/>
+        <p:txBody>
+          <a:bodyPr/>
+          <a:lstStyle/>
+          <a:p>
+            <a:endParaRPr lang="de-DE"/>
+          </a:p>
+        </p:txBody>
+      </p:sp>
+      <p:sp>
+        <p:nvSpPr>
+          <p:cNvPr id="3" name="Untertitel 2"/>
+          <p:cNvSpPr>
+            <a:spLocks noGrp="1"/>
+          </p:cNvSpPr>
+          <p:nvPr>
+            <p:ph type="subTitle" idx="1"/>
+          </p:nvPr>
+        </p:nvSpPr>
+        <p:spPr/>
+        <p:txBody>
+          <a:bodyPr/>
+          <a:lstStyle/>
+          <a:p>
+            <a:endParaRPr lang="de-DE"/>
+          </a:p>
+        </p:txBody>
+      </p:sp>
+    </p:spTree>
+    <p:extLst>
+      <p:ext uri="{BB962C8B-B14F-4D97-AF65-F5344CB8AC3E}">
+        <p14:creationId xmlns:p14="http://schemas.microsoft.com/office/powerpoint/2010/main" val="2250555948"/>
       </p:ext>
     </p:extLst>
   </p:cSld>
@@ -3576,14 +5206,80 @@
           <a:bodyPr/>
           <a:lstStyle/>
           <a:p>
-            <a:endParaRPr lang="de-CH"/>
+            <a:r>
+              <a:rPr lang="de-CH" dirty="0" smtClean="0"/>
+              <a:t>Vordefiniert</a:t>
+            </a:r>
+          </a:p>
+          <a:p>
+            <a:pPr lvl="1"/>
+            <a:r>
+              <a:rPr lang="de-CH" dirty="0" smtClean="0"/>
+              <a:t>Schiffslänge</a:t>
+            </a:r>
+          </a:p>
+          <a:p>
+            <a:pPr lvl="1"/>
+            <a:r>
+              <a:rPr lang="de-CH" dirty="0" smtClean="0"/>
+              <a:t>Schiffsbreite</a:t>
+            </a:r>
+          </a:p>
+          <a:p>
+            <a:pPr lvl="1"/>
+            <a:r>
+              <a:rPr lang="de-CH" dirty="0" smtClean="0"/>
+              <a:t>Max Containerlänge</a:t>
+            </a:r>
+          </a:p>
+          <a:p>
+            <a:pPr lvl="1"/>
+            <a:r>
+              <a:rPr lang="de-CH" dirty="0" smtClean="0"/>
+              <a:t>Max Containergewicht</a:t>
+            </a:r>
+            <a:endParaRPr lang="de-CH" dirty="0"/>
+          </a:p>
+          <a:p>
+            <a:r>
+              <a:rPr lang="de-CH" dirty="0" smtClean="0"/>
+              <a:t>Was soll pseudozufällig generiert werden?</a:t>
+            </a:r>
+          </a:p>
+          <a:p>
+            <a:pPr lvl="1"/>
+            <a:r>
+              <a:rPr lang="de-CH" dirty="0" smtClean="0"/>
+              <a:t>Containerlänge</a:t>
+            </a:r>
+          </a:p>
+          <a:p>
+            <a:pPr lvl="1"/>
+            <a:r>
+              <a:rPr lang="de-CH" dirty="0" smtClean="0"/>
+              <a:t>Containergewicht</a:t>
+            </a:r>
+          </a:p>
+          <a:p>
+            <a:pPr lvl="1"/>
+            <a:r>
+              <a:rPr lang="de-CH" dirty="0" smtClean="0"/>
+              <a:t>Containeranordnung</a:t>
+            </a:r>
+          </a:p>
+          <a:p>
+            <a:pPr lvl="1"/>
+            <a:r>
+              <a:rPr lang="de-CH" dirty="0" smtClean="0"/>
+              <a:t>Containerfarbe</a:t>
+            </a:r>
           </a:p>
         </p:txBody>
       </p:sp>
     </p:spTree>
     <p:extLst>
       <p:ext uri="{BB962C8B-B14F-4D97-AF65-F5344CB8AC3E}">
-        <p14:creationId xmlns:p14="http://schemas.microsoft.com/office/powerpoint/2010/main" val="3232668650"/>
+        <p14:creationId xmlns:p14="http://schemas.microsoft.com/office/powerpoint/2010/main" val="1030715470"/>
       </p:ext>
     </p:extLst>
   </p:cSld>
@@ -3593,7 +5289,376 @@
   <p:timing>
     <p:tnLst>
       <p:par>
-        <p:cTn id="1" dur="indefinite" restart="never" nodeType="tmRoot"/>
+        <p:cTn id="1" dur="indefinite" restart="never" nodeType="tmRoot">
+          <p:childTnLst>
+            <p:seq concurrent="1" nextAc="seek">
+              <p:cTn id="2" dur="indefinite" nodeType="mainSeq">
+                <p:childTnLst>
+                  <p:par>
+                    <p:cTn id="3" fill="hold">
+                      <p:stCondLst>
+                        <p:cond delay="indefinite"/>
+                      </p:stCondLst>
+                      <p:childTnLst>
+                        <p:par>
+                          <p:cTn id="4" fill="hold">
+                            <p:stCondLst>
+                              <p:cond delay="0"/>
+                            </p:stCondLst>
+                            <p:childTnLst>
+                              <p:par>
+                                <p:cTn id="5" presetID="1" presetClass="entr" presetSubtype="0" fill="hold" nodeType="clickEffect">
+                                  <p:stCondLst>
+                                    <p:cond delay="0"/>
+                                  </p:stCondLst>
+                                  <p:childTnLst>
+                                    <p:set>
+                                      <p:cBhvr>
+                                        <p:cTn id="6" dur="1" fill="hold">
+                                          <p:stCondLst>
+                                            <p:cond delay="0"/>
+                                          </p:stCondLst>
+                                        </p:cTn>
+                                        <p:tgtEl>
+                                          <p:spTgt spid="5">
+                                            <p:txEl>
+                                              <p:pRg st="0" end="0"/>
+                                            </p:txEl>
+                                          </p:spTgt>
+                                        </p:tgtEl>
+                                        <p:attrNameLst>
+                                          <p:attrName>style.visibility</p:attrName>
+                                        </p:attrNameLst>
+                                      </p:cBhvr>
+                                      <p:to>
+                                        <p:strVal val="visible"/>
+                                      </p:to>
+                                    </p:set>
+                                  </p:childTnLst>
+                                </p:cTn>
+                              </p:par>
+                              <p:par>
+                                <p:cTn id="7" presetID="1" presetClass="entr" presetSubtype="0" fill="hold" nodeType="withEffect">
+                                  <p:stCondLst>
+                                    <p:cond delay="0"/>
+                                  </p:stCondLst>
+                                  <p:childTnLst>
+                                    <p:set>
+                                      <p:cBhvr>
+                                        <p:cTn id="8" dur="1" fill="hold">
+                                          <p:stCondLst>
+                                            <p:cond delay="0"/>
+                                          </p:stCondLst>
+                                        </p:cTn>
+                                        <p:tgtEl>
+                                          <p:spTgt spid="5">
+                                            <p:txEl>
+                                              <p:pRg st="1" end="1"/>
+                                            </p:txEl>
+                                          </p:spTgt>
+                                        </p:tgtEl>
+                                        <p:attrNameLst>
+                                          <p:attrName>style.visibility</p:attrName>
+                                        </p:attrNameLst>
+                                      </p:cBhvr>
+                                      <p:to>
+                                        <p:strVal val="visible"/>
+                                      </p:to>
+                                    </p:set>
+                                  </p:childTnLst>
+                                </p:cTn>
+                              </p:par>
+                              <p:par>
+                                <p:cTn id="9" presetID="1" presetClass="entr" presetSubtype="0" fill="hold" nodeType="withEffect">
+                                  <p:stCondLst>
+                                    <p:cond delay="0"/>
+                                  </p:stCondLst>
+                                  <p:childTnLst>
+                                    <p:set>
+                                      <p:cBhvr>
+                                        <p:cTn id="10" dur="1" fill="hold">
+                                          <p:stCondLst>
+                                            <p:cond delay="0"/>
+                                          </p:stCondLst>
+                                        </p:cTn>
+                                        <p:tgtEl>
+                                          <p:spTgt spid="5">
+                                            <p:txEl>
+                                              <p:pRg st="2" end="2"/>
+                                            </p:txEl>
+                                          </p:spTgt>
+                                        </p:tgtEl>
+                                        <p:attrNameLst>
+                                          <p:attrName>style.visibility</p:attrName>
+                                        </p:attrNameLst>
+                                      </p:cBhvr>
+                                      <p:to>
+                                        <p:strVal val="visible"/>
+                                      </p:to>
+                                    </p:set>
+                                  </p:childTnLst>
+                                </p:cTn>
+                              </p:par>
+                              <p:par>
+                                <p:cTn id="11" presetID="1" presetClass="entr" presetSubtype="0" fill="hold" nodeType="withEffect">
+                                  <p:stCondLst>
+                                    <p:cond delay="0"/>
+                                  </p:stCondLst>
+                                  <p:childTnLst>
+                                    <p:set>
+                                      <p:cBhvr>
+                                        <p:cTn id="12" dur="1" fill="hold">
+                                          <p:stCondLst>
+                                            <p:cond delay="0"/>
+                                          </p:stCondLst>
+                                        </p:cTn>
+                                        <p:tgtEl>
+                                          <p:spTgt spid="5">
+                                            <p:txEl>
+                                              <p:pRg st="3" end="3"/>
+                                            </p:txEl>
+                                          </p:spTgt>
+                                        </p:tgtEl>
+                                        <p:attrNameLst>
+                                          <p:attrName>style.visibility</p:attrName>
+                                        </p:attrNameLst>
+                                      </p:cBhvr>
+                                      <p:to>
+                                        <p:strVal val="visible"/>
+                                      </p:to>
+                                    </p:set>
+                                  </p:childTnLst>
+                                </p:cTn>
+                              </p:par>
+                              <p:par>
+                                <p:cTn id="13" presetID="1" presetClass="entr" presetSubtype="0" fill="hold" nodeType="withEffect">
+                                  <p:stCondLst>
+                                    <p:cond delay="0"/>
+                                  </p:stCondLst>
+                                  <p:childTnLst>
+                                    <p:set>
+                                      <p:cBhvr>
+                                        <p:cTn id="14" dur="1" fill="hold">
+                                          <p:stCondLst>
+                                            <p:cond delay="0"/>
+                                          </p:stCondLst>
+                                        </p:cTn>
+                                        <p:tgtEl>
+                                          <p:spTgt spid="5">
+                                            <p:txEl>
+                                              <p:pRg st="4" end="4"/>
+                                            </p:txEl>
+                                          </p:spTgt>
+                                        </p:tgtEl>
+                                        <p:attrNameLst>
+                                          <p:attrName>style.visibility</p:attrName>
+                                        </p:attrNameLst>
+                                      </p:cBhvr>
+                                      <p:to>
+                                        <p:strVal val="visible"/>
+                                      </p:to>
+                                    </p:set>
+                                  </p:childTnLst>
+                                </p:cTn>
+                              </p:par>
+                            </p:childTnLst>
+                          </p:cTn>
+                        </p:par>
+                      </p:childTnLst>
+                    </p:cTn>
+                  </p:par>
+                  <p:par>
+                    <p:cTn id="15" fill="hold">
+                      <p:stCondLst>
+                        <p:cond delay="indefinite"/>
+                      </p:stCondLst>
+                      <p:childTnLst>
+                        <p:par>
+                          <p:cTn id="16" fill="hold">
+                            <p:stCondLst>
+                              <p:cond delay="0"/>
+                            </p:stCondLst>
+                            <p:childTnLst>
+                              <p:par>
+                                <p:cTn id="17" presetID="1" presetClass="entr" presetSubtype="0" fill="hold" nodeType="clickEffect">
+                                  <p:stCondLst>
+                                    <p:cond delay="0"/>
+                                  </p:stCondLst>
+                                  <p:childTnLst>
+                                    <p:set>
+                                      <p:cBhvr>
+                                        <p:cTn id="18" dur="1" fill="hold">
+                                          <p:stCondLst>
+                                            <p:cond delay="0"/>
+                                          </p:stCondLst>
+                                        </p:cTn>
+                                        <p:tgtEl>
+                                          <p:spTgt spid="5">
+                                            <p:txEl>
+                                              <p:pRg st="5" end="5"/>
+                                            </p:txEl>
+                                          </p:spTgt>
+                                        </p:tgtEl>
+                                        <p:attrNameLst>
+                                          <p:attrName>style.visibility</p:attrName>
+                                        </p:attrNameLst>
+                                      </p:cBhvr>
+                                      <p:to>
+                                        <p:strVal val="visible"/>
+                                      </p:to>
+                                    </p:set>
+                                  </p:childTnLst>
+                                </p:cTn>
+                              </p:par>
+                              <p:par>
+                                <p:cTn id="19" presetID="1" presetClass="entr" presetSubtype="0" fill="hold" nodeType="withEffect">
+                                  <p:stCondLst>
+                                    <p:cond delay="0"/>
+                                  </p:stCondLst>
+                                  <p:childTnLst>
+                                    <p:set>
+                                      <p:cBhvr>
+                                        <p:cTn id="20" dur="1" fill="hold">
+                                          <p:stCondLst>
+                                            <p:cond delay="0"/>
+                                          </p:stCondLst>
+                                        </p:cTn>
+                                        <p:tgtEl>
+                                          <p:spTgt spid="5">
+                                            <p:txEl>
+                                              <p:pRg st="6" end="6"/>
+                                            </p:txEl>
+                                          </p:spTgt>
+                                        </p:tgtEl>
+                                        <p:attrNameLst>
+                                          <p:attrName>style.visibility</p:attrName>
+                                        </p:attrNameLst>
+                                      </p:cBhvr>
+                                      <p:to>
+                                        <p:strVal val="visible"/>
+                                      </p:to>
+                                    </p:set>
+                                  </p:childTnLst>
+                                </p:cTn>
+                              </p:par>
+                              <p:par>
+                                <p:cTn id="21" presetID="1" presetClass="entr" presetSubtype="0" fill="hold" nodeType="withEffect">
+                                  <p:stCondLst>
+                                    <p:cond delay="0"/>
+                                  </p:stCondLst>
+                                  <p:childTnLst>
+                                    <p:set>
+                                      <p:cBhvr>
+                                        <p:cTn id="22" dur="1" fill="hold">
+                                          <p:stCondLst>
+                                            <p:cond delay="0"/>
+                                          </p:stCondLst>
+                                        </p:cTn>
+                                        <p:tgtEl>
+                                          <p:spTgt spid="5">
+                                            <p:txEl>
+                                              <p:pRg st="7" end="7"/>
+                                            </p:txEl>
+                                          </p:spTgt>
+                                        </p:tgtEl>
+                                        <p:attrNameLst>
+                                          <p:attrName>style.visibility</p:attrName>
+                                        </p:attrNameLst>
+                                      </p:cBhvr>
+                                      <p:to>
+                                        <p:strVal val="visible"/>
+                                      </p:to>
+                                    </p:set>
+                                  </p:childTnLst>
+                                </p:cTn>
+                              </p:par>
+                              <p:par>
+                                <p:cTn id="23" presetID="1" presetClass="entr" presetSubtype="0" fill="hold" nodeType="withEffect">
+                                  <p:stCondLst>
+                                    <p:cond delay="0"/>
+                                  </p:stCondLst>
+                                  <p:childTnLst>
+                                    <p:set>
+                                      <p:cBhvr>
+                                        <p:cTn id="24" dur="1" fill="hold">
+                                          <p:stCondLst>
+                                            <p:cond delay="0"/>
+                                          </p:stCondLst>
+                                        </p:cTn>
+                                        <p:tgtEl>
+                                          <p:spTgt spid="5">
+                                            <p:txEl>
+                                              <p:pRg st="8" end="8"/>
+                                            </p:txEl>
+                                          </p:spTgt>
+                                        </p:tgtEl>
+                                        <p:attrNameLst>
+                                          <p:attrName>style.visibility</p:attrName>
+                                        </p:attrNameLst>
+                                      </p:cBhvr>
+                                      <p:to>
+                                        <p:strVal val="visible"/>
+                                      </p:to>
+                                    </p:set>
+                                  </p:childTnLst>
+                                </p:cTn>
+                              </p:par>
+                              <p:par>
+                                <p:cTn id="25" presetID="1" presetClass="entr" presetSubtype="0" fill="hold" nodeType="withEffect">
+                                  <p:stCondLst>
+                                    <p:cond delay="0"/>
+                                  </p:stCondLst>
+                                  <p:childTnLst>
+                                    <p:set>
+                                      <p:cBhvr>
+                                        <p:cTn id="26" dur="1" fill="hold">
+                                          <p:stCondLst>
+                                            <p:cond delay="0"/>
+                                          </p:stCondLst>
+                                        </p:cTn>
+                                        <p:tgtEl>
+                                          <p:spTgt spid="5">
+                                            <p:txEl>
+                                              <p:pRg st="9" end="9"/>
+                                            </p:txEl>
+                                          </p:spTgt>
+                                        </p:tgtEl>
+                                        <p:attrNameLst>
+                                          <p:attrName>style.visibility</p:attrName>
+                                        </p:attrNameLst>
+                                      </p:cBhvr>
+                                      <p:to>
+                                        <p:strVal val="visible"/>
+                                      </p:to>
+                                    </p:set>
+                                  </p:childTnLst>
+                                </p:cTn>
+                              </p:par>
+                            </p:childTnLst>
+                          </p:cTn>
+                        </p:par>
+                      </p:childTnLst>
+                    </p:cTn>
+                  </p:par>
+                </p:childTnLst>
+              </p:cTn>
+              <p:prevCondLst>
+                <p:cond evt="onPrev" delay="0">
+                  <p:tgtEl>
+                    <p:sldTgt/>
+                  </p:tgtEl>
+                </p:cond>
+              </p:prevCondLst>
+              <p:nextCondLst>
+                <p:cond evt="onNext" delay="0">
+                  <p:tgtEl>
+                    <p:sldTgt/>
+                  </p:tgtEl>
+                </p:cond>
+              </p:nextCondLst>
+            </p:seq>
+          </p:childTnLst>
+        </p:cTn>
       </p:par>
     </p:tnLst>
   </p:timing>
@@ -3619,7 +5684,7 @@
       </p:grpSpPr>
       <p:sp>
         <p:nvSpPr>
-          <p:cNvPr id="2" name="Titel 1"/>
+          <p:cNvPr id="4" name="Titel 3"/>
           <p:cNvSpPr>
             <a:spLocks noGrp="1"/>
           </p:cNvSpPr>
@@ -3635,8 +5700,8 @@
           <a:lstStyle/>
           <a:p>
             <a:r>
-              <a:rPr lang="de-CH" dirty="0" smtClean="0"/>
-              <a:t>Auswertungsalgorithmus</a:t>
+              <a:rPr lang="de-CH" dirty="0" err="1" smtClean="0"/>
+              <a:t>Levelgenerierung</a:t>
             </a:r>
             <a:endParaRPr lang="de-CH" dirty="0"/>
           </a:p>
@@ -3644,7 +5709,7 @@
       </p:sp>
       <p:sp>
         <p:nvSpPr>
-          <p:cNvPr id="3" name="Inhaltsplatzhalter 2"/>
+          <p:cNvPr id="5" name="Inhaltsplatzhalter 4"/>
           <p:cNvSpPr>
             <a:spLocks noGrp="1"/>
           </p:cNvSpPr>
@@ -3657,14 +5722,326 @@
           <a:bodyPr/>
           <a:lstStyle/>
           <a:p>
-            <a:endParaRPr lang="de-CH"/>
+            <a:r>
+              <a:rPr lang="de-CH" dirty="0" smtClean="0"/>
+              <a:t>Containergewicht – Problemlösung</a:t>
+            </a:r>
+          </a:p>
+          <a:p>
+            <a:pPr lvl="1"/>
+            <a:r>
+              <a:rPr lang="de-CH" dirty="0" smtClean="0"/>
+              <a:t>Schwere Container</a:t>
+            </a:r>
+          </a:p>
+          <a:p>
+            <a:pPr lvl="2"/>
+            <a:r>
+              <a:rPr lang="de-CH" dirty="0" smtClean="0"/>
+              <a:t>Schiff bricht schnell</a:t>
+            </a:r>
+          </a:p>
+          <a:p>
+            <a:pPr lvl="2"/>
+            <a:r>
+              <a:rPr lang="de-CH" dirty="0" smtClean="0"/>
+              <a:t>Schiff kentert schnell</a:t>
+            </a:r>
+          </a:p>
+          <a:p>
+            <a:pPr lvl="1"/>
+            <a:r>
+              <a:rPr lang="de-CH" dirty="0" smtClean="0"/>
+              <a:t>Hauptproblem: Schwere kurze Container</a:t>
+            </a:r>
+          </a:p>
+          <a:p>
+            <a:pPr lvl="2"/>
+            <a:r>
+              <a:rPr lang="de-CH" dirty="0" smtClean="0"/>
+              <a:t>Hohe punktuelle </a:t>
+            </a:r>
+            <a:r>
+              <a:rPr lang="de-CH" dirty="0"/>
+              <a:t>B</a:t>
+            </a:r>
+            <a:r>
+              <a:rPr lang="de-CH" dirty="0" smtClean="0"/>
+              <a:t>elastung</a:t>
+            </a:r>
           </a:p>
         </p:txBody>
       </p:sp>
+      <p:pic>
+        <p:nvPicPr>
+          <p:cNvPr id="1026" name="Picture 2" descr="C:\admin\github\squarefeed\Documents\Design\bildli für remo\container_3_1.png"/>
+          <p:cNvPicPr>
+            <a:picLocks noChangeAspect="1" noChangeArrowheads="1"/>
+          </p:cNvPicPr>
+          <p:nvPr/>
+        </p:nvPicPr>
+        <p:blipFill>
+          <a:blip r:embed="rId2">
+            <a:extLst>
+              <a:ext uri="{28A0092B-C50C-407E-A947-70E740481C1C}">
+                <a14:useLocalDpi xmlns:a14="http://schemas.microsoft.com/office/drawing/2010/main" val="0"/>
+              </a:ext>
+            </a:extLst>
+          </a:blip>
+          <a:srcRect/>
+          <a:stretch>
+            <a:fillRect/>
+          </a:stretch>
+        </p:blipFill>
+        <p:spPr bwMode="auto">
+          <a:xfrm>
+            <a:off x="5868144" y="4221086"/>
+            <a:ext cx="940717" cy="940717"/>
+          </a:xfrm>
+          <a:prstGeom prst="rect">
+            <a:avLst/>
+          </a:prstGeom>
+          <a:noFill/>
+          <a:extLst>
+            <a:ext uri="{909E8E84-426E-40DD-AFC4-6F175D3DCCD1}">
+              <a14:hiddenFill xmlns:a14="http://schemas.microsoft.com/office/drawing/2010/main">
+                <a:solidFill>
+                  <a:srgbClr val="FFFFFF"/>
+                </a:solidFill>
+              </a14:hiddenFill>
+            </a:ext>
+          </a:extLst>
+        </p:spPr>
+      </p:pic>
+      <p:pic>
+        <p:nvPicPr>
+          <p:cNvPr id="1027" name="Picture 3" descr="C:\admin\github\squarefeed\Documents\Design\bildli für remo\container_3_3.png"/>
+          <p:cNvPicPr>
+            <a:picLocks noChangeAspect="1" noChangeArrowheads="1"/>
+          </p:cNvPicPr>
+          <p:nvPr/>
+        </p:nvPicPr>
+        <p:blipFill>
+          <a:blip r:embed="rId3">
+            <a:extLst>
+              <a:ext uri="{28A0092B-C50C-407E-A947-70E740481C1C}">
+                <a14:useLocalDpi xmlns:a14="http://schemas.microsoft.com/office/drawing/2010/main" val="0"/>
+              </a:ext>
+            </a:extLst>
+          </a:blip>
+          <a:srcRect/>
+          <a:stretch>
+            <a:fillRect/>
+          </a:stretch>
+        </p:blipFill>
+        <p:spPr bwMode="auto">
+          <a:xfrm>
+            <a:off x="1835696" y="4221087"/>
+            <a:ext cx="2822149" cy="940717"/>
+          </a:xfrm>
+          <a:prstGeom prst="rect">
+            <a:avLst/>
+          </a:prstGeom>
+          <a:noFill/>
+          <a:extLst>
+            <a:ext uri="{909E8E84-426E-40DD-AFC4-6F175D3DCCD1}">
+              <a14:hiddenFill xmlns:a14="http://schemas.microsoft.com/office/drawing/2010/main">
+                <a:solidFill>
+                  <a:srgbClr val="FFFFFF"/>
+                </a:solidFill>
+              </a14:hiddenFill>
+            </a:ext>
+          </a:extLst>
+        </p:spPr>
+      </p:pic>
+      <p:graphicFrame>
+        <p:nvGraphicFramePr>
+          <p:cNvPr id="2" name="Table 1"/>
+          <p:cNvGraphicFramePr>
+            <a:graphicFrameLocks noGrp="1"/>
+          </p:cNvGraphicFramePr>
+          <p:nvPr>
+            <p:extLst>
+              <p:ext uri="{D42A27DB-BD31-4B8C-83A1-F6EECF244321}">
+                <p14:modId xmlns:p14="http://schemas.microsoft.com/office/powerpoint/2010/main" val="1323849443"/>
+              </p:ext>
+            </p:extLst>
+          </p:nvPr>
+        </p:nvGraphicFramePr>
+        <p:xfrm>
+          <a:off x="1835697" y="4221087"/>
+          <a:ext cx="2822148" cy="940716"/>
+        </p:xfrm>
+        <a:graphic>
+          <a:graphicData uri="http://schemas.openxmlformats.org/drawingml/2006/table">
+            <a:tbl>
+              <a:tblPr firstRow="1" bandRow="1">
+                <a:tableStyleId>{5C22544A-7EE6-4342-B048-85BDC9FD1C3A}</a:tableStyleId>
+              </a:tblPr>
+              <a:tblGrid>
+                <a:gridCol w="940716"/>
+                <a:gridCol w="940716"/>
+                <a:gridCol w="940716"/>
+              </a:tblGrid>
+              <a:tr h="940716">
+                <a:tc>
+                  <a:txBody>
+                    <a:bodyPr/>
+                    <a:lstStyle/>
+                    <a:p>
+                      <a:pPr algn="ctr"/>
+                      <a:r>
+                        <a:rPr lang="de-CH" sz="4000" dirty="0" smtClean="0">
+                          <a:solidFill>
+                            <a:srgbClr val="FF9933"/>
+                          </a:solidFill>
+                        </a:rPr>
+                        <a:t>3/3</a:t>
+                      </a:r>
+                      <a:endParaRPr lang="de-CH" sz="4000" dirty="0">
+                        <a:solidFill>
+                          <a:srgbClr val="FF9933"/>
+                        </a:solidFill>
+                      </a:endParaRPr>
+                    </a:p>
+                  </a:txBody>
+                  <a:tcPr anchor="ctr">
+                    <a:solidFill>
+                      <a:schemeClr val="accent1">
+                        <a:alpha val="30000"/>
+                      </a:schemeClr>
+                    </a:solidFill>
+                  </a:tcPr>
+                </a:tc>
+                <a:tc>
+                  <a:txBody>
+                    <a:bodyPr/>
+                    <a:lstStyle/>
+                    <a:p>
+                      <a:pPr algn="ctr"/>
+                      <a:r>
+                        <a:rPr lang="de-CH" sz="4000" dirty="0" smtClean="0">
+                          <a:solidFill>
+                            <a:srgbClr val="FF9933"/>
+                          </a:solidFill>
+                        </a:rPr>
+                        <a:t>3/3</a:t>
+                      </a:r>
+                      <a:endParaRPr lang="de-CH" sz="4000" dirty="0">
+                        <a:solidFill>
+                          <a:srgbClr val="FF9933"/>
+                        </a:solidFill>
+                      </a:endParaRPr>
+                    </a:p>
+                  </a:txBody>
+                  <a:tcPr anchor="ctr">
+                    <a:solidFill>
+                      <a:schemeClr val="accent1">
+                        <a:alpha val="30000"/>
+                      </a:schemeClr>
+                    </a:solidFill>
+                  </a:tcPr>
+                </a:tc>
+                <a:tc>
+                  <a:txBody>
+                    <a:bodyPr/>
+                    <a:lstStyle/>
+                    <a:p>
+                      <a:pPr algn="ctr"/>
+                      <a:r>
+                        <a:rPr lang="de-CH" sz="4000" dirty="0" smtClean="0">
+                          <a:solidFill>
+                            <a:srgbClr val="FF9933"/>
+                          </a:solidFill>
+                        </a:rPr>
+                        <a:t>3/3</a:t>
+                      </a:r>
+                      <a:endParaRPr lang="de-CH" sz="4000" dirty="0">
+                        <a:solidFill>
+                          <a:srgbClr val="FF9933"/>
+                        </a:solidFill>
+                      </a:endParaRPr>
+                    </a:p>
+                  </a:txBody>
+                  <a:tcPr anchor="ctr">
+                    <a:solidFill>
+                      <a:schemeClr val="accent1">
+                        <a:alpha val="30000"/>
+                      </a:schemeClr>
+                    </a:solidFill>
+                  </a:tcPr>
+                </a:tc>
+              </a:tr>
+            </a:tbl>
+          </a:graphicData>
+        </a:graphic>
+      </p:graphicFrame>
+      <p:graphicFrame>
+        <p:nvGraphicFramePr>
+          <p:cNvPr id="7" name="Table 6"/>
+          <p:cNvGraphicFramePr>
+            <a:graphicFrameLocks noGrp="1"/>
+          </p:cNvGraphicFramePr>
+          <p:nvPr>
+            <p:extLst>
+              <p:ext uri="{D42A27DB-BD31-4B8C-83A1-F6EECF244321}">
+                <p14:modId xmlns:p14="http://schemas.microsoft.com/office/powerpoint/2010/main" val="1859923590"/>
+              </p:ext>
+            </p:extLst>
+          </p:nvPr>
+        </p:nvGraphicFramePr>
+        <p:xfrm>
+          <a:off x="5840727" y="4197906"/>
+          <a:ext cx="940716" cy="940716"/>
+        </p:xfrm>
+        <a:graphic>
+          <a:graphicData uri="http://schemas.openxmlformats.org/drawingml/2006/table">
+            <a:tbl>
+              <a:tblPr firstRow="1" bandRow="1">
+                <a:tableStyleId>{5C22544A-7EE6-4342-B048-85BDC9FD1C3A}</a:tableStyleId>
+              </a:tblPr>
+              <a:tblGrid>
+                <a:gridCol w="940716"/>
+              </a:tblGrid>
+              <a:tr h="940716">
+                <a:tc>
+                  <a:txBody>
+                    <a:bodyPr/>
+                    <a:lstStyle/>
+                    <a:p>
+                      <a:pPr algn="ctr"/>
+                      <a:r>
+                        <a:rPr lang="de-CH" sz="4000" dirty="0" smtClean="0">
+                          <a:solidFill>
+                            <a:srgbClr val="FF9933"/>
+                          </a:solidFill>
+                        </a:rPr>
+                        <a:t>3</a:t>
+                      </a:r>
+                      <a:endParaRPr lang="de-CH" sz="4000" dirty="0">
+                        <a:solidFill>
+                          <a:srgbClr val="FF9933"/>
+                        </a:solidFill>
+                      </a:endParaRPr>
+                    </a:p>
+                  </a:txBody>
+                  <a:tcPr anchor="ctr">
+                    <a:solidFill>
+                      <a:schemeClr val="accent1">
+                        <a:alpha val="30000"/>
+                      </a:schemeClr>
+                    </a:solidFill>
+                  </a:tcPr>
+                </a:tc>
+              </a:tr>
+            </a:tbl>
+          </a:graphicData>
+        </a:graphic>
+      </p:graphicFrame>
     </p:spTree>
     <p:extLst>
       <p:ext uri="{BB962C8B-B14F-4D97-AF65-F5344CB8AC3E}">
-        <p14:creationId xmlns:p14="http://schemas.microsoft.com/office/powerpoint/2010/main" val="1319036093"/>
+        <p14:creationId xmlns:p14="http://schemas.microsoft.com/office/powerpoint/2010/main" val="2499110584"/>
       </p:ext>
     </p:extLst>
   </p:cSld>
@@ -3674,7 +6051,102 @@
   <p:timing>
     <p:tnLst>
       <p:par>
-        <p:cTn id="1" dur="indefinite" restart="never" nodeType="tmRoot"/>
+        <p:cTn id="1" dur="indefinite" restart="never" nodeType="tmRoot">
+          <p:childTnLst>
+            <p:seq concurrent="1" nextAc="seek">
+              <p:cTn id="2" dur="indefinite" nodeType="mainSeq">
+                <p:childTnLst>
+                  <p:par>
+                    <p:cTn id="3" fill="hold">
+                      <p:stCondLst>
+                        <p:cond delay="indefinite"/>
+                      </p:stCondLst>
+                      <p:childTnLst>
+                        <p:par>
+                          <p:cTn id="4" fill="hold">
+                            <p:stCondLst>
+                              <p:cond delay="0"/>
+                            </p:stCondLst>
+                            <p:childTnLst>
+                              <p:par>
+                                <p:cTn id="5" presetID="1" presetClass="entr" presetSubtype="0" fill="hold" nodeType="clickEffect">
+                                  <p:stCondLst>
+                                    <p:cond delay="0"/>
+                                  </p:stCondLst>
+                                  <p:childTnLst>
+                                    <p:set>
+                                      <p:cBhvr>
+                                        <p:cTn id="6" dur="1" fill="hold">
+                                          <p:stCondLst>
+                                            <p:cond delay="0"/>
+                                          </p:stCondLst>
+                                        </p:cTn>
+                                        <p:tgtEl>
+                                          <p:spTgt spid="7"/>
+                                        </p:tgtEl>
+                                        <p:attrNameLst>
+                                          <p:attrName>style.visibility</p:attrName>
+                                        </p:attrNameLst>
+                                      </p:cBhvr>
+                                      <p:to>
+                                        <p:strVal val="visible"/>
+                                      </p:to>
+                                    </p:set>
+                                  </p:childTnLst>
+                                </p:cTn>
+                              </p:par>
+                              <p:par>
+                                <p:cTn id="7" presetID="1" presetClass="entr" presetSubtype="0" fill="hold" nodeType="withEffect">
+                                  <p:stCondLst>
+                                    <p:cond delay="0"/>
+                                  </p:stCondLst>
+                                  <p:childTnLst>
+                                    <p:set>
+                                      <p:cBhvr>
+                                        <p:cTn id="8" dur="1" fill="hold">
+                                          <p:stCondLst>
+                                            <p:cond delay="0"/>
+                                          </p:stCondLst>
+                                        </p:cTn>
+                                        <p:tgtEl>
+                                          <p:spTgt spid="2"/>
+                                        </p:tgtEl>
+                                        <p:attrNameLst>
+                                          <p:attrName>style.visibility</p:attrName>
+                                        </p:attrNameLst>
+                                      </p:cBhvr>
+                                      <p:to>
+                                        <p:strVal val="visible"/>
+                                      </p:to>
+                                    </p:set>
+                                  </p:childTnLst>
+                                </p:cTn>
+                              </p:par>
+                            </p:childTnLst>
+                          </p:cTn>
+                        </p:par>
+                      </p:childTnLst>
+                    </p:cTn>
+                  </p:par>
+                </p:childTnLst>
+              </p:cTn>
+              <p:prevCondLst>
+                <p:cond evt="onPrev" delay="0">
+                  <p:tgtEl>
+                    <p:sldTgt/>
+                  </p:tgtEl>
+                </p:cond>
+              </p:prevCondLst>
+              <p:nextCondLst>
+                <p:cond evt="onNext" delay="0">
+                  <p:tgtEl>
+                    <p:sldTgt/>
+                  </p:tgtEl>
+                </p:cond>
+              </p:nextCondLst>
+            </p:seq>
+          </p:childTnLst>
+        </p:cTn>
       </p:par>
     </p:tnLst>
   </p:timing>
@@ -3700,7 +6172,7 @@
       </p:grpSpPr>
       <p:sp>
         <p:nvSpPr>
-          <p:cNvPr id="2" name="Titel 1"/>
+          <p:cNvPr id="4" name="Titel 3"/>
           <p:cNvSpPr>
             <a:spLocks noGrp="1"/>
           </p:cNvSpPr>
@@ -3716,8 +6188,8 @@
           <a:lstStyle/>
           <a:p>
             <a:r>
-              <a:rPr lang="de-CH" dirty="0" smtClean="0"/>
-              <a:t>Grafik</a:t>
+              <a:rPr lang="de-CH" dirty="0" err="1" smtClean="0"/>
+              <a:t>Levelgenerierung</a:t>
             </a:r>
             <a:endParaRPr lang="de-CH" dirty="0"/>
           </a:p>
@@ -3725,7 +6197,7 @@
       </p:sp>
       <p:sp>
         <p:nvSpPr>
-          <p:cNvPr id="3" name="Inhaltsplatzhalter 2"/>
+          <p:cNvPr id="5" name="Inhaltsplatzhalter 4"/>
           <p:cNvSpPr>
             <a:spLocks noGrp="1"/>
           </p:cNvSpPr>
@@ -3738,14 +6210,307 @@
           <a:bodyPr/>
           <a:lstStyle/>
           <a:p>
-            <a:endParaRPr lang="de-CH"/>
+            <a:r>
+              <a:rPr lang="de-CH" dirty="0" smtClean="0"/>
+              <a:t>Containergewicht – Problemlösung</a:t>
+            </a:r>
+          </a:p>
+          <a:p>
+            <a:pPr lvl="1"/>
+            <a:r>
+              <a:rPr lang="de-CH" dirty="0" smtClean="0"/>
+              <a:t>Auftretenswahrscheinlichkeit nach Länge und Gewicht</a:t>
+            </a:r>
           </a:p>
         </p:txBody>
       </p:sp>
+      <p:graphicFrame>
+        <p:nvGraphicFramePr>
+          <p:cNvPr id="3" name="Table 2"/>
+          <p:cNvGraphicFramePr>
+            <a:graphicFrameLocks noGrp="1"/>
+          </p:cNvGraphicFramePr>
+          <p:nvPr>
+            <p:extLst>
+              <p:ext uri="{D42A27DB-BD31-4B8C-83A1-F6EECF244321}">
+                <p14:modId xmlns:p14="http://schemas.microsoft.com/office/powerpoint/2010/main" val="4085042689"/>
+              </p:ext>
+            </p:extLst>
+          </p:nvPr>
+        </p:nvGraphicFramePr>
+        <p:xfrm>
+          <a:off x="2204257" y="2420888"/>
+          <a:ext cx="4752528" cy="2438400"/>
+        </p:xfrm>
+        <a:graphic>
+          <a:graphicData uri="http://schemas.openxmlformats.org/drawingml/2006/table">
+            <a:tbl>
+              <a:tblPr firstRow="1" bandRow="1">
+                <a:tableStyleId>{2D5ABB26-0587-4C30-8999-92F81FD0307C}</a:tableStyleId>
+              </a:tblPr>
+              <a:tblGrid>
+                <a:gridCol w="2376264"/>
+                <a:gridCol w="2376264"/>
+              </a:tblGrid>
+              <a:tr h="370840">
+                <a:tc gridSpan="2">
+                  <a:txBody>
+                    <a:bodyPr/>
+                    <a:lstStyle/>
+                    <a:p>
+                      <a:pPr algn="ctr"/>
+                      <a:r>
+                        <a:rPr lang="de-CH" sz="3000" dirty="0" smtClean="0">
+                          <a:solidFill>
+                            <a:srgbClr val="FF9933"/>
+                          </a:solidFill>
+                        </a:rPr>
+                        <a:t>Containerlänge =</a:t>
+                      </a:r>
+                      <a:r>
+                        <a:rPr lang="de-CH" sz="3000" baseline="0" dirty="0" smtClean="0">
+                          <a:solidFill>
+                            <a:srgbClr val="FF9933"/>
+                          </a:solidFill>
+                        </a:rPr>
+                        <a:t> 1</a:t>
+                      </a:r>
+                      <a:endParaRPr lang="de-CH" sz="3000" dirty="0">
+                        <a:solidFill>
+                          <a:srgbClr val="FF9933"/>
+                        </a:solidFill>
+                      </a:endParaRPr>
+                    </a:p>
+                  </a:txBody>
+                  <a:tcPr/>
+                </a:tc>
+                <a:tc hMerge="1">
+                  <a:txBody>
+                    <a:bodyPr/>
+                    <a:lstStyle/>
+                    <a:p>
+                      <a:endParaRPr lang="de-CH" dirty="0"/>
+                    </a:p>
+                  </a:txBody>
+                  <a:tcPr/>
+                </a:tc>
+              </a:tr>
+              <a:tr h="370840">
+                <a:tc>
+                  <a:txBody>
+                    <a:bodyPr/>
+                    <a:lstStyle/>
+                    <a:p>
+                      <a:pPr algn="ctr"/>
+                      <a:r>
+                        <a:rPr lang="de-CH" sz="2500" dirty="0" smtClean="0">
+                          <a:solidFill>
+                            <a:srgbClr val="FF9933"/>
+                          </a:solidFill>
+                        </a:rPr>
+                        <a:t>Gewicht</a:t>
+                      </a:r>
+                      <a:endParaRPr lang="de-CH" sz="2500" dirty="0">
+                        <a:solidFill>
+                          <a:srgbClr val="FF9933"/>
+                        </a:solidFill>
+                      </a:endParaRPr>
+                    </a:p>
+                  </a:txBody>
+                  <a:tcPr/>
+                </a:tc>
+                <a:tc>
+                  <a:txBody>
+                    <a:bodyPr/>
+                    <a:lstStyle/>
+                    <a:p>
+                      <a:pPr algn="ctr"/>
+                      <a:r>
+                        <a:rPr lang="de-CH" sz="2500" dirty="0" smtClean="0">
+                          <a:solidFill>
+                            <a:srgbClr val="FF9933"/>
+                          </a:solidFill>
+                        </a:rPr>
+                        <a:t>P(Gewicht) [</a:t>
+                      </a:r>
+                      <a:r>
+                        <a:rPr lang="de-CH" sz="2500" dirty="0" err="1" smtClean="0">
+                          <a:solidFill>
+                            <a:srgbClr val="FF9933"/>
+                          </a:solidFill>
+                        </a:rPr>
+                        <a:t>ca</a:t>
+                      </a:r>
+                      <a:r>
+                        <a:rPr lang="de-CH" sz="2500" dirty="0" smtClean="0">
+                          <a:solidFill>
+                            <a:srgbClr val="FF9933"/>
+                          </a:solidFill>
+                        </a:rPr>
+                        <a:t>]</a:t>
+                      </a:r>
+                      <a:endParaRPr lang="de-CH" sz="2500" dirty="0">
+                        <a:solidFill>
+                          <a:srgbClr val="FF9933"/>
+                        </a:solidFill>
+                      </a:endParaRPr>
+                    </a:p>
+                  </a:txBody>
+                  <a:tcPr/>
+                </a:tc>
+              </a:tr>
+              <a:tr h="370840">
+                <a:tc>
+                  <a:txBody>
+                    <a:bodyPr/>
+                    <a:lstStyle/>
+                    <a:p>
+                      <a:pPr algn="ctr"/>
+                      <a:r>
+                        <a:rPr lang="de-CH" sz="2500" dirty="0" smtClean="0">
+                          <a:solidFill>
+                            <a:srgbClr val="FF9933"/>
+                          </a:solidFill>
+                        </a:rPr>
+                        <a:t>1</a:t>
+                      </a:r>
+                      <a:endParaRPr lang="de-CH" sz="2500" dirty="0">
+                        <a:solidFill>
+                          <a:srgbClr val="FF9933"/>
+                        </a:solidFill>
+                      </a:endParaRPr>
+                    </a:p>
+                  </a:txBody>
+                  <a:tcPr/>
+                </a:tc>
+                <a:tc>
+                  <a:txBody>
+                    <a:bodyPr/>
+                    <a:lstStyle/>
+                    <a:p>
+                      <a:pPr algn="ctr"/>
+                      <a:r>
+                        <a:rPr lang="de-CH" sz="2500" dirty="0" smtClean="0">
+                          <a:solidFill>
+                            <a:srgbClr val="FF9933"/>
+                          </a:solidFill>
+                        </a:rPr>
+                        <a:t>42,5%</a:t>
+                      </a:r>
+                      <a:endParaRPr lang="de-CH" sz="2500" dirty="0">
+                        <a:solidFill>
+                          <a:srgbClr val="FF9933"/>
+                        </a:solidFill>
+                      </a:endParaRPr>
+                    </a:p>
+                  </a:txBody>
+                  <a:tcPr/>
+                </a:tc>
+              </a:tr>
+              <a:tr h="370840">
+                <a:tc>
+                  <a:txBody>
+                    <a:bodyPr/>
+                    <a:lstStyle/>
+                    <a:p>
+                      <a:pPr algn="ctr"/>
+                      <a:r>
+                        <a:rPr lang="de-CH" sz="2500" dirty="0" smtClean="0">
+                          <a:solidFill>
+                            <a:srgbClr val="FF9933"/>
+                          </a:solidFill>
+                        </a:rPr>
+                        <a:t>2</a:t>
+                      </a:r>
+                      <a:endParaRPr lang="de-CH" sz="2500" dirty="0">
+                        <a:solidFill>
+                          <a:srgbClr val="FF9933"/>
+                        </a:solidFill>
+                      </a:endParaRPr>
+                    </a:p>
+                  </a:txBody>
+                  <a:tcPr/>
+                </a:tc>
+                <a:tc>
+                  <a:txBody>
+                    <a:bodyPr/>
+                    <a:lstStyle/>
+                    <a:p>
+                      <a:pPr algn="ctr"/>
+                      <a:r>
+                        <a:rPr lang="de-CH" sz="2500" dirty="0" smtClean="0">
+                          <a:solidFill>
+                            <a:srgbClr val="FF9933"/>
+                          </a:solidFill>
+                        </a:rPr>
+                        <a:t>42.5%</a:t>
+                      </a:r>
+                      <a:endParaRPr lang="de-CH" sz="2500" dirty="0">
+                        <a:solidFill>
+                          <a:srgbClr val="FF9933"/>
+                        </a:solidFill>
+                      </a:endParaRPr>
+                    </a:p>
+                  </a:txBody>
+                  <a:tcPr/>
+                </a:tc>
+              </a:tr>
+              <a:tr h="370840">
+                <a:tc>
+                  <a:txBody>
+                    <a:bodyPr/>
+                    <a:lstStyle/>
+                    <a:p>
+                      <a:pPr algn="ctr"/>
+                      <a:r>
+                        <a:rPr lang="de-CH" sz="2500" dirty="0" smtClean="0">
+                          <a:solidFill>
+                            <a:srgbClr val="FF9933"/>
+                          </a:solidFill>
+                        </a:rPr>
+                        <a:t>3</a:t>
+                      </a:r>
+                      <a:endParaRPr lang="de-CH" sz="2500" dirty="0">
+                        <a:solidFill>
+                          <a:srgbClr val="FF9933"/>
+                        </a:solidFill>
+                      </a:endParaRPr>
+                    </a:p>
+                  </a:txBody>
+                  <a:tcPr/>
+                </a:tc>
+                <a:tc>
+                  <a:txBody>
+                    <a:bodyPr/>
+                    <a:lstStyle/>
+                    <a:p>
+                      <a:pPr algn="ctr"/>
+                      <a:r>
+                        <a:rPr lang="de-CH" sz="2500" dirty="0" smtClean="0">
+                          <a:solidFill>
+                            <a:srgbClr val="FF9933"/>
+                          </a:solidFill>
+                        </a:rPr>
+                        <a:t>15%</a:t>
+                      </a:r>
+                      <a:endParaRPr lang="de-CH" sz="2500" dirty="0">
+                        <a:solidFill>
+                          <a:srgbClr val="FF9933"/>
+                        </a:solidFill>
+                      </a:endParaRPr>
+                    </a:p>
+                  </a:txBody>
+                  <a:tcPr/>
+                </a:tc>
+              </a:tr>
+            </a:tbl>
+          </a:graphicData>
+        </a:graphic>
+      </p:graphicFrame>
     </p:spTree>
     <p:extLst>
       <p:ext uri="{BB962C8B-B14F-4D97-AF65-F5344CB8AC3E}">
-        <p14:creationId xmlns:p14="http://schemas.microsoft.com/office/powerpoint/2010/main" val="1427419514"/>
+        <p14:creationId xmlns:p14="http://schemas.microsoft.com/office/powerpoint/2010/main" val="3232668650"/>
       </p:ext>
     </p:extLst>
   </p:cSld>
@@ -3781,33 +6546,489 @@
       </p:grpSpPr>
       <p:sp>
         <p:nvSpPr>
-          <p:cNvPr id="2" name="Titel 1"/>
+          <p:cNvPr id="4" name="Titel 3"/>
           <p:cNvSpPr>
             <a:spLocks noGrp="1"/>
           </p:cNvSpPr>
           <p:nvPr>
-            <p:ph type="ctrTitle"/>
+            <p:ph type="title"/>
           </p:nvPr>
         </p:nvSpPr>
         <p:spPr/>
         <p:txBody>
           <a:bodyPr>
-            <a:normAutofit/>
+            <a:normAutofit fontScale="90000"/>
           </a:bodyPr>
           <a:lstStyle/>
           <a:p>
             <a:r>
-              <a:rPr lang="de-CH" dirty="0" smtClean="0"/>
-              <a:t>Fragen?</a:t>
+              <a:rPr lang="de-CH" dirty="0" err="1" smtClean="0"/>
+              <a:t>Levelgenerierung</a:t>
             </a:r>
             <a:endParaRPr lang="de-CH" dirty="0"/>
           </a:p>
         </p:txBody>
       </p:sp>
+      <p:sp>
+        <p:nvSpPr>
+          <p:cNvPr id="5" name="Inhaltsplatzhalter 4"/>
+          <p:cNvSpPr>
+            <a:spLocks noGrp="1"/>
+          </p:cNvSpPr>
+          <p:nvPr>
+            <p:ph idx="1"/>
+          </p:nvPr>
+        </p:nvSpPr>
+        <p:spPr/>
+        <p:txBody>
+          <a:bodyPr/>
+          <a:lstStyle/>
+          <a:p>
+            <a:r>
+              <a:rPr lang="de-CH" dirty="0" smtClean="0"/>
+              <a:t>Containergewicht – Problemlösung</a:t>
+            </a:r>
+          </a:p>
+          <a:p>
+            <a:pPr lvl="1"/>
+            <a:r>
+              <a:rPr lang="de-CH" dirty="0" smtClean="0"/>
+              <a:t>Auftretenswahrscheinlichkeit nach Länge und Gewicht</a:t>
+            </a:r>
+          </a:p>
+        </p:txBody>
+      </p:sp>
+      <p:graphicFrame>
+        <p:nvGraphicFramePr>
+          <p:cNvPr id="6" name="Table 5"/>
+          <p:cNvGraphicFramePr>
+            <a:graphicFrameLocks noGrp="1"/>
+          </p:cNvGraphicFramePr>
+          <p:nvPr>
+            <p:extLst>
+              <p:ext uri="{D42A27DB-BD31-4B8C-83A1-F6EECF244321}">
+                <p14:modId xmlns:p14="http://schemas.microsoft.com/office/powerpoint/2010/main" val="3153121854"/>
+              </p:ext>
+            </p:extLst>
+          </p:nvPr>
+        </p:nvGraphicFramePr>
+        <p:xfrm>
+          <a:off x="2200270" y="2420888"/>
+          <a:ext cx="4752528" cy="3855720"/>
+        </p:xfrm>
+        <a:graphic>
+          <a:graphicData uri="http://schemas.openxmlformats.org/drawingml/2006/table">
+            <a:tbl>
+              <a:tblPr firstRow="1" bandRow="1">
+                <a:tableStyleId>{2D5ABB26-0587-4C30-8999-92F81FD0307C}</a:tableStyleId>
+              </a:tblPr>
+              <a:tblGrid>
+                <a:gridCol w="2376264"/>
+                <a:gridCol w="2376264"/>
+              </a:tblGrid>
+              <a:tr h="370840">
+                <a:tc gridSpan="2">
+                  <a:txBody>
+                    <a:bodyPr/>
+                    <a:lstStyle/>
+                    <a:p>
+                      <a:pPr algn="ctr"/>
+                      <a:r>
+                        <a:rPr lang="de-CH" sz="3000" dirty="0" smtClean="0">
+                          <a:solidFill>
+                            <a:srgbClr val="FF9933"/>
+                          </a:solidFill>
+                        </a:rPr>
+                        <a:t>Containerlänge =</a:t>
+                      </a:r>
+                      <a:r>
+                        <a:rPr lang="de-CH" sz="3000" baseline="0" dirty="0" smtClean="0">
+                          <a:solidFill>
+                            <a:srgbClr val="FF9933"/>
+                          </a:solidFill>
+                        </a:rPr>
+                        <a:t> 2 bis 4</a:t>
+                      </a:r>
+                      <a:endParaRPr lang="de-CH" sz="3000" dirty="0">
+                        <a:solidFill>
+                          <a:srgbClr val="FF9933"/>
+                        </a:solidFill>
+                      </a:endParaRPr>
+                    </a:p>
+                  </a:txBody>
+                  <a:tcPr/>
+                </a:tc>
+                <a:tc hMerge="1">
+                  <a:txBody>
+                    <a:bodyPr/>
+                    <a:lstStyle/>
+                    <a:p>
+                      <a:endParaRPr lang="de-CH" dirty="0"/>
+                    </a:p>
+                  </a:txBody>
+                  <a:tcPr/>
+                </a:tc>
+              </a:tr>
+              <a:tr h="370840">
+                <a:tc>
+                  <a:txBody>
+                    <a:bodyPr/>
+                    <a:lstStyle/>
+                    <a:p>
+                      <a:pPr algn="ctr"/>
+                      <a:r>
+                        <a:rPr lang="de-CH" sz="2500" dirty="0" smtClean="0">
+                          <a:solidFill>
+                            <a:srgbClr val="FF9933"/>
+                          </a:solidFill>
+                        </a:rPr>
+                        <a:t>Gewicht</a:t>
+                      </a:r>
+                      <a:endParaRPr lang="de-CH" sz="2500" dirty="0">
+                        <a:solidFill>
+                          <a:srgbClr val="FF9933"/>
+                        </a:solidFill>
+                      </a:endParaRPr>
+                    </a:p>
+                  </a:txBody>
+                  <a:tcPr/>
+                </a:tc>
+                <a:tc>
+                  <a:txBody>
+                    <a:bodyPr/>
+                    <a:lstStyle/>
+                    <a:p>
+                      <a:pPr algn="ctr"/>
+                      <a:r>
+                        <a:rPr lang="de-CH" sz="2500" dirty="0" smtClean="0">
+                          <a:solidFill>
+                            <a:srgbClr val="FF9933"/>
+                          </a:solidFill>
+                        </a:rPr>
+                        <a:t>P(Gewicht) [</a:t>
+                      </a:r>
+                      <a:r>
+                        <a:rPr lang="de-CH" sz="2500" dirty="0" err="1" smtClean="0">
+                          <a:solidFill>
+                            <a:srgbClr val="FF9933"/>
+                          </a:solidFill>
+                        </a:rPr>
+                        <a:t>ca</a:t>
+                      </a:r>
+                      <a:r>
+                        <a:rPr lang="de-CH" sz="2500" dirty="0" smtClean="0">
+                          <a:solidFill>
+                            <a:srgbClr val="FF9933"/>
+                          </a:solidFill>
+                        </a:rPr>
+                        <a:t>]</a:t>
+                      </a:r>
+                      <a:endParaRPr lang="de-CH" sz="2500" dirty="0">
+                        <a:solidFill>
+                          <a:srgbClr val="FF9933"/>
+                        </a:solidFill>
+                      </a:endParaRPr>
+                    </a:p>
+                  </a:txBody>
+                  <a:tcPr/>
+                </a:tc>
+              </a:tr>
+              <a:tr h="370840">
+                <a:tc>
+                  <a:txBody>
+                    <a:bodyPr/>
+                    <a:lstStyle/>
+                    <a:p>
+                      <a:pPr algn="ctr"/>
+                      <a:r>
+                        <a:rPr lang="de-CH" sz="2500" dirty="0" smtClean="0">
+                          <a:solidFill>
+                            <a:srgbClr val="FF9933"/>
+                          </a:solidFill>
+                        </a:rPr>
+                        <a:t>1</a:t>
+                      </a:r>
+                      <a:endParaRPr lang="de-CH" sz="2500" dirty="0">
+                        <a:solidFill>
+                          <a:srgbClr val="FF9933"/>
+                        </a:solidFill>
+                      </a:endParaRPr>
+                    </a:p>
+                  </a:txBody>
+                  <a:tcPr/>
+                </a:tc>
+                <a:tc>
+                  <a:txBody>
+                    <a:bodyPr/>
+                    <a:lstStyle/>
+                    <a:p>
+                      <a:pPr algn="ctr"/>
+                      <a:r>
+                        <a:rPr lang="de-CH" sz="2500" dirty="0" smtClean="0">
+                          <a:solidFill>
+                            <a:srgbClr val="FF9933"/>
+                          </a:solidFill>
+                        </a:rPr>
+                        <a:t>20%</a:t>
+                      </a:r>
+                      <a:endParaRPr lang="de-CH" sz="2500" dirty="0">
+                        <a:solidFill>
+                          <a:srgbClr val="FF9933"/>
+                        </a:solidFill>
+                      </a:endParaRPr>
+                    </a:p>
+                  </a:txBody>
+                  <a:tcPr/>
+                </a:tc>
+              </a:tr>
+              <a:tr h="370840">
+                <a:tc>
+                  <a:txBody>
+                    <a:bodyPr/>
+                    <a:lstStyle/>
+                    <a:p>
+                      <a:pPr algn="ctr"/>
+                      <a:r>
+                        <a:rPr lang="de-CH" sz="2500" dirty="0" smtClean="0">
+                          <a:solidFill>
+                            <a:srgbClr val="FF9933"/>
+                          </a:solidFill>
+                        </a:rPr>
+                        <a:t>2</a:t>
+                      </a:r>
+                      <a:endParaRPr lang="de-CH" sz="2500" dirty="0">
+                        <a:solidFill>
+                          <a:srgbClr val="FF9933"/>
+                        </a:solidFill>
+                      </a:endParaRPr>
+                    </a:p>
+                  </a:txBody>
+                  <a:tcPr/>
+                </a:tc>
+                <a:tc>
+                  <a:txBody>
+                    <a:bodyPr/>
+                    <a:lstStyle/>
+                    <a:p>
+                      <a:pPr algn="ctr"/>
+                      <a:r>
+                        <a:rPr lang="de-CH" sz="2500" dirty="0" smtClean="0">
+                          <a:solidFill>
+                            <a:srgbClr val="FF9933"/>
+                          </a:solidFill>
+                        </a:rPr>
+                        <a:t>20%</a:t>
+                      </a:r>
+                      <a:endParaRPr lang="de-CH" sz="2500" dirty="0">
+                        <a:solidFill>
+                          <a:srgbClr val="FF9933"/>
+                        </a:solidFill>
+                      </a:endParaRPr>
+                    </a:p>
+                  </a:txBody>
+                  <a:tcPr/>
+                </a:tc>
+              </a:tr>
+              <a:tr h="370840">
+                <a:tc>
+                  <a:txBody>
+                    <a:bodyPr/>
+                    <a:lstStyle/>
+                    <a:p>
+                      <a:pPr algn="ctr"/>
+                      <a:r>
+                        <a:rPr lang="de-CH" sz="2500" dirty="0" smtClean="0">
+                          <a:solidFill>
+                            <a:srgbClr val="FF9933"/>
+                          </a:solidFill>
+                        </a:rPr>
+                        <a:t>3</a:t>
+                      </a:r>
+                      <a:endParaRPr lang="de-CH" sz="2500" dirty="0">
+                        <a:solidFill>
+                          <a:srgbClr val="FF9933"/>
+                        </a:solidFill>
+                      </a:endParaRPr>
+                    </a:p>
+                  </a:txBody>
+                  <a:tcPr/>
+                </a:tc>
+                <a:tc>
+                  <a:txBody>
+                    <a:bodyPr/>
+                    <a:lstStyle/>
+                    <a:p>
+                      <a:pPr algn="ctr"/>
+                      <a:r>
+                        <a:rPr lang="de-CH" sz="2500" dirty="0" smtClean="0">
+                          <a:solidFill>
+                            <a:srgbClr val="FF9933"/>
+                          </a:solidFill>
+                        </a:rPr>
+                        <a:t>20%</a:t>
+                      </a:r>
+                      <a:endParaRPr lang="de-CH" sz="2500" dirty="0">
+                        <a:solidFill>
+                          <a:srgbClr val="FF9933"/>
+                        </a:solidFill>
+                      </a:endParaRPr>
+                    </a:p>
+                  </a:txBody>
+                  <a:tcPr/>
+                </a:tc>
+              </a:tr>
+              <a:tr h="370840">
+                <a:tc>
+                  <a:txBody>
+                    <a:bodyPr/>
+                    <a:lstStyle/>
+                    <a:p>
+                      <a:pPr algn="ctr"/>
+                      <a:r>
+                        <a:rPr lang="de-CH" sz="2500" dirty="0" smtClean="0">
+                          <a:solidFill>
+                            <a:srgbClr val="FF9933"/>
+                          </a:solidFill>
+                        </a:rPr>
+                        <a:t>4</a:t>
+                      </a:r>
+                      <a:endParaRPr lang="de-CH" sz="2500" dirty="0">
+                        <a:solidFill>
+                          <a:srgbClr val="FF9933"/>
+                        </a:solidFill>
+                      </a:endParaRPr>
+                    </a:p>
+                  </a:txBody>
+                  <a:tcPr/>
+                </a:tc>
+                <a:tc>
+                  <a:txBody>
+                    <a:bodyPr/>
+                    <a:lstStyle/>
+                    <a:p>
+                      <a:pPr algn="ctr"/>
+                      <a:r>
+                        <a:rPr lang="de-CH" sz="2500" dirty="0" smtClean="0">
+                          <a:solidFill>
+                            <a:srgbClr val="FF9933"/>
+                          </a:solidFill>
+                        </a:rPr>
+                        <a:t>17,5%</a:t>
+                      </a:r>
+                      <a:endParaRPr lang="de-CH" sz="2500" dirty="0">
+                        <a:solidFill>
+                          <a:srgbClr val="FF9933"/>
+                        </a:solidFill>
+                      </a:endParaRPr>
+                    </a:p>
+                  </a:txBody>
+                  <a:tcPr/>
+                </a:tc>
+              </a:tr>
+              <a:tr h="370840">
+                <a:tc>
+                  <a:txBody>
+                    <a:bodyPr/>
+                    <a:lstStyle/>
+                    <a:p>
+                      <a:pPr algn="ctr"/>
+                      <a:r>
+                        <a:rPr lang="de-CH" sz="2500" dirty="0" smtClean="0">
+                          <a:solidFill>
+                            <a:srgbClr val="FF9933"/>
+                          </a:solidFill>
+                        </a:rPr>
+                        <a:t>5</a:t>
+                      </a:r>
+                      <a:endParaRPr lang="de-CH" sz="2500" dirty="0">
+                        <a:solidFill>
+                          <a:srgbClr val="FF9933"/>
+                        </a:solidFill>
+                      </a:endParaRPr>
+                    </a:p>
+                  </a:txBody>
+                  <a:tcPr/>
+                </a:tc>
+                <a:tc>
+                  <a:txBody>
+                    <a:bodyPr/>
+                    <a:lstStyle/>
+                    <a:p>
+                      <a:pPr algn="ctr"/>
+                      <a:r>
+                        <a:rPr lang="de-CH" sz="2500" dirty="0" smtClean="0">
+                          <a:solidFill>
+                            <a:srgbClr val="FF9933"/>
+                          </a:solidFill>
+                        </a:rPr>
+                        <a:t>17.5%</a:t>
+                      </a:r>
+                      <a:endParaRPr lang="de-CH" sz="2500" dirty="0">
+                        <a:solidFill>
+                          <a:srgbClr val="FF9933"/>
+                        </a:solidFill>
+                      </a:endParaRPr>
+                    </a:p>
+                  </a:txBody>
+                  <a:tcPr/>
+                </a:tc>
+              </a:tr>
+              <a:tr h="370840">
+                <a:tc>
+                  <a:txBody>
+                    <a:bodyPr/>
+                    <a:lstStyle/>
+                    <a:p>
+                      <a:pPr algn="ctr"/>
+                      <a:r>
+                        <a:rPr lang="de-CH" sz="2500" dirty="0" smtClean="0">
+                          <a:solidFill>
+                            <a:srgbClr val="FF9933"/>
+                          </a:solidFill>
+                        </a:rPr>
+                        <a:t>6</a:t>
+                      </a:r>
+                      <a:endParaRPr lang="de-CH" sz="2500" dirty="0">
+                        <a:solidFill>
+                          <a:srgbClr val="FF9933"/>
+                        </a:solidFill>
+                      </a:endParaRPr>
+                    </a:p>
+                  </a:txBody>
+                  <a:tcPr/>
+                </a:tc>
+                <a:tc>
+                  <a:txBody>
+                    <a:bodyPr/>
+                    <a:lstStyle/>
+                    <a:p>
+                      <a:pPr algn="ctr"/>
+                      <a:r>
+                        <a:rPr lang="de-CH" sz="2500" dirty="0" smtClean="0">
+                          <a:solidFill>
+                            <a:srgbClr val="FF9933"/>
+                          </a:solidFill>
+                        </a:rPr>
+                        <a:t>5%</a:t>
+                      </a:r>
+                      <a:endParaRPr lang="de-CH" sz="2500" dirty="0">
+                        <a:solidFill>
+                          <a:srgbClr val="FF9933"/>
+                        </a:solidFill>
+                      </a:endParaRPr>
+                    </a:p>
+                  </a:txBody>
+                  <a:tcPr/>
+                </a:tc>
+              </a:tr>
+            </a:tbl>
+          </a:graphicData>
+        </a:graphic>
+      </p:graphicFrame>
     </p:spTree>
     <p:extLst>
       <p:ext uri="{BB962C8B-B14F-4D97-AF65-F5344CB8AC3E}">
-        <p14:creationId xmlns:p14="http://schemas.microsoft.com/office/powerpoint/2010/main" val="887838879"/>
+        <p14:creationId xmlns:p14="http://schemas.microsoft.com/office/powerpoint/2010/main" val="3778575992"/>
       </p:ext>
     </p:extLst>
   </p:cSld>
@@ -3843,12 +7064,37 @@
       </p:grpSpPr>
       <p:sp>
         <p:nvSpPr>
-          <p:cNvPr id="2" name="Titel 1"/>
+          <p:cNvPr id="4" name="Titel 3"/>
           <p:cNvSpPr>
             <a:spLocks noGrp="1"/>
           </p:cNvSpPr>
           <p:nvPr>
-            <p:ph type="ctrTitle"/>
+            <p:ph type="title"/>
+          </p:nvPr>
+        </p:nvSpPr>
+        <p:spPr/>
+        <p:txBody>
+          <a:bodyPr>
+            <a:normAutofit fontScale="90000"/>
+          </a:bodyPr>
+          <a:lstStyle/>
+          <a:p>
+            <a:r>
+              <a:rPr lang="de-CH" dirty="0" err="1" smtClean="0"/>
+              <a:t>Levelgenerierung</a:t>
+            </a:r>
+            <a:endParaRPr lang="de-CH" dirty="0"/>
+          </a:p>
+        </p:txBody>
+      </p:sp>
+      <p:sp>
+        <p:nvSpPr>
+          <p:cNvPr id="5" name="Inhaltsplatzhalter 4"/>
+          <p:cNvSpPr>
+            <a:spLocks noGrp="1"/>
+          </p:cNvSpPr>
+          <p:nvPr>
+            <p:ph idx="1"/>
           </p:nvPr>
         </p:nvSpPr>
         <p:spPr/>
@@ -3856,33 +7102,4471 @@
           <a:bodyPr/>
           <a:lstStyle/>
           <a:p>
-            <a:endParaRPr lang="de-DE"/>
-          </a:p>
-        </p:txBody>
-      </p:sp>
-      <p:sp>
-        <p:nvSpPr>
-          <p:cNvPr id="3" name="Untertitel 2"/>
-          <p:cNvSpPr>
-            <a:spLocks noGrp="1"/>
-          </p:cNvSpPr>
-          <p:nvPr>
-            <p:ph type="subTitle" idx="1"/>
-          </p:nvPr>
-        </p:nvSpPr>
-        <p:spPr/>
-        <p:txBody>
-          <a:bodyPr/>
-          <a:lstStyle/>
-          <a:p>
-            <a:endParaRPr lang="de-DE"/>
+            <a:r>
+              <a:rPr lang="de-CH" dirty="0" smtClean="0"/>
+              <a:t>Containerlänge – Problemstellung</a:t>
+            </a:r>
+          </a:p>
+          <a:p>
+            <a:pPr lvl="1"/>
+            <a:r>
+              <a:rPr lang="de-CH" dirty="0" smtClean="0"/>
+              <a:t>Wie viele Container in welcher Länge haben auf dem Schiff Platz?</a:t>
+            </a:r>
+          </a:p>
+          <a:p>
+            <a:pPr lvl="1"/>
+            <a:r>
+              <a:rPr lang="de-CH" dirty="0" smtClean="0"/>
+              <a:t>Möglichst mehrere Variationen!</a:t>
+            </a:r>
           </a:p>
         </p:txBody>
       </p:sp>
     </p:spTree>
     <p:extLst>
       <p:ext uri="{BB962C8B-B14F-4D97-AF65-F5344CB8AC3E}">
-        <p14:creationId xmlns:p14="http://schemas.microsoft.com/office/powerpoint/2010/main" val="2250555948"/>
+        <p14:creationId xmlns:p14="http://schemas.microsoft.com/office/powerpoint/2010/main" val="3992421231"/>
+      </p:ext>
+    </p:extLst>
+  </p:cSld>
+  <p:clrMapOvr>
+    <a:masterClrMapping/>
+  </p:clrMapOvr>
+  <p:timing>
+    <p:tnLst>
+      <p:par>
+        <p:cTn id="1" dur="indefinite" restart="never" nodeType="tmRoot"/>
+      </p:par>
+    </p:tnLst>
+  </p:timing>
+</p:sld>
+</file>
+
+<file path=ppt/slides/slide8.xml><?xml version="1.0" encoding="utf-8"?>
+<p:sld xmlns:a="http://schemas.openxmlformats.org/drawingml/2006/main" xmlns:r="http://schemas.openxmlformats.org/officeDocument/2006/relationships" xmlns:p="http://schemas.openxmlformats.org/presentationml/2006/main">
+  <p:cSld>
+    <p:spTree>
+      <p:nvGrpSpPr>
+        <p:cNvPr id="1" name=""/>
+        <p:cNvGrpSpPr/>
+        <p:nvPr/>
+      </p:nvGrpSpPr>
+      <p:grpSpPr>
+        <a:xfrm>
+          <a:off x="0" y="0"/>
+          <a:ext cx="0" cy="0"/>
+          <a:chOff x="0" y="0"/>
+          <a:chExt cx="0" cy="0"/>
+        </a:xfrm>
+      </p:grpSpPr>
+      <p:sp>
+        <p:nvSpPr>
+          <p:cNvPr id="4" name="Titel 3"/>
+          <p:cNvSpPr>
+            <a:spLocks noGrp="1"/>
+          </p:cNvSpPr>
+          <p:nvPr>
+            <p:ph type="title"/>
+          </p:nvPr>
+        </p:nvSpPr>
+        <p:spPr/>
+        <p:txBody>
+          <a:bodyPr>
+            <a:normAutofit fontScale="90000"/>
+          </a:bodyPr>
+          <a:lstStyle/>
+          <a:p>
+            <a:r>
+              <a:rPr lang="de-CH" dirty="0" err="1" smtClean="0"/>
+              <a:t>Levelgenerierung</a:t>
+            </a:r>
+            <a:endParaRPr lang="de-CH" dirty="0"/>
+          </a:p>
+        </p:txBody>
+      </p:sp>
+      <p:sp>
+        <p:nvSpPr>
+          <p:cNvPr id="5" name="Inhaltsplatzhalter 4"/>
+          <p:cNvSpPr>
+            <a:spLocks noGrp="1"/>
+          </p:cNvSpPr>
+          <p:nvPr>
+            <p:ph idx="1"/>
+          </p:nvPr>
+        </p:nvSpPr>
+        <p:spPr>
+          <a:xfrm>
+            <a:off x="539552" y="1412776"/>
+            <a:ext cx="8067040" cy="4896585"/>
+          </a:xfrm>
+        </p:spPr>
+        <p:txBody>
+          <a:bodyPr/>
+          <a:lstStyle/>
+          <a:p>
+            <a:r>
+              <a:rPr lang="de-CH" dirty="0" smtClean="0"/>
+              <a:t>Containerlänge – Problemlösung</a:t>
+            </a:r>
+          </a:p>
+          <a:p>
+            <a:pPr lvl="1"/>
+            <a:r>
+              <a:rPr lang="de-CH" dirty="0" smtClean="0"/>
+              <a:t>Schiffsabmessung 15 x 5</a:t>
+            </a:r>
+          </a:p>
+        </p:txBody>
+      </p:sp>
+      <p:graphicFrame>
+        <p:nvGraphicFramePr>
+          <p:cNvPr id="2" name="Table 1"/>
+          <p:cNvGraphicFramePr>
+            <a:graphicFrameLocks noGrp="1"/>
+          </p:cNvGraphicFramePr>
+          <p:nvPr>
+            <p:extLst>
+              <p:ext uri="{D42A27DB-BD31-4B8C-83A1-F6EECF244321}">
+                <p14:modId xmlns:p14="http://schemas.microsoft.com/office/powerpoint/2010/main" val="2850420361"/>
+              </p:ext>
+            </p:extLst>
+          </p:nvPr>
+        </p:nvGraphicFramePr>
+        <p:xfrm>
+          <a:off x="971600" y="2864665"/>
+          <a:ext cx="6879495" cy="2301705"/>
+        </p:xfrm>
+        <a:graphic>
+          <a:graphicData uri="http://schemas.openxmlformats.org/drawingml/2006/table">
+            <a:tbl>
+              <a:tblPr firstRow="1" bandRow="1">
+                <a:tableStyleId>{5940675A-B579-460E-94D1-54222C63F5DA}</a:tableStyleId>
+              </a:tblPr>
+              <a:tblGrid>
+                <a:gridCol w="458633"/>
+                <a:gridCol w="458633"/>
+                <a:gridCol w="458633"/>
+                <a:gridCol w="458633"/>
+                <a:gridCol w="458633"/>
+                <a:gridCol w="458633"/>
+                <a:gridCol w="458633"/>
+                <a:gridCol w="458633"/>
+                <a:gridCol w="458633"/>
+                <a:gridCol w="458633"/>
+                <a:gridCol w="458633"/>
+                <a:gridCol w="458633"/>
+                <a:gridCol w="458633"/>
+                <a:gridCol w="458633"/>
+                <a:gridCol w="458633"/>
+              </a:tblGrid>
+              <a:tr h="460341">
+                <a:tc>
+                  <a:txBody>
+                    <a:bodyPr/>
+                    <a:lstStyle/>
+                    <a:p>
+                      <a:endParaRPr lang="de-CH" dirty="0"/>
+                    </a:p>
+                  </a:txBody>
+                  <a:tcPr/>
+                </a:tc>
+                <a:tc>
+                  <a:txBody>
+                    <a:bodyPr/>
+                    <a:lstStyle/>
+                    <a:p>
+                      <a:endParaRPr lang="de-CH" dirty="0"/>
+                    </a:p>
+                  </a:txBody>
+                  <a:tcPr/>
+                </a:tc>
+                <a:tc>
+                  <a:txBody>
+                    <a:bodyPr/>
+                    <a:lstStyle/>
+                    <a:p>
+                      <a:endParaRPr lang="de-CH" dirty="0"/>
+                    </a:p>
+                  </a:txBody>
+                  <a:tcPr/>
+                </a:tc>
+                <a:tc>
+                  <a:txBody>
+                    <a:bodyPr/>
+                    <a:lstStyle/>
+                    <a:p>
+                      <a:endParaRPr lang="de-CH" dirty="0"/>
+                    </a:p>
+                  </a:txBody>
+                  <a:tcPr/>
+                </a:tc>
+                <a:tc>
+                  <a:txBody>
+                    <a:bodyPr/>
+                    <a:lstStyle/>
+                    <a:p>
+                      <a:endParaRPr lang="de-CH" dirty="0"/>
+                    </a:p>
+                  </a:txBody>
+                  <a:tcPr/>
+                </a:tc>
+                <a:tc>
+                  <a:txBody>
+                    <a:bodyPr/>
+                    <a:lstStyle/>
+                    <a:p>
+                      <a:endParaRPr lang="de-CH" dirty="0"/>
+                    </a:p>
+                  </a:txBody>
+                  <a:tcPr/>
+                </a:tc>
+                <a:tc>
+                  <a:txBody>
+                    <a:bodyPr/>
+                    <a:lstStyle/>
+                    <a:p>
+                      <a:endParaRPr lang="de-CH" dirty="0"/>
+                    </a:p>
+                  </a:txBody>
+                  <a:tcPr/>
+                </a:tc>
+                <a:tc>
+                  <a:txBody>
+                    <a:bodyPr/>
+                    <a:lstStyle/>
+                    <a:p>
+                      <a:endParaRPr lang="de-CH" dirty="0"/>
+                    </a:p>
+                  </a:txBody>
+                  <a:tcPr/>
+                </a:tc>
+                <a:tc>
+                  <a:txBody>
+                    <a:bodyPr/>
+                    <a:lstStyle/>
+                    <a:p>
+                      <a:endParaRPr lang="de-CH" dirty="0"/>
+                    </a:p>
+                  </a:txBody>
+                  <a:tcPr/>
+                </a:tc>
+                <a:tc>
+                  <a:txBody>
+                    <a:bodyPr/>
+                    <a:lstStyle/>
+                    <a:p>
+                      <a:endParaRPr lang="de-CH" dirty="0"/>
+                    </a:p>
+                  </a:txBody>
+                  <a:tcPr/>
+                </a:tc>
+                <a:tc>
+                  <a:txBody>
+                    <a:bodyPr/>
+                    <a:lstStyle/>
+                    <a:p>
+                      <a:endParaRPr lang="de-CH" dirty="0"/>
+                    </a:p>
+                  </a:txBody>
+                  <a:tcPr/>
+                </a:tc>
+                <a:tc>
+                  <a:txBody>
+                    <a:bodyPr/>
+                    <a:lstStyle/>
+                    <a:p>
+                      <a:endParaRPr lang="de-CH" dirty="0"/>
+                    </a:p>
+                  </a:txBody>
+                  <a:tcPr/>
+                </a:tc>
+                <a:tc>
+                  <a:txBody>
+                    <a:bodyPr/>
+                    <a:lstStyle/>
+                    <a:p>
+                      <a:endParaRPr lang="de-CH" dirty="0"/>
+                    </a:p>
+                  </a:txBody>
+                  <a:tcPr/>
+                </a:tc>
+                <a:tc>
+                  <a:txBody>
+                    <a:bodyPr/>
+                    <a:lstStyle/>
+                    <a:p>
+                      <a:endParaRPr lang="de-CH" dirty="0"/>
+                    </a:p>
+                  </a:txBody>
+                  <a:tcPr/>
+                </a:tc>
+                <a:tc>
+                  <a:txBody>
+                    <a:bodyPr/>
+                    <a:lstStyle/>
+                    <a:p>
+                      <a:endParaRPr lang="de-CH" dirty="0"/>
+                    </a:p>
+                  </a:txBody>
+                  <a:tcPr/>
+                </a:tc>
+              </a:tr>
+              <a:tr h="460341">
+                <a:tc>
+                  <a:txBody>
+                    <a:bodyPr/>
+                    <a:lstStyle/>
+                    <a:p>
+                      <a:endParaRPr lang="de-CH"/>
+                    </a:p>
+                  </a:txBody>
+                  <a:tcPr/>
+                </a:tc>
+                <a:tc>
+                  <a:txBody>
+                    <a:bodyPr/>
+                    <a:lstStyle/>
+                    <a:p>
+                      <a:endParaRPr lang="de-CH"/>
+                    </a:p>
+                  </a:txBody>
+                  <a:tcPr/>
+                </a:tc>
+                <a:tc>
+                  <a:txBody>
+                    <a:bodyPr/>
+                    <a:lstStyle/>
+                    <a:p>
+                      <a:endParaRPr lang="de-CH"/>
+                    </a:p>
+                  </a:txBody>
+                  <a:tcPr/>
+                </a:tc>
+                <a:tc>
+                  <a:txBody>
+                    <a:bodyPr/>
+                    <a:lstStyle/>
+                    <a:p>
+                      <a:endParaRPr lang="de-CH"/>
+                    </a:p>
+                  </a:txBody>
+                  <a:tcPr/>
+                </a:tc>
+                <a:tc>
+                  <a:txBody>
+                    <a:bodyPr/>
+                    <a:lstStyle/>
+                    <a:p>
+                      <a:endParaRPr lang="de-CH" dirty="0"/>
+                    </a:p>
+                  </a:txBody>
+                  <a:tcPr/>
+                </a:tc>
+                <a:tc>
+                  <a:txBody>
+                    <a:bodyPr/>
+                    <a:lstStyle/>
+                    <a:p>
+                      <a:endParaRPr lang="de-CH" dirty="0"/>
+                    </a:p>
+                  </a:txBody>
+                  <a:tcPr/>
+                </a:tc>
+                <a:tc>
+                  <a:txBody>
+                    <a:bodyPr/>
+                    <a:lstStyle/>
+                    <a:p>
+                      <a:endParaRPr lang="de-CH" dirty="0"/>
+                    </a:p>
+                  </a:txBody>
+                  <a:tcPr/>
+                </a:tc>
+                <a:tc>
+                  <a:txBody>
+                    <a:bodyPr/>
+                    <a:lstStyle/>
+                    <a:p>
+                      <a:endParaRPr lang="de-CH" dirty="0"/>
+                    </a:p>
+                  </a:txBody>
+                  <a:tcPr/>
+                </a:tc>
+                <a:tc>
+                  <a:txBody>
+                    <a:bodyPr/>
+                    <a:lstStyle/>
+                    <a:p>
+                      <a:endParaRPr lang="de-CH"/>
+                    </a:p>
+                  </a:txBody>
+                  <a:tcPr/>
+                </a:tc>
+                <a:tc>
+                  <a:txBody>
+                    <a:bodyPr/>
+                    <a:lstStyle/>
+                    <a:p>
+                      <a:endParaRPr lang="de-CH"/>
+                    </a:p>
+                  </a:txBody>
+                  <a:tcPr/>
+                </a:tc>
+                <a:tc>
+                  <a:txBody>
+                    <a:bodyPr/>
+                    <a:lstStyle/>
+                    <a:p>
+                      <a:endParaRPr lang="de-CH" dirty="0"/>
+                    </a:p>
+                  </a:txBody>
+                  <a:tcPr/>
+                </a:tc>
+                <a:tc>
+                  <a:txBody>
+                    <a:bodyPr/>
+                    <a:lstStyle/>
+                    <a:p>
+                      <a:endParaRPr lang="de-CH"/>
+                    </a:p>
+                  </a:txBody>
+                  <a:tcPr/>
+                </a:tc>
+                <a:tc>
+                  <a:txBody>
+                    <a:bodyPr/>
+                    <a:lstStyle/>
+                    <a:p>
+                      <a:endParaRPr lang="de-CH" dirty="0"/>
+                    </a:p>
+                  </a:txBody>
+                  <a:tcPr/>
+                </a:tc>
+                <a:tc>
+                  <a:txBody>
+                    <a:bodyPr/>
+                    <a:lstStyle/>
+                    <a:p>
+                      <a:endParaRPr lang="de-CH"/>
+                    </a:p>
+                  </a:txBody>
+                  <a:tcPr/>
+                </a:tc>
+                <a:tc>
+                  <a:txBody>
+                    <a:bodyPr/>
+                    <a:lstStyle/>
+                    <a:p>
+                      <a:endParaRPr lang="de-CH"/>
+                    </a:p>
+                  </a:txBody>
+                  <a:tcPr/>
+                </a:tc>
+              </a:tr>
+              <a:tr h="460341">
+                <a:tc>
+                  <a:txBody>
+                    <a:bodyPr/>
+                    <a:lstStyle/>
+                    <a:p>
+                      <a:endParaRPr lang="de-CH"/>
+                    </a:p>
+                  </a:txBody>
+                  <a:tcPr/>
+                </a:tc>
+                <a:tc>
+                  <a:txBody>
+                    <a:bodyPr/>
+                    <a:lstStyle/>
+                    <a:p>
+                      <a:endParaRPr lang="de-CH"/>
+                    </a:p>
+                  </a:txBody>
+                  <a:tcPr/>
+                </a:tc>
+                <a:tc>
+                  <a:txBody>
+                    <a:bodyPr/>
+                    <a:lstStyle/>
+                    <a:p>
+                      <a:endParaRPr lang="de-CH"/>
+                    </a:p>
+                  </a:txBody>
+                  <a:tcPr/>
+                </a:tc>
+                <a:tc>
+                  <a:txBody>
+                    <a:bodyPr/>
+                    <a:lstStyle/>
+                    <a:p>
+                      <a:endParaRPr lang="de-CH" dirty="0"/>
+                    </a:p>
+                  </a:txBody>
+                  <a:tcPr/>
+                </a:tc>
+                <a:tc>
+                  <a:txBody>
+                    <a:bodyPr/>
+                    <a:lstStyle/>
+                    <a:p>
+                      <a:endParaRPr lang="de-CH"/>
+                    </a:p>
+                  </a:txBody>
+                  <a:tcPr/>
+                </a:tc>
+                <a:tc>
+                  <a:txBody>
+                    <a:bodyPr/>
+                    <a:lstStyle/>
+                    <a:p>
+                      <a:endParaRPr lang="de-CH"/>
+                    </a:p>
+                  </a:txBody>
+                  <a:tcPr/>
+                </a:tc>
+                <a:tc>
+                  <a:txBody>
+                    <a:bodyPr/>
+                    <a:lstStyle/>
+                    <a:p>
+                      <a:endParaRPr lang="de-CH"/>
+                    </a:p>
+                  </a:txBody>
+                  <a:tcPr/>
+                </a:tc>
+                <a:tc>
+                  <a:txBody>
+                    <a:bodyPr/>
+                    <a:lstStyle/>
+                    <a:p>
+                      <a:endParaRPr lang="de-CH"/>
+                    </a:p>
+                  </a:txBody>
+                  <a:tcPr/>
+                </a:tc>
+                <a:tc>
+                  <a:txBody>
+                    <a:bodyPr/>
+                    <a:lstStyle/>
+                    <a:p>
+                      <a:endParaRPr lang="de-CH"/>
+                    </a:p>
+                  </a:txBody>
+                  <a:tcPr/>
+                </a:tc>
+                <a:tc>
+                  <a:txBody>
+                    <a:bodyPr/>
+                    <a:lstStyle/>
+                    <a:p>
+                      <a:endParaRPr lang="de-CH"/>
+                    </a:p>
+                  </a:txBody>
+                  <a:tcPr/>
+                </a:tc>
+                <a:tc>
+                  <a:txBody>
+                    <a:bodyPr/>
+                    <a:lstStyle/>
+                    <a:p>
+                      <a:endParaRPr lang="de-CH"/>
+                    </a:p>
+                  </a:txBody>
+                  <a:tcPr/>
+                </a:tc>
+                <a:tc>
+                  <a:txBody>
+                    <a:bodyPr/>
+                    <a:lstStyle/>
+                    <a:p>
+                      <a:endParaRPr lang="de-CH"/>
+                    </a:p>
+                  </a:txBody>
+                  <a:tcPr/>
+                </a:tc>
+                <a:tc>
+                  <a:txBody>
+                    <a:bodyPr/>
+                    <a:lstStyle/>
+                    <a:p>
+                      <a:endParaRPr lang="de-CH"/>
+                    </a:p>
+                  </a:txBody>
+                  <a:tcPr/>
+                </a:tc>
+                <a:tc>
+                  <a:txBody>
+                    <a:bodyPr/>
+                    <a:lstStyle/>
+                    <a:p>
+                      <a:endParaRPr lang="de-CH" dirty="0"/>
+                    </a:p>
+                  </a:txBody>
+                  <a:tcPr/>
+                </a:tc>
+                <a:tc>
+                  <a:txBody>
+                    <a:bodyPr/>
+                    <a:lstStyle/>
+                    <a:p>
+                      <a:endParaRPr lang="de-CH"/>
+                    </a:p>
+                  </a:txBody>
+                  <a:tcPr/>
+                </a:tc>
+              </a:tr>
+              <a:tr h="460341">
+                <a:tc>
+                  <a:txBody>
+                    <a:bodyPr/>
+                    <a:lstStyle/>
+                    <a:p>
+                      <a:endParaRPr lang="de-CH"/>
+                    </a:p>
+                  </a:txBody>
+                  <a:tcPr/>
+                </a:tc>
+                <a:tc>
+                  <a:txBody>
+                    <a:bodyPr/>
+                    <a:lstStyle/>
+                    <a:p>
+                      <a:endParaRPr lang="de-CH"/>
+                    </a:p>
+                  </a:txBody>
+                  <a:tcPr/>
+                </a:tc>
+                <a:tc>
+                  <a:txBody>
+                    <a:bodyPr/>
+                    <a:lstStyle/>
+                    <a:p>
+                      <a:endParaRPr lang="de-CH"/>
+                    </a:p>
+                  </a:txBody>
+                  <a:tcPr/>
+                </a:tc>
+                <a:tc>
+                  <a:txBody>
+                    <a:bodyPr/>
+                    <a:lstStyle/>
+                    <a:p>
+                      <a:endParaRPr lang="de-CH"/>
+                    </a:p>
+                  </a:txBody>
+                  <a:tcPr/>
+                </a:tc>
+                <a:tc>
+                  <a:txBody>
+                    <a:bodyPr/>
+                    <a:lstStyle/>
+                    <a:p>
+                      <a:endParaRPr lang="de-CH"/>
+                    </a:p>
+                  </a:txBody>
+                  <a:tcPr/>
+                </a:tc>
+                <a:tc>
+                  <a:txBody>
+                    <a:bodyPr/>
+                    <a:lstStyle/>
+                    <a:p>
+                      <a:endParaRPr lang="de-CH"/>
+                    </a:p>
+                  </a:txBody>
+                  <a:tcPr/>
+                </a:tc>
+                <a:tc>
+                  <a:txBody>
+                    <a:bodyPr/>
+                    <a:lstStyle/>
+                    <a:p>
+                      <a:endParaRPr lang="de-CH"/>
+                    </a:p>
+                  </a:txBody>
+                  <a:tcPr/>
+                </a:tc>
+                <a:tc>
+                  <a:txBody>
+                    <a:bodyPr/>
+                    <a:lstStyle/>
+                    <a:p>
+                      <a:endParaRPr lang="de-CH"/>
+                    </a:p>
+                  </a:txBody>
+                  <a:tcPr/>
+                </a:tc>
+                <a:tc>
+                  <a:txBody>
+                    <a:bodyPr/>
+                    <a:lstStyle/>
+                    <a:p>
+                      <a:endParaRPr lang="de-CH"/>
+                    </a:p>
+                  </a:txBody>
+                  <a:tcPr/>
+                </a:tc>
+                <a:tc>
+                  <a:txBody>
+                    <a:bodyPr/>
+                    <a:lstStyle/>
+                    <a:p>
+                      <a:endParaRPr lang="de-CH"/>
+                    </a:p>
+                  </a:txBody>
+                  <a:tcPr/>
+                </a:tc>
+                <a:tc>
+                  <a:txBody>
+                    <a:bodyPr/>
+                    <a:lstStyle/>
+                    <a:p>
+                      <a:endParaRPr lang="de-CH"/>
+                    </a:p>
+                  </a:txBody>
+                  <a:tcPr/>
+                </a:tc>
+                <a:tc>
+                  <a:txBody>
+                    <a:bodyPr/>
+                    <a:lstStyle/>
+                    <a:p>
+                      <a:endParaRPr lang="de-CH"/>
+                    </a:p>
+                  </a:txBody>
+                  <a:tcPr/>
+                </a:tc>
+                <a:tc>
+                  <a:txBody>
+                    <a:bodyPr/>
+                    <a:lstStyle/>
+                    <a:p>
+                      <a:endParaRPr lang="de-CH"/>
+                    </a:p>
+                  </a:txBody>
+                  <a:tcPr/>
+                </a:tc>
+                <a:tc>
+                  <a:txBody>
+                    <a:bodyPr/>
+                    <a:lstStyle/>
+                    <a:p>
+                      <a:endParaRPr lang="de-CH"/>
+                    </a:p>
+                  </a:txBody>
+                  <a:tcPr/>
+                </a:tc>
+                <a:tc>
+                  <a:txBody>
+                    <a:bodyPr/>
+                    <a:lstStyle/>
+                    <a:p>
+                      <a:endParaRPr lang="de-CH"/>
+                    </a:p>
+                  </a:txBody>
+                  <a:tcPr/>
+                </a:tc>
+              </a:tr>
+              <a:tr h="460341">
+                <a:tc>
+                  <a:txBody>
+                    <a:bodyPr/>
+                    <a:lstStyle/>
+                    <a:p>
+                      <a:endParaRPr lang="de-CH"/>
+                    </a:p>
+                  </a:txBody>
+                  <a:tcPr/>
+                </a:tc>
+                <a:tc>
+                  <a:txBody>
+                    <a:bodyPr/>
+                    <a:lstStyle/>
+                    <a:p>
+                      <a:endParaRPr lang="de-CH"/>
+                    </a:p>
+                  </a:txBody>
+                  <a:tcPr/>
+                </a:tc>
+                <a:tc>
+                  <a:txBody>
+                    <a:bodyPr/>
+                    <a:lstStyle/>
+                    <a:p>
+                      <a:endParaRPr lang="de-CH"/>
+                    </a:p>
+                  </a:txBody>
+                  <a:tcPr/>
+                </a:tc>
+                <a:tc>
+                  <a:txBody>
+                    <a:bodyPr/>
+                    <a:lstStyle/>
+                    <a:p>
+                      <a:endParaRPr lang="de-CH"/>
+                    </a:p>
+                  </a:txBody>
+                  <a:tcPr/>
+                </a:tc>
+                <a:tc>
+                  <a:txBody>
+                    <a:bodyPr/>
+                    <a:lstStyle/>
+                    <a:p>
+                      <a:endParaRPr lang="de-CH"/>
+                    </a:p>
+                  </a:txBody>
+                  <a:tcPr/>
+                </a:tc>
+                <a:tc>
+                  <a:txBody>
+                    <a:bodyPr/>
+                    <a:lstStyle/>
+                    <a:p>
+                      <a:endParaRPr lang="de-CH" dirty="0"/>
+                    </a:p>
+                  </a:txBody>
+                  <a:tcPr/>
+                </a:tc>
+                <a:tc>
+                  <a:txBody>
+                    <a:bodyPr/>
+                    <a:lstStyle/>
+                    <a:p>
+                      <a:endParaRPr lang="de-CH" dirty="0"/>
+                    </a:p>
+                  </a:txBody>
+                  <a:tcPr/>
+                </a:tc>
+                <a:tc>
+                  <a:txBody>
+                    <a:bodyPr/>
+                    <a:lstStyle/>
+                    <a:p>
+                      <a:endParaRPr lang="de-CH" dirty="0"/>
+                    </a:p>
+                  </a:txBody>
+                  <a:tcPr/>
+                </a:tc>
+                <a:tc>
+                  <a:txBody>
+                    <a:bodyPr/>
+                    <a:lstStyle/>
+                    <a:p>
+                      <a:endParaRPr lang="de-CH" dirty="0"/>
+                    </a:p>
+                  </a:txBody>
+                  <a:tcPr/>
+                </a:tc>
+                <a:tc>
+                  <a:txBody>
+                    <a:bodyPr/>
+                    <a:lstStyle/>
+                    <a:p>
+                      <a:endParaRPr lang="de-CH" dirty="0"/>
+                    </a:p>
+                  </a:txBody>
+                  <a:tcPr/>
+                </a:tc>
+                <a:tc>
+                  <a:txBody>
+                    <a:bodyPr/>
+                    <a:lstStyle/>
+                    <a:p>
+                      <a:endParaRPr lang="de-CH" dirty="0"/>
+                    </a:p>
+                  </a:txBody>
+                  <a:tcPr/>
+                </a:tc>
+                <a:tc>
+                  <a:txBody>
+                    <a:bodyPr/>
+                    <a:lstStyle/>
+                    <a:p>
+                      <a:endParaRPr lang="de-CH"/>
+                    </a:p>
+                  </a:txBody>
+                  <a:tcPr/>
+                </a:tc>
+                <a:tc>
+                  <a:txBody>
+                    <a:bodyPr/>
+                    <a:lstStyle/>
+                    <a:p>
+                      <a:endParaRPr lang="de-CH" dirty="0"/>
+                    </a:p>
+                  </a:txBody>
+                  <a:tcPr/>
+                </a:tc>
+                <a:tc>
+                  <a:txBody>
+                    <a:bodyPr/>
+                    <a:lstStyle/>
+                    <a:p>
+                      <a:endParaRPr lang="de-CH"/>
+                    </a:p>
+                  </a:txBody>
+                  <a:tcPr/>
+                </a:tc>
+                <a:tc>
+                  <a:txBody>
+                    <a:bodyPr/>
+                    <a:lstStyle/>
+                    <a:p>
+                      <a:endParaRPr lang="de-CH" dirty="0"/>
+                    </a:p>
+                  </a:txBody>
+                  <a:tcPr/>
+                </a:tc>
+              </a:tr>
+            </a:tbl>
+          </a:graphicData>
+        </a:graphic>
+      </p:graphicFrame>
+      <p:pic>
+        <p:nvPicPr>
+          <p:cNvPr id="7" name="Picture 2" descr="C:\admin\github\squarefeed\Documents\Design\bildli für remo\container_4_4.png"/>
+          <p:cNvPicPr>
+            <a:picLocks noChangeAspect="1" noChangeArrowheads="1"/>
+          </p:cNvPicPr>
+          <p:nvPr/>
+        </p:nvPicPr>
+        <p:blipFill>
+          <a:blip r:embed="rId2">
+            <a:extLst>
+              <a:ext uri="{28A0092B-C50C-407E-A947-70E740481C1C}">
+                <a14:useLocalDpi xmlns:a14="http://schemas.microsoft.com/office/drawing/2010/main" val="0"/>
+              </a:ext>
+            </a:extLst>
+          </a:blip>
+          <a:srcRect/>
+          <a:stretch>
+            <a:fillRect/>
+          </a:stretch>
+        </p:blipFill>
+        <p:spPr bwMode="auto">
+          <a:xfrm>
+            <a:off x="5124581" y="4240981"/>
+            <a:ext cx="1841600" cy="460400"/>
+          </a:xfrm>
+          <a:prstGeom prst="rect">
+            <a:avLst/>
+          </a:prstGeom>
+          <a:noFill/>
+          <a:extLst>
+            <a:ext uri="{909E8E84-426E-40DD-AFC4-6F175D3DCCD1}">
+              <a14:hiddenFill xmlns:a14="http://schemas.microsoft.com/office/drawing/2010/main">
+                <a:solidFill>
+                  <a:srgbClr val="FFFFFF"/>
+                </a:solidFill>
+              </a14:hiddenFill>
+            </a:ext>
+          </a:extLst>
+        </p:spPr>
+      </p:pic>
+      <p:pic>
+        <p:nvPicPr>
+          <p:cNvPr id="12" name="Picture 2" descr="C:\admin\github\squarefeed\Documents\Design\bildli für remo\container_4_4.png"/>
+          <p:cNvPicPr>
+            <a:picLocks noChangeAspect="1" noChangeArrowheads="1"/>
+          </p:cNvPicPr>
+          <p:nvPr/>
+        </p:nvPicPr>
+        <p:blipFill>
+          <a:blip r:embed="rId2">
+            <a:extLst>
+              <a:ext uri="{28A0092B-C50C-407E-A947-70E740481C1C}">
+                <a14:useLocalDpi xmlns:a14="http://schemas.microsoft.com/office/drawing/2010/main" val="0"/>
+              </a:ext>
+            </a:extLst>
+          </a:blip>
+          <a:srcRect/>
+          <a:stretch>
+            <a:fillRect/>
+          </a:stretch>
+        </p:blipFill>
+        <p:spPr bwMode="auto">
+          <a:xfrm>
+            <a:off x="971700" y="4705350"/>
+            <a:ext cx="1841600" cy="460400"/>
+          </a:xfrm>
+          <a:prstGeom prst="rect">
+            <a:avLst/>
+          </a:prstGeom>
+          <a:noFill/>
+          <a:extLst>
+            <a:ext uri="{909E8E84-426E-40DD-AFC4-6F175D3DCCD1}">
+              <a14:hiddenFill xmlns:a14="http://schemas.microsoft.com/office/drawing/2010/main">
+                <a:solidFill>
+                  <a:srgbClr val="FFFFFF"/>
+                </a:solidFill>
+              </a14:hiddenFill>
+            </a:ext>
+          </a:extLst>
+        </p:spPr>
+      </p:pic>
+      <p:pic>
+        <p:nvPicPr>
+          <p:cNvPr id="2052" name="Picture 4" descr="C:\admin\github\squarefeed\Documents\Design\bildli für remo\container_2_3.png"/>
+          <p:cNvPicPr>
+            <a:picLocks noChangeAspect="1" noChangeArrowheads="1"/>
+          </p:cNvPicPr>
+          <p:nvPr/>
+        </p:nvPicPr>
+        <p:blipFill>
+          <a:blip r:embed="rId3">
+            <a:extLst>
+              <a:ext uri="{28A0092B-C50C-407E-A947-70E740481C1C}">
+                <a14:useLocalDpi xmlns:a14="http://schemas.microsoft.com/office/drawing/2010/main" val="0"/>
+              </a:ext>
+            </a:extLst>
+          </a:blip>
+          <a:srcRect/>
+          <a:stretch>
+            <a:fillRect/>
+          </a:stretch>
+        </p:blipFill>
+        <p:spPr bwMode="auto">
+          <a:xfrm>
+            <a:off x="6020104" y="4705972"/>
+            <a:ext cx="1381200" cy="460400"/>
+          </a:xfrm>
+          <a:prstGeom prst="rect">
+            <a:avLst/>
+          </a:prstGeom>
+          <a:noFill/>
+          <a:extLst>
+            <a:ext uri="{909E8E84-426E-40DD-AFC4-6F175D3DCCD1}">
+              <a14:hiddenFill xmlns:a14="http://schemas.microsoft.com/office/drawing/2010/main">
+                <a:solidFill>
+                  <a:srgbClr val="FFFFFF"/>
+                </a:solidFill>
+              </a14:hiddenFill>
+            </a:ext>
+          </a:extLst>
+        </p:spPr>
+      </p:pic>
+      <p:pic>
+        <p:nvPicPr>
+          <p:cNvPr id="2053" name="Picture 5" descr="C:\admin\github\squarefeed\Documents\Design\bildli für remo\container_1_2.png"/>
+          <p:cNvPicPr>
+            <a:picLocks noChangeAspect="1" noChangeArrowheads="1"/>
+          </p:cNvPicPr>
+          <p:nvPr/>
+        </p:nvPicPr>
+        <p:blipFill>
+          <a:blip r:embed="rId4">
+            <a:extLst>
+              <a:ext uri="{28A0092B-C50C-407E-A947-70E740481C1C}">
+                <a14:useLocalDpi xmlns:a14="http://schemas.microsoft.com/office/drawing/2010/main" val="0"/>
+              </a:ext>
+            </a:extLst>
+          </a:blip>
+          <a:srcRect/>
+          <a:stretch>
+            <a:fillRect/>
+          </a:stretch>
+        </p:blipFill>
+        <p:spPr bwMode="auto">
+          <a:xfrm>
+            <a:off x="2806950" y="3778820"/>
+            <a:ext cx="920800" cy="460400"/>
+          </a:xfrm>
+          <a:prstGeom prst="rect">
+            <a:avLst/>
+          </a:prstGeom>
+          <a:noFill/>
+          <a:extLst>
+            <a:ext uri="{909E8E84-426E-40DD-AFC4-6F175D3DCCD1}">
+              <a14:hiddenFill xmlns:a14="http://schemas.microsoft.com/office/drawing/2010/main">
+                <a:solidFill>
+                  <a:srgbClr val="FFFFFF"/>
+                </a:solidFill>
+              </a14:hiddenFill>
+            </a:ext>
+          </a:extLst>
+        </p:spPr>
+      </p:pic>
+      <p:pic>
+        <p:nvPicPr>
+          <p:cNvPr id="2054" name="Picture 6" descr="C:\admin\github\squarefeed\Documents\Design\bildli für remo\container_2_1.png"/>
+          <p:cNvPicPr>
+            <a:picLocks noChangeAspect="1" noChangeArrowheads="1"/>
+          </p:cNvPicPr>
+          <p:nvPr/>
+        </p:nvPicPr>
+        <p:blipFill>
+          <a:blip r:embed="rId5">
+            <a:extLst>
+              <a:ext uri="{28A0092B-C50C-407E-A947-70E740481C1C}">
+                <a14:useLocalDpi xmlns:a14="http://schemas.microsoft.com/office/drawing/2010/main" val="0"/>
+              </a:ext>
+            </a:extLst>
+          </a:blip>
+          <a:srcRect/>
+          <a:stretch>
+            <a:fillRect/>
+          </a:stretch>
+        </p:blipFill>
+        <p:spPr bwMode="auto">
+          <a:xfrm>
+            <a:off x="7401304" y="4705972"/>
+            <a:ext cx="460400" cy="460400"/>
+          </a:xfrm>
+          <a:prstGeom prst="rect">
+            <a:avLst/>
+          </a:prstGeom>
+          <a:noFill/>
+          <a:extLst>
+            <a:ext uri="{909E8E84-426E-40DD-AFC4-6F175D3DCCD1}">
+              <a14:hiddenFill xmlns:a14="http://schemas.microsoft.com/office/drawing/2010/main">
+                <a:solidFill>
+                  <a:srgbClr val="FFFFFF"/>
+                </a:solidFill>
+              </a14:hiddenFill>
+            </a:ext>
+          </a:extLst>
+        </p:spPr>
+      </p:pic>
+      <p:pic>
+        <p:nvPicPr>
+          <p:cNvPr id="2055" name="Picture 7" descr="C:\admin\github\squarefeed\Documents\Design\bildli für remo\container_3_1.png"/>
+          <p:cNvPicPr>
+            <a:picLocks noChangeAspect="1" noChangeArrowheads="1"/>
+          </p:cNvPicPr>
+          <p:nvPr/>
+        </p:nvPicPr>
+        <p:blipFill>
+          <a:blip r:embed="rId6">
+            <a:extLst>
+              <a:ext uri="{28A0092B-C50C-407E-A947-70E740481C1C}">
+                <a14:useLocalDpi xmlns:a14="http://schemas.microsoft.com/office/drawing/2010/main" val="0"/>
+              </a:ext>
+            </a:extLst>
+          </a:blip>
+          <a:srcRect/>
+          <a:stretch>
+            <a:fillRect/>
+          </a:stretch>
+        </p:blipFill>
+        <p:spPr bwMode="auto">
+          <a:xfrm>
+            <a:off x="3718585" y="4706096"/>
+            <a:ext cx="460400" cy="460400"/>
+          </a:xfrm>
+          <a:prstGeom prst="rect">
+            <a:avLst/>
+          </a:prstGeom>
+          <a:noFill/>
+          <a:extLst>
+            <a:ext uri="{909E8E84-426E-40DD-AFC4-6F175D3DCCD1}">
+              <a14:hiddenFill xmlns:a14="http://schemas.microsoft.com/office/drawing/2010/main">
+                <a:solidFill>
+                  <a:srgbClr val="FFFFFF"/>
+                </a:solidFill>
+              </a14:hiddenFill>
+            </a:ext>
+          </a:extLst>
+        </p:spPr>
+      </p:pic>
+      <p:pic>
+        <p:nvPicPr>
+          <p:cNvPr id="2056" name="Picture 8" descr="C:\admin\github\squarefeed\Documents\Design\bildli für remo\container_3_3.png"/>
+          <p:cNvPicPr>
+            <a:picLocks noChangeAspect="1" noChangeArrowheads="1"/>
+          </p:cNvPicPr>
+          <p:nvPr/>
+        </p:nvPicPr>
+        <p:blipFill>
+          <a:blip r:embed="rId7">
+            <a:extLst>
+              <a:ext uri="{28A0092B-C50C-407E-A947-70E740481C1C}">
+                <a14:useLocalDpi xmlns:a14="http://schemas.microsoft.com/office/drawing/2010/main" val="0"/>
+              </a:ext>
+            </a:extLst>
+          </a:blip>
+          <a:srcRect/>
+          <a:stretch>
+            <a:fillRect/>
+          </a:stretch>
+        </p:blipFill>
+        <p:spPr bwMode="auto">
+          <a:xfrm>
+            <a:off x="985927" y="4241602"/>
+            <a:ext cx="1376502" cy="458834"/>
+          </a:xfrm>
+          <a:prstGeom prst="rect">
+            <a:avLst/>
+          </a:prstGeom>
+          <a:noFill/>
+          <a:extLst>
+            <a:ext uri="{909E8E84-426E-40DD-AFC4-6F175D3DCCD1}">
+              <a14:hiddenFill xmlns:a14="http://schemas.microsoft.com/office/drawing/2010/main">
+                <a:solidFill>
+                  <a:srgbClr val="FFFFFF"/>
+                </a:solidFill>
+              </a14:hiddenFill>
+            </a:ext>
+          </a:extLst>
+        </p:spPr>
+      </p:pic>
+      <p:pic>
+        <p:nvPicPr>
+          <p:cNvPr id="2057" name="Picture 9" descr="C:\admin\github\squarefeed\Documents\Design\bildli für remo\container_3_4.png"/>
+          <p:cNvPicPr>
+            <a:picLocks noChangeAspect="1" noChangeArrowheads="1"/>
+          </p:cNvPicPr>
+          <p:nvPr/>
+        </p:nvPicPr>
+        <p:blipFill>
+          <a:blip r:embed="rId8">
+            <a:extLst>
+              <a:ext uri="{28A0092B-C50C-407E-A947-70E740481C1C}">
+                <a14:useLocalDpi xmlns:a14="http://schemas.microsoft.com/office/drawing/2010/main" val="0"/>
+              </a:ext>
+            </a:extLst>
+          </a:blip>
+          <a:srcRect/>
+          <a:stretch>
+            <a:fillRect/>
+          </a:stretch>
+        </p:blipFill>
+        <p:spPr bwMode="auto">
+          <a:xfrm>
+            <a:off x="3282981" y="4240981"/>
+            <a:ext cx="1841600" cy="460400"/>
+          </a:xfrm>
+          <a:prstGeom prst="rect">
+            <a:avLst/>
+          </a:prstGeom>
+          <a:noFill/>
+          <a:extLst>
+            <a:ext uri="{909E8E84-426E-40DD-AFC4-6F175D3DCCD1}">
+              <a14:hiddenFill xmlns:a14="http://schemas.microsoft.com/office/drawing/2010/main">
+                <a:solidFill>
+                  <a:srgbClr val="FFFFFF"/>
+                </a:solidFill>
+              </a14:hiddenFill>
+            </a:ext>
+          </a:extLst>
+        </p:spPr>
+      </p:pic>
+      <p:pic>
+        <p:nvPicPr>
+          <p:cNvPr id="20" name="Picture 3" descr="C:\admin\github\squarefeed\Documents\Design\bildli für remo\container_3_2.png"/>
+          <p:cNvPicPr>
+            <a:picLocks noChangeAspect="1" noChangeArrowheads="1"/>
+          </p:cNvPicPr>
+          <p:nvPr/>
+        </p:nvPicPr>
+        <p:blipFill>
+          <a:blip r:embed="rId9">
+            <a:extLst>
+              <a:ext uri="{28A0092B-C50C-407E-A947-70E740481C1C}">
+                <a14:useLocalDpi xmlns:a14="http://schemas.microsoft.com/office/drawing/2010/main" val="0"/>
+              </a:ext>
+            </a:extLst>
+          </a:blip>
+          <a:srcRect/>
+          <a:stretch>
+            <a:fillRect/>
+          </a:stretch>
+        </p:blipFill>
+        <p:spPr bwMode="auto">
+          <a:xfrm>
+            <a:off x="2812276" y="4706096"/>
+            <a:ext cx="920552" cy="460276"/>
+          </a:xfrm>
+          <a:prstGeom prst="rect">
+            <a:avLst/>
+          </a:prstGeom>
+          <a:noFill/>
+          <a:extLst>
+            <a:ext uri="{909E8E84-426E-40DD-AFC4-6F175D3DCCD1}">
+              <a14:hiddenFill xmlns:a14="http://schemas.microsoft.com/office/drawing/2010/main">
+                <a:solidFill>
+                  <a:srgbClr val="FFFFFF"/>
+                </a:solidFill>
+              </a14:hiddenFill>
+            </a:ext>
+          </a:extLst>
+        </p:spPr>
+      </p:pic>
+      <p:pic>
+        <p:nvPicPr>
+          <p:cNvPr id="21" name="Picture 9" descr="C:\admin\github\squarefeed\Documents\Design\bildli für remo\container_3_4.png"/>
+          <p:cNvPicPr>
+            <a:picLocks noChangeAspect="1" noChangeArrowheads="1"/>
+          </p:cNvPicPr>
+          <p:nvPr/>
+        </p:nvPicPr>
+        <p:blipFill>
+          <a:blip r:embed="rId8">
+            <a:extLst>
+              <a:ext uri="{28A0092B-C50C-407E-A947-70E740481C1C}">
+                <a14:useLocalDpi xmlns:a14="http://schemas.microsoft.com/office/drawing/2010/main" val="0"/>
+              </a:ext>
+            </a:extLst>
+          </a:blip>
+          <a:srcRect/>
+          <a:stretch>
+            <a:fillRect/>
+          </a:stretch>
+        </p:blipFill>
+        <p:spPr bwMode="auto">
+          <a:xfrm>
+            <a:off x="4178504" y="4705972"/>
+            <a:ext cx="1841600" cy="460400"/>
+          </a:xfrm>
+          <a:prstGeom prst="rect">
+            <a:avLst/>
+          </a:prstGeom>
+          <a:noFill/>
+          <a:extLst>
+            <a:ext uri="{909E8E84-426E-40DD-AFC4-6F175D3DCCD1}">
+              <a14:hiddenFill xmlns:a14="http://schemas.microsoft.com/office/drawing/2010/main">
+                <a:solidFill>
+                  <a:srgbClr val="FFFFFF"/>
+                </a:solidFill>
+              </a14:hiddenFill>
+            </a:ext>
+          </a:extLst>
+        </p:spPr>
+      </p:pic>
+      <p:pic>
+        <p:nvPicPr>
+          <p:cNvPr id="22" name="Picture 3" descr="C:\admin\github\squarefeed\Documents\Design\bildli für remo\container_3_2.png"/>
+          <p:cNvPicPr>
+            <a:picLocks noChangeAspect="1" noChangeArrowheads="1"/>
+          </p:cNvPicPr>
+          <p:nvPr/>
+        </p:nvPicPr>
+        <p:blipFill>
+          <a:blip r:embed="rId9">
+            <a:extLst>
+              <a:ext uri="{28A0092B-C50C-407E-A947-70E740481C1C}">
+                <a14:useLocalDpi xmlns:a14="http://schemas.microsoft.com/office/drawing/2010/main" val="0"/>
+              </a:ext>
+            </a:extLst>
+          </a:blip>
+          <a:srcRect/>
+          <a:stretch>
+            <a:fillRect/>
+          </a:stretch>
+        </p:blipFill>
+        <p:spPr bwMode="auto">
+          <a:xfrm>
+            <a:off x="2362429" y="4240015"/>
+            <a:ext cx="920552" cy="460276"/>
+          </a:xfrm>
+          <a:prstGeom prst="rect">
+            <a:avLst/>
+          </a:prstGeom>
+          <a:noFill/>
+          <a:extLst>
+            <a:ext uri="{909E8E84-426E-40DD-AFC4-6F175D3DCCD1}">
+              <a14:hiddenFill xmlns:a14="http://schemas.microsoft.com/office/drawing/2010/main">
+                <a:solidFill>
+                  <a:srgbClr val="FFFFFF"/>
+                </a:solidFill>
+              </a14:hiddenFill>
+            </a:ext>
+          </a:extLst>
+        </p:spPr>
+      </p:pic>
+      <p:pic>
+        <p:nvPicPr>
+          <p:cNvPr id="23" name="Picture 7" descr="C:\admin\github\squarefeed\Documents\Design\bildli für remo\container_3_1.png"/>
+          <p:cNvPicPr>
+            <a:picLocks noChangeAspect="1" noChangeArrowheads="1"/>
+          </p:cNvPicPr>
+          <p:nvPr/>
+        </p:nvPicPr>
+        <p:blipFill>
+          <a:blip r:embed="rId6">
+            <a:extLst>
+              <a:ext uri="{28A0092B-C50C-407E-A947-70E740481C1C}">
+                <a14:useLocalDpi xmlns:a14="http://schemas.microsoft.com/office/drawing/2010/main" val="0"/>
+              </a:ext>
+            </a:extLst>
+          </a:blip>
+          <a:srcRect/>
+          <a:stretch>
+            <a:fillRect/>
+          </a:stretch>
+        </p:blipFill>
+        <p:spPr bwMode="auto">
+          <a:xfrm>
+            <a:off x="7401304" y="4237655"/>
+            <a:ext cx="460400" cy="460400"/>
+          </a:xfrm>
+          <a:prstGeom prst="rect">
+            <a:avLst/>
+          </a:prstGeom>
+          <a:noFill/>
+          <a:extLst>
+            <a:ext uri="{909E8E84-426E-40DD-AFC4-6F175D3DCCD1}">
+              <a14:hiddenFill xmlns:a14="http://schemas.microsoft.com/office/drawing/2010/main">
+                <a:solidFill>
+                  <a:srgbClr val="FFFFFF"/>
+                </a:solidFill>
+              </a14:hiddenFill>
+            </a:ext>
+          </a:extLst>
+        </p:spPr>
+      </p:pic>
+      <p:pic>
+        <p:nvPicPr>
+          <p:cNvPr id="24" name="Picture 6" descr="C:\admin\github\squarefeed\Documents\Design\bildli für remo\container_2_1.png"/>
+          <p:cNvPicPr>
+            <a:picLocks noChangeAspect="1" noChangeArrowheads="1"/>
+          </p:cNvPicPr>
+          <p:nvPr/>
+        </p:nvPicPr>
+        <p:blipFill>
+          <a:blip r:embed="rId5">
+            <a:extLst>
+              <a:ext uri="{28A0092B-C50C-407E-A947-70E740481C1C}">
+                <a14:useLocalDpi xmlns:a14="http://schemas.microsoft.com/office/drawing/2010/main" val="0"/>
+              </a:ext>
+            </a:extLst>
+          </a:blip>
+          <a:srcRect/>
+          <a:stretch>
+            <a:fillRect/>
+          </a:stretch>
+        </p:blipFill>
+        <p:spPr bwMode="auto">
+          <a:xfrm>
+            <a:off x="6940904" y="4239196"/>
+            <a:ext cx="460400" cy="460400"/>
+          </a:xfrm>
+          <a:prstGeom prst="rect">
+            <a:avLst/>
+          </a:prstGeom>
+          <a:noFill/>
+          <a:extLst>
+            <a:ext uri="{909E8E84-426E-40DD-AFC4-6F175D3DCCD1}">
+              <a14:hiddenFill xmlns:a14="http://schemas.microsoft.com/office/drawing/2010/main">
+                <a:solidFill>
+                  <a:srgbClr val="FFFFFF"/>
+                </a:solidFill>
+              </a14:hiddenFill>
+            </a:ext>
+          </a:extLst>
+        </p:spPr>
+      </p:pic>
+      <p:pic>
+        <p:nvPicPr>
+          <p:cNvPr id="25" name="Picture 9" descr="C:\admin\github\squarefeed\Documents\Design\bildli für remo\container_3_4.png"/>
+          <p:cNvPicPr>
+            <a:picLocks noChangeAspect="1" noChangeArrowheads="1"/>
+          </p:cNvPicPr>
+          <p:nvPr/>
+        </p:nvPicPr>
+        <p:blipFill>
+          <a:blip r:embed="rId8">
+            <a:extLst>
+              <a:ext uri="{28A0092B-C50C-407E-A947-70E740481C1C}">
+                <a14:useLocalDpi xmlns:a14="http://schemas.microsoft.com/office/drawing/2010/main" val="0"/>
+              </a:ext>
+            </a:extLst>
+          </a:blip>
+          <a:srcRect/>
+          <a:stretch>
+            <a:fillRect/>
+          </a:stretch>
+        </p:blipFill>
+        <p:spPr bwMode="auto">
+          <a:xfrm>
+            <a:off x="968405" y="3773140"/>
+            <a:ext cx="1841600" cy="460400"/>
+          </a:xfrm>
+          <a:prstGeom prst="rect">
+            <a:avLst/>
+          </a:prstGeom>
+          <a:noFill/>
+          <a:extLst>
+            <a:ext uri="{909E8E84-426E-40DD-AFC4-6F175D3DCCD1}">
+              <a14:hiddenFill xmlns:a14="http://schemas.microsoft.com/office/drawing/2010/main">
+                <a:solidFill>
+                  <a:srgbClr val="FFFFFF"/>
+                </a:solidFill>
+              </a14:hiddenFill>
+            </a:ext>
+          </a:extLst>
+        </p:spPr>
+      </p:pic>
+      <p:pic>
+        <p:nvPicPr>
+          <p:cNvPr id="26" name="Picture 8" descr="C:\admin\github\squarefeed\Documents\Design\bildli für remo\container_3_3.png"/>
+          <p:cNvPicPr>
+            <a:picLocks noChangeAspect="1" noChangeArrowheads="1"/>
+          </p:cNvPicPr>
+          <p:nvPr/>
+        </p:nvPicPr>
+        <p:blipFill>
+          <a:blip r:embed="rId7">
+            <a:extLst>
+              <a:ext uri="{28A0092B-C50C-407E-A947-70E740481C1C}">
+                <a14:useLocalDpi xmlns:a14="http://schemas.microsoft.com/office/drawing/2010/main" val="0"/>
+              </a:ext>
+            </a:extLst>
+          </a:blip>
+          <a:srcRect/>
+          <a:stretch>
+            <a:fillRect/>
+          </a:stretch>
+        </p:blipFill>
+        <p:spPr bwMode="auto">
+          <a:xfrm>
+            <a:off x="3723440" y="3784501"/>
+            <a:ext cx="1390729" cy="463576"/>
+          </a:xfrm>
+          <a:prstGeom prst="rect">
+            <a:avLst/>
+          </a:prstGeom>
+          <a:noFill/>
+          <a:extLst>
+            <a:ext uri="{909E8E84-426E-40DD-AFC4-6F175D3DCCD1}">
+              <a14:hiddenFill xmlns:a14="http://schemas.microsoft.com/office/drawing/2010/main">
+                <a:solidFill>
+                  <a:srgbClr val="FFFFFF"/>
+                </a:solidFill>
+              </a14:hiddenFill>
+            </a:ext>
+          </a:extLst>
+        </p:spPr>
+      </p:pic>
+      <p:pic>
+        <p:nvPicPr>
+          <p:cNvPr id="27" name="Picture 3" descr="C:\admin\github\squarefeed\Documents\Design\bildli für remo\container_3_2.png"/>
+          <p:cNvPicPr>
+            <a:picLocks noChangeAspect="1" noChangeArrowheads="1"/>
+          </p:cNvPicPr>
+          <p:nvPr/>
+        </p:nvPicPr>
+        <p:blipFill>
+          <a:blip r:embed="rId9">
+            <a:extLst>
+              <a:ext uri="{28A0092B-C50C-407E-A947-70E740481C1C}">
+                <a14:useLocalDpi xmlns:a14="http://schemas.microsoft.com/office/drawing/2010/main" val="0"/>
+              </a:ext>
+            </a:extLst>
+          </a:blip>
+          <a:srcRect/>
+          <a:stretch>
+            <a:fillRect/>
+          </a:stretch>
+        </p:blipFill>
+        <p:spPr bwMode="auto">
+          <a:xfrm>
+            <a:off x="5124829" y="3777379"/>
+            <a:ext cx="920552" cy="460276"/>
+          </a:xfrm>
+          <a:prstGeom prst="rect">
+            <a:avLst/>
+          </a:prstGeom>
+          <a:noFill/>
+          <a:extLst>
+            <a:ext uri="{909E8E84-426E-40DD-AFC4-6F175D3DCCD1}">
+              <a14:hiddenFill xmlns:a14="http://schemas.microsoft.com/office/drawing/2010/main">
+                <a:solidFill>
+                  <a:srgbClr val="FFFFFF"/>
+                </a:solidFill>
+              </a14:hiddenFill>
+            </a:ext>
+          </a:extLst>
+        </p:spPr>
+      </p:pic>
+      <p:pic>
+        <p:nvPicPr>
+          <p:cNvPr id="28" name="Picture 2" descr="C:\admin\github\squarefeed\Documents\Design\bildli für remo\container_4_4.png"/>
+          <p:cNvPicPr>
+            <a:picLocks noChangeAspect="1" noChangeArrowheads="1"/>
+          </p:cNvPicPr>
+          <p:nvPr/>
+        </p:nvPicPr>
+        <p:blipFill>
+          <a:blip r:embed="rId2">
+            <a:extLst>
+              <a:ext uri="{28A0092B-C50C-407E-A947-70E740481C1C}">
+                <a14:useLocalDpi xmlns:a14="http://schemas.microsoft.com/office/drawing/2010/main" val="0"/>
+              </a:ext>
+            </a:extLst>
+          </a:blip>
+          <a:srcRect/>
+          <a:stretch>
+            <a:fillRect/>
+          </a:stretch>
+        </p:blipFill>
+        <p:spPr bwMode="auto">
+          <a:xfrm>
+            <a:off x="6040146" y="3777379"/>
+            <a:ext cx="1841600" cy="460400"/>
+          </a:xfrm>
+          <a:prstGeom prst="rect">
+            <a:avLst/>
+          </a:prstGeom>
+          <a:noFill/>
+          <a:extLst>
+            <a:ext uri="{909E8E84-426E-40DD-AFC4-6F175D3DCCD1}">
+              <a14:hiddenFill xmlns:a14="http://schemas.microsoft.com/office/drawing/2010/main">
+                <a:solidFill>
+                  <a:srgbClr val="FFFFFF"/>
+                </a:solidFill>
+              </a14:hiddenFill>
+            </a:ext>
+          </a:extLst>
+        </p:spPr>
+      </p:pic>
+      <p:pic>
+        <p:nvPicPr>
+          <p:cNvPr id="29" name="Picture 7" descr="C:\admin\github\squarefeed\Documents\Design\bildli für remo\container_3_1.png"/>
+          <p:cNvPicPr>
+            <a:picLocks noChangeAspect="1" noChangeArrowheads="1"/>
+          </p:cNvPicPr>
+          <p:nvPr/>
+        </p:nvPicPr>
+        <p:blipFill>
+          <a:blip r:embed="rId6">
+            <a:extLst>
+              <a:ext uri="{28A0092B-C50C-407E-A947-70E740481C1C}">
+                <a14:useLocalDpi xmlns:a14="http://schemas.microsoft.com/office/drawing/2010/main" val="0"/>
+              </a:ext>
+            </a:extLst>
+          </a:blip>
+          <a:srcRect/>
+          <a:stretch>
+            <a:fillRect/>
+          </a:stretch>
+        </p:blipFill>
+        <p:spPr bwMode="auto">
+          <a:xfrm>
+            <a:off x="968405" y="3326198"/>
+            <a:ext cx="460400" cy="460400"/>
+          </a:xfrm>
+          <a:prstGeom prst="rect">
+            <a:avLst/>
+          </a:prstGeom>
+          <a:noFill/>
+          <a:extLst>
+            <a:ext uri="{909E8E84-426E-40DD-AFC4-6F175D3DCCD1}">
+              <a14:hiddenFill xmlns:a14="http://schemas.microsoft.com/office/drawing/2010/main">
+                <a:solidFill>
+                  <a:srgbClr val="FFFFFF"/>
+                </a:solidFill>
+              </a14:hiddenFill>
+            </a:ext>
+          </a:extLst>
+        </p:spPr>
+      </p:pic>
+      <p:pic>
+        <p:nvPicPr>
+          <p:cNvPr id="30" name="Picture 6" descr="C:\admin\github\squarefeed\Documents\Design\bildli für remo\container_2_1.png"/>
+          <p:cNvPicPr>
+            <a:picLocks noChangeAspect="1" noChangeArrowheads="1"/>
+          </p:cNvPicPr>
+          <p:nvPr/>
+        </p:nvPicPr>
+        <p:blipFill>
+          <a:blip r:embed="rId5">
+            <a:extLst>
+              <a:ext uri="{28A0092B-C50C-407E-A947-70E740481C1C}">
+                <a14:useLocalDpi xmlns:a14="http://schemas.microsoft.com/office/drawing/2010/main" val="0"/>
+              </a:ext>
+            </a:extLst>
+          </a:blip>
+          <a:srcRect/>
+          <a:stretch>
+            <a:fillRect/>
+          </a:stretch>
+        </p:blipFill>
+        <p:spPr bwMode="auto">
+          <a:xfrm>
+            <a:off x="2338977" y="3326482"/>
+            <a:ext cx="460400" cy="460400"/>
+          </a:xfrm>
+          <a:prstGeom prst="rect">
+            <a:avLst/>
+          </a:prstGeom>
+          <a:noFill/>
+          <a:extLst>
+            <a:ext uri="{909E8E84-426E-40DD-AFC4-6F175D3DCCD1}">
+              <a14:hiddenFill xmlns:a14="http://schemas.microsoft.com/office/drawing/2010/main">
+                <a:solidFill>
+                  <a:srgbClr val="FFFFFF"/>
+                </a:solidFill>
+              </a14:hiddenFill>
+            </a:ext>
+          </a:extLst>
+        </p:spPr>
+      </p:pic>
+      <p:pic>
+        <p:nvPicPr>
+          <p:cNvPr id="31" name="Picture 5" descr="C:\admin\github\squarefeed\Documents\Design\bildli für remo\container_1_2.png"/>
+          <p:cNvPicPr>
+            <a:picLocks noChangeAspect="1" noChangeArrowheads="1"/>
+          </p:cNvPicPr>
+          <p:nvPr/>
+        </p:nvPicPr>
+        <p:blipFill>
+          <a:blip r:embed="rId4">
+            <a:extLst>
+              <a:ext uri="{28A0092B-C50C-407E-A947-70E740481C1C}">
+                <a14:useLocalDpi xmlns:a14="http://schemas.microsoft.com/office/drawing/2010/main" val="0"/>
+              </a:ext>
+            </a:extLst>
+          </a:blip>
+          <a:srcRect/>
+          <a:stretch>
+            <a:fillRect/>
+          </a:stretch>
+        </p:blipFill>
+        <p:spPr bwMode="auto">
+          <a:xfrm>
+            <a:off x="1429048" y="3326482"/>
+            <a:ext cx="920800" cy="460400"/>
+          </a:xfrm>
+          <a:prstGeom prst="rect">
+            <a:avLst/>
+          </a:prstGeom>
+          <a:noFill/>
+          <a:extLst>
+            <a:ext uri="{909E8E84-426E-40DD-AFC4-6F175D3DCCD1}">
+              <a14:hiddenFill xmlns:a14="http://schemas.microsoft.com/office/drawing/2010/main">
+                <a:solidFill>
+                  <a:srgbClr val="FFFFFF"/>
+                </a:solidFill>
+              </a14:hiddenFill>
+            </a:ext>
+          </a:extLst>
+        </p:spPr>
+      </p:pic>
+      <p:pic>
+        <p:nvPicPr>
+          <p:cNvPr id="32" name="Picture 2" descr="C:\admin\github\squarefeed\Documents\Design\bildli für remo\container_4_4.png"/>
+          <p:cNvPicPr>
+            <a:picLocks noChangeAspect="1" noChangeArrowheads="1"/>
+          </p:cNvPicPr>
+          <p:nvPr/>
+        </p:nvPicPr>
+        <p:blipFill>
+          <a:blip r:embed="rId2">
+            <a:extLst>
+              <a:ext uri="{28A0092B-C50C-407E-A947-70E740481C1C}">
+                <a14:useLocalDpi xmlns:a14="http://schemas.microsoft.com/office/drawing/2010/main" val="0"/>
+              </a:ext>
+            </a:extLst>
+          </a:blip>
+          <a:srcRect/>
+          <a:stretch>
+            <a:fillRect/>
+          </a:stretch>
+        </p:blipFill>
+        <p:spPr bwMode="auto">
+          <a:xfrm>
+            <a:off x="2797785" y="3326482"/>
+            <a:ext cx="1841600" cy="460400"/>
+          </a:xfrm>
+          <a:prstGeom prst="rect">
+            <a:avLst/>
+          </a:prstGeom>
+          <a:noFill/>
+          <a:extLst>
+            <a:ext uri="{909E8E84-426E-40DD-AFC4-6F175D3DCCD1}">
+              <a14:hiddenFill xmlns:a14="http://schemas.microsoft.com/office/drawing/2010/main">
+                <a:solidFill>
+                  <a:srgbClr val="FFFFFF"/>
+                </a:solidFill>
+              </a14:hiddenFill>
+            </a:ext>
+          </a:extLst>
+        </p:spPr>
+      </p:pic>
+      <p:pic>
+        <p:nvPicPr>
+          <p:cNvPr id="33" name="Picture 9" descr="C:\admin\github\squarefeed\Documents\Design\bildli für remo\container_3_4.png"/>
+          <p:cNvPicPr>
+            <a:picLocks noChangeAspect="1" noChangeArrowheads="1"/>
+          </p:cNvPicPr>
+          <p:nvPr/>
+        </p:nvPicPr>
+        <p:blipFill>
+          <a:blip r:embed="rId8">
+            <a:extLst>
+              <a:ext uri="{28A0092B-C50C-407E-A947-70E740481C1C}">
+                <a14:useLocalDpi xmlns:a14="http://schemas.microsoft.com/office/drawing/2010/main" val="0"/>
+              </a:ext>
+            </a:extLst>
+          </a:blip>
+          <a:srcRect/>
+          <a:stretch>
+            <a:fillRect/>
+          </a:stretch>
+        </p:blipFill>
+        <p:spPr bwMode="auto">
+          <a:xfrm>
+            <a:off x="4639385" y="3326482"/>
+            <a:ext cx="1841600" cy="460400"/>
+          </a:xfrm>
+          <a:prstGeom prst="rect">
+            <a:avLst/>
+          </a:prstGeom>
+          <a:noFill/>
+          <a:extLst>
+            <a:ext uri="{909E8E84-426E-40DD-AFC4-6F175D3DCCD1}">
+              <a14:hiddenFill xmlns:a14="http://schemas.microsoft.com/office/drawing/2010/main">
+                <a:solidFill>
+                  <a:srgbClr val="FFFFFF"/>
+                </a:solidFill>
+              </a14:hiddenFill>
+            </a:ext>
+          </a:extLst>
+        </p:spPr>
+      </p:pic>
+      <p:pic>
+        <p:nvPicPr>
+          <p:cNvPr id="45" name="Picture 2" descr="C:\admin\github\squarefeed\Documents\Design\bildli für remo\container_4_4.png"/>
+          <p:cNvPicPr>
+            <a:picLocks noChangeAspect="1" noChangeArrowheads="1"/>
+          </p:cNvPicPr>
+          <p:nvPr/>
+        </p:nvPicPr>
+        <p:blipFill>
+          <a:blip r:embed="rId2">
+            <a:extLst>
+              <a:ext uri="{28A0092B-C50C-407E-A947-70E740481C1C}">
+                <a14:useLocalDpi xmlns:a14="http://schemas.microsoft.com/office/drawing/2010/main" val="0"/>
+              </a:ext>
+            </a:extLst>
+          </a:blip>
+          <a:srcRect/>
+          <a:stretch>
+            <a:fillRect/>
+          </a:stretch>
+        </p:blipFill>
+        <p:spPr bwMode="auto">
+          <a:xfrm>
+            <a:off x="6480985" y="3326482"/>
+            <a:ext cx="1841600" cy="460400"/>
+          </a:xfrm>
+          <a:prstGeom prst="rect">
+            <a:avLst/>
+          </a:prstGeom>
+          <a:noFill/>
+          <a:extLst>
+            <a:ext uri="{909E8E84-426E-40DD-AFC4-6F175D3DCCD1}">
+              <a14:hiddenFill xmlns:a14="http://schemas.microsoft.com/office/drawing/2010/main">
+                <a:solidFill>
+                  <a:srgbClr val="FFFFFF"/>
+                </a:solidFill>
+              </a14:hiddenFill>
+            </a:ext>
+          </a:extLst>
+        </p:spPr>
+      </p:pic>
+    </p:spTree>
+    <p:extLst>
+      <p:ext uri="{BB962C8B-B14F-4D97-AF65-F5344CB8AC3E}">
+        <p14:creationId xmlns:p14="http://schemas.microsoft.com/office/powerpoint/2010/main" val="3458526503"/>
+      </p:ext>
+    </p:extLst>
+  </p:cSld>
+  <p:clrMapOvr>
+    <a:masterClrMapping/>
+  </p:clrMapOvr>
+  <p:timing>
+    <p:tnLst>
+      <p:par>
+        <p:cTn id="1" dur="indefinite" restart="never" nodeType="tmRoot">
+          <p:childTnLst>
+            <p:seq concurrent="1" nextAc="seek">
+              <p:cTn id="2" dur="indefinite" nodeType="mainSeq">
+                <p:childTnLst>
+                  <p:par>
+                    <p:cTn id="3" fill="hold">
+                      <p:stCondLst>
+                        <p:cond delay="indefinite"/>
+                      </p:stCondLst>
+                      <p:childTnLst>
+                        <p:par>
+                          <p:cTn id="4" fill="hold">
+                            <p:stCondLst>
+                              <p:cond delay="0"/>
+                            </p:stCondLst>
+                            <p:childTnLst>
+                              <p:par>
+                                <p:cTn id="5" presetID="1" presetClass="entr" presetSubtype="0" fill="hold" nodeType="clickEffect">
+                                  <p:stCondLst>
+                                    <p:cond delay="0"/>
+                                  </p:stCondLst>
+                                  <p:childTnLst>
+                                    <p:set>
+                                      <p:cBhvr>
+                                        <p:cTn id="6" dur="1" fill="hold">
+                                          <p:stCondLst>
+                                            <p:cond delay="0"/>
+                                          </p:stCondLst>
+                                        </p:cTn>
+                                        <p:tgtEl>
+                                          <p:spTgt spid="12"/>
+                                        </p:tgtEl>
+                                        <p:attrNameLst>
+                                          <p:attrName>style.visibility</p:attrName>
+                                        </p:attrNameLst>
+                                      </p:cBhvr>
+                                      <p:to>
+                                        <p:strVal val="visible"/>
+                                      </p:to>
+                                    </p:set>
+                                  </p:childTnLst>
+                                </p:cTn>
+                              </p:par>
+                              <p:par>
+                                <p:cTn id="7" presetID="1" presetClass="entr" presetSubtype="0" fill="hold" nodeType="withEffect">
+                                  <p:stCondLst>
+                                    <p:cond delay="0"/>
+                                  </p:stCondLst>
+                                  <p:childTnLst>
+                                    <p:set>
+                                      <p:cBhvr>
+                                        <p:cTn id="8" dur="1" fill="hold">
+                                          <p:stCondLst>
+                                            <p:cond delay="0"/>
+                                          </p:stCondLst>
+                                        </p:cTn>
+                                        <p:tgtEl>
+                                          <p:spTgt spid="20"/>
+                                        </p:tgtEl>
+                                        <p:attrNameLst>
+                                          <p:attrName>style.visibility</p:attrName>
+                                        </p:attrNameLst>
+                                      </p:cBhvr>
+                                      <p:to>
+                                        <p:strVal val="visible"/>
+                                      </p:to>
+                                    </p:set>
+                                  </p:childTnLst>
+                                </p:cTn>
+                              </p:par>
+                              <p:par>
+                                <p:cTn id="9" presetID="1" presetClass="entr" presetSubtype="0" fill="hold" nodeType="withEffect">
+                                  <p:stCondLst>
+                                    <p:cond delay="0"/>
+                                  </p:stCondLst>
+                                  <p:childTnLst>
+                                    <p:set>
+                                      <p:cBhvr>
+                                        <p:cTn id="10" dur="1" fill="hold">
+                                          <p:stCondLst>
+                                            <p:cond delay="0"/>
+                                          </p:stCondLst>
+                                        </p:cTn>
+                                        <p:tgtEl>
+                                          <p:spTgt spid="2055"/>
+                                        </p:tgtEl>
+                                        <p:attrNameLst>
+                                          <p:attrName>style.visibility</p:attrName>
+                                        </p:attrNameLst>
+                                      </p:cBhvr>
+                                      <p:to>
+                                        <p:strVal val="visible"/>
+                                      </p:to>
+                                    </p:set>
+                                  </p:childTnLst>
+                                </p:cTn>
+                              </p:par>
+                              <p:par>
+                                <p:cTn id="11" presetID="1" presetClass="entr" presetSubtype="0" fill="hold" nodeType="withEffect">
+                                  <p:stCondLst>
+                                    <p:cond delay="0"/>
+                                  </p:stCondLst>
+                                  <p:childTnLst>
+                                    <p:set>
+                                      <p:cBhvr>
+                                        <p:cTn id="12" dur="1" fill="hold">
+                                          <p:stCondLst>
+                                            <p:cond delay="0"/>
+                                          </p:stCondLst>
+                                        </p:cTn>
+                                        <p:tgtEl>
+                                          <p:spTgt spid="21"/>
+                                        </p:tgtEl>
+                                        <p:attrNameLst>
+                                          <p:attrName>style.visibility</p:attrName>
+                                        </p:attrNameLst>
+                                      </p:cBhvr>
+                                      <p:to>
+                                        <p:strVal val="visible"/>
+                                      </p:to>
+                                    </p:set>
+                                  </p:childTnLst>
+                                </p:cTn>
+                              </p:par>
+                              <p:par>
+                                <p:cTn id="13" presetID="1" presetClass="entr" presetSubtype="0" fill="hold" nodeType="withEffect">
+                                  <p:stCondLst>
+                                    <p:cond delay="0"/>
+                                  </p:stCondLst>
+                                  <p:childTnLst>
+                                    <p:set>
+                                      <p:cBhvr>
+                                        <p:cTn id="14" dur="1" fill="hold">
+                                          <p:stCondLst>
+                                            <p:cond delay="0"/>
+                                          </p:stCondLst>
+                                        </p:cTn>
+                                        <p:tgtEl>
+                                          <p:spTgt spid="2052"/>
+                                        </p:tgtEl>
+                                        <p:attrNameLst>
+                                          <p:attrName>style.visibility</p:attrName>
+                                        </p:attrNameLst>
+                                      </p:cBhvr>
+                                      <p:to>
+                                        <p:strVal val="visible"/>
+                                      </p:to>
+                                    </p:set>
+                                  </p:childTnLst>
+                                </p:cTn>
+                              </p:par>
+                            </p:childTnLst>
+                          </p:cTn>
+                        </p:par>
+                      </p:childTnLst>
+                    </p:cTn>
+                  </p:par>
+                  <p:par>
+                    <p:cTn id="15" fill="hold">
+                      <p:stCondLst>
+                        <p:cond delay="indefinite"/>
+                      </p:stCondLst>
+                      <p:childTnLst>
+                        <p:par>
+                          <p:cTn id="16" fill="hold">
+                            <p:stCondLst>
+                              <p:cond delay="0"/>
+                            </p:stCondLst>
+                            <p:childTnLst>
+                              <p:par>
+                                <p:cTn id="17" presetID="1" presetClass="entr" presetSubtype="0" fill="hold" nodeType="clickEffect">
+                                  <p:stCondLst>
+                                    <p:cond delay="0"/>
+                                  </p:stCondLst>
+                                  <p:childTnLst>
+                                    <p:set>
+                                      <p:cBhvr>
+                                        <p:cTn id="18" dur="1" fill="hold">
+                                          <p:stCondLst>
+                                            <p:cond delay="0"/>
+                                          </p:stCondLst>
+                                        </p:cTn>
+                                        <p:tgtEl>
+                                          <p:spTgt spid="2054"/>
+                                        </p:tgtEl>
+                                        <p:attrNameLst>
+                                          <p:attrName>style.visibility</p:attrName>
+                                        </p:attrNameLst>
+                                      </p:cBhvr>
+                                      <p:to>
+                                        <p:strVal val="visible"/>
+                                      </p:to>
+                                    </p:set>
+                                  </p:childTnLst>
+                                </p:cTn>
+                              </p:par>
+                            </p:childTnLst>
+                          </p:cTn>
+                        </p:par>
+                      </p:childTnLst>
+                    </p:cTn>
+                  </p:par>
+                  <p:par>
+                    <p:cTn id="19" fill="hold">
+                      <p:stCondLst>
+                        <p:cond delay="indefinite"/>
+                      </p:stCondLst>
+                      <p:childTnLst>
+                        <p:par>
+                          <p:cTn id="20" fill="hold">
+                            <p:stCondLst>
+                              <p:cond delay="0"/>
+                            </p:stCondLst>
+                            <p:childTnLst>
+                              <p:par>
+                                <p:cTn id="21" presetID="1" presetClass="entr" presetSubtype="0" fill="hold" nodeType="clickEffect">
+                                  <p:stCondLst>
+                                    <p:cond delay="0"/>
+                                  </p:stCondLst>
+                                  <p:childTnLst>
+                                    <p:set>
+                                      <p:cBhvr>
+                                        <p:cTn id="22" dur="1" fill="hold">
+                                          <p:stCondLst>
+                                            <p:cond delay="0"/>
+                                          </p:stCondLst>
+                                        </p:cTn>
+                                        <p:tgtEl>
+                                          <p:spTgt spid="2056"/>
+                                        </p:tgtEl>
+                                        <p:attrNameLst>
+                                          <p:attrName>style.visibility</p:attrName>
+                                        </p:attrNameLst>
+                                      </p:cBhvr>
+                                      <p:to>
+                                        <p:strVal val="visible"/>
+                                      </p:to>
+                                    </p:set>
+                                  </p:childTnLst>
+                                </p:cTn>
+                              </p:par>
+                              <p:par>
+                                <p:cTn id="23" presetID="1" presetClass="entr" presetSubtype="0" fill="hold" nodeType="withEffect">
+                                  <p:stCondLst>
+                                    <p:cond delay="0"/>
+                                  </p:stCondLst>
+                                  <p:childTnLst>
+                                    <p:set>
+                                      <p:cBhvr>
+                                        <p:cTn id="24" dur="1" fill="hold">
+                                          <p:stCondLst>
+                                            <p:cond delay="0"/>
+                                          </p:stCondLst>
+                                        </p:cTn>
+                                        <p:tgtEl>
+                                          <p:spTgt spid="22"/>
+                                        </p:tgtEl>
+                                        <p:attrNameLst>
+                                          <p:attrName>style.visibility</p:attrName>
+                                        </p:attrNameLst>
+                                      </p:cBhvr>
+                                      <p:to>
+                                        <p:strVal val="visible"/>
+                                      </p:to>
+                                    </p:set>
+                                  </p:childTnLst>
+                                </p:cTn>
+                              </p:par>
+                              <p:par>
+                                <p:cTn id="25" presetID="1" presetClass="entr" presetSubtype="0" fill="hold" nodeType="withEffect">
+                                  <p:stCondLst>
+                                    <p:cond delay="0"/>
+                                  </p:stCondLst>
+                                  <p:childTnLst>
+                                    <p:set>
+                                      <p:cBhvr>
+                                        <p:cTn id="26" dur="1" fill="hold">
+                                          <p:stCondLst>
+                                            <p:cond delay="0"/>
+                                          </p:stCondLst>
+                                        </p:cTn>
+                                        <p:tgtEl>
+                                          <p:spTgt spid="2057"/>
+                                        </p:tgtEl>
+                                        <p:attrNameLst>
+                                          <p:attrName>style.visibility</p:attrName>
+                                        </p:attrNameLst>
+                                      </p:cBhvr>
+                                      <p:to>
+                                        <p:strVal val="visible"/>
+                                      </p:to>
+                                    </p:set>
+                                  </p:childTnLst>
+                                </p:cTn>
+                              </p:par>
+                              <p:par>
+                                <p:cTn id="27" presetID="1" presetClass="entr" presetSubtype="0" fill="hold" nodeType="withEffect">
+                                  <p:stCondLst>
+                                    <p:cond delay="0"/>
+                                  </p:stCondLst>
+                                  <p:childTnLst>
+                                    <p:set>
+                                      <p:cBhvr>
+                                        <p:cTn id="28" dur="1" fill="hold">
+                                          <p:stCondLst>
+                                            <p:cond delay="0"/>
+                                          </p:stCondLst>
+                                        </p:cTn>
+                                        <p:tgtEl>
+                                          <p:spTgt spid="7"/>
+                                        </p:tgtEl>
+                                        <p:attrNameLst>
+                                          <p:attrName>style.visibility</p:attrName>
+                                        </p:attrNameLst>
+                                      </p:cBhvr>
+                                      <p:to>
+                                        <p:strVal val="visible"/>
+                                      </p:to>
+                                    </p:set>
+                                  </p:childTnLst>
+                                </p:cTn>
+                              </p:par>
+                            </p:childTnLst>
+                          </p:cTn>
+                        </p:par>
+                      </p:childTnLst>
+                    </p:cTn>
+                  </p:par>
+                  <p:par>
+                    <p:cTn id="29" fill="hold">
+                      <p:stCondLst>
+                        <p:cond delay="indefinite"/>
+                      </p:stCondLst>
+                      <p:childTnLst>
+                        <p:par>
+                          <p:cTn id="30" fill="hold">
+                            <p:stCondLst>
+                              <p:cond delay="0"/>
+                            </p:stCondLst>
+                            <p:childTnLst>
+                              <p:par>
+                                <p:cTn id="31" presetID="1" presetClass="entr" presetSubtype="0" fill="hold" nodeType="clickEffect">
+                                  <p:stCondLst>
+                                    <p:cond delay="0"/>
+                                  </p:stCondLst>
+                                  <p:childTnLst>
+                                    <p:set>
+                                      <p:cBhvr>
+                                        <p:cTn id="32" dur="1" fill="hold">
+                                          <p:stCondLst>
+                                            <p:cond delay="0"/>
+                                          </p:stCondLst>
+                                        </p:cTn>
+                                        <p:tgtEl>
+                                          <p:spTgt spid="24"/>
+                                        </p:tgtEl>
+                                        <p:attrNameLst>
+                                          <p:attrName>style.visibility</p:attrName>
+                                        </p:attrNameLst>
+                                      </p:cBhvr>
+                                      <p:to>
+                                        <p:strVal val="visible"/>
+                                      </p:to>
+                                    </p:set>
+                                  </p:childTnLst>
+                                </p:cTn>
+                              </p:par>
+                              <p:par>
+                                <p:cTn id="33" presetID="1" presetClass="entr" presetSubtype="0" fill="hold" nodeType="withEffect">
+                                  <p:stCondLst>
+                                    <p:cond delay="0"/>
+                                  </p:stCondLst>
+                                  <p:childTnLst>
+                                    <p:set>
+                                      <p:cBhvr>
+                                        <p:cTn id="34" dur="1" fill="hold">
+                                          <p:stCondLst>
+                                            <p:cond delay="0"/>
+                                          </p:stCondLst>
+                                        </p:cTn>
+                                        <p:tgtEl>
+                                          <p:spTgt spid="23"/>
+                                        </p:tgtEl>
+                                        <p:attrNameLst>
+                                          <p:attrName>style.visibility</p:attrName>
+                                        </p:attrNameLst>
+                                      </p:cBhvr>
+                                      <p:to>
+                                        <p:strVal val="visible"/>
+                                      </p:to>
+                                    </p:set>
+                                  </p:childTnLst>
+                                </p:cTn>
+                              </p:par>
+                            </p:childTnLst>
+                          </p:cTn>
+                        </p:par>
+                      </p:childTnLst>
+                    </p:cTn>
+                  </p:par>
+                  <p:par>
+                    <p:cTn id="35" fill="hold">
+                      <p:stCondLst>
+                        <p:cond delay="indefinite"/>
+                      </p:stCondLst>
+                      <p:childTnLst>
+                        <p:par>
+                          <p:cTn id="36" fill="hold">
+                            <p:stCondLst>
+                              <p:cond delay="0"/>
+                            </p:stCondLst>
+                            <p:childTnLst>
+                              <p:par>
+                                <p:cTn id="37" presetID="1" presetClass="entr" presetSubtype="0" fill="hold" nodeType="clickEffect">
+                                  <p:stCondLst>
+                                    <p:cond delay="0"/>
+                                  </p:stCondLst>
+                                  <p:childTnLst>
+                                    <p:set>
+                                      <p:cBhvr>
+                                        <p:cTn id="38" dur="1" fill="hold">
+                                          <p:stCondLst>
+                                            <p:cond delay="0"/>
+                                          </p:stCondLst>
+                                        </p:cTn>
+                                        <p:tgtEl>
+                                          <p:spTgt spid="25"/>
+                                        </p:tgtEl>
+                                        <p:attrNameLst>
+                                          <p:attrName>style.visibility</p:attrName>
+                                        </p:attrNameLst>
+                                      </p:cBhvr>
+                                      <p:to>
+                                        <p:strVal val="visible"/>
+                                      </p:to>
+                                    </p:set>
+                                  </p:childTnLst>
+                                </p:cTn>
+                              </p:par>
+                              <p:par>
+                                <p:cTn id="39" presetID="1" presetClass="entr" presetSubtype="0" fill="hold" nodeType="withEffect">
+                                  <p:stCondLst>
+                                    <p:cond delay="0"/>
+                                  </p:stCondLst>
+                                  <p:childTnLst>
+                                    <p:set>
+                                      <p:cBhvr>
+                                        <p:cTn id="40" dur="1" fill="hold">
+                                          <p:stCondLst>
+                                            <p:cond delay="0"/>
+                                          </p:stCondLst>
+                                        </p:cTn>
+                                        <p:tgtEl>
+                                          <p:spTgt spid="2053"/>
+                                        </p:tgtEl>
+                                        <p:attrNameLst>
+                                          <p:attrName>style.visibility</p:attrName>
+                                        </p:attrNameLst>
+                                      </p:cBhvr>
+                                      <p:to>
+                                        <p:strVal val="visible"/>
+                                      </p:to>
+                                    </p:set>
+                                  </p:childTnLst>
+                                </p:cTn>
+                              </p:par>
+                              <p:par>
+                                <p:cTn id="41" presetID="1" presetClass="entr" presetSubtype="0" fill="hold" nodeType="withEffect">
+                                  <p:stCondLst>
+                                    <p:cond delay="0"/>
+                                  </p:stCondLst>
+                                  <p:childTnLst>
+                                    <p:set>
+                                      <p:cBhvr>
+                                        <p:cTn id="42" dur="1" fill="hold">
+                                          <p:stCondLst>
+                                            <p:cond delay="0"/>
+                                          </p:stCondLst>
+                                        </p:cTn>
+                                        <p:tgtEl>
+                                          <p:spTgt spid="26"/>
+                                        </p:tgtEl>
+                                        <p:attrNameLst>
+                                          <p:attrName>style.visibility</p:attrName>
+                                        </p:attrNameLst>
+                                      </p:cBhvr>
+                                      <p:to>
+                                        <p:strVal val="visible"/>
+                                      </p:to>
+                                    </p:set>
+                                  </p:childTnLst>
+                                </p:cTn>
+                              </p:par>
+                              <p:par>
+                                <p:cTn id="43" presetID="1" presetClass="entr" presetSubtype="0" fill="hold" nodeType="withEffect">
+                                  <p:stCondLst>
+                                    <p:cond delay="0"/>
+                                  </p:stCondLst>
+                                  <p:childTnLst>
+                                    <p:set>
+                                      <p:cBhvr>
+                                        <p:cTn id="44" dur="1" fill="hold">
+                                          <p:stCondLst>
+                                            <p:cond delay="0"/>
+                                          </p:stCondLst>
+                                        </p:cTn>
+                                        <p:tgtEl>
+                                          <p:spTgt spid="27"/>
+                                        </p:tgtEl>
+                                        <p:attrNameLst>
+                                          <p:attrName>style.visibility</p:attrName>
+                                        </p:attrNameLst>
+                                      </p:cBhvr>
+                                      <p:to>
+                                        <p:strVal val="visible"/>
+                                      </p:to>
+                                    </p:set>
+                                  </p:childTnLst>
+                                </p:cTn>
+                              </p:par>
+                              <p:par>
+                                <p:cTn id="45" presetID="1" presetClass="entr" presetSubtype="0" fill="hold" nodeType="withEffect">
+                                  <p:stCondLst>
+                                    <p:cond delay="0"/>
+                                  </p:stCondLst>
+                                  <p:childTnLst>
+                                    <p:set>
+                                      <p:cBhvr>
+                                        <p:cTn id="46" dur="1" fill="hold">
+                                          <p:stCondLst>
+                                            <p:cond delay="0"/>
+                                          </p:stCondLst>
+                                        </p:cTn>
+                                        <p:tgtEl>
+                                          <p:spTgt spid="28"/>
+                                        </p:tgtEl>
+                                        <p:attrNameLst>
+                                          <p:attrName>style.visibility</p:attrName>
+                                        </p:attrNameLst>
+                                      </p:cBhvr>
+                                      <p:to>
+                                        <p:strVal val="visible"/>
+                                      </p:to>
+                                    </p:set>
+                                  </p:childTnLst>
+                                </p:cTn>
+                              </p:par>
+                              <p:par>
+                                <p:cTn id="47" presetID="1" presetClass="entr" presetSubtype="0" fill="hold" nodeType="withEffect">
+                                  <p:stCondLst>
+                                    <p:cond delay="0"/>
+                                  </p:stCondLst>
+                                  <p:childTnLst>
+                                    <p:set>
+                                      <p:cBhvr>
+                                        <p:cTn id="48" dur="1" fill="hold">
+                                          <p:stCondLst>
+                                            <p:cond delay="0"/>
+                                          </p:stCondLst>
+                                        </p:cTn>
+                                        <p:tgtEl>
+                                          <p:spTgt spid="29"/>
+                                        </p:tgtEl>
+                                        <p:attrNameLst>
+                                          <p:attrName>style.visibility</p:attrName>
+                                        </p:attrNameLst>
+                                      </p:cBhvr>
+                                      <p:to>
+                                        <p:strVal val="visible"/>
+                                      </p:to>
+                                    </p:set>
+                                  </p:childTnLst>
+                                </p:cTn>
+                              </p:par>
+                              <p:par>
+                                <p:cTn id="49" presetID="1" presetClass="entr" presetSubtype="0" fill="hold" nodeType="withEffect">
+                                  <p:stCondLst>
+                                    <p:cond delay="0"/>
+                                  </p:stCondLst>
+                                  <p:childTnLst>
+                                    <p:set>
+                                      <p:cBhvr>
+                                        <p:cTn id="50" dur="1" fill="hold">
+                                          <p:stCondLst>
+                                            <p:cond delay="0"/>
+                                          </p:stCondLst>
+                                        </p:cTn>
+                                        <p:tgtEl>
+                                          <p:spTgt spid="31"/>
+                                        </p:tgtEl>
+                                        <p:attrNameLst>
+                                          <p:attrName>style.visibility</p:attrName>
+                                        </p:attrNameLst>
+                                      </p:cBhvr>
+                                      <p:to>
+                                        <p:strVal val="visible"/>
+                                      </p:to>
+                                    </p:set>
+                                  </p:childTnLst>
+                                </p:cTn>
+                              </p:par>
+                              <p:par>
+                                <p:cTn id="51" presetID="1" presetClass="entr" presetSubtype="0" fill="hold" nodeType="withEffect">
+                                  <p:stCondLst>
+                                    <p:cond delay="0"/>
+                                  </p:stCondLst>
+                                  <p:childTnLst>
+                                    <p:set>
+                                      <p:cBhvr>
+                                        <p:cTn id="52" dur="1" fill="hold">
+                                          <p:stCondLst>
+                                            <p:cond delay="0"/>
+                                          </p:stCondLst>
+                                        </p:cTn>
+                                        <p:tgtEl>
+                                          <p:spTgt spid="32"/>
+                                        </p:tgtEl>
+                                        <p:attrNameLst>
+                                          <p:attrName>style.visibility</p:attrName>
+                                        </p:attrNameLst>
+                                      </p:cBhvr>
+                                      <p:to>
+                                        <p:strVal val="visible"/>
+                                      </p:to>
+                                    </p:set>
+                                  </p:childTnLst>
+                                </p:cTn>
+                              </p:par>
+                              <p:par>
+                                <p:cTn id="53" presetID="1" presetClass="entr" presetSubtype="0" fill="hold" nodeType="withEffect">
+                                  <p:stCondLst>
+                                    <p:cond delay="0"/>
+                                  </p:stCondLst>
+                                  <p:childTnLst>
+                                    <p:set>
+                                      <p:cBhvr>
+                                        <p:cTn id="54" dur="1" fill="hold">
+                                          <p:stCondLst>
+                                            <p:cond delay="0"/>
+                                          </p:stCondLst>
+                                        </p:cTn>
+                                        <p:tgtEl>
+                                          <p:spTgt spid="30"/>
+                                        </p:tgtEl>
+                                        <p:attrNameLst>
+                                          <p:attrName>style.visibility</p:attrName>
+                                        </p:attrNameLst>
+                                      </p:cBhvr>
+                                      <p:to>
+                                        <p:strVal val="visible"/>
+                                      </p:to>
+                                    </p:set>
+                                  </p:childTnLst>
+                                </p:cTn>
+                              </p:par>
+                              <p:par>
+                                <p:cTn id="55" presetID="1" presetClass="entr" presetSubtype="0" fill="hold" nodeType="withEffect">
+                                  <p:stCondLst>
+                                    <p:cond delay="0"/>
+                                  </p:stCondLst>
+                                  <p:childTnLst>
+                                    <p:set>
+                                      <p:cBhvr>
+                                        <p:cTn id="56" dur="1" fill="hold">
+                                          <p:stCondLst>
+                                            <p:cond delay="0"/>
+                                          </p:stCondLst>
+                                        </p:cTn>
+                                        <p:tgtEl>
+                                          <p:spTgt spid="33"/>
+                                        </p:tgtEl>
+                                        <p:attrNameLst>
+                                          <p:attrName>style.visibility</p:attrName>
+                                        </p:attrNameLst>
+                                      </p:cBhvr>
+                                      <p:to>
+                                        <p:strVal val="visible"/>
+                                      </p:to>
+                                    </p:set>
+                                  </p:childTnLst>
+                                </p:cTn>
+                              </p:par>
+                            </p:childTnLst>
+                          </p:cTn>
+                        </p:par>
+                      </p:childTnLst>
+                    </p:cTn>
+                  </p:par>
+                  <p:par>
+                    <p:cTn id="57" fill="hold">
+                      <p:stCondLst>
+                        <p:cond delay="indefinite"/>
+                      </p:stCondLst>
+                      <p:childTnLst>
+                        <p:par>
+                          <p:cTn id="58" fill="hold">
+                            <p:stCondLst>
+                              <p:cond delay="0"/>
+                            </p:stCondLst>
+                            <p:childTnLst>
+                              <p:par>
+                                <p:cTn id="59" presetID="1" presetClass="entr" presetSubtype="0" fill="hold" nodeType="clickEffect">
+                                  <p:stCondLst>
+                                    <p:cond delay="0"/>
+                                  </p:stCondLst>
+                                  <p:childTnLst>
+                                    <p:set>
+                                      <p:cBhvr>
+                                        <p:cTn id="60" dur="1" fill="hold">
+                                          <p:stCondLst>
+                                            <p:cond delay="0"/>
+                                          </p:stCondLst>
+                                        </p:cTn>
+                                        <p:tgtEl>
+                                          <p:spTgt spid="45"/>
+                                        </p:tgtEl>
+                                        <p:attrNameLst>
+                                          <p:attrName>style.visibility</p:attrName>
+                                        </p:attrNameLst>
+                                      </p:cBhvr>
+                                      <p:to>
+                                        <p:strVal val="visible"/>
+                                      </p:to>
+                                    </p:set>
+                                  </p:childTnLst>
+                                </p:cTn>
+                              </p:par>
+                            </p:childTnLst>
+                          </p:cTn>
+                        </p:par>
+                      </p:childTnLst>
+                    </p:cTn>
+                  </p:par>
+                </p:childTnLst>
+              </p:cTn>
+              <p:prevCondLst>
+                <p:cond evt="onPrev" delay="0">
+                  <p:tgtEl>
+                    <p:sldTgt/>
+                  </p:tgtEl>
+                </p:cond>
+              </p:prevCondLst>
+              <p:nextCondLst>
+                <p:cond evt="onNext" delay="0">
+                  <p:tgtEl>
+                    <p:sldTgt/>
+                  </p:tgtEl>
+                </p:cond>
+              </p:nextCondLst>
+            </p:seq>
+          </p:childTnLst>
+        </p:cTn>
+      </p:par>
+    </p:tnLst>
+  </p:timing>
+</p:sld>
+</file>
+
+<file path=ppt/slides/slide9.xml><?xml version="1.0" encoding="utf-8"?>
+<p:sld xmlns:a="http://schemas.openxmlformats.org/drawingml/2006/main" xmlns:r="http://schemas.openxmlformats.org/officeDocument/2006/relationships" xmlns:p="http://schemas.openxmlformats.org/presentationml/2006/main">
+  <p:cSld>
+    <p:spTree>
+      <p:nvGrpSpPr>
+        <p:cNvPr id="1" name=""/>
+        <p:cNvGrpSpPr/>
+        <p:nvPr/>
+      </p:nvGrpSpPr>
+      <p:grpSpPr>
+        <a:xfrm>
+          <a:off x="0" y="0"/>
+          <a:ext cx="0" cy="0"/>
+          <a:chOff x="0" y="0"/>
+          <a:chExt cx="0" cy="0"/>
+        </a:xfrm>
+      </p:grpSpPr>
+      <p:sp>
+        <p:nvSpPr>
+          <p:cNvPr id="4" name="Titel 3"/>
+          <p:cNvSpPr>
+            <a:spLocks noGrp="1"/>
+          </p:cNvSpPr>
+          <p:nvPr>
+            <p:ph type="title"/>
+          </p:nvPr>
+        </p:nvSpPr>
+        <p:spPr/>
+        <p:txBody>
+          <a:bodyPr>
+            <a:normAutofit fontScale="90000"/>
+          </a:bodyPr>
+          <a:lstStyle/>
+          <a:p>
+            <a:r>
+              <a:rPr lang="de-CH" dirty="0" err="1" smtClean="0"/>
+              <a:t>Levelgenerierung</a:t>
+            </a:r>
+            <a:endParaRPr lang="de-CH" dirty="0"/>
+          </a:p>
+        </p:txBody>
+      </p:sp>
+      <p:sp>
+        <p:nvSpPr>
+          <p:cNvPr id="5" name="Inhaltsplatzhalter 4"/>
+          <p:cNvSpPr>
+            <a:spLocks noGrp="1"/>
+          </p:cNvSpPr>
+          <p:nvPr>
+            <p:ph idx="1"/>
+          </p:nvPr>
+        </p:nvSpPr>
+        <p:spPr>
+          <a:xfrm>
+            <a:off x="539552" y="1412776"/>
+            <a:ext cx="8067040" cy="4896585"/>
+          </a:xfrm>
+        </p:spPr>
+        <p:txBody>
+          <a:bodyPr/>
+          <a:lstStyle/>
+          <a:p>
+            <a:r>
+              <a:rPr lang="de-CH" dirty="0" smtClean="0"/>
+              <a:t>Containerlänge – Problemlösung</a:t>
+            </a:r>
+          </a:p>
+          <a:p>
+            <a:pPr lvl="1"/>
+            <a:r>
+              <a:rPr lang="de-CH" dirty="0" smtClean="0"/>
+              <a:t>Schiffsabmessung 15 x 5</a:t>
+            </a:r>
+          </a:p>
+        </p:txBody>
+      </p:sp>
+      <p:graphicFrame>
+        <p:nvGraphicFramePr>
+          <p:cNvPr id="2" name="Table 1"/>
+          <p:cNvGraphicFramePr>
+            <a:graphicFrameLocks noGrp="1"/>
+          </p:cNvGraphicFramePr>
+          <p:nvPr>
+            <p:extLst>
+              <p:ext uri="{D42A27DB-BD31-4B8C-83A1-F6EECF244321}">
+                <p14:modId xmlns:p14="http://schemas.microsoft.com/office/powerpoint/2010/main" val="849658260"/>
+              </p:ext>
+            </p:extLst>
+          </p:nvPr>
+        </p:nvGraphicFramePr>
+        <p:xfrm>
+          <a:off x="971600" y="2864665"/>
+          <a:ext cx="6879495" cy="2301705"/>
+        </p:xfrm>
+        <a:graphic>
+          <a:graphicData uri="http://schemas.openxmlformats.org/drawingml/2006/table">
+            <a:tbl>
+              <a:tblPr firstRow="1" bandRow="1">
+                <a:tableStyleId>{5940675A-B579-460E-94D1-54222C63F5DA}</a:tableStyleId>
+              </a:tblPr>
+              <a:tblGrid>
+                <a:gridCol w="458633"/>
+                <a:gridCol w="458633"/>
+                <a:gridCol w="458633"/>
+                <a:gridCol w="458633"/>
+                <a:gridCol w="458633"/>
+                <a:gridCol w="458633"/>
+                <a:gridCol w="458633"/>
+                <a:gridCol w="458633"/>
+                <a:gridCol w="458633"/>
+                <a:gridCol w="458633"/>
+                <a:gridCol w="458633"/>
+                <a:gridCol w="458633"/>
+                <a:gridCol w="458633"/>
+                <a:gridCol w="458633"/>
+                <a:gridCol w="458633"/>
+              </a:tblGrid>
+              <a:tr h="460341">
+                <a:tc>
+                  <a:txBody>
+                    <a:bodyPr/>
+                    <a:lstStyle/>
+                    <a:p>
+                      <a:endParaRPr lang="de-CH" dirty="0"/>
+                    </a:p>
+                  </a:txBody>
+                  <a:tcPr/>
+                </a:tc>
+                <a:tc>
+                  <a:txBody>
+                    <a:bodyPr/>
+                    <a:lstStyle/>
+                    <a:p>
+                      <a:endParaRPr lang="de-CH" dirty="0"/>
+                    </a:p>
+                  </a:txBody>
+                  <a:tcPr/>
+                </a:tc>
+                <a:tc>
+                  <a:txBody>
+                    <a:bodyPr/>
+                    <a:lstStyle/>
+                    <a:p>
+                      <a:endParaRPr lang="de-CH" dirty="0"/>
+                    </a:p>
+                  </a:txBody>
+                  <a:tcPr/>
+                </a:tc>
+                <a:tc>
+                  <a:txBody>
+                    <a:bodyPr/>
+                    <a:lstStyle/>
+                    <a:p>
+                      <a:endParaRPr lang="de-CH" dirty="0"/>
+                    </a:p>
+                  </a:txBody>
+                  <a:tcPr/>
+                </a:tc>
+                <a:tc>
+                  <a:txBody>
+                    <a:bodyPr/>
+                    <a:lstStyle/>
+                    <a:p>
+                      <a:endParaRPr lang="de-CH" dirty="0"/>
+                    </a:p>
+                  </a:txBody>
+                  <a:tcPr/>
+                </a:tc>
+                <a:tc>
+                  <a:txBody>
+                    <a:bodyPr/>
+                    <a:lstStyle/>
+                    <a:p>
+                      <a:endParaRPr lang="de-CH" dirty="0"/>
+                    </a:p>
+                  </a:txBody>
+                  <a:tcPr/>
+                </a:tc>
+                <a:tc>
+                  <a:txBody>
+                    <a:bodyPr/>
+                    <a:lstStyle/>
+                    <a:p>
+                      <a:endParaRPr lang="de-CH" dirty="0"/>
+                    </a:p>
+                  </a:txBody>
+                  <a:tcPr/>
+                </a:tc>
+                <a:tc>
+                  <a:txBody>
+                    <a:bodyPr/>
+                    <a:lstStyle/>
+                    <a:p>
+                      <a:endParaRPr lang="de-CH" dirty="0"/>
+                    </a:p>
+                  </a:txBody>
+                  <a:tcPr/>
+                </a:tc>
+                <a:tc>
+                  <a:txBody>
+                    <a:bodyPr/>
+                    <a:lstStyle/>
+                    <a:p>
+                      <a:endParaRPr lang="de-CH" dirty="0"/>
+                    </a:p>
+                  </a:txBody>
+                  <a:tcPr/>
+                </a:tc>
+                <a:tc>
+                  <a:txBody>
+                    <a:bodyPr/>
+                    <a:lstStyle/>
+                    <a:p>
+                      <a:endParaRPr lang="de-CH" dirty="0"/>
+                    </a:p>
+                  </a:txBody>
+                  <a:tcPr/>
+                </a:tc>
+                <a:tc>
+                  <a:txBody>
+                    <a:bodyPr/>
+                    <a:lstStyle/>
+                    <a:p>
+                      <a:endParaRPr lang="de-CH" dirty="0"/>
+                    </a:p>
+                  </a:txBody>
+                  <a:tcPr/>
+                </a:tc>
+                <a:tc>
+                  <a:txBody>
+                    <a:bodyPr/>
+                    <a:lstStyle/>
+                    <a:p>
+                      <a:endParaRPr lang="de-CH" dirty="0"/>
+                    </a:p>
+                  </a:txBody>
+                  <a:tcPr/>
+                </a:tc>
+                <a:tc>
+                  <a:txBody>
+                    <a:bodyPr/>
+                    <a:lstStyle/>
+                    <a:p>
+                      <a:endParaRPr lang="de-CH" dirty="0"/>
+                    </a:p>
+                  </a:txBody>
+                  <a:tcPr/>
+                </a:tc>
+                <a:tc>
+                  <a:txBody>
+                    <a:bodyPr/>
+                    <a:lstStyle/>
+                    <a:p>
+                      <a:endParaRPr lang="de-CH" dirty="0"/>
+                    </a:p>
+                  </a:txBody>
+                  <a:tcPr/>
+                </a:tc>
+                <a:tc>
+                  <a:txBody>
+                    <a:bodyPr/>
+                    <a:lstStyle/>
+                    <a:p>
+                      <a:endParaRPr lang="de-CH" dirty="0"/>
+                    </a:p>
+                  </a:txBody>
+                  <a:tcPr/>
+                </a:tc>
+              </a:tr>
+              <a:tr h="460341">
+                <a:tc>
+                  <a:txBody>
+                    <a:bodyPr/>
+                    <a:lstStyle/>
+                    <a:p>
+                      <a:endParaRPr lang="de-CH"/>
+                    </a:p>
+                  </a:txBody>
+                  <a:tcPr/>
+                </a:tc>
+                <a:tc>
+                  <a:txBody>
+                    <a:bodyPr/>
+                    <a:lstStyle/>
+                    <a:p>
+                      <a:endParaRPr lang="de-CH"/>
+                    </a:p>
+                  </a:txBody>
+                  <a:tcPr/>
+                </a:tc>
+                <a:tc>
+                  <a:txBody>
+                    <a:bodyPr/>
+                    <a:lstStyle/>
+                    <a:p>
+                      <a:endParaRPr lang="de-CH"/>
+                    </a:p>
+                  </a:txBody>
+                  <a:tcPr/>
+                </a:tc>
+                <a:tc>
+                  <a:txBody>
+                    <a:bodyPr/>
+                    <a:lstStyle/>
+                    <a:p>
+                      <a:endParaRPr lang="de-CH"/>
+                    </a:p>
+                  </a:txBody>
+                  <a:tcPr/>
+                </a:tc>
+                <a:tc>
+                  <a:txBody>
+                    <a:bodyPr/>
+                    <a:lstStyle/>
+                    <a:p>
+                      <a:endParaRPr lang="de-CH" dirty="0"/>
+                    </a:p>
+                  </a:txBody>
+                  <a:tcPr/>
+                </a:tc>
+                <a:tc>
+                  <a:txBody>
+                    <a:bodyPr/>
+                    <a:lstStyle/>
+                    <a:p>
+                      <a:endParaRPr lang="de-CH" dirty="0"/>
+                    </a:p>
+                  </a:txBody>
+                  <a:tcPr/>
+                </a:tc>
+                <a:tc>
+                  <a:txBody>
+                    <a:bodyPr/>
+                    <a:lstStyle/>
+                    <a:p>
+                      <a:endParaRPr lang="de-CH" dirty="0"/>
+                    </a:p>
+                  </a:txBody>
+                  <a:tcPr/>
+                </a:tc>
+                <a:tc>
+                  <a:txBody>
+                    <a:bodyPr/>
+                    <a:lstStyle/>
+                    <a:p>
+                      <a:endParaRPr lang="de-CH" dirty="0"/>
+                    </a:p>
+                  </a:txBody>
+                  <a:tcPr/>
+                </a:tc>
+                <a:tc>
+                  <a:txBody>
+                    <a:bodyPr/>
+                    <a:lstStyle/>
+                    <a:p>
+                      <a:endParaRPr lang="de-CH"/>
+                    </a:p>
+                  </a:txBody>
+                  <a:tcPr/>
+                </a:tc>
+                <a:tc>
+                  <a:txBody>
+                    <a:bodyPr/>
+                    <a:lstStyle/>
+                    <a:p>
+                      <a:endParaRPr lang="de-CH"/>
+                    </a:p>
+                  </a:txBody>
+                  <a:tcPr/>
+                </a:tc>
+                <a:tc>
+                  <a:txBody>
+                    <a:bodyPr/>
+                    <a:lstStyle/>
+                    <a:p>
+                      <a:endParaRPr lang="de-CH" dirty="0"/>
+                    </a:p>
+                  </a:txBody>
+                  <a:tcPr/>
+                </a:tc>
+                <a:tc>
+                  <a:txBody>
+                    <a:bodyPr/>
+                    <a:lstStyle/>
+                    <a:p>
+                      <a:endParaRPr lang="de-CH"/>
+                    </a:p>
+                  </a:txBody>
+                  <a:tcPr/>
+                </a:tc>
+                <a:tc>
+                  <a:txBody>
+                    <a:bodyPr/>
+                    <a:lstStyle/>
+                    <a:p>
+                      <a:endParaRPr lang="de-CH" dirty="0"/>
+                    </a:p>
+                  </a:txBody>
+                  <a:tcPr/>
+                </a:tc>
+                <a:tc>
+                  <a:txBody>
+                    <a:bodyPr/>
+                    <a:lstStyle/>
+                    <a:p>
+                      <a:endParaRPr lang="de-CH"/>
+                    </a:p>
+                  </a:txBody>
+                  <a:tcPr/>
+                </a:tc>
+                <a:tc>
+                  <a:txBody>
+                    <a:bodyPr/>
+                    <a:lstStyle/>
+                    <a:p>
+                      <a:endParaRPr lang="de-CH"/>
+                    </a:p>
+                  </a:txBody>
+                  <a:tcPr/>
+                </a:tc>
+              </a:tr>
+              <a:tr h="460341">
+                <a:tc>
+                  <a:txBody>
+                    <a:bodyPr/>
+                    <a:lstStyle/>
+                    <a:p>
+                      <a:endParaRPr lang="de-CH"/>
+                    </a:p>
+                  </a:txBody>
+                  <a:tcPr/>
+                </a:tc>
+                <a:tc>
+                  <a:txBody>
+                    <a:bodyPr/>
+                    <a:lstStyle/>
+                    <a:p>
+                      <a:endParaRPr lang="de-CH"/>
+                    </a:p>
+                  </a:txBody>
+                  <a:tcPr/>
+                </a:tc>
+                <a:tc>
+                  <a:txBody>
+                    <a:bodyPr/>
+                    <a:lstStyle/>
+                    <a:p>
+                      <a:endParaRPr lang="de-CH"/>
+                    </a:p>
+                  </a:txBody>
+                  <a:tcPr/>
+                </a:tc>
+                <a:tc>
+                  <a:txBody>
+                    <a:bodyPr/>
+                    <a:lstStyle/>
+                    <a:p>
+                      <a:endParaRPr lang="de-CH" dirty="0"/>
+                    </a:p>
+                  </a:txBody>
+                  <a:tcPr/>
+                </a:tc>
+                <a:tc>
+                  <a:txBody>
+                    <a:bodyPr/>
+                    <a:lstStyle/>
+                    <a:p>
+                      <a:endParaRPr lang="de-CH"/>
+                    </a:p>
+                  </a:txBody>
+                  <a:tcPr/>
+                </a:tc>
+                <a:tc>
+                  <a:txBody>
+                    <a:bodyPr/>
+                    <a:lstStyle/>
+                    <a:p>
+                      <a:endParaRPr lang="de-CH"/>
+                    </a:p>
+                  </a:txBody>
+                  <a:tcPr/>
+                </a:tc>
+                <a:tc>
+                  <a:txBody>
+                    <a:bodyPr/>
+                    <a:lstStyle/>
+                    <a:p>
+                      <a:endParaRPr lang="de-CH"/>
+                    </a:p>
+                  </a:txBody>
+                  <a:tcPr/>
+                </a:tc>
+                <a:tc>
+                  <a:txBody>
+                    <a:bodyPr/>
+                    <a:lstStyle/>
+                    <a:p>
+                      <a:endParaRPr lang="de-CH"/>
+                    </a:p>
+                  </a:txBody>
+                  <a:tcPr/>
+                </a:tc>
+                <a:tc>
+                  <a:txBody>
+                    <a:bodyPr/>
+                    <a:lstStyle/>
+                    <a:p>
+                      <a:endParaRPr lang="de-CH"/>
+                    </a:p>
+                  </a:txBody>
+                  <a:tcPr/>
+                </a:tc>
+                <a:tc>
+                  <a:txBody>
+                    <a:bodyPr/>
+                    <a:lstStyle/>
+                    <a:p>
+                      <a:endParaRPr lang="de-CH"/>
+                    </a:p>
+                  </a:txBody>
+                  <a:tcPr/>
+                </a:tc>
+                <a:tc>
+                  <a:txBody>
+                    <a:bodyPr/>
+                    <a:lstStyle/>
+                    <a:p>
+                      <a:endParaRPr lang="de-CH"/>
+                    </a:p>
+                  </a:txBody>
+                  <a:tcPr/>
+                </a:tc>
+                <a:tc>
+                  <a:txBody>
+                    <a:bodyPr/>
+                    <a:lstStyle/>
+                    <a:p>
+                      <a:endParaRPr lang="de-CH"/>
+                    </a:p>
+                  </a:txBody>
+                  <a:tcPr/>
+                </a:tc>
+                <a:tc>
+                  <a:txBody>
+                    <a:bodyPr/>
+                    <a:lstStyle/>
+                    <a:p>
+                      <a:endParaRPr lang="de-CH"/>
+                    </a:p>
+                  </a:txBody>
+                  <a:tcPr/>
+                </a:tc>
+                <a:tc>
+                  <a:txBody>
+                    <a:bodyPr/>
+                    <a:lstStyle/>
+                    <a:p>
+                      <a:endParaRPr lang="de-CH" dirty="0"/>
+                    </a:p>
+                  </a:txBody>
+                  <a:tcPr/>
+                </a:tc>
+                <a:tc>
+                  <a:txBody>
+                    <a:bodyPr/>
+                    <a:lstStyle/>
+                    <a:p>
+                      <a:endParaRPr lang="de-CH"/>
+                    </a:p>
+                  </a:txBody>
+                  <a:tcPr/>
+                </a:tc>
+              </a:tr>
+              <a:tr h="460341">
+                <a:tc>
+                  <a:txBody>
+                    <a:bodyPr/>
+                    <a:lstStyle/>
+                    <a:p>
+                      <a:endParaRPr lang="de-CH"/>
+                    </a:p>
+                  </a:txBody>
+                  <a:tcPr/>
+                </a:tc>
+                <a:tc>
+                  <a:txBody>
+                    <a:bodyPr/>
+                    <a:lstStyle/>
+                    <a:p>
+                      <a:endParaRPr lang="de-CH"/>
+                    </a:p>
+                  </a:txBody>
+                  <a:tcPr/>
+                </a:tc>
+                <a:tc>
+                  <a:txBody>
+                    <a:bodyPr/>
+                    <a:lstStyle/>
+                    <a:p>
+                      <a:endParaRPr lang="de-CH"/>
+                    </a:p>
+                  </a:txBody>
+                  <a:tcPr/>
+                </a:tc>
+                <a:tc>
+                  <a:txBody>
+                    <a:bodyPr/>
+                    <a:lstStyle/>
+                    <a:p>
+                      <a:endParaRPr lang="de-CH"/>
+                    </a:p>
+                  </a:txBody>
+                  <a:tcPr/>
+                </a:tc>
+                <a:tc>
+                  <a:txBody>
+                    <a:bodyPr/>
+                    <a:lstStyle/>
+                    <a:p>
+                      <a:endParaRPr lang="de-CH"/>
+                    </a:p>
+                  </a:txBody>
+                  <a:tcPr/>
+                </a:tc>
+                <a:tc>
+                  <a:txBody>
+                    <a:bodyPr/>
+                    <a:lstStyle/>
+                    <a:p>
+                      <a:endParaRPr lang="de-CH"/>
+                    </a:p>
+                  </a:txBody>
+                  <a:tcPr/>
+                </a:tc>
+                <a:tc>
+                  <a:txBody>
+                    <a:bodyPr/>
+                    <a:lstStyle/>
+                    <a:p>
+                      <a:endParaRPr lang="de-CH"/>
+                    </a:p>
+                  </a:txBody>
+                  <a:tcPr/>
+                </a:tc>
+                <a:tc>
+                  <a:txBody>
+                    <a:bodyPr/>
+                    <a:lstStyle/>
+                    <a:p>
+                      <a:endParaRPr lang="de-CH"/>
+                    </a:p>
+                  </a:txBody>
+                  <a:tcPr/>
+                </a:tc>
+                <a:tc>
+                  <a:txBody>
+                    <a:bodyPr/>
+                    <a:lstStyle/>
+                    <a:p>
+                      <a:endParaRPr lang="de-CH"/>
+                    </a:p>
+                  </a:txBody>
+                  <a:tcPr/>
+                </a:tc>
+                <a:tc>
+                  <a:txBody>
+                    <a:bodyPr/>
+                    <a:lstStyle/>
+                    <a:p>
+                      <a:endParaRPr lang="de-CH"/>
+                    </a:p>
+                  </a:txBody>
+                  <a:tcPr/>
+                </a:tc>
+                <a:tc>
+                  <a:txBody>
+                    <a:bodyPr/>
+                    <a:lstStyle/>
+                    <a:p>
+                      <a:endParaRPr lang="de-CH"/>
+                    </a:p>
+                  </a:txBody>
+                  <a:tcPr/>
+                </a:tc>
+                <a:tc>
+                  <a:txBody>
+                    <a:bodyPr/>
+                    <a:lstStyle/>
+                    <a:p>
+                      <a:endParaRPr lang="de-CH"/>
+                    </a:p>
+                  </a:txBody>
+                  <a:tcPr/>
+                </a:tc>
+                <a:tc>
+                  <a:txBody>
+                    <a:bodyPr/>
+                    <a:lstStyle/>
+                    <a:p>
+                      <a:endParaRPr lang="de-CH"/>
+                    </a:p>
+                  </a:txBody>
+                  <a:tcPr/>
+                </a:tc>
+                <a:tc>
+                  <a:txBody>
+                    <a:bodyPr/>
+                    <a:lstStyle/>
+                    <a:p>
+                      <a:endParaRPr lang="de-CH"/>
+                    </a:p>
+                  </a:txBody>
+                  <a:tcPr/>
+                </a:tc>
+                <a:tc>
+                  <a:txBody>
+                    <a:bodyPr/>
+                    <a:lstStyle/>
+                    <a:p>
+                      <a:endParaRPr lang="de-CH"/>
+                    </a:p>
+                  </a:txBody>
+                  <a:tcPr/>
+                </a:tc>
+              </a:tr>
+              <a:tr h="460341">
+                <a:tc>
+                  <a:txBody>
+                    <a:bodyPr/>
+                    <a:lstStyle/>
+                    <a:p>
+                      <a:endParaRPr lang="de-CH"/>
+                    </a:p>
+                  </a:txBody>
+                  <a:tcPr/>
+                </a:tc>
+                <a:tc>
+                  <a:txBody>
+                    <a:bodyPr/>
+                    <a:lstStyle/>
+                    <a:p>
+                      <a:endParaRPr lang="de-CH"/>
+                    </a:p>
+                  </a:txBody>
+                  <a:tcPr/>
+                </a:tc>
+                <a:tc>
+                  <a:txBody>
+                    <a:bodyPr/>
+                    <a:lstStyle/>
+                    <a:p>
+                      <a:endParaRPr lang="de-CH"/>
+                    </a:p>
+                  </a:txBody>
+                  <a:tcPr/>
+                </a:tc>
+                <a:tc>
+                  <a:txBody>
+                    <a:bodyPr/>
+                    <a:lstStyle/>
+                    <a:p>
+                      <a:endParaRPr lang="de-CH"/>
+                    </a:p>
+                  </a:txBody>
+                  <a:tcPr/>
+                </a:tc>
+                <a:tc>
+                  <a:txBody>
+                    <a:bodyPr/>
+                    <a:lstStyle/>
+                    <a:p>
+                      <a:endParaRPr lang="de-CH"/>
+                    </a:p>
+                  </a:txBody>
+                  <a:tcPr/>
+                </a:tc>
+                <a:tc>
+                  <a:txBody>
+                    <a:bodyPr/>
+                    <a:lstStyle/>
+                    <a:p>
+                      <a:endParaRPr lang="de-CH" dirty="0"/>
+                    </a:p>
+                  </a:txBody>
+                  <a:tcPr/>
+                </a:tc>
+                <a:tc>
+                  <a:txBody>
+                    <a:bodyPr/>
+                    <a:lstStyle/>
+                    <a:p>
+                      <a:endParaRPr lang="de-CH" dirty="0"/>
+                    </a:p>
+                  </a:txBody>
+                  <a:tcPr/>
+                </a:tc>
+                <a:tc>
+                  <a:txBody>
+                    <a:bodyPr/>
+                    <a:lstStyle/>
+                    <a:p>
+                      <a:endParaRPr lang="de-CH" dirty="0"/>
+                    </a:p>
+                  </a:txBody>
+                  <a:tcPr/>
+                </a:tc>
+                <a:tc>
+                  <a:txBody>
+                    <a:bodyPr/>
+                    <a:lstStyle/>
+                    <a:p>
+                      <a:endParaRPr lang="de-CH" dirty="0"/>
+                    </a:p>
+                  </a:txBody>
+                  <a:tcPr/>
+                </a:tc>
+                <a:tc>
+                  <a:txBody>
+                    <a:bodyPr/>
+                    <a:lstStyle/>
+                    <a:p>
+                      <a:endParaRPr lang="de-CH" dirty="0"/>
+                    </a:p>
+                  </a:txBody>
+                  <a:tcPr/>
+                </a:tc>
+                <a:tc>
+                  <a:txBody>
+                    <a:bodyPr/>
+                    <a:lstStyle/>
+                    <a:p>
+                      <a:endParaRPr lang="de-CH" dirty="0"/>
+                    </a:p>
+                  </a:txBody>
+                  <a:tcPr/>
+                </a:tc>
+                <a:tc>
+                  <a:txBody>
+                    <a:bodyPr/>
+                    <a:lstStyle/>
+                    <a:p>
+                      <a:endParaRPr lang="de-CH"/>
+                    </a:p>
+                  </a:txBody>
+                  <a:tcPr/>
+                </a:tc>
+                <a:tc>
+                  <a:txBody>
+                    <a:bodyPr/>
+                    <a:lstStyle/>
+                    <a:p>
+                      <a:endParaRPr lang="de-CH" dirty="0"/>
+                    </a:p>
+                  </a:txBody>
+                  <a:tcPr/>
+                </a:tc>
+                <a:tc>
+                  <a:txBody>
+                    <a:bodyPr/>
+                    <a:lstStyle/>
+                    <a:p>
+                      <a:endParaRPr lang="de-CH"/>
+                    </a:p>
+                  </a:txBody>
+                  <a:tcPr/>
+                </a:tc>
+                <a:tc>
+                  <a:txBody>
+                    <a:bodyPr/>
+                    <a:lstStyle/>
+                    <a:p>
+                      <a:endParaRPr lang="de-CH" dirty="0"/>
+                    </a:p>
+                  </a:txBody>
+                  <a:tcPr/>
+                </a:tc>
+              </a:tr>
+            </a:tbl>
+          </a:graphicData>
+        </a:graphic>
+      </p:graphicFrame>
+      <p:pic>
+        <p:nvPicPr>
+          <p:cNvPr id="7" name="Picture 2" descr="C:\admin\github\squarefeed\Documents\Design\bildli für remo\container_4_4.png"/>
+          <p:cNvPicPr>
+            <a:picLocks noChangeAspect="1" noChangeArrowheads="1"/>
+          </p:cNvPicPr>
+          <p:nvPr/>
+        </p:nvPicPr>
+        <p:blipFill>
+          <a:blip r:embed="rId2">
+            <a:extLst>
+              <a:ext uri="{28A0092B-C50C-407E-A947-70E740481C1C}">
+                <a14:useLocalDpi xmlns:a14="http://schemas.microsoft.com/office/drawing/2010/main" val="0"/>
+              </a:ext>
+            </a:extLst>
+          </a:blip>
+          <a:srcRect/>
+          <a:stretch>
+            <a:fillRect/>
+          </a:stretch>
+        </p:blipFill>
+        <p:spPr bwMode="auto">
+          <a:xfrm>
+            <a:off x="5124581" y="4240981"/>
+            <a:ext cx="1841600" cy="460400"/>
+          </a:xfrm>
+          <a:prstGeom prst="rect">
+            <a:avLst/>
+          </a:prstGeom>
+          <a:noFill/>
+          <a:extLst>
+            <a:ext uri="{909E8E84-426E-40DD-AFC4-6F175D3DCCD1}">
+              <a14:hiddenFill xmlns:a14="http://schemas.microsoft.com/office/drawing/2010/main">
+                <a:solidFill>
+                  <a:srgbClr val="FFFFFF"/>
+                </a:solidFill>
+              </a14:hiddenFill>
+            </a:ext>
+          </a:extLst>
+        </p:spPr>
+      </p:pic>
+      <p:pic>
+        <p:nvPicPr>
+          <p:cNvPr id="12" name="Picture 2" descr="C:\admin\github\squarefeed\Documents\Design\bildli für remo\container_4_4.png"/>
+          <p:cNvPicPr>
+            <a:picLocks noChangeAspect="1" noChangeArrowheads="1"/>
+          </p:cNvPicPr>
+          <p:nvPr/>
+        </p:nvPicPr>
+        <p:blipFill>
+          <a:blip r:embed="rId2">
+            <a:extLst>
+              <a:ext uri="{28A0092B-C50C-407E-A947-70E740481C1C}">
+                <a14:useLocalDpi xmlns:a14="http://schemas.microsoft.com/office/drawing/2010/main" val="0"/>
+              </a:ext>
+            </a:extLst>
+          </a:blip>
+          <a:srcRect/>
+          <a:stretch>
+            <a:fillRect/>
+          </a:stretch>
+        </p:blipFill>
+        <p:spPr bwMode="auto">
+          <a:xfrm>
+            <a:off x="971700" y="4705350"/>
+            <a:ext cx="1841600" cy="460400"/>
+          </a:xfrm>
+          <a:prstGeom prst="rect">
+            <a:avLst/>
+          </a:prstGeom>
+          <a:noFill/>
+          <a:extLst>
+            <a:ext uri="{909E8E84-426E-40DD-AFC4-6F175D3DCCD1}">
+              <a14:hiddenFill xmlns:a14="http://schemas.microsoft.com/office/drawing/2010/main">
+                <a:solidFill>
+                  <a:srgbClr val="FFFFFF"/>
+                </a:solidFill>
+              </a14:hiddenFill>
+            </a:ext>
+          </a:extLst>
+        </p:spPr>
+      </p:pic>
+      <p:pic>
+        <p:nvPicPr>
+          <p:cNvPr id="2052" name="Picture 4" descr="C:\admin\github\squarefeed\Documents\Design\bildli für remo\container_2_3.png"/>
+          <p:cNvPicPr>
+            <a:picLocks noChangeAspect="1" noChangeArrowheads="1"/>
+          </p:cNvPicPr>
+          <p:nvPr/>
+        </p:nvPicPr>
+        <p:blipFill>
+          <a:blip r:embed="rId3">
+            <a:extLst>
+              <a:ext uri="{28A0092B-C50C-407E-A947-70E740481C1C}">
+                <a14:useLocalDpi xmlns:a14="http://schemas.microsoft.com/office/drawing/2010/main" val="0"/>
+              </a:ext>
+            </a:extLst>
+          </a:blip>
+          <a:srcRect/>
+          <a:stretch>
+            <a:fillRect/>
+          </a:stretch>
+        </p:blipFill>
+        <p:spPr bwMode="auto">
+          <a:xfrm>
+            <a:off x="6020104" y="4705972"/>
+            <a:ext cx="1381200" cy="460400"/>
+          </a:xfrm>
+          <a:prstGeom prst="rect">
+            <a:avLst/>
+          </a:prstGeom>
+          <a:noFill/>
+          <a:extLst>
+            <a:ext uri="{909E8E84-426E-40DD-AFC4-6F175D3DCCD1}">
+              <a14:hiddenFill xmlns:a14="http://schemas.microsoft.com/office/drawing/2010/main">
+                <a:solidFill>
+                  <a:srgbClr val="FFFFFF"/>
+                </a:solidFill>
+              </a14:hiddenFill>
+            </a:ext>
+          </a:extLst>
+        </p:spPr>
+      </p:pic>
+      <p:pic>
+        <p:nvPicPr>
+          <p:cNvPr id="2053" name="Picture 5" descr="C:\admin\github\squarefeed\Documents\Design\bildli für remo\container_1_2.png"/>
+          <p:cNvPicPr>
+            <a:picLocks noChangeAspect="1" noChangeArrowheads="1"/>
+          </p:cNvPicPr>
+          <p:nvPr/>
+        </p:nvPicPr>
+        <p:blipFill>
+          <a:blip r:embed="rId4">
+            <a:extLst>
+              <a:ext uri="{28A0092B-C50C-407E-A947-70E740481C1C}">
+                <a14:useLocalDpi xmlns:a14="http://schemas.microsoft.com/office/drawing/2010/main" val="0"/>
+              </a:ext>
+            </a:extLst>
+          </a:blip>
+          <a:srcRect/>
+          <a:stretch>
+            <a:fillRect/>
+          </a:stretch>
+        </p:blipFill>
+        <p:spPr bwMode="auto">
+          <a:xfrm>
+            <a:off x="2806950" y="3778820"/>
+            <a:ext cx="920800" cy="460400"/>
+          </a:xfrm>
+          <a:prstGeom prst="rect">
+            <a:avLst/>
+          </a:prstGeom>
+          <a:noFill/>
+          <a:extLst>
+            <a:ext uri="{909E8E84-426E-40DD-AFC4-6F175D3DCCD1}">
+              <a14:hiddenFill xmlns:a14="http://schemas.microsoft.com/office/drawing/2010/main">
+                <a:solidFill>
+                  <a:srgbClr val="FFFFFF"/>
+                </a:solidFill>
+              </a14:hiddenFill>
+            </a:ext>
+          </a:extLst>
+        </p:spPr>
+      </p:pic>
+      <p:pic>
+        <p:nvPicPr>
+          <p:cNvPr id="2054" name="Picture 6" descr="C:\admin\github\squarefeed\Documents\Design\bildli für remo\container_2_1.png"/>
+          <p:cNvPicPr>
+            <a:picLocks noChangeAspect="1" noChangeArrowheads="1"/>
+          </p:cNvPicPr>
+          <p:nvPr/>
+        </p:nvPicPr>
+        <p:blipFill>
+          <a:blip r:embed="rId5">
+            <a:extLst>
+              <a:ext uri="{28A0092B-C50C-407E-A947-70E740481C1C}">
+                <a14:useLocalDpi xmlns:a14="http://schemas.microsoft.com/office/drawing/2010/main" val="0"/>
+              </a:ext>
+            </a:extLst>
+          </a:blip>
+          <a:srcRect/>
+          <a:stretch>
+            <a:fillRect/>
+          </a:stretch>
+        </p:blipFill>
+        <p:spPr bwMode="auto">
+          <a:xfrm>
+            <a:off x="7401304" y="4705972"/>
+            <a:ext cx="460400" cy="460400"/>
+          </a:xfrm>
+          <a:prstGeom prst="rect">
+            <a:avLst/>
+          </a:prstGeom>
+          <a:noFill/>
+          <a:extLst>
+            <a:ext uri="{909E8E84-426E-40DD-AFC4-6F175D3DCCD1}">
+              <a14:hiddenFill xmlns:a14="http://schemas.microsoft.com/office/drawing/2010/main">
+                <a:solidFill>
+                  <a:srgbClr val="FFFFFF"/>
+                </a:solidFill>
+              </a14:hiddenFill>
+            </a:ext>
+          </a:extLst>
+        </p:spPr>
+      </p:pic>
+      <p:pic>
+        <p:nvPicPr>
+          <p:cNvPr id="2055" name="Picture 7" descr="C:\admin\github\squarefeed\Documents\Design\bildli für remo\container_3_1.png"/>
+          <p:cNvPicPr>
+            <a:picLocks noChangeAspect="1" noChangeArrowheads="1"/>
+          </p:cNvPicPr>
+          <p:nvPr/>
+        </p:nvPicPr>
+        <p:blipFill>
+          <a:blip r:embed="rId6">
+            <a:extLst>
+              <a:ext uri="{28A0092B-C50C-407E-A947-70E740481C1C}">
+                <a14:useLocalDpi xmlns:a14="http://schemas.microsoft.com/office/drawing/2010/main" val="0"/>
+              </a:ext>
+            </a:extLst>
+          </a:blip>
+          <a:srcRect/>
+          <a:stretch>
+            <a:fillRect/>
+          </a:stretch>
+        </p:blipFill>
+        <p:spPr bwMode="auto">
+          <a:xfrm>
+            <a:off x="3718585" y="4706096"/>
+            <a:ext cx="460400" cy="460400"/>
+          </a:xfrm>
+          <a:prstGeom prst="rect">
+            <a:avLst/>
+          </a:prstGeom>
+          <a:noFill/>
+          <a:extLst>
+            <a:ext uri="{909E8E84-426E-40DD-AFC4-6F175D3DCCD1}">
+              <a14:hiddenFill xmlns:a14="http://schemas.microsoft.com/office/drawing/2010/main">
+                <a:solidFill>
+                  <a:srgbClr val="FFFFFF"/>
+                </a:solidFill>
+              </a14:hiddenFill>
+            </a:ext>
+          </a:extLst>
+        </p:spPr>
+      </p:pic>
+      <p:pic>
+        <p:nvPicPr>
+          <p:cNvPr id="2056" name="Picture 8" descr="C:\admin\github\squarefeed\Documents\Design\bildli für remo\container_3_3.png"/>
+          <p:cNvPicPr>
+            <a:picLocks noChangeAspect="1" noChangeArrowheads="1"/>
+          </p:cNvPicPr>
+          <p:nvPr/>
+        </p:nvPicPr>
+        <p:blipFill>
+          <a:blip r:embed="rId7">
+            <a:extLst>
+              <a:ext uri="{28A0092B-C50C-407E-A947-70E740481C1C}">
+                <a14:useLocalDpi xmlns:a14="http://schemas.microsoft.com/office/drawing/2010/main" val="0"/>
+              </a:ext>
+            </a:extLst>
+          </a:blip>
+          <a:srcRect/>
+          <a:stretch>
+            <a:fillRect/>
+          </a:stretch>
+        </p:blipFill>
+        <p:spPr bwMode="auto">
+          <a:xfrm>
+            <a:off x="985927" y="4241602"/>
+            <a:ext cx="1376502" cy="458834"/>
+          </a:xfrm>
+          <a:prstGeom prst="rect">
+            <a:avLst/>
+          </a:prstGeom>
+          <a:noFill/>
+          <a:extLst>
+            <a:ext uri="{909E8E84-426E-40DD-AFC4-6F175D3DCCD1}">
+              <a14:hiddenFill xmlns:a14="http://schemas.microsoft.com/office/drawing/2010/main">
+                <a:solidFill>
+                  <a:srgbClr val="FFFFFF"/>
+                </a:solidFill>
+              </a14:hiddenFill>
+            </a:ext>
+          </a:extLst>
+        </p:spPr>
+      </p:pic>
+      <p:pic>
+        <p:nvPicPr>
+          <p:cNvPr id="2057" name="Picture 9" descr="C:\admin\github\squarefeed\Documents\Design\bildli für remo\container_3_4.png"/>
+          <p:cNvPicPr>
+            <a:picLocks noChangeAspect="1" noChangeArrowheads="1"/>
+          </p:cNvPicPr>
+          <p:nvPr/>
+        </p:nvPicPr>
+        <p:blipFill>
+          <a:blip r:embed="rId8">
+            <a:extLst>
+              <a:ext uri="{28A0092B-C50C-407E-A947-70E740481C1C}">
+                <a14:useLocalDpi xmlns:a14="http://schemas.microsoft.com/office/drawing/2010/main" val="0"/>
+              </a:ext>
+            </a:extLst>
+          </a:blip>
+          <a:srcRect/>
+          <a:stretch>
+            <a:fillRect/>
+          </a:stretch>
+        </p:blipFill>
+        <p:spPr bwMode="auto">
+          <a:xfrm>
+            <a:off x="3282981" y="4240981"/>
+            <a:ext cx="1841600" cy="460400"/>
+          </a:xfrm>
+          <a:prstGeom prst="rect">
+            <a:avLst/>
+          </a:prstGeom>
+          <a:noFill/>
+          <a:extLst>
+            <a:ext uri="{909E8E84-426E-40DD-AFC4-6F175D3DCCD1}">
+              <a14:hiddenFill xmlns:a14="http://schemas.microsoft.com/office/drawing/2010/main">
+                <a:solidFill>
+                  <a:srgbClr val="FFFFFF"/>
+                </a:solidFill>
+              </a14:hiddenFill>
+            </a:ext>
+          </a:extLst>
+        </p:spPr>
+      </p:pic>
+      <p:pic>
+        <p:nvPicPr>
+          <p:cNvPr id="20" name="Picture 3" descr="C:\admin\github\squarefeed\Documents\Design\bildli für remo\container_3_2.png"/>
+          <p:cNvPicPr>
+            <a:picLocks noChangeAspect="1" noChangeArrowheads="1"/>
+          </p:cNvPicPr>
+          <p:nvPr/>
+        </p:nvPicPr>
+        <p:blipFill>
+          <a:blip r:embed="rId9">
+            <a:extLst>
+              <a:ext uri="{28A0092B-C50C-407E-A947-70E740481C1C}">
+                <a14:useLocalDpi xmlns:a14="http://schemas.microsoft.com/office/drawing/2010/main" val="0"/>
+              </a:ext>
+            </a:extLst>
+          </a:blip>
+          <a:srcRect/>
+          <a:stretch>
+            <a:fillRect/>
+          </a:stretch>
+        </p:blipFill>
+        <p:spPr bwMode="auto">
+          <a:xfrm>
+            <a:off x="2812276" y="4706096"/>
+            <a:ext cx="920552" cy="460276"/>
+          </a:xfrm>
+          <a:prstGeom prst="rect">
+            <a:avLst/>
+          </a:prstGeom>
+          <a:noFill/>
+          <a:extLst>
+            <a:ext uri="{909E8E84-426E-40DD-AFC4-6F175D3DCCD1}">
+              <a14:hiddenFill xmlns:a14="http://schemas.microsoft.com/office/drawing/2010/main">
+                <a:solidFill>
+                  <a:srgbClr val="FFFFFF"/>
+                </a:solidFill>
+              </a14:hiddenFill>
+            </a:ext>
+          </a:extLst>
+        </p:spPr>
+      </p:pic>
+      <p:pic>
+        <p:nvPicPr>
+          <p:cNvPr id="21" name="Picture 9" descr="C:\admin\github\squarefeed\Documents\Design\bildli für remo\container_3_4.png"/>
+          <p:cNvPicPr>
+            <a:picLocks noChangeAspect="1" noChangeArrowheads="1"/>
+          </p:cNvPicPr>
+          <p:nvPr/>
+        </p:nvPicPr>
+        <p:blipFill>
+          <a:blip r:embed="rId8">
+            <a:extLst>
+              <a:ext uri="{28A0092B-C50C-407E-A947-70E740481C1C}">
+                <a14:useLocalDpi xmlns:a14="http://schemas.microsoft.com/office/drawing/2010/main" val="0"/>
+              </a:ext>
+            </a:extLst>
+          </a:blip>
+          <a:srcRect/>
+          <a:stretch>
+            <a:fillRect/>
+          </a:stretch>
+        </p:blipFill>
+        <p:spPr bwMode="auto">
+          <a:xfrm>
+            <a:off x="4178504" y="4705972"/>
+            <a:ext cx="1841600" cy="460400"/>
+          </a:xfrm>
+          <a:prstGeom prst="rect">
+            <a:avLst/>
+          </a:prstGeom>
+          <a:noFill/>
+          <a:extLst>
+            <a:ext uri="{909E8E84-426E-40DD-AFC4-6F175D3DCCD1}">
+              <a14:hiddenFill xmlns:a14="http://schemas.microsoft.com/office/drawing/2010/main">
+                <a:solidFill>
+                  <a:srgbClr val="FFFFFF"/>
+                </a:solidFill>
+              </a14:hiddenFill>
+            </a:ext>
+          </a:extLst>
+        </p:spPr>
+      </p:pic>
+      <p:pic>
+        <p:nvPicPr>
+          <p:cNvPr id="22" name="Picture 3" descr="C:\admin\github\squarefeed\Documents\Design\bildli für remo\container_3_2.png"/>
+          <p:cNvPicPr>
+            <a:picLocks noChangeAspect="1" noChangeArrowheads="1"/>
+          </p:cNvPicPr>
+          <p:nvPr/>
+        </p:nvPicPr>
+        <p:blipFill>
+          <a:blip r:embed="rId9">
+            <a:extLst>
+              <a:ext uri="{28A0092B-C50C-407E-A947-70E740481C1C}">
+                <a14:useLocalDpi xmlns:a14="http://schemas.microsoft.com/office/drawing/2010/main" val="0"/>
+              </a:ext>
+            </a:extLst>
+          </a:blip>
+          <a:srcRect/>
+          <a:stretch>
+            <a:fillRect/>
+          </a:stretch>
+        </p:blipFill>
+        <p:spPr bwMode="auto">
+          <a:xfrm>
+            <a:off x="2362429" y="4240015"/>
+            <a:ext cx="920552" cy="460276"/>
+          </a:xfrm>
+          <a:prstGeom prst="rect">
+            <a:avLst/>
+          </a:prstGeom>
+          <a:noFill/>
+          <a:extLst>
+            <a:ext uri="{909E8E84-426E-40DD-AFC4-6F175D3DCCD1}">
+              <a14:hiddenFill xmlns:a14="http://schemas.microsoft.com/office/drawing/2010/main">
+                <a:solidFill>
+                  <a:srgbClr val="FFFFFF"/>
+                </a:solidFill>
+              </a14:hiddenFill>
+            </a:ext>
+          </a:extLst>
+        </p:spPr>
+      </p:pic>
+      <p:pic>
+        <p:nvPicPr>
+          <p:cNvPr id="23" name="Picture 7" descr="C:\admin\github\squarefeed\Documents\Design\bildli für remo\container_3_1.png"/>
+          <p:cNvPicPr>
+            <a:picLocks noChangeAspect="1" noChangeArrowheads="1"/>
+          </p:cNvPicPr>
+          <p:nvPr/>
+        </p:nvPicPr>
+        <p:blipFill>
+          <a:blip r:embed="rId6">
+            <a:extLst>
+              <a:ext uri="{28A0092B-C50C-407E-A947-70E740481C1C}">
+                <a14:useLocalDpi xmlns:a14="http://schemas.microsoft.com/office/drawing/2010/main" val="0"/>
+              </a:ext>
+            </a:extLst>
+          </a:blip>
+          <a:srcRect/>
+          <a:stretch>
+            <a:fillRect/>
+          </a:stretch>
+        </p:blipFill>
+        <p:spPr bwMode="auto">
+          <a:xfrm>
+            <a:off x="7401304" y="4237655"/>
+            <a:ext cx="460400" cy="460400"/>
+          </a:xfrm>
+          <a:prstGeom prst="rect">
+            <a:avLst/>
+          </a:prstGeom>
+          <a:noFill/>
+          <a:extLst>
+            <a:ext uri="{909E8E84-426E-40DD-AFC4-6F175D3DCCD1}">
+              <a14:hiddenFill xmlns:a14="http://schemas.microsoft.com/office/drawing/2010/main">
+                <a:solidFill>
+                  <a:srgbClr val="FFFFFF"/>
+                </a:solidFill>
+              </a14:hiddenFill>
+            </a:ext>
+          </a:extLst>
+        </p:spPr>
+      </p:pic>
+      <p:pic>
+        <p:nvPicPr>
+          <p:cNvPr id="24" name="Picture 6" descr="C:\admin\github\squarefeed\Documents\Design\bildli für remo\container_2_1.png"/>
+          <p:cNvPicPr>
+            <a:picLocks noChangeAspect="1" noChangeArrowheads="1"/>
+          </p:cNvPicPr>
+          <p:nvPr/>
+        </p:nvPicPr>
+        <p:blipFill>
+          <a:blip r:embed="rId5">
+            <a:extLst>
+              <a:ext uri="{28A0092B-C50C-407E-A947-70E740481C1C}">
+                <a14:useLocalDpi xmlns:a14="http://schemas.microsoft.com/office/drawing/2010/main" val="0"/>
+              </a:ext>
+            </a:extLst>
+          </a:blip>
+          <a:srcRect/>
+          <a:stretch>
+            <a:fillRect/>
+          </a:stretch>
+        </p:blipFill>
+        <p:spPr bwMode="auto">
+          <a:xfrm>
+            <a:off x="6940904" y="4239196"/>
+            <a:ext cx="460400" cy="460400"/>
+          </a:xfrm>
+          <a:prstGeom prst="rect">
+            <a:avLst/>
+          </a:prstGeom>
+          <a:noFill/>
+          <a:extLst>
+            <a:ext uri="{909E8E84-426E-40DD-AFC4-6F175D3DCCD1}">
+              <a14:hiddenFill xmlns:a14="http://schemas.microsoft.com/office/drawing/2010/main">
+                <a:solidFill>
+                  <a:srgbClr val="FFFFFF"/>
+                </a:solidFill>
+              </a14:hiddenFill>
+            </a:ext>
+          </a:extLst>
+        </p:spPr>
+      </p:pic>
+      <p:pic>
+        <p:nvPicPr>
+          <p:cNvPr id="25" name="Picture 9" descr="C:\admin\github\squarefeed\Documents\Design\bildli für remo\container_3_4.png"/>
+          <p:cNvPicPr>
+            <a:picLocks noChangeAspect="1" noChangeArrowheads="1"/>
+          </p:cNvPicPr>
+          <p:nvPr/>
+        </p:nvPicPr>
+        <p:blipFill>
+          <a:blip r:embed="rId8">
+            <a:extLst>
+              <a:ext uri="{28A0092B-C50C-407E-A947-70E740481C1C}">
+                <a14:useLocalDpi xmlns:a14="http://schemas.microsoft.com/office/drawing/2010/main" val="0"/>
+              </a:ext>
+            </a:extLst>
+          </a:blip>
+          <a:srcRect/>
+          <a:stretch>
+            <a:fillRect/>
+          </a:stretch>
+        </p:blipFill>
+        <p:spPr bwMode="auto">
+          <a:xfrm>
+            <a:off x="968405" y="3773140"/>
+            <a:ext cx="1841600" cy="460400"/>
+          </a:xfrm>
+          <a:prstGeom prst="rect">
+            <a:avLst/>
+          </a:prstGeom>
+          <a:noFill/>
+          <a:extLst>
+            <a:ext uri="{909E8E84-426E-40DD-AFC4-6F175D3DCCD1}">
+              <a14:hiddenFill xmlns:a14="http://schemas.microsoft.com/office/drawing/2010/main">
+                <a:solidFill>
+                  <a:srgbClr val="FFFFFF"/>
+                </a:solidFill>
+              </a14:hiddenFill>
+            </a:ext>
+          </a:extLst>
+        </p:spPr>
+      </p:pic>
+      <p:pic>
+        <p:nvPicPr>
+          <p:cNvPr id="26" name="Picture 8" descr="C:\admin\github\squarefeed\Documents\Design\bildli für remo\container_3_3.png"/>
+          <p:cNvPicPr>
+            <a:picLocks noChangeAspect="1" noChangeArrowheads="1"/>
+          </p:cNvPicPr>
+          <p:nvPr/>
+        </p:nvPicPr>
+        <p:blipFill>
+          <a:blip r:embed="rId7">
+            <a:extLst>
+              <a:ext uri="{28A0092B-C50C-407E-A947-70E740481C1C}">
+                <a14:useLocalDpi xmlns:a14="http://schemas.microsoft.com/office/drawing/2010/main" val="0"/>
+              </a:ext>
+            </a:extLst>
+          </a:blip>
+          <a:srcRect/>
+          <a:stretch>
+            <a:fillRect/>
+          </a:stretch>
+        </p:blipFill>
+        <p:spPr bwMode="auto">
+          <a:xfrm>
+            <a:off x="3723440" y="3784501"/>
+            <a:ext cx="1390729" cy="463576"/>
+          </a:xfrm>
+          <a:prstGeom prst="rect">
+            <a:avLst/>
+          </a:prstGeom>
+          <a:noFill/>
+          <a:extLst>
+            <a:ext uri="{909E8E84-426E-40DD-AFC4-6F175D3DCCD1}">
+              <a14:hiddenFill xmlns:a14="http://schemas.microsoft.com/office/drawing/2010/main">
+                <a:solidFill>
+                  <a:srgbClr val="FFFFFF"/>
+                </a:solidFill>
+              </a14:hiddenFill>
+            </a:ext>
+          </a:extLst>
+        </p:spPr>
+      </p:pic>
+      <p:pic>
+        <p:nvPicPr>
+          <p:cNvPr id="27" name="Picture 3" descr="C:\admin\github\squarefeed\Documents\Design\bildli für remo\container_3_2.png"/>
+          <p:cNvPicPr>
+            <a:picLocks noChangeAspect="1" noChangeArrowheads="1"/>
+          </p:cNvPicPr>
+          <p:nvPr/>
+        </p:nvPicPr>
+        <p:blipFill>
+          <a:blip r:embed="rId9">
+            <a:extLst>
+              <a:ext uri="{28A0092B-C50C-407E-A947-70E740481C1C}">
+                <a14:useLocalDpi xmlns:a14="http://schemas.microsoft.com/office/drawing/2010/main" val="0"/>
+              </a:ext>
+            </a:extLst>
+          </a:blip>
+          <a:srcRect/>
+          <a:stretch>
+            <a:fillRect/>
+          </a:stretch>
+        </p:blipFill>
+        <p:spPr bwMode="auto">
+          <a:xfrm>
+            <a:off x="5124829" y="3777379"/>
+            <a:ext cx="920552" cy="460276"/>
+          </a:xfrm>
+          <a:prstGeom prst="rect">
+            <a:avLst/>
+          </a:prstGeom>
+          <a:noFill/>
+          <a:extLst>
+            <a:ext uri="{909E8E84-426E-40DD-AFC4-6F175D3DCCD1}">
+              <a14:hiddenFill xmlns:a14="http://schemas.microsoft.com/office/drawing/2010/main">
+                <a:solidFill>
+                  <a:srgbClr val="FFFFFF"/>
+                </a:solidFill>
+              </a14:hiddenFill>
+            </a:ext>
+          </a:extLst>
+        </p:spPr>
+      </p:pic>
+      <p:pic>
+        <p:nvPicPr>
+          <p:cNvPr id="28" name="Picture 2" descr="C:\admin\github\squarefeed\Documents\Design\bildli für remo\container_4_4.png"/>
+          <p:cNvPicPr>
+            <a:picLocks noChangeAspect="1" noChangeArrowheads="1"/>
+          </p:cNvPicPr>
+          <p:nvPr/>
+        </p:nvPicPr>
+        <p:blipFill>
+          <a:blip r:embed="rId2">
+            <a:extLst>
+              <a:ext uri="{28A0092B-C50C-407E-A947-70E740481C1C}">
+                <a14:useLocalDpi xmlns:a14="http://schemas.microsoft.com/office/drawing/2010/main" val="0"/>
+              </a:ext>
+            </a:extLst>
+          </a:blip>
+          <a:srcRect/>
+          <a:stretch>
+            <a:fillRect/>
+          </a:stretch>
+        </p:blipFill>
+        <p:spPr bwMode="auto">
+          <a:xfrm>
+            <a:off x="6040146" y="3777379"/>
+            <a:ext cx="1841600" cy="460400"/>
+          </a:xfrm>
+          <a:prstGeom prst="rect">
+            <a:avLst/>
+          </a:prstGeom>
+          <a:noFill/>
+          <a:extLst>
+            <a:ext uri="{909E8E84-426E-40DD-AFC4-6F175D3DCCD1}">
+              <a14:hiddenFill xmlns:a14="http://schemas.microsoft.com/office/drawing/2010/main">
+                <a:solidFill>
+                  <a:srgbClr val="FFFFFF"/>
+                </a:solidFill>
+              </a14:hiddenFill>
+            </a:ext>
+          </a:extLst>
+        </p:spPr>
+      </p:pic>
+      <p:pic>
+        <p:nvPicPr>
+          <p:cNvPr id="29" name="Picture 7" descr="C:\admin\github\squarefeed\Documents\Design\bildli für remo\container_3_1.png"/>
+          <p:cNvPicPr>
+            <a:picLocks noChangeAspect="1" noChangeArrowheads="1"/>
+          </p:cNvPicPr>
+          <p:nvPr/>
+        </p:nvPicPr>
+        <p:blipFill>
+          <a:blip r:embed="rId6">
+            <a:extLst>
+              <a:ext uri="{28A0092B-C50C-407E-A947-70E740481C1C}">
+                <a14:useLocalDpi xmlns:a14="http://schemas.microsoft.com/office/drawing/2010/main" val="0"/>
+              </a:ext>
+            </a:extLst>
+          </a:blip>
+          <a:srcRect/>
+          <a:stretch>
+            <a:fillRect/>
+          </a:stretch>
+        </p:blipFill>
+        <p:spPr bwMode="auto">
+          <a:xfrm>
+            <a:off x="968405" y="3326198"/>
+            <a:ext cx="460400" cy="460400"/>
+          </a:xfrm>
+          <a:prstGeom prst="rect">
+            <a:avLst/>
+          </a:prstGeom>
+          <a:noFill/>
+          <a:extLst>
+            <a:ext uri="{909E8E84-426E-40DD-AFC4-6F175D3DCCD1}">
+              <a14:hiddenFill xmlns:a14="http://schemas.microsoft.com/office/drawing/2010/main">
+                <a:solidFill>
+                  <a:srgbClr val="FFFFFF"/>
+                </a:solidFill>
+              </a14:hiddenFill>
+            </a:ext>
+          </a:extLst>
+        </p:spPr>
+      </p:pic>
+      <p:pic>
+        <p:nvPicPr>
+          <p:cNvPr id="30" name="Picture 6" descr="C:\admin\github\squarefeed\Documents\Design\bildli für remo\container_2_1.png"/>
+          <p:cNvPicPr>
+            <a:picLocks noChangeAspect="1" noChangeArrowheads="1"/>
+          </p:cNvPicPr>
+          <p:nvPr/>
+        </p:nvPicPr>
+        <p:blipFill>
+          <a:blip r:embed="rId5">
+            <a:extLst>
+              <a:ext uri="{28A0092B-C50C-407E-A947-70E740481C1C}">
+                <a14:useLocalDpi xmlns:a14="http://schemas.microsoft.com/office/drawing/2010/main" val="0"/>
+              </a:ext>
+            </a:extLst>
+          </a:blip>
+          <a:srcRect/>
+          <a:stretch>
+            <a:fillRect/>
+          </a:stretch>
+        </p:blipFill>
+        <p:spPr bwMode="auto">
+          <a:xfrm>
+            <a:off x="2338977" y="3326482"/>
+            <a:ext cx="460400" cy="460400"/>
+          </a:xfrm>
+          <a:prstGeom prst="rect">
+            <a:avLst/>
+          </a:prstGeom>
+          <a:noFill/>
+          <a:extLst>
+            <a:ext uri="{909E8E84-426E-40DD-AFC4-6F175D3DCCD1}">
+              <a14:hiddenFill xmlns:a14="http://schemas.microsoft.com/office/drawing/2010/main">
+                <a:solidFill>
+                  <a:srgbClr val="FFFFFF"/>
+                </a:solidFill>
+              </a14:hiddenFill>
+            </a:ext>
+          </a:extLst>
+        </p:spPr>
+      </p:pic>
+      <p:pic>
+        <p:nvPicPr>
+          <p:cNvPr id="31" name="Picture 5" descr="C:\admin\github\squarefeed\Documents\Design\bildli für remo\container_1_2.png"/>
+          <p:cNvPicPr>
+            <a:picLocks noChangeAspect="1" noChangeArrowheads="1"/>
+          </p:cNvPicPr>
+          <p:nvPr/>
+        </p:nvPicPr>
+        <p:blipFill>
+          <a:blip r:embed="rId4">
+            <a:extLst>
+              <a:ext uri="{28A0092B-C50C-407E-A947-70E740481C1C}">
+                <a14:useLocalDpi xmlns:a14="http://schemas.microsoft.com/office/drawing/2010/main" val="0"/>
+              </a:ext>
+            </a:extLst>
+          </a:blip>
+          <a:srcRect/>
+          <a:stretch>
+            <a:fillRect/>
+          </a:stretch>
+        </p:blipFill>
+        <p:spPr bwMode="auto">
+          <a:xfrm>
+            <a:off x="1429048" y="3326482"/>
+            <a:ext cx="920800" cy="460400"/>
+          </a:xfrm>
+          <a:prstGeom prst="rect">
+            <a:avLst/>
+          </a:prstGeom>
+          <a:noFill/>
+          <a:extLst>
+            <a:ext uri="{909E8E84-426E-40DD-AFC4-6F175D3DCCD1}">
+              <a14:hiddenFill xmlns:a14="http://schemas.microsoft.com/office/drawing/2010/main">
+                <a:solidFill>
+                  <a:srgbClr val="FFFFFF"/>
+                </a:solidFill>
+              </a14:hiddenFill>
+            </a:ext>
+          </a:extLst>
+        </p:spPr>
+      </p:pic>
+      <p:pic>
+        <p:nvPicPr>
+          <p:cNvPr id="32" name="Picture 2" descr="C:\admin\github\squarefeed\Documents\Design\bildli für remo\container_4_4.png"/>
+          <p:cNvPicPr>
+            <a:picLocks noChangeAspect="1" noChangeArrowheads="1"/>
+          </p:cNvPicPr>
+          <p:nvPr/>
+        </p:nvPicPr>
+        <p:blipFill>
+          <a:blip r:embed="rId2">
+            <a:extLst>
+              <a:ext uri="{28A0092B-C50C-407E-A947-70E740481C1C}">
+                <a14:useLocalDpi xmlns:a14="http://schemas.microsoft.com/office/drawing/2010/main" val="0"/>
+              </a:ext>
+            </a:extLst>
+          </a:blip>
+          <a:srcRect/>
+          <a:stretch>
+            <a:fillRect/>
+          </a:stretch>
+        </p:blipFill>
+        <p:spPr bwMode="auto">
+          <a:xfrm>
+            <a:off x="2797785" y="3326482"/>
+            <a:ext cx="1841600" cy="460400"/>
+          </a:xfrm>
+          <a:prstGeom prst="rect">
+            <a:avLst/>
+          </a:prstGeom>
+          <a:noFill/>
+          <a:extLst>
+            <a:ext uri="{909E8E84-426E-40DD-AFC4-6F175D3DCCD1}">
+              <a14:hiddenFill xmlns:a14="http://schemas.microsoft.com/office/drawing/2010/main">
+                <a:solidFill>
+                  <a:srgbClr val="FFFFFF"/>
+                </a:solidFill>
+              </a14:hiddenFill>
+            </a:ext>
+          </a:extLst>
+        </p:spPr>
+      </p:pic>
+      <p:pic>
+        <p:nvPicPr>
+          <p:cNvPr id="33" name="Picture 9" descr="C:\admin\github\squarefeed\Documents\Design\bildli für remo\container_3_4.png"/>
+          <p:cNvPicPr>
+            <a:picLocks noChangeAspect="1" noChangeArrowheads="1"/>
+          </p:cNvPicPr>
+          <p:nvPr/>
+        </p:nvPicPr>
+        <p:blipFill>
+          <a:blip r:embed="rId8">
+            <a:extLst>
+              <a:ext uri="{28A0092B-C50C-407E-A947-70E740481C1C}">
+                <a14:useLocalDpi xmlns:a14="http://schemas.microsoft.com/office/drawing/2010/main" val="0"/>
+              </a:ext>
+            </a:extLst>
+          </a:blip>
+          <a:srcRect/>
+          <a:stretch>
+            <a:fillRect/>
+          </a:stretch>
+        </p:blipFill>
+        <p:spPr bwMode="auto">
+          <a:xfrm>
+            <a:off x="4639385" y="3326482"/>
+            <a:ext cx="1841600" cy="460400"/>
+          </a:xfrm>
+          <a:prstGeom prst="rect">
+            <a:avLst/>
+          </a:prstGeom>
+          <a:noFill/>
+          <a:extLst>
+            <a:ext uri="{909E8E84-426E-40DD-AFC4-6F175D3DCCD1}">
+              <a14:hiddenFill xmlns:a14="http://schemas.microsoft.com/office/drawing/2010/main">
+                <a:solidFill>
+                  <a:srgbClr val="FFFFFF"/>
+                </a:solidFill>
+              </a14:hiddenFill>
+            </a:ext>
+          </a:extLst>
+        </p:spPr>
+      </p:pic>
+      <p:pic>
+        <p:nvPicPr>
+          <p:cNvPr id="34" name="Picture 8" descr="C:\admin\github\squarefeed\Documents\Design\bildli für remo\container_3_3.png"/>
+          <p:cNvPicPr>
+            <a:picLocks noChangeAspect="1" noChangeArrowheads="1"/>
+          </p:cNvPicPr>
+          <p:nvPr/>
+        </p:nvPicPr>
+        <p:blipFill>
+          <a:blip r:embed="rId7">
+            <a:extLst>
+              <a:ext uri="{28A0092B-C50C-407E-A947-70E740481C1C}">
+                <a14:useLocalDpi xmlns:a14="http://schemas.microsoft.com/office/drawing/2010/main" val="0"/>
+              </a:ext>
+            </a:extLst>
+          </a:blip>
+          <a:srcRect/>
+          <a:stretch>
+            <a:fillRect/>
+          </a:stretch>
+        </p:blipFill>
+        <p:spPr bwMode="auto">
+          <a:xfrm>
+            <a:off x="6480985" y="3328048"/>
+            <a:ext cx="1376502" cy="458834"/>
+          </a:xfrm>
+          <a:prstGeom prst="rect">
+            <a:avLst/>
+          </a:prstGeom>
+          <a:noFill/>
+          <a:extLst>
+            <a:ext uri="{909E8E84-426E-40DD-AFC4-6F175D3DCCD1}">
+              <a14:hiddenFill xmlns:a14="http://schemas.microsoft.com/office/drawing/2010/main">
+                <a:solidFill>
+                  <a:srgbClr val="FFFFFF"/>
+                </a:solidFill>
+              </a14:hiddenFill>
+            </a:ext>
+          </a:extLst>
+        </p:spPr>
+      </p:pic>
+    </p:spTree>
+    <p:extLst>
+      <p:ext uri="{BB962C8B-B14F-4D97-AF65-F5344CB8AC3E}">
+        <p14:creationId xmlns:p14="http://schemas.microsoft.com/office/powerpoint/2010/main" val="2112424497"/>
       </p:ext>
     </p:extLst>
   </p:cSld>
@@ -4729,7 +12413,7 @@
   <a:extraClrSchemeLst/>
   <a:extLst>
     <a:ext uri="{05A4C25C-085E-4340-85A3-A5531E510DB2}">
-      <thm15:themeFamily xmlns:thm15="http://schemas.microsoft.com/office/thememl/2012/main" name="Office Theme" id="{62F939B6-93AF-4DB8-9C6B-D6C7DFDC589F}" vid="{4A3C46E8-61CC-4603-A589-7422A47A8E4A}"/>
+      <thm15:themeFamily xmlns:thm15="http://schemas.microsoft.com/office/thememl/2012/main" xmlns="" name="Office Theme" id="{62F939B6-93AF-4DB8-9C6B-D6C7DFDC589F}" vid="{4A3C46E8-61CC-4603-A589-7422A47A8E4A}"/>
     </a:ext>
   </a:extLst>
 </a:theme>

--- a/Documents/Design/Design_Präsentation_v1.pptx
+++ b/Documents/Design/Design_Präsentation_v1.pptx
@@ -5,10 +5,10 @@
     <p:sldMasterId id="2147483696" r:id="rId1"/>
   </p:sldMasterIdLst>
   <p:notesMasterIdLst>
-    <p:notesMasterId r:id="rId16"/>
+    <p:notesMasterId r:id="rId20"/>
   </p:notesMasterIdLst>
   <p:handoutMasterIdLst>
-    <p:handoutMasterId r:id="rId17"/>
+    <p:handoutMasterId r:id="rId21"/>
   </p:handoutMasterIdLst>
   <p:sldIdLst>
     <p:sldId id="256" r:id="rId2"/>
@@ -22,9 +22,13 @@
     <p:sldId id="283" r:id="rId10"/>
     <p:sldId id="282" r:id="rId11"/>
     <p:sldId id="274" r:id="rId12"/>
-    <p:sldId id="276" r:id="rId13"/>
-    <p:sldId id="267" r:id="rId14"/>
-    <p:sldId id="272" r:id="rId15"/>
+    <p:sldId id="284" r:id="rId13"/>
+    <p:sldId id="285" r:id="rId14"/>
+    <p:sldId id="286" r:id="rId15"/>
+    <p:sldId id="287" r:id="rId16"/>
+    <p:sldId id="276" r:id="rId17"/>
+    <p:sldId id="267" r:id="rId18"/>
+    <p:sldId id="272" r:id="rId19"/>
   </p:sldIdLst>
   <p:sldSz cx="9144000" cy="6858000" type="screen4x3"/>
   <p:notesSz cx="6858000" cy="9144000"/>
@@ -227,7 +231,7 @@
           <a:p>
             <a:fld id="{4B25F24D-90CF-44A7-A9EA-C384FF6564EC}" type="datetimeFigureOut">
               <a:rPr lang="de-CH" smtClean="0"/>
-              <a:t>12.11.2014</a:t>
+              <a:t>15.11.2014</a:t>
             </a:fld>
             <a:endParaRPr lang="de-CH"/>
           </a:p>
@@ -392,7 +396,7 @@
           <a:p>
             <a:fld id="{F2686799-5163-409F-B733-C9681AE00980}" type="datetimeFigureOut">
               <a:rPr lang="de-CH" smtClean="0"/>
-              <a:t>12.11.2014</a:t>
+              <a:t>15.11.2014</a:t>
             </a:fld>
             <a:endParaRPr lang="de-CH"/>
           </a:p>
@@ -832,7 +836,7 @@
           <a:p>
             <a:fld id="{1BA50D42-C9CD-4801-B293-61D1F53EC57E}" type="datetimeFigureOut">
               <a:rPr lang="de-DE" smtClean="0"/>
-              <a:t>12.11.2014</a:t>
+              <a:t>15.11.2014</a:t>
             </a:fld>
             <a:endParaRPr lang="de-DE"/>
           </a:p>
@@ -1031,7 +1035,7 @@
           <a:p>
             <a:fld id="{1BA50D42-C9CD-4801-B293-61D1F53EC57E}" type="datetimeFigureOut">
               <a:rPr lang="de-DE" smtClean="0"/>
-              <a:t>12.11.2014</a:t>
+              <a:t>15.11.2014</a:t>
             </a:fld>
             <a:endParaRPr lang="de-DE"/>
           </a:p>
@@ -1584,7 +1588,7 @@
           <a:p>
             <a:fld id="{1BA50D42-C9CD-4801-B293-61D1F53EC57E}" type="datetimeFigureOut">
               <a:rPr lang="de-DE" smtClean="0"/>
-              <a:t>12.11.2014</a:t>
+              <a:t>15.11.2014</a:t>
             </a:fld>
             <a:endParaRPr lang="de-DE"/>
           </a:p>
@@ -1854,7 +1858,7 @@
           <a:p>
             <a:fld id="{1BA50D42-C9CD-4801-B293-61D1F53EC57E}" type="datetimeFigureOut">
               <a:rPr lang="de-DE" smtClean="0"/>
-              <a:t>12.11.2014</a:t>
+              <a:t>15.11.2014</a:t>
             </a:fld>
             <a:endParaRPr lang="de-DE"/>
           </a:p>
@@ -2007,7 +2011,7 @@
           <a:p>
             <a:fld id="{1BA50D42-C9CD-4801-B293-61D1F53EC57E}" type="datetimeFigureOut">
               <a:rPr lang="de-DE" smtClean="0"/>
-              <a:t>12.11.2014</a:t>
+              <a:t>15.11.2014</a:t>
             </a:fld>
             <a:endParaRPr lang="de-DE"/>
           </a:p>
@@ -2389,7 +2393,7 @@
           <a:p>
             <a:fld id="{1BA50D42-C9CD-4801-B293-61D1F53EC57E}" type="datetimeFigureOut">
               <a:rPr lang="de-DE" smtClean="0"/>
-              <a:t>12.11.2014</a:t>
+              <a:t>15.11.2014</a:t>
             </a:fld>
             <a:endParaRPr lang="de-DE"/>
           </a:p>
@@ -2692,7 +2696,7 @@
           <a:p>
             <a:fld id="{1BA50D42-C9CD-4801-B293-61D1F53EC57E}" type="datetimeFigureOut">
               <a:rPr lang="de-DE" smtClean="0"/>
-              <a:t>12.11.2014</a:t>
+              <a:t>15.11.2014</a:t>
             </a:fld>
             <a:endParaRPr lang="de-DE"/>
           </a:p>
@@ -4826,10 +4830,54 @@
           <a:bodyPr/>
           <a:lstStyle/>
           <a:p>
-            <a:endParaRPr lang="de-CH"/>
+            <a:r>
+              <a:rPr lang="de-CH" dirty="0" smtClean="0"/>
+              <a:t>Wann kentert oder bricht das Schiff</a:t>
+            </a:r>
           </a:p>
         </p:txBody>
       </p:sp>
+      <p:pic>
+        <p:nvPicPr>
+          <p:cNvPr id="1026" name="Picture 2" descr="C:\admin\github\squarefeed\Documents\Design\shipScreenShot.PNG"/>
+          <p:cNvPicPr>
+            <a:picLocks noChangeAspect="1" noChangeArrowheads="1"/>
+          </p:cNvPicPr>
+          <p:nvPr/>
+        </p:nvPicPr>
+        <p:blipFill>
+          <a:blip r:embed="rId2">
+            <a:extLst>
+              <a:ext uri="{28A0092B-C50C-407E-A947-70E740481C1C}">
+                <a14:useLocalDpi xmlns:a14="http://schemas.microsoft.com/office/drawing/2010/main" val="0"/>
+              </a:ext>
+            </a:extLst>
+          </a:blip>
+          <a:srcRect/>
+          <a:stretch>
+            <a:fillRect/>
+          </a:stretch>
+        </p:blipFill>
+        <p:spPr bwMode="auto">
+          <a:xfrm>
+            <a:off x="539552" y="2060848"/>
+            <a:ext cx="8016876" cy="4054475"/>
+          </a:xfrm>
+          <a:prstGeom prst="rect">
+            <a:avLst/>
+          </a:prstGeom>
+          <a:noFill/>
+          <a:extLst>
+            <a:ext uri="{909E8E84-426E-40DD-AFC4-6F175D3DCCD1}">
+              <a14:hiddenFill xmlns:a14="http://schemas.microsoft.com/office/drawing/2010/main">
+                <a:solidFill>
+                  <a:srgbClr val="FFFFFF"/>
+                </a:solidFill>
+              </a14:hiddenFill>
+            </a:ext>
+          </a:extLst>
+        </p:spPr>
+      </p:pic>
     </p:spTree>
     <p:extLst>
       <p:ext uri="{BB962C8B-B14F-4D97-AF65-F5344CB8AC3E}">
@@ -4851,6 +4899,6448 @@
 </file>
 
 <file path=ppt/slides/slide12.xml><?xml version="1.0" encoding="utf-8"?>
+<p:sld xmlns:a="http://schemas.openxmlformats.org/drawingml/2006/main" xmlns:r="http://schemas.openxmlformats.org/officeDocument/2006/relationships" xmlns:p="http://schemas.openxmlformats.org/presentationml/2006/main">
+  <p:cSld>
+    <p:spTree>
+      <p:nvGrpSpPr>
+        <p:cNvPr id="1" name=""/>
+        <p:cNvGrpSpPr/>
+        <p:nvPr/>
+      </p:nvGrpSpPr>
+      <p:grpSpPr>
+        <a:xfrm>
+          <a:off x="0" y="0"/>
+          <a:ext cx="0" cy="0"/>
+          <a:chOff x="0" y="0"/>
+          <a:chExt cx="0" cy="0"/>
+        </a:xfrm>
+      </p:grpSpPr>
+      <p:sp>
+        <p:nvSpPr>
+          <p:cNvPr id="2" name="Titel 1"/>
+          <p:cNvSpPr>
+            <a:spLocks noGrp="1"/>
+          </p:cNvSpPr>
+          <p:nvPr>
+            <p:ph type="title"/>
+          </p:nvPr>
+        </p:nvSpPr>
+        <p:spPr/>
+        <p:txBody>
+          <a:bodyPr>
+            <a:normAutofit fontScale="90000"/>
+          </a:bodyPr>
+          <a:lstStyle/>
+          <a:p>
+            <a:r>
+              <a:rPr lang="de-CH" dirty="0" smtClean="0"/>
+              <a:t>Auswertungsalgorithmus</a:t>
+            </a:r>
+            <a:endParaRPr lang="de-CH" dirty="0"/>
+          </a:p>
+        </p:txBody>
+      </p:sp>
+      <p:sp>
+        <p:nvSpPr>
+          <p:cNvPr id="3" name="Inhaltsplatzhalter 2"/>
+          <p:cNvSpPr>
+            <a:spLocks noGrp="1"/>
+          </p:cNvSpPr>
+          <p:nvPr>
+            <p:ph idx="1"/>
+          </p:nvPr>
+        </p:nvSpPr>
+        <p:spPr/>
+        <p:txBody>
+          <a:bodyPr/>
+          <a:lstStyle/>
+          <a:p>
+            <a:r>
+              <a:rPr lang="de-CH" dirty="0" smtClean="0"/>
+              <a:t>Übergabe vom Schiff an die Bewertungslogik</a:t>
+            </a:r>
+          </a:p>
+        </p:txBody>
+      </p:sp>
+      <p:pic>
+        <p:nvPicPr>
+          <p:cNvPr id="2051" name="Picture 3" descr="C:\admin\github\squarefeed\Documents\Design\shipScreenShot3.PNG"/>
+          <p:cNvPicPr>
+            <a:picLocks noChangeAspect="1" noChangeArrowheads="1"/>
+          </p:cNvPicPr>
+          <p:nvPr/>
+        </p:nvPicPr>
+        <p:blipFill>
+          <a:blip r:embed="rId2">
+            <a:extLst>
+              <a:ext uri="{28A0092B-C50C-407E-A947-70E740481C1C}">
+                <a14:useLocalDpi xmlns:a14="http://schemas.microsoft.com/office/drawing/2010/main" val="0"/>
+              </a:ext>
+            </a:extLst>
+          </a:blip>
+          <a:srcRect/>
+          <a:stretch>
+            <a:fillRect/>
+          </a:stretch>
+        </p:blipFill>
+        <p:spPr bwMode="auto">
+          <a:xfrm>
+            <a:off x="539552" y="2060848"/>
+            <a:ext cx="8016875" cy="4054475"/>
+          </a:xfrm>
+          <a:prstGeom prst="rect">
+            <a:avLst/>
+          </a:prstGeom>
+          <a:noFill/>
+          <a:extLst>
+            <a:ext uri="{909E8E84-426E-40DD-AFC4-6F175D3DCCD1}">
+              <a14:hiddenFill xmlns:a14="http://schemas.microsoft.com/office/drawing/2010/main">
+                <a:solidFill>
+                  <a:srgbClr val="FFFFFF"/>
+                </a:solidFill>
+              </a14:hiddenFill>
+            </a:ext>
+          </a:extLst>
+        </p:spPr>
+      </p:pic>
+      <p:graphicFrame>
+        <p:nvGraphicFramePr>
+          <p:cNvPr id="4" name="Table 3"/>
+          <p:cNvGraphicFramePr>
+            <a:graphicFrameLocks noGrp="1"/>
+          </p:cNvGraphicFramePr>
+          <p:nvPr>
+            <p:extLst>
+              <p:ext uri="{D42A27DB-BD31-4B8C-83A1-F6EECF244321}">
+                <p14:modId xmlns:p14="http://schemas.microsoft.com/office/powerpoint/2010/main" val="2593178359"/>
+              </p:ext>
+            </p:extLst>
+          </p:nvPr>
+        </p:nvGraphicFramePr>
+        <p:xfrm>
+          <a:off x="1488280" y="2679700"/>
+          <a:ext cx="5691190" cy="2273300"/>
+        </p:xfrm>
+        <a:graphic>
+          <a:graphicData uri="http://schemas.openxmlformats.org/drawingml/2006/table">
+            <a:tbl>
+              <a:tblPr firstRow="1" bandRow="1">
+                <a:tableStyleId>{5940675A-B579-460E-94D1-54222C63F5DA}</a:tableStyleId>
+              </a:tblPr>
+              <a:tblGrid>
+                <a:gridCol w="569119"/>
+                <a:gridCol w="569119"/>
+                <a:gridCol w="569119"/>
+                <a:gridCol w="569119"/>
+                <a:gridCol w="569119"/>
+                <a:gridCol w="569119"/>
+                <a:gridCol w="569119"/>
+                <a:gridCol w="569119"/>
+                <a:gridCol w="569119"/>
+                <a:gridCol w="569119"/>
+              </a:tblGrid>
+              <a:tr h="568325">
+                <a:tc>
+                  <a:txBody>
+                    <a:bodyPr/>
+                    <a:lstStyle/>
+                    <a:p>
+                      <a:pPr algn="ctr"/>
+                      <a:r>
+                        <a:rPr lang="de-CH" b="1" dirty="0" smtClean="0">
+                          <a:solidFill>
+                            <a:schemeClr val="bg1"/>
+                          </a:solidFill>
+                        </a:rPr>
+                        <a:t>0</a:t>
+                      </a:r>
+                      <a:endParaRPr lang="de-CH" b="1" dirty="0">
+                        <a:solidFill>
+                          <a:schemeClr val="bg1"/>
+                        </a:solidFill>
+                      </a:endParaRPr>
+                    </a:p>
+                  </a:txBody>
+                  <a:tcPr anchor="ctr"/>
+                </a:tc>
+                <a:tc>
+                  <a:txBody>
+                    <a:bodyPr/>
+                    <a:lstStyle/>
+                    <a:p>
+                      <a:pPr algn="ctr"/>
+                      <a:r>
+                        <a:rPr lang="de-CH" b="1" dirty="0" smtClean="0">
+                          <a:solidFill>
+                            <a:schemeClr val="bg1"/>
+                          </a:solidFill>
+                        </a:rPr>
+                        <a:t>0</a:t>
+                      </a:r>
+                      <a:endParaRPr lang="de-CH" b="1" dirty="0">
+                        <a:solidFill>
+                          <a:schemeClr val="bg1"/>
+                        </a:solidFill>
+                      </a:endParaRPr>
+                    </a:p>
+                  </a:txBody>
+                  <a:tcPr anchor="ctr"/>
+                </a:tc>
+                <a:tc>
+                  <a:txBody>
+                    <a:bodyPr/>
+                    <a:lstStyle/>
+                    <a:p>
+                      <a:pPr algn="ctr"/>
+                      <a:r>
+                        <a:rPr lang="de-CH" b="1" dirty="0" smtClean="0">
+                          <a:solidFill>
+                            <a:schemeClr val="bg1"/>
+                          </a:solidFill>
+                        </a:rPr>
+                        <a:t>6/5</a:t>
+                      </a:r>
+                      <a:endParaRPr lang="de-CH" b="1" dirty="0">
+                        <a:solidFill>
+                          <a:schemeClr val="bg1"/>
+                        </a:solidFill>
+                      </a:endParaRPr>
+                    </a:p>
+                  </a:txBody>
+                  <a:tcPr anchor="ctr"/>
+                </a:tc>
+                <a:tc>
+                  <a:txBody>
+                    <a:bodyPr/>
+                    <a:lstStyle/>
+                    <a:p>
+                      <a:pPr algn="ctr"/>
+                      <a:r>
+                        <a:rPr lang="de-CH" b="1" dirty="0" smtClean="0">
+                          <a:solidFill>
+                            <a:schemeClr val="bg1"/>
+                          </a:solidFill>
+                        </a:rPr>
+                        <a:t>6/5</a:t>
+                      </a:r>
+                      <a:endParaRPr lang="de-CH" b="1" dirty="0">
+                        <a:solidFill>
+                          <a:schemeClr val="bg1"/>
+                        </a:solidFill>
+                      </a:endParaRPr>
+                    </a:p>
+                  </a:txBody>
+                  <a:tcPr anchor="ctr"/>
+                </a:tc>
+                <a:tc>
+                  <a:txBody>
+                    <a:bodyPr/>
+                    <a:lstStyle/>
+                    <a:p>
+                      <a:pPr algn="ctr"/>
+                      <a:r>
+                        <a:rPr lang="de-CH" b="1" dirty="0" smtClean="0">
+                          <a:solidFill>
+                            <a:schemeClr val="bg1"/>
+                          </a:solidFill>
+                        </a:rPr>
+                        <a:t>6/5</a:t>
+                      </a:r>
+                      <a:endParaRPr lang="de-CH" b="1" dirty="0">
+                        <a:solidFill>
+                          <a:schemeClr val="bg1"/>
+                        </a:solidFill>
+                      </a:endParaRPr>
+                    </a:p>
+                  </a:txBody>
+                  <a:tcPr anchor="ctr"/>
+                </a:tc>
+                <a:tc>
+                  <a:txBody>
+                    <a:bodyPr/>
+                    <a:lstStyle/>
+                    <a:p>
+                      <a:pPr algn="ctr"/>
+                      <a:r>
+                        <a:rPr lang="de-CH" b="1" dirty="0" smtClean="0">
+                          <a:solidFill>
+                            <a:schemeClr val="bg1"/>
+                          </a:solidFill>
+                        </a:rPr>
+                        <a:t>6/5</a:t>
+                      </a:r>
+                      <a:endParaRPr lang="de-CH" b="1" dirty="0">
+                        <a:solidFill>
+                          <a:schemeClr val="bg1"/>
+                        </a:solidFill>
+                      </a:endParaRPr>
+                    </a:p>
+                  </a:txBody>
+                  <a:tcPr anchor="ctr"/>
+                </a:tc>
+                <a:tc>
+                  <a:txBody>
+                    <a:bodyPr/>
+                    <a:lstStyle/>
+                    <a:p>
+                      <a:pPr algn="ctr"/>
+                      <a:r>
+                        <a:rPr lang="de-CH" b="1" dirty="0" smtClean="0">
+                          <a:solidFill>
+                            <a:schemeClr val="bg1"/>
+                          </a:solidFill>
+                        </a:rPr>
+                        <a:t>6/5</a:t>
+                      </a:r>
+                      <a:endParaRPr lang="de-CH" b="1" dirty="0">
+                        <a:solidFill>
+                          <a:schemeClr val="bg1"/>
+                        </a:solidFill>
+                      </a:endParaRPr>
+                    </a:p>
+                  </a:txBody>
+                  <a:tcPr anchor="ctr"/>
+                </a:tc>
+                <a:tc>
+                  <a:txBody>
+                    <a:bodyPr/>
+                    <a:lstStyle/>
+                    <a:p>
+                      <a:pPr algn="ctr"/>
+                      <a:r>
+                        <a:rPr lang="de-CH" b="1" dirty="0" smtClean="0">
+                          <a:solidFill>
+                            <a:schemeClr val="bg1"/>
+                          </a:solidFill>
+                        </a:rPr>
+                        <a:t>0</a:t>
+                      </a:r>
+                      <a:endParaRPr lang="de-CH" b="1" dirty="0">
+                        <a:solidFill>
+                          <a:schemeClr val="bg1"/>
+                        </a:solidFill>
+                      </a:endParaRPr>
+                    </a:p>
+                  </a:txBody>
+                  <a:tcPr anchor="ctr"/>
+                </a:tc>
+                <a:tc>
+                  <a:txBody>
+                    <a:bodyPr/>
+                    <a:lstStyle/>
+                    <a:p>
+                      <a:pPr algn="ctr"/>
+                      <a:r>
+                        <a:rPr lang="de-CH" b="1" dirty="0" smtClean="0">
+                          <a:solidFill>
+                            <a:schemeClr val="bg1"/>
+                          </a:solidFill>
+                        </a:rPr>
+                        <a:t>0</a:t>
+                      </a:r>
+                      <a:endParaRPr lang="de-CH" b="1" dirty="0">
+                        <a:solidFill>
+                          <a:schemeClr val="bg1"/>
+                        </a:solidFill>
+                      </a:endParaRPr>
+                    </a:p>
+                  </a:txBody>
+                  <a:tcPr anchor="ctr"/>
+                </a:tc>
+                <a:tc>
+                  <a:txBody>
+                    <a:bodyPr/>
+                    <a:lstStyle/>
+                    <a:p>
+                      <a:pPr algn="ctr"/>
+                      <a:r>
+                        <a:rPr lang="de-CH" b="1" dirty="0" smtClean="0">
+                          <a:solidFill>
+                            <a:schemeClr val="bg1"/>
+                          </a:solidFill>
+                        </a:rPr>
+                        <a:t>0</a:t>
+                      </a:r>
+                      <a:endParaRPr lang="de-CH" b="1" dirty="0">
+                        <a:solidFill>
+                          <a:schemeClr val="bg1"/>
+                        </a:solidFill>
+                      </a:endParaRPr>
+                    </a:p>
+                  </a:txBody>
+                  <a:tcPr anchor="ctr"/>
+                </a:tc>
+              </a:tr>
+              <a:tr h="568325">
+                <a:tc>
+                  <a:txBody>
+                    <a:bodyPr/>
+                    <a:lstStyle/>
+                    <a:p>
+                      <a:pPr algn="ctr"/>
+                      <a:r>
+                        <a:rPr lang="de-CH" b="1" dirty="0" smtClean="0">
+                          <a:solidFill>
+                            <a:schemeClr val="bg1"/>
+                          </a:solidFill>
+                        </a:rPr>
+                        <a:t>0</a:t>
+                      </a:r>
+                      <a:endParaRPr lang="de-CH" b="1" dirty="0">
+                        <a:solidFill>
+                          <a:schemeClr val="bg1"/>
+                        </a:solidFill>
+                      </a:endParaRPr>
+                    </a:p>
+                  </a:txBody>
+                  <a:tcPr anchor="ctr"/>
+                </a:tc>
+                <a:tc>
+                  <a:txBody>
+                    <a:bodyPr/>
+                    <a:lstStyle/>
+                    <a:p>
+                      <a:pPr algn="ctr"/>
+                      <a:r>
+                        <a:rPr lang="de-CH" b="1" dirty="0" smtClean="0">
+                          <a:solidFill>
+                            <a:schemeClr val="bg1"/>
+                          </a:solidFill>
+                        </a:rPr>
+                        <a:t>0</a:t>
+                      </a:r>
+                      <a:endParaRPr lang="de-CH" b="1" dirty="0">
+                        <a:solidFill>
+                          <a:schemeClr val="bg1"/>
+                        </a:solidFill>
+                      </a:endParaRPr>
+                    </a:p>
+                  </a:txBody>
+                  <a:tcPr anchor="ctr"/>
+                </a:tc>
+                <a:tc>
+                  <a:txBody>
+                    <a:bodyPr/>
+                    <a:lstStyle/>
+                    <a:p>
+                      <a:pPr algn="ctr"/>
+                      <a:r>
+                        <a:rPr lang="de-CH" b="1" dirty="0" smtClean="0">
+                          <a:solidFill>
+                            <a:schemeClr val="bg1"/>
+                          </a:solidFill>
+                        </a:rPr>
+                        <a:t>1</a:t>
+                      </a:r>
+                      <a:endParaRPr lang="de-CH" b="1" dirty="0">
+                        <a:solidFill>
+                          <a:schemeClr val="bg1"/>
+                        </a:solidFill>
+                      </a:endParaRPr>
+                    </a:p>
+                  </a:txBody>
+                  <a:tcPr anchor="ctr"/>
+                </a:tc>
+                <a:tc>
+                  <a:txBody>
+                    <a:bodyPr/>
+                    <a:lstStyle/>
+                    <a:p>
+                      <a:pPr algn="ctr"/>
+                      <a:r>
+                        <a:rPr lang="de-CH" b="1" dirty="0" smtClean="0">
+                          <a:solidFill>
+                            <a:schemeClr val="bg1"/>
+                          </a:solidFill>
+                        </a:rPr>
+                        <a:t>1</a:t>
+                      </a:r>
+                      <a:endParaRPr lang="de-CH" b="1" dirty="0">
+                        <a:solidFill>
+                          <a:schemeClr val="bg1"/>
+                        </a:solidFill>
+                      </a:endParaRPr>
+                    </a:p>
+                  </a:txBody>
+                  <a:tcPr anchor="ctr"/>
+                </a:tc>
+                <a:tc>
+                  <a:txBody>
+                    <a:bodyPr/>
+                    <a:lstStyle/>
+                    <a:p>
+                      <a:pPr algn="ctr"/>
+                      <a:r>
+                        <a:rPr lang="de-CH" b="1" dirty="0" smtClean="0">
+                          <a:solidFill>
+                            <a:schemeClr val="bg1"/>
+                          </a:solidFill>
+                        </a:rPr>
+                        <a:t>1</a:t>
+                      </a:r>
+                      <a:endParaRPr lang="de-CH" b="1" dirty="0">
+                        <a:solidFill>
+                          <a:schemeClr val="bg1"/>
+                        </a:solidFill>
+                      </a:endParaRPr>
+                    </a:p>
+                  </a:txBody>
+                  <a:tcPr anchor="ctr"/>
+                </a:tc>
+                <a:tc>
+                  <a:txBody>
+                    <a:bodyPr/>
+                    <a:lstStyle/>
+                    <a:p>
+                      <a:pPr algn="ctr"/>
+                      <a:r>
+                        <a:rPr lang="de-CH" b="1" dirty="0" smtClean="0">
+                          <a:solidFill>
+                            <a:schemeClr val="bg1"/>
+                          </a:solidFill>
+                        </a:rPr>
+                        <a:t>1</a:t>
+                      </a:r>
+                      <a:endParaRPr lang="de-CH" b="1" dirty="0">
+                        <a:solidFill>
+                          <a:schemeClr val="bg1"/>
+                        </a:solidFill>
+                      </a:endParaRPr>
+                    </a:p>
+                  </a:txBody>
+                  <a:tcPr anchor="ctr"/>
+                </a:tc>
+                <a:tc>
+                  <a:txBody>
+                    <a:bodyPr/>
+                    <a:lstStyle/>
+                    <a:p>
+                      <a:pPr algn="ctr"/>
+                      <a:r>
+                        <a:rPr lang="de-CH" b="1" dirty="0" smtClean="0">
+                          <a:solidFill>
+                            <a:schemeClr val="bg1"/>
+                          </a:solidFill>
+                        </a:rPr>
+                        <a:t>1</a:t>
+                      </a:r>
+                      <a:endParaRPr lang="de-CH" b="1" dirty="0">
+                        <a:solidFill>
+                          <a:schemeClr val="bg1"/>
+                        </a:solidFill>
+                      </a:endParaRPr>
+                    </a:p>
+                  </a:txBody>
+                  <a:tcPr anchor="ctr"/>
+                </a:tc>
+                <a:tc>
+                  <a:txBody>
+                    <a:bodyPr/>
+                    <a:lstStyle/>
+                    <a:p>
+                      <a:pPr algn="ctr"/>
+                      <a:r>
+                        <a:rPr lang="de-CH" b="1" dirty="0" smtClean="0">
+                          <a:solidFill>
+                            <a:schemeClr val="bg1"/>
+                          </a:solidFill>
+                        </a:rPr>
+                        <a:t>0</a:t>
+                      </a:r>
+                      <a:endParaRPr lang="de-CH" b="1" dirty="0">
+                        <a:solidFill>
+                          <a:schemeClr val="bg1"/>
+                        </a:solidFill>
+                      </a:endParaRPr>
+                    </a:p>
+                  </a:txBody>
+                  <a:tcPr anchor="ctr"/>
+                </a:tc>
+                <a:tc>
+                  <a:txBody>
+                    <a:bodyPr/>
+                    <a:lstStyle/>
+                    <a:p>
+                      <a:pPr algn="ctr"/>
+                      <a:r>
+                        <a:rPr lang="de-CH" b="1" dirty="0" smtClean="0">
+                          <a:solidFill>
+                            <a:schemeClr val="bg1"/>
+                          </a:solidFill>
+                        </a:rPr>
+                        <a:t>0</a:t>
+                      </a:r>
+                      <a:endParaRPr lang="de-CH" b="1" dirty="0">
+                        <a:solidFill>
+                          <a:schemeClr val="bg1"/>
+                        </a:solidFill>
+                      </a:endParaRPr>
+                    </a:p>
+                  </a:txBody>
+                  <a:tcPr anchor="ctr"/>
+                </a:tc>
+                <a:tc>
+                  <a:txBody>
+                    <a:bodyPr/>
+                    <a:lstStyle/>
+                    <a:p>
+                      <a:pPr algn="ctr"/>
+                      <a:r>
+                        <a:rPr lang="de-CH" b="1" dirty="0" smtClean="0">
+                          <a:solidFill>
+                            <a:schemeClr val="bg1"/>
+                          </a:solidFill>
+                        </a:rPr>
+                        <a:t>0</a:t>
+                      </a:r>
+                      <a:endParaRPr lang="de-CH" b="1" dirty="0">
+                        <a:solidFill>
+                          <a:schemeClr val="bg1"/>
+                        </a:solidFill>
+                      </a:endParaRPr>
+                    </a:p>
+                  </a:txBody>
+                  <a:tcPr anchor="ctr"/>
+                </a:tc>
+              </a:tr>
+              <a:tr h="568325">
+                <a:tc>
+                  <a:txBody>
+                    <a:bodyPr/>
+                    <a:lstStyle/>
+                    <a:p>
+                      <a:pPr algn="ctr"/>
+                      <a:r>
+                        <a:rPr lang="de-CH" b="1" dirty="0" smtClean="0">
+                          <a:solidFill>
+                            <a:schemeClr val="bg1"/>
+                          </a:solidFill>
+                        </a:rPr>
+                        <a:t>1</a:t>
+                      </a:r>
+                      <a:endParaRPr lang="de-CH" b="1" dirty="0">
+                        <a:solidFill>
+                          <a:schemeClr val="bg1"/>
+                        </a:solidFill>
+                      </a:endParaRPr>
+                    </a:p>
+                  </a:txBody>
+                  <a:tcPr anchor="ctr"/>
+                </a:tc>
+                <a:tc>
+                  <a:txBody>
+                    <a:bodyPr/>
+                    <a:lstStyle/>
+                    <a:p>
+                      <a:pPr algn="ctr"/>
+                      <a:r>
+                        <a:rPr lang="de-CH" b="1" dirty="0" smtClean="0">
+                          <a:solidFill>
+                            <a:schemeClr val="bg1"/>
+                          </a:solidFill>
+                        </a:rPr>
+                        <a:t>1</a:t>
+                      </a:r>
+                      <a:endParaRPr lang="de-CH" b="1" dirty="0">
+                        <a:solidFill>
+                          <a:schemeClr val="bg1"/>
+                        </a:solidFill>
+                      </a:endParaRPr>
+                    </a:p>
+                  </a:txBody>
+                  <a:tcPr anchor="ctr"/>
+                </a:tc>
+                <a:tc>
+                  <a:txBody>
+                    <a:bodyPr/>
+                    <a:lstStyle/>
+                    <a:p>
+                      <a:pPr algn="ctr"/>
+                      <a:r>
+                        <a:rPr lang="de-CH" b="1" dirty="0" smtClean="0">
+                          <a:solidFill>
+                            <a:schemeClr val="bg1"/>
+                          </a:solidFill>
+                        </a:rPr>
+                        <a:t>1</a:t>
+                      </a:r>
+                      <a:endParaRPr lang="de-CH" b="1" dirty="0">
+                        <a:solidFill>
+                          <a:schemeClr val="bg1"/>
+                        </a:solidFill>
+                      </a:endParaRPr>
+                    </a:p>
+                  </a:txBody>
+                  <a:tcPr anchor="ctr"/>
+                </a:tc>
+                <a:tc>
+                  <a:txBody>
+                    <a:bodyPr/>
+                    <a:lstStyle/>
+                    <a:p>
+                      <a:pPr algn="ctr"/>
+                      <a:r>
+                        <a:rPr lang="de-CH" b="1" dirty="0" smtClean="0">
+                          <a:solidFill>
+                            <a:schemeClr val="bg1"/>
+                          </a:solidFill>
+                        </a:rPr>
+                        <a:t>1</a:t>
+                      </a:r>
+                      <a:endParaRPr lang="de-CH" b="1" dirty="0">
+                        <a:solidFill>
+                          <a:schemeClr val="bg1"/>
+                        </a:solidFill>
+                      </a:endParaRPr>
+                    </a:p>
+                  </a:txBody>
+                  <a:tcPr anchor="ctr"/>
+                </a:tc>
+                <a:tc>
+                  <a:txBody>
+                    <a:bodyPr/>
+                    <a:lstStyle/>
+                    <a:p>
+                      <a:pPr algn="ctr"/>
+                      <a:r>
+                        <a:rPr lang="de-CH" b="1" dirty="0" smtClean="0">
+                          <a:solidFill>
+                            <a:schemeClr val="bg1"/>
+                          </a:solidFill>
+                        </a:rPr>
+                        <a:t>1</a:t>
+                      </a:r>
+                      <a:endParaRPr lang="de-CH" b="1" dirty="0">
+                        <a:solidFill>
+                          <a:schemeClr val="bg1"/>
+                        </a:solidFill>
+                      </a:endParaRPr>
+                    </a:p>
+                  </a:txBody>
+                  <a:tcPr anchor="ctr"/>
+                </a:tc>
+                <a:tc>
+                  <a:txBody>
+                    <a:bodyPr/>
+                    <a:lstStyle/>
+                    <a:p>
+                      <a:pPr algn="ctr"/>
+                      <a:r>
+                        <a:rPr lang="de-CH" b="1" dirty="0" smtClean="0">
+                          <a:solidFill>
+                            <a:schemeClr val="bg1"/>
+                          </a:solidFill>
+                        </a:rPr>
+                        <a:t>1</a:t>
+                      </a:r>
+                      <a:endParaRPr lang="de-CH" b="1" dirty="0">
+                        <a:solidFill>
+                          <a:schemeClr val="bg1"/>
+                        </a:solidFill>
+                      </a:endParaRPr>
+                    </a:p>
+                  </a:txBody>
+                  <a:tcPr anchor="ctr"/>
+                </a:tc>
+                <a:tc>
+                  <a:txBody>
+                    <a:bodyPr/>
+                    <a:lstStyle/>
+                    <a:p>
+                      <a:pPr algn="ctr"/>
+                      <a:r>
+                        <a:rPr lang="de-CH" b="1" dirty="0" smtClean="0">
+                          <a:solidFill>
+                            <a:schemeClr val="bg1"/>
+                          </a:solidFill>
+                        </a:rPr>
+                        <a:t>1</a:t>
+                      </a:r>
+                      <a:endParaRPr lang="de-CH" b="1" dirty="0">
+                        <a:solidFill>
+                          <a:schemeClr val="bg1"/>
+                        </a:solidFill>
+                      </a:endParaRPr>
+                    </a:p>
+                  </a:txBody>
+                  <a:tcPr anchor="ctr"/>
+                </a:tc>
+                <a:tc>
+                  <a:txBody>
+                    <a:bodyPr/>
+                    <a:lstStyle/>
+                    <a:p>
+                      <a:pPr algn="ctr"/>
+                      <a:r>
+                        <a:rPr lang="de-CH" b="1" dirty="0" smtClean="0">
+                          <a:solidFill>
+                            <a:schemeClr val="bg1"/>
+                          </a:solidFill>
+                        </a:rPr>
+                        <a:t>1</a:t>
+                      </a:r>
+                      <a:endParaRPr lang="de-CH" b="1" dirty="0">
+                        <a:solidFill>
+                          <a:schemeClr val="bg1"/>
+                        </a:solidFill>
+                      </a:endParaRPr>
+                    </a:p>
+                  </a:txBody>
+                  <a:tcPr anchor="ctr"/>
+                </a:tc>
+                <a:tc>
+                  <a:txBody>
+                    <a:bodyPr/>
+                    <a:lstStyle/>
+                    <a:p>
+                      <a:pPr algn="ctr"/>
+                      <a:r>
+                        <a:rPr lang="de-CH" b="1" dirty="0" smtClean="0">
+                          <a:solidFill>
+                            <a:schemeClr val="bg1"/>
+                          </a:solidFill>
+                        </a:rPr>
+                        <a:t>0</a:t>
+                      </a:r>
+                      <a:endParaRPr lang="de-CH" b="1" dirty="0">
+                        <a:solidFill>
+                          <a:schemeClr val="bg1"/>
+                        </a:solidFill>
+                      </a:endParaRPr>
+                    </a:p>
+                  </a:txBody>
+                  <a:tcPr anchor="ctr"/>
+                </a:tc>
+                <a:tc>
+                  <a:txBody>
+                    <a:bodyPr/>
+                    <a:lstStyle/>
+                    <a:p>
+                      <a:pPr algn="ctr"/>
+                      <a:r>
+                        <a:rPr lang="de-CH" b="1" dirty="0" smtClean="0">
+                          <a:solidFill>
+                            <a:schemeClr val="bg1"/>
+                          </a:solidFill>
+                        </a:rPr>
+                        <a:t>0</a:t>
+                      </a:r>
+                      <a:endParaRPr lang="de-CH" b="1" dirty="0">
+                        <a:solidFill>
+                          <a:schemeClr val="bg1"/>
+                        </a:solidFill>
+                      </a:endParaRPr>
+                    </a:p>
+                  </a:txBody>
+                  <a:tcPr anchor="ctr"/>
+                </a:tc>
+              </a:tr>
+              <a:tr h="568325">
+                <a:tc>
+                  <a:txBody>
+                    <a:bodyPr/>
+                    <a:lstStyle/>
+                    <a:p>
+                      <a:pPr algn="ctr"/>
+                      <a:r>
+                        <a:rPr lang="de-CH" b="1" dirty="0" smtClean="0">
+                          <a:solidFill>
+                            <a:schemeClr val="bg1"/>
+                          </a:solidFill>
+                        </a:rPr>
+                        <a:t>1/3</a:t>
+                      </a:r>
+                      <a:endParaRPr lang="de-CH" b="1" dirty="0">
+                        <a:solidFill>
+                          <a:schemeClr val="bg1"/>
+                        </a:solidFill>
+                      </a:endParaRPr>
+                    </a:p>
+                  </a:txBody>
+                  <a:tcPr anchor="ctr"/>
+                </a:tc>
+                <a:tc>
+                  <a:txBody>
+                    <a:bodyPr/>
+                    <a:lstStyle/>
+                    <a:p>
+                      <a:pPr algn="ctr"/>
+                      <a:r>
+                        <a:rPr lang="de-CH" b="1" dirty="0" smtClean="0">
+                          <a:solidFill>
+                            <a:schemeClr val="bg1"/>
+                          </a:solidFill>
+                        </a:rPr>
+                        <a:t>1/3</a:t>
+                      </a:r>
+                      <a:endParaRPr lang="de-CH" b="1" dirty="0">
+                        <a:solidFill>
+                          <a:schemeClr val="bg1"/>
+                        </a:solidFill>
+                      </a:endParaRPr>
+                    </a:p>
+                  </a:txBody>
+                  <a:tcPr anchor="ctr"/>
+                </a:tc>
+                <a:tc>
+                  <a:txBody>
+                    <a:bodyPr/>
+                    <a:lstStyle/>
+                    <a:p>
+                      <a:pPr algn="ctr"/>
+                      <a:r>
+                        <a:rPr lang="de-CH" b="1" dirty="0" smtClean="0">
+                          <a:solidFill>
+                            <a:schemeClr val="bg1"/>
+                          </a:solidFill>
+                        </a:rPr>
+                        <a:t>1/3</a:t>
+                      </a:r>
+                    </a:p>
+                  </a:txBody>
+                  <a:tcPr anchor="ctr"/>
+                </a:tc>
+                <a:tc>
+                  <a:txBody>
+                    <a:bodyPr/>
+                    <a:lstStyle/>
+                    <a:p>
+                      <a:pPr algn="ctr"/>
+                      <a:r>
+                        <a:rPr lang="de-CH" b="1" dirty="0" smtClean="0">
+                          <a:solidFill>
+                            <a:schemeClr val="bg1"/>
+                          </a:solidFill>
+                        </a:rPr>
+                        <a:t>1</a:t>
+                      </a:r>
+                      <a:endParaRPr lang="de-CH" b="1" dirty="0">
+                        <a:solidFill>
+                          <a:schemeClr val="bg1"/>
+                        </a:solidFill>
+                      </a:endParaRPr>
+                    </a:p>
+                  </a:txBody>
+                  <a:tcPr anchor="ctr"/>
+                </a:tc>
+                <a:tc>
+                  <a:txBody>
+                    <a:bodyPr/>
+                    <a:lstStyle/>
+                    <a:p>
+                      <a:pPr algn="ctr"/>
+                      <a:r>
+                        <a:rPr lang="de-CH" b="1" dirty="0" smtClean="0">
+                          <a:solidFill>
+                            <a:schemeClr val="bg1"/>
+                          </a:solidFill>
+                        </a:rPr>
+                        <a:t>1</a:t>
+                      </a:r>
+                      <a:endParaRPr lang="de-CH" b="1" dirty="0">
+                        <a:solidFill>
+                          <a:schemeClr val="bg1"/>
+                        </a:solidFill>
+                      </a:endParaRPr>
+                    </a:p>
+                  </a:txBody>
+                  <a:tcPr anchor="ctr"/>
+                </a:tc>
+                <a:tc>
+                  <a:txBody>
+                    <a:bodyPr/>
+                    <a:lstStyle/>
+                    <a:p>
+                      <a:pPr algn="ctr"/>
+                      <a:r>
+                        <a:rPr lang="de-CH" b="1" dirty="0" smtClean="0">
+                          <a:solidFill>
+                            <a:schemeClr val="bg1"/>
+                          </a:solidFill>
+                        </a:rPr>
+                        <a:t>3</a:t>
+                      </a:r>
+                      <a:endParaRPr lang="de-CH" b="1" dirty="0">
+                        <a:solidFill>
+                          <a:schemeClr val="bg1"/>
+                        </a:solidFill>
+                      </a:endParaRPr>
+                    </a:p>
+                  </a:txBody>
+                  <a:tcPr anchor="ctr"/>
+                </a:tc>
+                <a:tc>
+                  <a:txBody>
+                    <a:bodyPr/>
+                    <a:lstStyle/>
+                    <a:p>
+                      <a:pPr algn="ctr"/>
+                      <a:r>
+                        <a:rPr lang="de-CH" b="1" dirty="0" smtClean="0">
+                          <a:solidFill>
+                            <a:schemeClr val="bg1"/>
+                          </a:solidFill>
+                        </a:rPr>
+                        <a:t>1</a:t>
+                      </a:r>
+                      <a:endParaRPr lang="de-CH" b="1" dirty="0">
+                        <a:solidFill>
+                          <a:schemeClr val="bg1"/>
+                        </a:solidFill>
+                      </a:endParaRPr>
+                    </a:p>
+                  </a:txBody>
+                  <a:tcPr anchor="ctr"/>
+                </a:tc>
+                <a:tc>
+                  <a:txBody>
+                    <a:bodyPr/>
+                    <a:lstStyle/>
+                    <a:p>
+                      <a:pPr algn="ctr"/>
+                      <a:r>
+                        <a:rPr lang="de-CH" b="1" dirty="0" smtClean="0">
+                          <a:solidFill>
+                            <a:schemeClr val="bg1"/>
+                          </a:solidFill>
+                        </a:rPr>
+                        <a:t>1</a:t>
+                      </a:r>
+                      <a:endParaRPr lang="de-CH" b="1" dirty="0">
+                        <a:solidFill>
+                          <a:schemeClr val="bg1"/>
+                        </a:solidFill>
+                      </a:endParaRPr>
+                    </a:p>
+                  </a:txBody>
+                  <a:tcPr anchor="ctr"/>
+                </a:tc>
+                <a:tc>
+                  <a:txBody>
+                    <a:bodyPr/>
+                    <a:lstStyle/>
+                    <a:p>
+                      <a:pPr algn="ctr"/>
+                      <a:r>
+                        <a:rPr lang="de-CH" b="1" dirty="0" smtClean="0">
+                          <a:solidFill>
+                            <a:schemeClr val="bg1"/>
+                          </a:solidFill>
+                        </a:rPr>
+                        <a:t>1</a:t>
+                      </a:r>
+                      <a:endParaRPr lang="de-CH" b="1" dirty="0">
+                        <a:solidFill>
+                          <a:schemeClr val="bg1"/>
+                        </a:solidFill>
+                      </a:endParaRPr>
+                    </a:p>
+                  </a:txBody>
+                  <a:tcPr anchor="ctr"/>
+                </a:tc>
+                <a:tc>
+                  <a:txBody>
+                    <a:bodyPr/>
+                    <a:lstStyle/>
+                    <a:p>
+                      <a:pPr algn="ctr"/>
+                      <a:r>
+                        <a:rPr lang="de-CH" b="1" dirty="0" smtClean="0">
+                          <a:solidFill>
+                            <a:schemeClr val="bg1"/>
+                          </a:solidFill>
+                        </a:rPr>
+                        <a:t>1</a:t>
+                      </a:r>
+                      <a:endParaRPr lang="de-CH" b="1" dirty="0">
+                        <a:solidFill>
+                          <a:schemeClr val="bg1"/>
+                        </a:solidFill>
+                      </a:endParaRPr>
+                    </a:p>
+                  </a:txBody>
+                  <a:tcPr anchor="ctr"/>
+                </a:tc>
+              </a:tr>
+            </a:tbl>
+          </a:graphicData>
+        </a:graphic>
+      </p:graphicFrame>
+    </p:spTree>
+    <p:extLst>
+      <p:ext uri="{BB962C8B-B14F-4D97-AF65-F5344CB8AC3E}">
+        <p14:creationId xmlns:p14="http://schemas.microsoft.com/office/powerpoint/2010/main" val="2473209148"/>
+      </p:ext>
+    </p:extLst>
+  </p:cSld>
+  <p:clrMapOvr>
+    <a:masterClrMapping/>
+  </p:clrMapOvr>
+  <p:timing>
+    <p:tnLst>
+      <p:par>
+        <p:cTn id="1" dur="indefinite" restart="never" nodeType="tmRoot"/>
+      </p:par>
+    </p:tnLst>
+  </p:timing>
+</p:sld>
+</file>
+
+<file path=ppt/slides/slide13.xml><?xml version="1.0" encoding="utf-8"?>
+<p:sld xmlns:a="http://schemas.openxmlformats.org/drawingml/2006/main" xmlns:r="http://schemas.openxmlformats.org/officeDocument/2006/relationships" xmlns:p="http://schemas.openxmlformats.org/presentationml/2006/main">
+  <p:cSld>
+    <p:spTree>
+      <p:nvGrpSpPr>
+        <p:cNvPr id="1" name=""/>
+        <p:cNvGrpSpPr/>
+        <p:nvPr/>
+      </p:nvGrpSpPr>
+      <p:grpSpPr>
+        <a:xfrm>
+          <a:off x="0" y="0"/>
+          <a:ext cx="0" cy="0"/>
+          <a:chOff x="0" y="0"/>
+          <a:chExt cx="0" cy="0"/>
+        </a:xfrm>
+      </p:grpSpPr>
+      <p:sp>
+        <p:nvSpPr>
+          <p:cNvPr id="2" name="Titel 1"/>
+          <p:cNvSpPr>
+            <a:spLocks noGrp="1"/>
+          </p:cNvSpPr>
+          <p:nvPr>
+            <p:ph type="title"/>
+          </p:nvPr>
+        </p:nvSpPr>
+        <p:spPr/>
+        <p:txBody>
+          <a:bodyPr>
+            <a:normAutofit fontScale="90000"/>
+          </a:bodyPr>
+          <a:lstStyle/>
+          <a:p>
+            <a:r>
+              <a:rPr lang="de-CH" dirty="0" smtClean="0"/>
+              <a:t>Auswertungsalgorithmus</a:t>
+            </a:r>
+            <a:endParaRPr lang="de-CH" dirty="0"/>
+          </a:p>
+        </p:txBody>
+      </p:sp>
+      <p:sp>
+        <p:nvSpPr>
+          <p:cNvPr id="3" name="Inhaltsplatzhalter 2"/>
+          <p:cNvSpPr>
+            <a:spLocks noGrp="1"/>
+          </p:cNvSpPr>
+          <p:nvPr>
+            <p:ph idx="1"/>
+          </p:nvPr>
+        </p:nvSpPr>
+        <p:spPr/>
+        <p:txBody>
+          <a:bodyPr/>
+          <a:lstStyle/>
+          <a:p>
+            <a:r>
+              <a:rPr lang="de-CH" dirty="0" smtClean="0"/>
+              <a:t>Berechnung der Bruchwerte</a:t>
+            </a:r>
+          </a:p>
+        </p:txBody>
+      </p:sp>
+      <p:pic>
+        <p:nvPicPr>
+          <p:cNvPr id="2051" name="Picture 3" descr="C:\admin\github\squarefeed\Documents\Design\shipScreenShot3.PNG"/>
+          <p:cNvPicPr>
+            <a:picLocks noChangeAspect="1" noChangeArrowheads="1"/>
+          </p:cNvPicPr>
+          <p:nvPr/>
+        </p:nvPicPr>
+        <p:blipFill>
+          <a:blip r:embed="rId2">
+            <a:extLst>
+              <a:ext uri="{28A0092B-C50C-407E-A947-70E740481C1C}">
+                <a14:useLocalDpi xmlns:a14="http://schemas.microsoft.com/office/drawing/2010/main" val="0"/>
+              </a:ext>
+            </a:extLst>
+          </a:blip>
+          <a:srcRect/>
+          <a:stretch>
+            <a:fillRect/>
+          </a:stretch>
+        </p:blipFill>
+        <p:spPr bwMode="auto">
+          <a:xfrm>
+            <a:off x="539552" y="2060848"/>
+            <a:ext cx="8016875" cy="4054475"/>
+          </a:xfrm>
+          <a:prstGeom prst="rect">
+            <a:avLst/>
+          </a:prstGeom>
+          <a:noFill/>
+          <a:extLst>
+            <a:ext uri="{909E8E84-426E-40DD-AFC4-6F175D3DCCD1}">
+              <a14:hiddenFill xmlns:a14="http://schemas.microsoft.com/office/drawing/2010/main">
+                <a:solidFill>
+                  <a:srgbClr val="FFFFFF"/>
+                </a:solidFill>
+              </a14:hiddenFill>
+            </a:ext>
+          </a:extLst>
+        </p:spPr>
+      </p:pic>
+      <p:graphicFrame>
+        <p:nvGraphicFramePr>
+          <p:cNvPr id="4" name="Table 3"/>
+          <p:cNvGraphicFramePr>
+            <a:graphicFrameLocks noGrp="1"/>
+          </p:cNvGraphicFramePr>
+          <p:nvPr>
+            <p:extLst>
+              <p:ext uri="{D42A27DB-BD31-4B8C-83A1-F6EECF244321}">
+                <p14:modId xmlns:p14="http://schemas.microsoft.com/office/powerpoint/2010/main" val="3941951659"/>
+              </p:ext>
+            </p:extLst>
+          </p:nvPr>
+        </p:nvGraphicFramePr>
+        <p:xfrm>
+          <a:off x="1488280" y="2679700"/>
+          <a:ext cx="5691190" cy="2273300"/>
+        </p:xfrm>
+        <a:graphic>
+          <a:graphicData uri="http://schemas.openxmlformats.org/drawingml/2006/table">
+            <a:tbl>
+              <a:tblPr firstRow="1" bandRow="1">
+                <a:tableStyleId>{5940675A-B579-460E-94D1-54222C63F5DA}</a:tableStyleId>
+              </a:tblPr>
+              <a:tblGrid>
+                <a:gridCol w="569119"/>
+                <a:gridCol w="569119"/>
+                <a:gridCol w="569119"/>
+                <a:gridCol w="569119"/>
+                <a:gridCol w="569119"/>
+                <a:gridCol w="569119"/>
+                <a:gridCol w="569119"/>
+                <a:gridCol w="569119"/>
+                <a:gridCol w="569119"/>
+                <a:gridCol w="569119"/>
+              </a:tblGrid>
+              <a:tr h="568325">
+                <a:tc>
+                  <a:txBody>
+                    <a:bodyPr/>
+                    <a:lstStyle/>
+                    <a:p>
+                      <a:pPr algn="ctr"/>
+                      <a:r>
+                        <a:rPr lang="de-CH" b="1" dirty="0" smtClean="0">
+                          <a:solidFill>
+                            <a:schemeClr val="bg1"/>
+                          </a:solidFill>
+                        </a:rPr>
+                        <a:t>0</a:t>
+                      </a:r>
+                      <a:endParaRPr lang="de-CH" b="1" dirty="0">
+                        <a:solidFill>
+                          <a:schemeClr val="bg1"/>
+                        </a:solidFill>
+                      </a:endParaRPr>
+                    </a:p>
+                  </a:txBody>
+                  <a:tcPr anchor="ctr"/>
+                </a:tc>
+                <a:tc>
+                  <a:txBody>
+                    <a:bodyPr/>
+                    <a:lstStyle/>
+                    <a:p>
+                      <a:pPr algn="ctr"/>
+                      <a:r>
+                        <a:rPr lang="de-CH" b="1" dirty="0" smtClean="0">
+                          <a:solidFill>
+                            <a:schemeClr val="bg1"/>
+                          </a:solidFill>
+                        </a:rPr>
+                        <a:t>0</a:t>
+                      </a:r>
+                      <a:endParaRPr lang="de-CH" b="1" dirty="0">
+                        <a:solidFill>
+                          <a:schemeClr val="bg1"/>
+                        </a:solidFill>
+                      </a:endParaRPr>
+                    </a:p>
+                  </a:txBody>
+                  <a:tcPr anchor="ctr"/>
+                </a:tc>
+                <a:tc>
+                  <a:txBody>
+                    <a:bodyPr/>
+                    <a:lstStyle/>
+                    <a:p>
+                      <a:pPr algn="ctr"/>
+                      <a:r>
+                        <a:rPr lang="de-CH" b="1" dirty="0" smtClean="0">
+                          <a:solidFill>
+                            <a:schemeClr val="bg1"/>
+                          </a:solidFill>
+                        </a:rPr>
+                        <a:t>6/5</a:t>
+                      </a:r>
+                      <a:endParaRPr lang="de-CH" b="1" dirty="0">
+                        <a:solidFill>
+                          <a:schemeClr val="bg1"/>
+                        </a:solidFill>
+                      </a:endParaRPr>
+                    </a:p>
+                  </a:txBody>
+                  <a:tcPr anchor="ctr"/>
+                </a:tc>
+                <a:tc>
+                  <a:txBody>
+                    <a:bodyPr/>
+                    <a:lstStyle/>
+                    <a:p>
+                      <a:pPr algn="ctr"/>
+                      <a:r>
+                        <a:rPr lang="de-CH" b="1" dirty="0" smtClean="0">
+                          <a:solidFill>
+                            <a:schemeClr val="bg1"/>
+                          </a:solidFill>
+                        </a:rPr>
+                        <a:t>6/5</a:t>
+                      </a:r>
+                      <a:endParaRPr lang="de-CH" b="1" dirty="0">
+                        <a:solidFill>
+                          <a:schemeClr val="bg1"/>
+                        </a:solidFill>
+                      </a:endParaRPr>
+                    </a:p>
+                  </a:txBody>
+                  <a:tcPr anchor="ctr"/>
+                </a:tc>
+                <a:tc>
+                  <a:txBody>
+                    <a:bodyPr/>
+                    <a:lstStyle/>
+                    <a:p>
+                      <a:pPr algn="ctr"/>
+                      <a:r>
+                        <a:rPr lang="de-CH" b="1" dirty="0" smtClean="0">
+                          <a:solidFill>
+                            <a:schemeClr val="bg1"/>
+                          </a:solidFill>
+                        </a:rPr>
+                        <a:t>6/5</a:t>
+                      </a:r>
+                      <a:endParaRPr lang="de-CH" b="1" dirty="0">
+                        <a:solidFill>
+                          <a:schemeClr val="bg1"/>
+                        </a:solidFill>
+                      </a:endParaRPr>
+                    </a:p>
+                  </a:txBody>
+                  <a:tcPr anchor="ctr"/>
+                </a:tc>
+                <a:tc>
+                  <a:txBody>
+                    <a:bodyPr/>
+                    <a:lstStyle/>
+                    <a:p>
+                      <a:pPr algn="ctr"/>
+                      <a:r>
+                        <a:rPr lang="de-CH" b="1" dirty="0" smtClean="0">
+                          <a:solidFill>
+                            <a:schemeClr val="bg1"/>
+                          </a:solidFill>
+                        </a:rPr>
+                        <a:t>6/5</a:t>
+                      </a:r>
+                      <a:endParaRPr lang="de-CH" b="1" dirty="0">
+                        <a:solidFill>
+                          <a:schemeClr val="bg1"/>
+                        </a:solidFill>
+                      </a:endParaRPr>
+                    </a:p>
+                  </a:txBody>
+                  <a:tcPr anchor="ctr"/>
+                </a:tc>
+                <a:tc>
+                  <a:txBody>
+                    <a:bodyPr/>
+                    <a:lstStyle/>
+                    <a:p>
+                      <a:pPr algn="ctr"/>
+                      <a:r>
+                        <a:rPr lang="de-CH" b="1" dirty="0" smtClean="0">
+                          <a:solidFill>
+                            <a:schemeClr val="bg1"/>
+                          </a:solidFill>
+                        </a:rPr>
+                        <a:t>6/5</a:t>
+                      </a:r>
+                      <a:endParaRPr lang="de-CH" b="1" dirty="0">
+                        <a:solidFill>
+                          <a:schemeClr val="bg1"/>
+                        </a:solidFill>
+                      </a:endParaRPr>
+                    </a:p>
+                  </a:txBody>
+                  <a:tcPr anchor="ctr"/>
+                </a:tc>
+                <a:tc>
+                  <a:txBody>
+                    <a:bodyPr/>
+                    <a:lstStyle/>
+                    <a:p>
+                      <a:pPr algn="ctr"/>
+                      <a:r>
+                        <a:rPr lang="de-CH" b="1" dirty="0" smtClean="0">
+                          <a:solidFill>
+                            <a:schemeClr val="bg1"/>
+                          </a:solidFill>
+                        </a:rPr>
+                        <a:t>0</a:t>
+                      </a:r>
+                      <a:endParaRPr lang="de-CH" b="1" dirty="0">
+                        <a:solidFill>
+                          <a:schemeClr val="bg1"/>
+                        </a:solidFill>
+                      </a:endParaRPr>
+                    </a:p>
+                  </a:txBody>
+                  <a:tcPr anchor="ctr"/>
+                </a:tc>
+                <a:tc>
+                  <a:txBody>
+                    <a:bodyPr/>
+                    <a:lstStyle/>
+                    <a:p>
+                      <a:pPr algn="ctr"/>
+                      <a:r>
+                        <a:rPr lang="de-CH" b="1" dirty="0" smtClean="0">
+                          <a:solidFill>
+                            <a:schemeClr val="bg1"/>
+                          </a:solidFill>
+                        </a:rPr>
+                        <a:t>0</a:t>
+                      </a:r>
+                      <a:endParaRPr lang="de-CH" b="1" dirty="0">
+                        <a:solidFill>
+                          <a:schemeClr val="bg1"/>
+                        </a:solidFill>
+                      </a:endParaRPr>
+                    </a:p>
+                  </a:txBody>
+                  <a:tcPr anchor="ctr"/>
+                </a:tc>
+                <a:tc>
+                  <a:txBody>
+                    <a:bodyPr/>
+                    <a:lstStyle/>
+                    <a:p>
+                      <a:pPr algn="ctr"/>
+                      <a:r>
+                        <a:rPr lang="de-CH" b="1" dirty="0" smtClean="0">
+                          <a:solidFill>
+                            <a:schemeClr val="bg1"/>
+                          </a:solidFill>
+                        </a:rPr>
+                        <a:t>0</a:t>
+                      </a:r>
+                      <a:endParaRPr lang="de-CH" b="1" dirty="0">
+                        <a:solidFill>
+                          <a:schemeClr val="bg1"/>
+                        </a:solidFill>
+                      </a:endParaRPr>
+                    </a:p>
+                  </a:txBody>
+                  <a:tcPr anchor="ctr"/>
+                </a:tc>
+              </a:tr>
+              <a:tr h="568325">
+                <a:tc>
+                  <a:txBody>
+                    <a:bodyPr/>
+                    <a:lstStyle/>
+                    <a:p>
+                      <a:pPr algn="ctr"/>
+                      <a:r>
+                        <a:rPr lang="de-CH" b="1" dirty="0" smtClean="0">
+                          <a:solidFill>
+                            <a:schemeClr val="bg1"/>
+                          </a:solidFill>
+                        </a:rPr>
+                        <a:t>0</a:t>
+                      </a:r>
+                      <a:endParaRPr lang="de-CH" b="1" dirty="0">
+                        <a:solidFill>
+                          <a:schemeClr val="bg1"/>
+                        </a:solidFill>
+                      </a:endParaRPr>
+                    </a:p>
+                  </a:txBody>
+                  <a:tcPr anchor="ctr"/>
+                </a:tc>
+                <a:tc>
+                  <a:txBody>
+                    <a:bodyPr/>
+                    <a:lstStyle/>
+                    <a:p>
+                      <a:pPr algn="ctr"/>
+                      <a:r>
+                        <a:rPr lang="de-CH" b="1" dirty="0" smtClean="0">
+                          <a:solidFill>
+                            <a:schemeClr val="bg1"/>
+                          </a:solidFill>
+                        </a:rPr>
+                        <a:t>0</a:t>
+                      </a:r>
+                      <a:endParaRPr lang="de-CH" b="1" dirty="0">
+                        <a:solidFill>
+                          <a:schemeClr val="bg1"/>
+                        </a:solidFill>
+                      </a:endParaRPr>
+                    </a:p>
+                  </a:txBody>
+                  <a:tcPr anchor="ctr"/>
+                </a:tc>
+                <a:tc>
+                  <a:txBody>
+                    <a:bodyPr/>
+                    <a:lstStyle/>
+                    <a:p>
+                      <a:pPr algn="ctr"/>
+                      <a:r>
+                        <a:rPr lang="de-CH" b="1" dirty="0" smtClean="0">
+                          <a:solidFill>
+                            <a:schemeClr val="bg1"/>
+                          </a:solidFill>
+                        </a:rPr>
+                        <a:t>1</a:t>
+                      </a:r>
+                      <a:endParaRPr lang="de-CH" b="1" dirty="0">
+                        <a:solidFill>
+                          <a:schemeClr val="bg1"/>
+                        </a:solidFill>
+                      </a:endParaRPr>
+                    </a:p>
+                  </a:txBody>
+                  <a:tcPr anchor="ctr"/>
+                </a:tc>
+                <a:tc>
+                  <a:txBody>
+                    <a:bodyPr/>
+                    <a:lstStyle/>
+                    <a:p>
+                      <a:pPr algn="ctr"/>
+                      <a:r>
+                        <a:rPr lang="de-CH" b="1" dirty="0" smtClean="0">
+                          <a:solidFill>
+                            <a:schemeClr val="bg1"/>
+                          </a:solidFill>
+                        </a:rPr>
+                        <a:t>1</a:t>
+                      </a:r>
+                      <a:endParaRPr lang="de-CH" b="1" dirty="0">
+                        <a:solidFill>
+                          <a:schemeClr val="bg1"/>
+                        </a:solidFill>
+                      </a:endParaRPr>
+                    </a:p>
+                  </a:txBody>
+                  <a:tcPr anchor="ctr"/>
+                </a:tc>
+                <a:tc>
+                  <a:txBody>
+                    <a:bodyPr/>
+                    <a:lstStyle/>
+                    <a:p>
+                      <a:pPr algn="ctr"/>
+                      <a:r>
+                        <a:rPr lang="de-CH" b="1" dirty="0" smtClean="0">
+                          <a:solidFill>
+                            <a:schemeClr val="bg1"/>
+                          </a:solidFill>
+                        </a:rPr>
+                        <a:t>1</a:t>
+                      </a:r>
+                      <a:endParaRPr lang="de-CH" b="1" dirty="0">
+                        <a:solidFill>
+                          <a:schemeClr val="bg1"/>
+                        </a:solidFill>
+                      </a:endParaRPr>
+                    </a:p>
+                  </a:txBody>
+                  <a:tcPr anchor="ctr"/>
+                </a:tc>
+                <a:tc>
+                  <a:txBody>
+                    <a:bodyPr/>
+                    <a:lstStyle/>
+                    <a:p>
+                      <a:pPr algn="ctr"/>
+                      <a:r>
+                        <a:rPr lang="de-CH" b="1" dirty="0" smtClean="0">
+                          <a:solidFill>
+                            <a:schemeClr val="bg1"/>
+                          </a:solidFill>
+                        </a:rPr>
+                        <a:t>1</a:t>
+                      </a:r>
+                      <a:endParaRPr lang="de-CH" b="1" dirty="0">
+                        <a:solidFill>
+                          <a:schemeClr val="bg1"/>
+                        </a:solidFill>
+                      </a:endParaRPr>
+                    </a:p>
+                  </a:txBody>
+                  <a:tcPr anchor="ctr"/>
+                </a:tc>
+                <a:tc>
+                  <a:txBody>
+                    <a:bodyPr/>
+                    <a:lstStyle/>
+                    <a:p>
+                      <a:pPr algn="ctr"/>
+                      <a:r>
+                        <a:rPr lang="de-CH" b="1" dirty="0" smtClean="0">
+                          <a:solidFill>
+                            <a:schemeClr val="bg1"/>
+                          </a:solidFill>
+                        </a:rPr>
+                        <a:t>1</a:t>
+                      </a:r>
+                      <a:endParaRPr lang="de-CH" b="1" dirty="0">
+                        <a:solidFill>
+                          <a:schemeClr val="bg1"/>
+                        </a:solidFill>
+                      </a:endParaRPr>
+                    </a:p>
+                  </a:txBody>
+                  <a:tcPr anchor="ctr"/>
+                </a:tc>
+                <a:tc>
+                  <a:txBody>
+                    <a:bodyPr/>
+                    <a:lstStyle/>
+                    <a:p>
+                      <a:pPr algn="ctr"/>
+                      <a:r>
+                        <a:rPr lang="de-CH" b="1" dirty="0" smtClean="0">
+                          <a:solidFill>
+                            <a:schemeClr val="bg1"/>
+                          </a:solidFill>
+                        </a:rPr>
+                        <a:t>0</a:t>
+                      </a:r>
+                      <a:endParaRPr lang="de-CH" b="1" dirty="0">
+                        <a:solidFill>
+                          <a:schemeClr val="bg1"/>
+                        </a:solidFill>
+                      </a:endParaRPr>
+                    </a:p>
+                  </a:txBody>
+                  <a:tcPr anchor="ctr"/>
+                </a:tc>
+                <a:tc>
+                  <a:txBody>
+                    <a:bodyPr/>
+                    <a:lstStyle/>
+                    <a:p>
+                      <a:pPr algn="ctr"/>
+                      <a:r>
+                        <a:rPr lang="de-CH" b="1" dirty="0" smtClean="0">
+                          <a:solidFill>
+                            <a:schemeClr val="bg1"/>
+                          </a:solidFill>
+                        </a:rPr>
+                        <a:t>0</a:t>
+                      </a:r>
+                      <a:endParaRPr lang="de-CH" b="1" dirty="0">
+                        <a:solidFill>
+                          <a:schemeClr val="bg1"/>
+                        </a:solidFill>
+                      </a:endParaRPr>
+                    </a:p>
+                  </a:txBody>
+                  <a:tcPr anchor="ctr"/>
+                </a:tc>
+                <a:tc>
+                  <a:txBody>
+                    <a:bodyPr/>
+                    <a:lstStyle/>
+                    <a:p>
+                      <a:pPr algn="ctr"/>
+                      <a:r>
+                        <a:rPr lang="de-CH" b="1" dirty="0" smtClean="0">
+                          <a:solidFill>
+                            <a:schemeClr val="bg1"/>
+                          </a:solidFill>
+                        </a:rPr>
+                        <a:t>0</a:t>
+                      </a:r>
+                      <a:endParaRPr lang="de-CH" b="1" dirty="0">
+                        <a:solidFill>
+                          <a:schemeClr val="bg1"/>
+                        </a:solidFill>
+                      </a:endParaRPr>
+                    </a:p>
+                  </a:txBody>
+                  <a:tcPr anchor="ctr"/>
+                </a:tc>
+              </a:tr>
+              <a:tr h="568325">
+                <a:tc>
+                  <a:txBody>
+                    <a:bodyPr/>
+                    <a:lstStyle/>
+                    <a:p>
+                      <a:pPr algn="ctr"/>
+                      <a:r>
+                        <a:rPr lang="de-CH" b="1" dirty="0" smtClean="0">
+                          <a:solidFill>
+                            <a:schemeClr val="bg1"/>
+                          </a:solidFill>
+                        </a:rPr>
+                        <a:t>1</a:t>
+                      </a:r>
+                      <a:endParaRPr lang="de-CH" b="1" dirty="0">
+                        <a:solidFill>
+                          <a:schemeClr val="bg1"/>
+                        </a:solidFill>
+                      </a:endParaRPr>
+                    </a:p>
+                  </a:txBody>
+                  <a:tcPr anchor="ctr"/>
+                </a:tc>
+                <a:tc>
+                  <a:txBody>
+                    <a:bodyPr/>
+                    <a:lstStyle/>
+                    <a:p>
+                      <a:pPr algn="ctr"/>
+                      <a:r>
+                        <a:rPr lang="de-CH" b="1" dirty="0" smtClean="0">
+                          <a:solidFill>
+                            <a:schemeClr val="bg1"/>
+                          </a:solidFill>
+                        </a:rPr>
+                        <a:t>1</a:t>
+                      </a:r>
+                      <a:endParaRPr lang="de-CH" b="1" dirty="0">
+                        <a:solidFill>
+                          <a:schemeClr val="bg1"/>
+                        </a:solidFill>
+                      </a:endParaRPr>
+                    </a:p>
+                  </a:txBody>
+                  <a:tcPr anchor="ctr"/>
+                </a:tc>
+                <a:tc>
+                  <a:txBody>
+                    <a:bodyPr/>
+                    <a:lstStyle/>
+                    <a:p>
+                      <a:pPr algn="ctr"/>
+                      <a:r>
+                        <a:rPr lang="de-CH" b="1" dirty="0" smtClean="0">
+                          <a:solidFill>
+                            <a:schemeClr val="bg1"/>
+                          </a:solidFill>
+                        </a:rPr>
+                        <a:t>1</a:t>
+                      </a:r>
+                      <a:endParaRPr lang="de-CH" b="1" dirty="0">
+                        <a:solidFill>
+                          <a:schemeClr val="bg1"/>
+                        </a:solidFill>
+                      </a:endParaRPr>
+                    </a:p>
+                  </a:txBody>
+                  <a:tcPr anchor="ctr"/>
+                </a:tc>
+                <a:tc>
+                  <a:txBody>
+                    <a:bodyPr/>
+                    <a:lstStyle/>
+                    <a:p>
+                      <a:pPr algn="ctr"/>
+                      <a:r>
+                        <a:rPr lang="de-CH" b="1" dirty="0" smtClean="0">
+                          <a:solidFill>
+                            <a:schemeClr val="bg1"/>
+                          </a:solidFill>
+                        </a:rPr>
+                        <a:t>1</a:t>
+                      </a:r>
+                      <a:endParaRPr lang="de-CH" b="1" dirty="0">
+                        <a:solidFill>
+                          <a:schemeClr val="bg1"/>
+                        </a:solidFill>
+                      </a:endParaRPr>
+                    </a:p>
+                  </a:txBody>
+                  <a:tcPr anchor="ctr"/>
+                </a:tc>
+                <a:tc>
+                  <a:txBody>
+                    <a:bodyPr/>
+                    <a:lstStyle/>
+                    <a:p>
+                      <a:pPr algn="ctr"/>
+                      <a:r>
+                        <a:rPr lang="de-CH" b="1" dirty="0" smtClean="0">
+                          <a:solidFill>
+                            <a:schemeClr val="bg1"/>
+                          </a:solidFill>
+                        </a:rPr>
+                        <a:t>1</a:t>
+                      </a:r>
+                      <a:endParaRPr lang="de-CH" b="1" dirty="0">
+                        <a:solidFill>
+                          <a:schemeClr val="bg1"/>
+                        </a:solidFill>
+                      </a:endParaRPr>
+                    </a:p>
+                  </a:txBody>
+                  <a:tcPr anchor="ctr"/>
+                </a:tc>
+                <a:tc>
+                  <a:txBody>
+                    <a:bodyPr/>
+                    <a:lstStyle/>
+                    <a:p>
+                      <a:pPr algn="ctr"/>
+                      <a:r>
+                        <a:rPr lang="de-CH" b="1" dirty="0" smtClean="0">
+                          <a:solidFill>
+                            <a:schemeClr val="bg1"/>
+                          </a:solidFill>
+                        </a:rPr>
+                        <a:t>1</a:t>
+                      </a:r>
+                      <a:endParaRPr lang="de-CH" b="1" dirty="0">
+                        <a:solidFill>
+                          <a:schemeClr val="bg1"/>
+                        </a:solidFill>
+                      </a:endParaRPr>
+                    </a:p>
+                  </a:txBody>
+                  <a:tcPr anchor="ctr"/>
+                </a:tc>
+                <a:tc>
+                  <a:txBody>
+                    <a:bodyPr/>
+                    <a:lstStyle/>
+                    <a:p>
+                      <a:pPr algn="ctr"/>
+                      <a:r>
+                        <a:rPr lang="de-CH" b="1" dirty="0" smtClean="0">
+                          <a:solidFill>
+                            <a:schemeClr val="bg1"/>
+                          </a:solidFill>
+                        </a:rPr>
+                        <a:t>1</a:t>
+                      </a:r>
+                      <a:endParaRPr lang="de-CH" b="1" dirty="0">
+                        <a:solidFill>
+                          <a:schemeClr val="bg1"/>
+                        </a:solidFill>
+                      </a:endParaRPr>
+                    </a:p>
+                  </a:txBody>
+                  <a:tcPr anchor="ctr"/>
+                </a:tc>
+                <a:tc>
+                  <a:txBody>
+                    <a:bodyPr/>
+                    <a:lstStyle/>
+                    <a:p>
+                      <a:pPr algn="ctr"/>
+                      <a:r>
+                        <a:rPr lang="de-CH" b="1" dirty="0" smtClean="0">
+                          <a:solidFill>
+                            <a:schemeClr val="bg1"/>
+                          </a:solidFill>
+                        </a:rPr>
+                        <a:t>1</a:t>
+                      </a:r>
+                      <a:endParaRPr lang="de-CH" b="1" dirty="0">
+                        <a:solidFill>
+                          <a:schemeClr val="bg1"/>
+                        </a:solidFill>
+                      </a:endParaRPr>
+                    </a:p>
+                  </a:txBody>
+                  <a:tcPr anchor="ctr"/>
+                </a:tc>
+                <a:tc>
+                  <a:txBody>
+                    <a:bodyPr/>
+                    <a:lstStyle/>
+                    <a:p>
+                      <a:pPr algn="ctr"/>
+                      <a:r>
+                        <a:rPr lang="de-CH" b="1" dirty="0" smtClean="0">
+                          <a:solidFill>
+                            <a:schemeClr val="bg1"/>
+                          </a:solidFill>
+                        </a:rPr>
+                        <a:t>0</a:t>
+                      </a:r>
+                      <a:endParaRPr lang="de-CH" b="1" dirty="0">
+                        <a:solidFill>
+                          <a:schemeClr val="bg1"/>
+                        </a:solidFill>
+                      </a:endParaRPr>
+                    </a:p>
+                  </a:txBody>
+                  <a:tcPr anchor="ctr"/>
+                </a:tc>
+                <a:tc>
+                  <a:txBody>
+                    <a:bodyPr/>
+                    <a:lstStyle/>
+                    <a:p>
+                      <a:pPr algn="ctr"/>
+                      <a:r>
+                        <a:rPr lang="de-CH" b="1" dirty="0" smtClean="0">
+                          <a:solidFill>
+                            <a:schemeClr val="bg1"/>
+                          </a:solidFill>
+                        </a:rPr>
+                        <a:t>0</a:t>
+                      </a:r>
+                      <a:endParaRPr lang="de-CH" b="1" dirty="0">
+                        <a:solidFill>
+                          <a:schemeClr val="bg1"/>
+                        </a:solidFill>
+                      </a:endParaRPr>
+                    </a:p>
+                  </a:txBody>
+                  <a:tcPr anchor="ctr"/>
+                </a:tc>
+              </a:tr>
+              <a:tr h="568325">
+                <a:tc>
+                  <a:txBody>
+                    <a:bodyPr/>
+                    <a:lstStyle/>
+                    <a:p>
+                      <a:pPr algn="ctr"/>
+                      <a:r>
+                        <a:rPr lang="de-CH" b="1" dirty="0" smtClean="0">
+                          <a:solidFill>
+                            <a:schemeClr val="bg1"/>
+                          </a:solidFill>
+                        </a:rPr>
+                        <a:t>1/3</a:t>
+                      </a:r>
+                      <a:endParaRPr lang="de-CH" b="1" dirty="0">
+                        <a:solidFill>
+                          <a:schemeClr val="bg1"/>
+                        </a:solidFill>
+                      </a:endParaRPr>
+                    </a:p>
+                  </a:txBody>
+                  <a:tcPr anchor="ctr"/>
+                </a:tc>
+                <a:tc>
+                  <a:txBody>
+                    <a:bodyPr/>
+                    <a:lstStyle/>
+                    <a:p>
+                      <a:pPr algn="ctr"/>
+                      <a:r>
+                        <a:rPr lang="de-CH" b="1" dirty="0" smtClean="0">
+                          <a:solidFill>
+                            <a:schemeClr val="bg1"/>
+                          </a:solidFill>
+                        </a:rPr>
+                        <a:t>1/3</a:t>
+                      </a:r>
+                      <a:endParaRPr lang="de-CH" b="1" dirty="0">
+                        <a:solidFill>
+                          <a:schemeClr val="bg1"/>
+                        </a:solidFill>
+                      </a:endParaRPr>
+                    </a:p>
+                  </a:txBody>
+                  <a:tcPr anchor="ctr"/>
+                </a:tc>
+                <a:tc>
+                  <a:txBody>
+                    <a:bodyPr/>
+                    <a:lstStyle/>
+                    <a:p>
+                      <a:pPr algn="ctr"/>
+                      <a:r>
+                        <a:rPr lang="de-CH" b="1" dirty="0" smtClean="0">
+                          <a:solidFill>
+                            <a:schemeClr val="bg1"/>
+                          </a:solidFill>
+                        </a:rPr>
+                        <a:t>1/3</a:t>
+                      </a:r>
+                    </a:p>
+                  </a:txBody>
+                  <a:tcPr anchor="ctr"/>
+                </a:tc>
+                <a:tc>
+                  <a:txBody>
+                    <a:bodyPr/>
+                    <a:lstStyle/>
+                    <a:p>
+                      <a:pPr algn="ctr"/>
+                      <a:r>
+                        <a:rPr lang="de-CH" b="1" dirty="0" smtClean="0">
+                          <a:solidFill>
+                            <a:schemeClr val="bg1"/>
+                          </a:solidFill>
+                        </a:rPr>
+                        <a:t>1</a:t>
+                      </a:r>
+                      <a:endParaRPr lang="de-CH" b="1" dirty="0">
+                        <a:solidFill>
+                          <a:schemeClr val="bg1"/>
+                        </a:solidFill>
+                      </a:endParaRPr>
+                    </a:p>
+                  </a:txBody>
+                  <a:tcPr anchor="ctr"/>
+                </a:tc>
+                <a:tc>
+                  <a:txBody>
+                    <a:bodyPr/>
+                    <a:lstStyle/>
+                    <a:p>
+                      <a:pPr algn="ctr"/>
+                      <a:r>
+                        <a:rPr lang="de-CH" b="1" dirty="0" smtClean="0">
+                          <a:solidFill>
+                            <a:schemeClr val="bg1"/>
+                          </a:solidFill>
+                        </a:rPr>
+                        <a:t>1</a:t>
+                      </a:r>
+                      <a:endParaRPr lang="de-CH" b="1" dirty="0">
+                        <a:solidFill>
+                          <a:schemeClr val="bg1"/>
+                        </a:solidFill>
+                      </a:endParaRPr>
+                    </a:p>
+                  </a:txBody>
+                  <a:tcPr anchor="ctr"/>
+                </a:tc>
+                <a:tc>
+                  <a:txBody>
+                    <a:bodyPr/>
+                    <a:lstStyle/>
+                    <a:p>
+                      <a:pPr algn="ctr"/>
+                      <a:r>
+                        <a:rPr lang="de-CH" b="1" dirty="0" smtClean="0">
+                          <a:solidFill>
+                            <a:schemeClr val="bg1"/>
+                          </a:solidFill>
+                        </a:rPr>
+                        <a:t>3</a:t>
+                      </a:r>
+                      <a:endParaRPr lang="de-CH" b="1" dirty="0">
+                        <a:solidFill>
+                          <a:schemeClr val="bg1"/>
+                        </a:solidFill>
+                      </a:endParaRPr>
+                    </a:p>
+                  </a:txBody>
+                  <a:tcPr anchor="ctr"/>
+                </a:tc>
+                <a:tc>
+                  <a:txBody>
+                    <a:bodyPr/>
+                    <a:lstStyle/>
+                    <a:p>
+                      <a:pPr algn="ctr"/>
+                      <a:r>
+                        <a:rPr lang="de-CH" b="1" dirty="0" smtClean="0">
+                          <a:solidFill>
+                            <a:schemeClr val="bg1"/>
+                          </a:solidFill>
+                        </a:rPr>
+                        <a:t>1</a:t>
+                      </a:r>
+                      <a:endParaRPr lang="de-CH" b="1" dirty="0">
+                        <a:solidFill>
+                          <a:schemeClr val="bg1"/>
+                        </a:solidFill>
+                      </a:endParaRPr>
+                    </a:p>
+                  </a:txBody>
+                  <a:tcPr anchor="ctr"/>
+                </a:tc>
+                <a:tc>
+                  <a:txBody>
+                    <a:bodyPr/>
+                    <a:lstStyle/>
+                    <a:p>
+                      <a:pPr algn="ctr"/>
+                      <a:r>
+                        <a:rPr lang="de-CH" b="1" dirty="0" smtClean="0">
+                          <a:solidFill>
+                            <a:schemeClr val="bg1"/>
+                          </a:solidFill>
+                        </a:rPr>
+                        <a:t>1</a:t>
+                      </a:r>
+                      <a:endParaRPr lang="de-CH" b="1" dirty="0">
+                        <a:solidFill>
+                          <a:schemeClr val="bg1"/>
+                        </a:solidFill>
+                      </a:endParaRPr>
+                    </a:p>
+                  </a:txBody>
+                  <a:tcPr anchor="ctr"/>
+                </a:tc>
+                <a:tc>
+                  <a:txBody>
+                    <a:bodyPr/>
+                    <a:lstStyle/>
+                    <a:p>
+                      <a:pPr algn="ctr"/>
+                      <a:r>
+                        <a:rPr lang="de-CH" b="1" dirty="0" smtClean="0">
+                          <a:solidFill>
+                            <a:schemeClr val="bg1"/>
+                          </a:solidFill>
+                        </a:rPr>
+                        <a:t>1</a:t>
+                      </a:r>
+                      <a:endParaRPr lang="de-CH" b="1" dirty="0">
+                        <a:solidFill>
+                          <a:schemeClr val="bg1"/>
+                        </a:solidFill>
+                      </a:endParaRPr>
+                    </a:p>
+                  </a:txBody>
+                  <a:tcPr anchor="ctr"/>
+                </a:tc>
+                <a:tc>
+                  <a:txBody>
+                    <a:bodyPr/>
+                    <a:lstStyle/>
+                    <a:p>
+                      <a:pPr algn="ctr"/>
+                      <a:r>
+                        <a:rPr lang="de-CH" b="1" dirty="0" smtClean="0">
+                          <a:solidFill>
+                            <a:schemeClr val="bg1"/>
+                          </a:solidFill>
+                        </a:rPr>
+                        <a:t>1</a:t>
+                      </a:r>
+                      <a:endParaRPr lang="de-CH" b="1" dirty="0">
+                        <a:solidFill>
+                          <a:schemeClr val="bg1"/>
+                        </a:solidFill>
+                      </a:endParaRPr>
+                    </a:p>
+                  </a:txBody>
+                  <a:tcPr anchor="ctr"/>
+                </a:tc>
+              </a:tr>
+            </a:tbl>
+          </a:graphicData>
+        </a:graphic>
+      </p:graphicFrame>
+      <p:graphicFrame>
+        <p:nvGraphicFramePr>
+          <p:cNvPr id="5" name="Table 4"/>
+          <p:cNvGraphicFramePr>
+            <a:graphicFrameLocks noGrp="1"/>
+          </p:cNvGraphicFramePr>
+          <p:nvPr>
+            <p:extLst>
+              <p:ext uri="{D42A27DB-BD31-4B8C-83A1-F6EECF244321}">
+                <p14:modId xmlns:p14="http://schemas.microsoft.com/office/powerpoint/2010/main" val="1916992882"/>
+              </p:ext>
+            </p:extLst>
+          </p:nvPr>
+        </p:nvGraphicFramePr>
+        <p:xfrm>
+          <a:off x="1488280" y="5013176"/>
+          <a:ext cx="5698330" cy="504056"/>
+        </p:xfrm>
+        <a:graphic>
+          <a:graphicData uri="http://schemas.openxmlformats.org/drawingml/2006/table">
+            <a:tbl>
+              <a:tblPr firstRow="1" bandRow="1">
+                <a:tableStyleId>{5940675A-B579-460E-94D1-54222C63F5DA}</a:tableStyleId>
+              </a:tblPr>
+              <a:tblGrid>
+                <a:gridCol w="569833"/>
+                <a:gridCol w="569833"/>
+                <a:gridCol w="569833"/>
+                <a:gridCol w="569833"/>
+                <a:gridCol w="569833"/>
+                <a:gridCol w="569833"/>
+                <a:gridCol w="569833"/>
+                <a:gridCol w="569833"/>
+                <a:gridCol w="569833"/>
+                <a:gridCol w="569833"/>
+              </a:tblGrid>
+              <a:tr h="504056">
+                <a:tc>
+                  <a:txBody>
+                    <a:bodyPr/>
+                    <a:lstStyle/>
+                    <a:p>
+                      <a:pPr algn="ctr"/>
+                      <a:r>
+                        <a:rPr lang="de-CH" b="1" dirty="0" smtClean="0">
+                          <a:solidFill>
+                            <a:schemeClr val="bg1"/>
+                          </a:solidFill>
+                        </a:rPr>
+                        <a:t>1.3</a:t>
+                      </a:r>
+                      <a:endParaRPr lang="de-CH" b="1" dirty="0">
+                        <a:solidFill>
+                          <a:schemeClr val="bg1"/>
+                        </a:solidFill>
+                      </a:endParaRPr>
+                    </a:p>
+                  </a:txBody>
+                  <a:tcPr anchor="ctr"/>
+                </a:tc>
+                <a:tc>
+                  <a:txBody>
+                    <a:bodyPr/>
+                    <a:lstStyle/>
+                    <a:p>
+                      <a:pPr algn="ctr"/>
+                      <a:r>
+                        <a:rPr lang="de-CH" b="1" dirty="0" smtClean="0">
+                          <a:solidFill>
+                            <a:schemeClr val="bg1"/>
+                          </a:solidFill>
+                        </a:rPr>
+                        <a:t>1.3</a:t>
+                      </a:r>
+                      <a:endParaRPr lang="de-CH" b="1" dirty="0">
+                        <a:solidFill>
+                          <a:schemeClr val="bg1"/>
+                        </a:solidFill>
+                      </a:endParaRPr>
+                    </a:p>
+                  </a:txBody>
+                  <a:tcPr anchor="ctr"/>
+                </a:tc>
+                <a:tc>
+                  <a:txBody>
+                    <a:bodyPr/>
+                    <a:lstStyle/>
+                    <a:p>
+                      <a:pPr algn="ctr"/>
+                      <a:r>
+                        <a:rPr lang="de-CH" b="1" dirty="0" smtClean="0">
+                          <a:solidFill>
+                            <a:schemeClr val="bg1"/>
+                          </a:solidFill>
+                        </a:rPr>
+                        <a:t>3.5</a:t>
+                      </a:r>
+                    </a:p>
+                  </a:txBody>
+                  <a:tcPr anchor="ctr"/>
+                </a:tc>
+                <a:tc>
+                  <a:txBody>
+                    <a:bodyPr/>
+                    <a:lstStyle/>
+                    <a:p>
+                      <a:pPr algn="ctr"/>
+                      <a:r>
+                        <a:rPr lang="de-CH" b="1" dirty="0" smtClean="0">
+                          <a:solidFill>
+                            <a:schemeClr val="bg1"/>
+                          </a:solidFill>
+                        </a:rPr>
+                        <a:t>4.2</a:t>
+                      </a:r>
+                      <a:endParaRPr lang="de-CH" b="1" dirty="0">
+                        <a:solidFill>
+                          <a:schemeClr val="bg1"/>
+                        </a:solidFill>
+                      </a:endParaRPr>
+                    </a:p>
+                  </a:txBody>
+                  <a:tcPr anchor="ctr"/>
+                </a:tc>
+                <a:tc>
+                  <a:txBody>
+                    <a:bodyPr/>
+                    <a:lstStyle/>
+                    <a:p>
+                      <a:pPr algn="ctr"/>
+                      <a:r>
+                        <a:rPr lang="de-CH" b="1" dirty="0" smtClean="0">
+                          <a:solidFill>
+                            <a:schemeClr val="bg1"/>
+                          </a:solidFill>
+                        </a:rPr>
+                        <a:t>4.2</a:t>
+                      </a:r>
+                      <a:endParaRPr lang="de-CH" b="1" dirty="0">
+                        <a:solidFill>
+                          <a:schemeClr val="bg1"/>
+                        </a:solidFill>
+                      </a:endParaRPr>
+                    </a:p>
+                  </a:txBody>
+                  <a:tcPr anchor="ctr"/>
+                </a:tc>
+                <a:tc>
+                  <a:txBody>
+                    <a:bodyPr/>
+                    <a:lstStyle/>
+                    <a:p>
+                      <a:pPr algn="ctr"/>
+                      <a:r>
+                        <a:rPr lang="de-CH" b="1" dirty="0" smtClean="0">
+                          <a:solidFill>
+                            <a:schemeClr val="bg1"/>
+                          </a:solidFill>
+                        </a:rPr>
+                        <a:t>6.2</a:t>
+                      </a:r>
+                      <a:endParaRPr lang="de-CH" b="1" dirty="0">
+                        <a:solidFill>
+                          <a:schemeClr val="bg1"/>
+                        </a:solidFill>
+                      </a:endParaRPr>
+                    </a:p>
+                  </a:txBody>
+                  <a:tcPr anchor="ctr"/>
+                </a:tc>
+                <a:tc>
+                  <a:txBody>
+                    <a:bodyPr/>
+                    <a:lstStyle/>
+                    <a:p>
+                      <a:pPr algn="ctr"/>
+                      <a:r>
+                        <a:rPr lang="de-CH" b="1" dirty="0" smtClean="0">
+                          <a:solidFill>
+                            <a:schemeClr val="bg1"/>
+                          </a:solidFill>
+                        </a:rPr>
+                        <a:t>4.2</a:t>
+                      </a:r>
+                      <a:endParaRPr lang="de-CH" b="1" dirty="0">
+                        <a:solidFill>
+                          <a:schemeClr val="bg1"/>
+                        </a:solidFill>
+                      </a:endParaRPr>
+                    </a:p>
+                  </a:txBody>
+                  <a:tcPr anchor="ctr"/>
+                </a:tc>
+                <a:tc>
+                  <a:txBody>
+                    <a:bodyPr/>
+                    <a:lstStyle/>
+                    <a:p>
+                      <a:pPr algn="ctr"/>
+                      <a:r>
+                        <a:rPr lang="de-CH" b="1" dirty="0" smtClean="0">
+                          <a:solidFill>
+                            <a:schemeClr val="bg1"/>
+                          </a:solidFill>
+                        </a:rPr>
+                        <a:t>2</a:t>
+                      </a:r>
+                      <a:endParaRPr lang="de-CH" b="1" dirty="0">
+                        <a:solidFill>
+                          <a:schemeClr val="bg1"/>
+                        </a:solidFill>
+                      </a:endParaRPr>
+                    </a:p>
+                  </a:txBody>
+                  <a:tcPr anchor="ctr"/>
+                </a:tc>
+                <a:tc>
+                  <a:txBody>
+                    <a:bodyPr/>
+                    <a:lstStyle/>
+                    <a:p>
+                      <a:pPr algn="ctr"/>
+                      <a:r>
+                        <a:rPr lang="de-CH" b="1" dirty="0" smtClean="0">
+                          <a:solidFill>
+                            <a:schemeClr val="bg1"/>
+                          </a:solidFill>
+                        </a:rPr>
+                        <a:t>1</a:t>
+                      </a:r>
+                      <a:endParaRPr lang="de-CH" b="1" dirty="0">
+                        <a:solidFill>
+                          <a:schemeClr val="bg1"/>
+                        </a:solidFill>
+                      </a:endParaRPr>
+                    </a:p>
+                  </a:txBody>
+                  <a:tcPr anchor="ctr"/>
+                </a:tc>
+                <a:tc>
+                  <a:txBody>
+                    <a:bodyPr/>
+                    <a:lstStyle/>
+                    <a:p>
+                      <a:pPr algn="ctr"/>
+                      <a:r>
+                        <a:rPr lang="de-CH" b="1" dirty="0" smtClean="0">
+                          <a:solidFill>
+                            <a:schemeClr val="bg1"/>
+                          </a:solidFill>
+                        </a:rPr>
+                        <a:t>1</a:t>
+                      </a:r>
+                      <a:endParaRPr lang="de-CH" b="1" dirty="0">
+                        <a:solidFill>
+                          <a:schemeClr val="bg1"/>
+                        </a:solidFill>
+                      </a:endParaRPr>
+                    </a:p>
+                  </a:txBody>
+                  <a:tcPr anchor="ctr"/>
+                </a:tc>
+              </a:tr>
+            </a:tbl>
+          </a:graphicData>
+        </a:graphic>
+      </p:graphicFrame>
+      <p:graphicFrame>
+        <p:nvGraphicFramePr>
+          <p:cNvPr id="7" name="Table 6"/>
+          <p:cNvGraphicFramePr>
+            <a:graphicFrameLocks noGrp="1"/>
+          </p:cNvGraphicFramePr>
+          <p:nvPr>
+            <p:extLst>
+              <p:ext uri="{D42A27DB-BD31-4B8C-83A1-F6EECF244321}">
+                <p14:modId xmlns:p14="http://schemas.microsoft.com/office/powerpoint/2010/main" val="2589770488"/>
+              </p:ext>
+            </p:extLst>
+          </p:nvPr>
+        </p:nvGraphicFramePr>
+        <p:xfrm>
+          <a:off x="1768450" y="5580286"/>
+          <a:ext cx="5128497" cy="504056"/>
+        </p:xfrm>
+        <a:graphic>
+          <a:graphicData uri="http://schemas.openxmlformats.org/drawingml/2006/table">
+            <a:tbl>
+              <a:tblPr firstRow="1" bandRow="1">
+                <a:tableStyleId>{5940675A-B579-460E-94D1-54222C63F5DA}</a:tableStyleId>
+              </a:tblPr>
+              <a:tblGrid>
+                <a:gridCol w="569833"/>
+                <a:gridCol w="569833"/>
+                <a:gridCol w="569833"/>
+                <a:gridCol w="569833"/>
+                <a:gridCol w="569833"/>
+                <a:gridCol w="569833"/>
+                <a:gridCol w="569833"/>
+                <a:gridCol w="569833"/>
+                <a:gridCol w="569833"/>
+              </a:tblGrid>
+              <a:tr h="504056">
+                <a:tc>
+                  <a:txBody>
+                    <a:bodyPr/>
+                    <a:lstStyle/>
+                    <a:p>
+                      <a:pPr algn="ctr"/>
+                      <a:r>
+                        <a:rPr lang="de-CH" sz="2100" b="1" dirty="0" smtClean="0">
+                          <a:solidFill>
+                            <a:srgbClr val="008000"/>
+                          </a:solidFill>
+                        </a:rPr>
+                        <a:t>0</a:t>
+                      </a:r>
+                      <a:endParaRPr lang="de-CH" sz="2100" b="1" dirty="0">
+                        <a:solidFill>
+                          <a:srgbClr val="008000"/>
+                        </a:solidFill>
+                      </a:endParaRPr>
+                    </a:p>
+                  </a:txBody>
+                  <a:tcPr anchor="ctr"/>
+                </a:tc>
+                <a:tc>
+                  <a:txBody>
+                    <a:bodyPr/>
+                    <a:lstStyle/>
+                    <a:p>
+                      <a:pPr algn="ctr"/>
+                      <a:r>
+                        <a:rPr lang="de-CH" sz="2100" b="1" dirty="0" smtClean="0">
+                          <a:solidFill>
+                            <a:srgbClr val="C00000"/>
+                          </a:solidFill>
+                        </a:rPr>
+                        <a:t>2.2</a:t>
+                      </a:r>
+                    </a:p>
+                  </a:txBody>
+                  <a:tcPr anchor="ctr"/>
+                </a:tc>
+                <a:tc>
+                  <a:txBody>
+                    <a:bodyPr/>
+                    <a:lstStyle/>
+                    <a:p>
+                      <a:pPr algn="ctr"/>
+                      <a:r>
+                        <a:rPr lang="de-CH" sz="2100" b="1" dirty="0" smtClean="0">
+                          <a:solidFill>
+                            <a:srgbClr val="669900"/>
+                          </a:solidFill>
+                        </a:rPr>
+                        <a:t>0.7</a:t>
+                      </a:r>
+                    </a:p>
+                  </a:txBody>
+                  <a:tcPr anchor="ctr"/>
+                </a:tc>
+                <a:tc>
+                  <a:txBody>
+                    <a:bodyPr/>
+                    <a:lstStyle/>
+                    <a:p>
+                      <a:pPr algn="ctr"/>
+                      <a:r>
+                        <a:rPr lang="de-CH" sz="2100" b="1" dirty="0" smtClean="0">
+                          <a:solidFill>
+                            <a:srgbClr val="008000"/>
+                          </a:solidFill>
+                        </a:rPr>
+                        <a:t>0</a:t>
+                      </a:r>
+                      <a:endParaRPr lang="de-CH" sz="2100" b="1" dirty="0">
+                        <a:solidFill>
+                          <a:srgbClr val="008000"/>
+                        </a:solidFill>
+                      </a:endParaRPr>
+                    </a:p>
+                  </a:txBody>
+                  <a:tcPr anchor="ctr"/>
+                </a:tc>
+                <a:tc>
+                  <a:txBody>
+                    <a:bodyPr/>
+                    <a:lstStyle/>
+                    <a:p>
+                      <a:pPr algn="ctr"/>
+                      <a:r>
+                        <a:rPr lang="de-CH" sz="2100" b="1" dirty="0" smtClean="0">
+                          <a:solidFill>
+                            <a:srgbClr val="FF6600"/>
+                          </a:solidFill>
+                        </a:rPr>
+                        <a:t>2</a:t>
+                      </a:r>
+                      <a:endParaRPr lang="de-CH" sz="2100" b="1" dirty="0">
+                        <a:solidFill>
+                          <a:srgbClr val="FF6600"/>
+                        </a:solidFill>
+                      </a:endParaRPr>
+                    </a:p>
+                  </a:txBody>
+                  <a:tcPr anchor="ctr"/>
+                </a:tc>
+                <a:tc>
+                  <a:txBody>
+                    <a:bodyPr/>
+                    <a:lstStyle/>
+                    <a:p>
+                      <a:pPr algn="ctr"/>
+                      <a:r>
+                        <a:rPr lang="de-CH" sz="2100" b="1" dirty="0" smtClean="0">
+                          <a:solidFill>
+                            <a:srgbClr val="FF6600"/>
+                          </a:solidFill>
+                        </a:rPr>
+                        <a:t>2</a:t>
+                      </a:r>
+                      <a:endParaRPr lang="de-CH" sz="2100" b="1" dirty="0">
+                        <a:solidFill>
+                          <a:srgbClr val="FF6600"/>
+                        </a:solidFill>
+                      </a:endParaRPr>
+                    </a:p>
+                  </a:txBody>
+                  <a:tcPr anchor="ctr"/>
+                </a:tc>
+                <a:tc>
+                  <a:txBody>
+                    <a:bodyPr/>
+                    <a:lstStyle/>
+                    <a:p>
+                      <a:pPr algn="ctr"/>
+                      <a:r>
+                        <a:rPr lang="de-CH" sz="2100" b="1" dirty="0" smtClean="0">
+                          <a:solidFill>
+                            <a:srgbClr val="C00000"/>
+                          </a:solidFill>
+                        </a:rPr>
+                        <a:t>2.2</a:t>
+                      </a:r>
+                      <a:endParaRPr lang="de-CH" sz="2100" b="1" dirty="0">
+                        <a:solidFill>
+                          <a:srgbClr val="C00000"/>
+                        </a:solidFill>
+                      </a:endParaRPr>
+                    </a:p>
+                  </a:txBody>
+                  <a:tcPr anchor="ctr"/>
+                </a:tc>
+                <a:tc>
+                  <a:txBody>
+                    <a:bodyPr/>
+                    <a:lstStyle/>
+                    <a:p>
+                      <a:pPr algn="ctr"/>
+                      <a:r>
+                        <a:rPr lang="de-CH" sz="2100" b="1" dirty="0" smtClean="0">
+                          <a:solidFill>
+                            <a:srgbClr val="669900"/>
+                          </a:solidFill>
+                        </a:rPr>
+                        <a:t>1</a:t>
+                      </a:r>
+                      <a:endParaRPr lang="de-CH" sz="2100" b="1" dirty="0">
+                        <a:solidFill>
+                          <a:srgbClr val="669900"/>
+                        </a:solidFill>
+                      </a:endParaRPr>
+                    </a:p>
+                  </a:txBody>
+                  <a:tcPr anchor="ctr"/>
+                </a:tc>
+                <a:tc>
+                  <a:txBody>
+                    <a:bodyPr/>
+                    <a:lstStyle/>
+                    <a:p>
+                      <a:pPr algn="ctr"/>
+                      <a:r>
+                        <a:rPr lang="de-CH" sz="2100" b="1" dirty="0" smtClean="0">
+                          <a:solidFill>
+                            <a:srgbClr val="008000"/>
+                          </a:solidFill>
+                        </a:rPr>
+                        <a:t>0</a:t>
+                      </a:r>
+                      <a:endParaRPr lang="de-CH" sz="2100" b="1" dirty="0">
+                        <a:solidFill>
+                          <a:srgbClr val="008000"/>
+                        </a:solidFill>
+                      </a:endParaRPr>
+                    </a:p>
+                  </a:txBody>
+                  <a:tcPr anchor="ctr"/>
+                </a:tc>
+              </a:tr>
+            </a:tbl>
+          </a:graphicData>
+        </a:graphic>
+      </p:graphicFrame>
+      <p:sp>
+        <p:nvSpPr>
+          <p:cNvPr id="8" name="TextBox 7"/>
+          <p:cNvSpPr txBox="1"/>
+          <p:nvPr/>
+        </p:nvSpPr>
+        <p:spPr>
+          <a:xfrm>
+            <a:off x="463352" y="5654636"/>
+            <a:ext cx="1224136" cy="369332"/>
+          </a:xfrm>
+          <a:prstGeom prst="rect">
+            <a:avLst/>
+          </a:prstGeom>
+          <a:noFill/>
+        </p:spPr>
+        <p:txBody>
+          <a:bodyPr wrap="square" rtlCol="0">
+            <a:spAutoFit/>
+          </a:bodyPr>
+          <a:lstStyle/>
+          <a:p>
+            <a:r>
+              <a:rPr lang="de-CH" b="1" dirty="0" smtClean="0">
+                <a:solidFill>
+                  <a:schemeClr val="bg1"/>
+                </a:solidFill>
+              </a:rPr>
+              <a:t>Differenz</a:t>
+            </a:r>
+            <a:endParaRPr lang="de-CH" b="1" dirty="0">
+              <a:solidFill>
+                <a:schemeClr val="bg1"/>
+              </a:solidFill>
+            </a:endParaRPr>
+          </a:p>
+        </p:txBody>
+      </p:sp>
+      <p:sp>
+        <p:nvSpPr>
+          <p:cNvPr id="9" name="TextBox 8"/>
+          <p:cNvSpPr txBox="1"/>
+          <p:nvPr/>
+        </p:nvSpPr>
+        <p:spPr>
+          <a:xfrm>
+            <a:off x="465510" y="5085184"/>
+            <a:ext cx="1224136" cy="369332"/>
+          </a:xfrm>
+          <a:prstGeom prst="rect">
+            <a:avLst/>
+          </a:prstGeom>
+          <a:noFill/>
+        </p:spPr>
+        <p:txBody>
+          <a:bodyPr wrap="square" rtlCol="0">
+            <a:spAutoFit/>
+          </a:bodyPr>
+          <a:lstStyle/>
+          <a:p>
+            <a:r>
+              <a:rPr lang="de-CH" b="1" dirty="0" smtClean="0">
+                <a:solidFill>
+                  <a:schemeClr val="bg1"/>
+                </a:solidFill>
+              </a:rPr>
+              <a:t>Summe</a:t>
+            </a:r>
+            <a:endParaRPr lang="de-CH" b="1" dirty="0">
+              <a:solidFill>
+                <a:schemeClr val="bg1"/>
+              </a:solidFill>
+            </a:endParaRPr>
+          </a:p>
+        </p:txBody>
+      </p:sp>
+    </p:spTree>
+    <p:extLst>
+      <p:ext uri="{BB962C8B-B14F-4D97-AF65-F5344CB8AC3E}">
+        <p14:creationId xmlns:p14="http://schemas.microsoft.com/office/powerpoint/2010/main" val="1622913723"/>
+      </p:ext>
+    </p:extLst>
+  </p:cSld>
+  <p:clrMapOvr>
+    <a:masterClrMapping/>
+  </p:clrMapOvr>
+  <p:timing>
+    <p:tnLst>
+      <p:par>
+        <p:cTn id="1" dur="indefinite" restart="never" nodeType="tmRoot">
+          <p:childTnLst>
+            <p:seq concurrent="1" nextAc="seek">
+              <p:cTn id="2" dur="indefinite" nodeType="mainSeq">
+                <p:childTnLst>
+                  <p:par>
+                    <p:cTn id="3" fill="hold">
+                      <p:stCondLst>
+                        <p:cond delay="indefinite"/>
+                      </p:stCondLst>
+                      <p:childTnLst>
+                        <p:par>
+                          <p:cTn id="4" fill="hold">
+                            <p:stCondLst>
+                              <p:cond delay="0"/>
+                            </p:stCondLst>
+                            <p:childTnLst>
+                              <p:par>
+                                <p:cTn id="5" presetID="1" presetClass="entr" presetSubtype="0" fill="hold" grpId="0" nodeType="clickEffect">
+                                  <p:stCondLst>
+                                    <p:cond delay="0"/>
+                                  </p:stCondLst>
+                                  <p:childTnLst>
+                                    <p:set>
+                                      <p:cBhvr>
+                                        <p:cTn id="6" dur="1" fill="hold">
+                                          <p:stCondLst>
+                                            <p:cond delay="0"/>
+                                          </p:stCondLst>
+                                        </p:cTn>
+                                        <p:tgtEl>
+                                          <p:spTgt spid="9"/>
+                                        </p:tgtEl>
+                                        <p:attrNameLst>
+                                          <p:attrName>style.visibility</p:attrName>
+                                        </p:attrNameLst>
+                                      </p:cBhvr>
+                                      <p:to>
+                                        <p:strVal val="visible"/>
+                                      </p:to>
+                                    </p:set>
+                                  </p:childTnLst>
+                                </p:cTn>
+                              </p:par>
+                              <p:par>
+                                <p:cTn id="7" presetID="1" presetClass="entr" presetSubtype="0" fill="hold" nodeType="withEffect">
+                                  <p:stCondLst>
+                                    <p:cond delay="0"/>
+                                  </p:stCondLst>
+                                  <p:childTnLst>
+                                    <p:set>
+                                      <p:cBhvr>
+                                        <p:cTn id="8" dur="1" fill="hold">
+                                          <p:stCondLst>
+                                            <p:cond delay="0"/>
+                                          </p:stCondLst>
+                                        </p:cTn>
+                                        <p:tgtEl>
+                                          <p:spTgt spid="5"/>
+                                        </p:tgtEl>
+                                        <p:attrNameLst>
+                                          <p:attrName>style.visibility</p:attrName>
+                                        </p:attrNameLst>
+                                      </p:cBhvr>
+                                      <p:to>
+                                        <p:strVal val="visible"/>
+                                      </p:to>
+                                    </p:set>
+                                  </p:childTnLst>
+                                </p:cTn>
+                              </p:par>
+                            </p:childTnLst>
+                          </p:cTn>
+                        </p:par>
+                      </p:childTnLst>
+                    </p:cTn>
+                  </p:par>
+                  <p:par>
+                    <p:cTn id="9" fill="hold">
+                      <p:stCondLst>
+                        <p:cond delay="indefinite"/>
+                      </p:stCondLst>
+                      <p:childTnLst>
+                        <p:par>
+                          <p:cTn id="10" fill="hold">
+                            <p:stCondLst>
+                              <p:cond delay="0"/>
+                            </p:stCondLst>
+                            <p:childTnLst>
+                              <p:par>
+                                <p:cTn id="11" presetID="1" presetClass="entr" presetSubtype="0" fill="hold" grpId="0" nodeType="clickEffect">
+                                  <p:stCondLst>
+                                    <p:cond delay="0"/>
+                                  </p:stCondLst>
+                                  <p:childTnLst>
+                                    <p:set>
+                                      <p:cBhvr>
+                                        <p:cTn id="12" dur="1" fill="hold">
+                                          <p:stCondLst>
+                                            <p:cond delay="0"/>
+                                          </p:stCondLst>
+                                        </p:cTn>
+                                        <p:tgtEl>
+                                          <p:spTgt spid="8"/>
+                                        </p:tgtEl>
+                                        <p:attrNameLst>
+                                          <p:attrName>style.visibility</p:attrName>
+                                        </p:attrNameLst>
+                                      </p:cBhvr>
+                                      <p:to>
+                                        <p:strVal val="visible"/>
+                                      </p:to>
+                                    </p:set>
+                                  </p:childTnLst>
+                                </p:cTn>
+                              </p:par>
+                              <p:par>
+                                <p:cTn id="13" presetID="1" presetClass="entr" presetSubtype="0" fill="hold" nodeType="withEffect">
+                                  <p:stCondLst>
+                                    <p:cond delay="0"/>
+                                  </p:stCondLst>
+                                  <p:childTnLst>
+                                    <p:set>
+                                      <p:cBhvr>
+                                        <p:cTn id="14" dur="1" fill="hold">
+                                          <p:stCondLst>
+                                            <p:cond delay="0"/>
+                                          </p:stCondLst>
+                                        </p:cTn>
+                                        <p:tgtEl>
+                                          <p:spTgt spid="7"/>
+                                        </p:tgtEl>
+                                        <p:attrNameLst>
+                                          <p:attrName>style.visibility</p:attrName>
+                                        </p:attrNameLst>
+                                      </p:cBhvr>
+                                      <p:to>
+                                        <p:strVal val="visible"/>
+                                      </p:to>
+                                    </p:set>
+                                  </p:childTnLst>
+                                </p:cTn>
+                              </p:par>
+                            </p:childTnLst>
+                          </p:cTn>
+                        </p:par>
+                      </p:childTnLst>
+                    </p:cTn>
+                  </p:par>
+                </p:childTnLst>
+              </p:cTn>
+              <p:prevCondLst>
+                <p:cond evt="onPrev" delay="0">
+                  <p:tgtEl>
+                    <p:sldTgt/>
+                  </p:tgtEl>
+                </p:cond>
+              </p:prevCondLst>
+              <p:nextCondLst>
+                <p:cond evt="onNext" delay="0">
+                  <p:tgtEl>
+                    <p:sldTgt/>
+                  </p:tgtEl>
+                </p:cond>
+              </p:nextCondLst>
+            </p:seq>
+          </p:childTnLst>
+        </p:cTn>
+      </p:par>
+    </p:tnLst>
+    <p:bldLst>
+      <p:bldP spid="8" grpId="0"/>
+      <p:bldP spid="9" grpId="0"/>
+    </p:bldLst>
+  </p:timing>
+</p:sld>
+</file>
+
+<file path=ppt/slides/slide14.xml><?xml version="1.0" encoding="utf-8"?>
+<p:sld xmlns:a="http://schemas.openxmlformats.org/drawingml/2006/main" xmlns:r="http://schemas.openxmlformats.org/officeDocument/2006/relationships" xmlns:p="http://schemas.openxmlformats.org/presentationml/2006/main">
+  <p:cSld>
+    <p:spTree>
+      <p:nvGrpSpPr>
+        <p:cNvPr id="1" name=""/>
+        <p:cNvGrpSpPr/>
+        <p:nvPr/>
+      </p:nvGrpSpPr>
+      <p:grpSpPr>
+        <a:xfrm>
+          <a:off x="0" y="0"/>
+          <a:ext cx="0" cy="0"/>
+          <a:chOff x="0" y="0"/>
+          <a:chExt cx="0" cy="0"/>
+        </a:xfrm>
+      </p:grpSpPr>
+      <p:sp>
+        <p:nvSpPr>
+          <p:cNvPr id="2" name="Titel 1"/>
+          <p:cNvSpPr>
+            <a:spLocks noGrp="1"/>
+          </p:cNvSpPr>
+          <p:nvPr>
+            <p:ph type="title"/>
+          </p:nvPr>
+        </p:nvSpPr>
+        <p:spPr/>
+        <p:txBody>
+          <a:bodyPr>
+            <a:normAutofit fontScale="90000"/>
+          </a:bodyPr>
+          <a:lstStyle/>
+          <a:p>
+            <a:r>
+              <a:rPr lang="de-CH" dirty="0" smtClean="0"/>
+              <a:t>Auswertungsalgorithmus</a:t>
+            </a:r>
+            <a:endParaRPr lang="de-CH" dirty="0"/>
+          </a:p>
+        </p:txBody>
+      </p:sp>
+      <p:sp>
+        <p:nvSpPr>
+          <p:cNvPr id="3" name="Inhaltsplatzhalter 2"/>
+          <p:cNvSpPr>
+            <a:spLocks noGrp="1"/>
+          </p:cNvSpPr>
+          <p:nvPr>
+            <p:ph idx="1"/>
+          </p:nvPr>
+        </p:nvSpPr>
+        <p:spPr/>
+        <p:txBody>
+          <a:bodyPr/>
+          <a:lstStyle/>
+          <a:p>
+            <a:r>
+              <a:rPr lang="de-CH" dirty="0" smtClean="0"/>
+              <a:t>Berechnung des </a:t>
+            </a:r>
+            <a:r>
+              <a:rPr lang="de-CH" dirty="0" err="1" smtClean="0"/>
+              <a:t>Kenterwertes</a:t>
+            </a:r>
+            <a:endParaRPr lang="de-CH" dirty="0" smtClean="0"/>
+          </a:p>
+        </p:txBody>
+      </p:sp>
+      <p:pic>
+        <p:nvPicPr>
+          <p:cNvPr id="2051" name="Picture 3" descr="C:\admin\github\squarefeed\Documents\Design\shipScreenShot3.PNG"/>
+          <p:cNvPicPr>
+            <a:picLocks noChangeAspect="1" noChangeArrowheads="1"/>
+          </p:cNvPicPr>
+          <p:nvPr/>
+        </p:nvPicPr>
+        <p:blipFill>
+          <a:blip r:embed="rId2">
+            <a:extLst>
+              <a:ext uri="{28A0092B-C50C-407E-A947-70E740481C1C}">
+                <a14:useLocalDpi xmlns:a14="http://schemas.microsoft.com/office/drawing/2010/main" val="0"/>
+              </a:ext>
+            </a:extLst>
+          </a:blip>
+          <a:srcRect/>
+          <a:stretch>
+            <a:fillRect/>
+          </a:stretch>
+        </p:blipFill>
+        <p:spPr bwMode="auto">
+          <a:xfrm>
+            <a:off x="539552" y="2060848"/>
+            <a:ext cx="8016875" cy="4054475"/>
+          </a:xfrm>
+          <a:prstGeom prst="rect">
+            <a:avLst/>
+          </a:prstGeom>
+          <a:noFill/>
+          <a:extLst>
+            <a:ext uri="{909E8E84-426E-40DD-AFC4-6F175D3DCCD1}">
+              <a14:hiddenFill xmlns:a14="http://schemas.microsoft.com/office/drawing/2010/main">
+                <a:solidFill>
+                  <a:srgbClr val="FFFFFF"/>
+                </a:solidFill>
+              </a14:hiddenFill>
+            </a:ext>
+          </a:extLst>
+        </p:spPr>
+      </p:pic>
+      <p:graphicFrame>
+        <p:nvGraphicFramePr>
+          <p:cNvPr id="4" name="Table 3"/>
+          <p:cNvGraphicFramePr>
+            <a:graphicFrameLocks noGrp="1"/>
+          </p:cNvGraphicFramePr>
+          <p:nvPr>
+            <p:extLst>
+              <p:ext uri="{D42A27DB-BD31-4B8C-83A1-F6EECF244321}">
+                <p14:modId xmlns:p14="http://schemas.microsoft.com/office/powerpoint/2010/main" val="1289309395"/>
+              </p:ext>
+            </p:extLst>
+          </p:nvPr>
+        </p:nvGraphicFramePr>
+        <p:xfrm>
+          <a:off x="1488280" y="2679700"/>
+          <a:ext cx="5691190" cy="2273300"/>
+        </p:xfrm>
+        <a:graphic>
+          <a:graphicData uri="http://schemas.openxmlformats.org/drawingml/2006/table">
+            <a:tbl>
+              <a:tblPr firstRow="1" bandRow="1">
+                <a:tableStyleId>{5940675A-B579-460E-94D1-54222C63F5DA}</a:tableStyleId>
+              </a:tblPr>
+              <a:tblGrid>
+                <a:gridCol w="569119"/>
+                <a:gridCol w="569119"/>
+                <a:gridCol w="569119"/>
+                <a:gridCol w="569119"/>
+                <a:gridCol w="569119"/>
+                <a:gridCol w="569119"/>
+                <a:gridCol w="569119"/>
+                <a:gridCol w="569119"/>
+                <a:gridCol w="569119"/>
+                <a:gridCol w="569119"/>
+              </a:tblGrid>
+              <a:tr h="568325">
+                <a:tc>
+                  <a:txBody>
+                    <a:bodyPr/>
+                    <a:lstStyle/>
+                    <a:p>
+                      <a:pPr algn="ctr"/>
+                      <a:r>
+                        <a:rPr lang="de-CH" b="1" dirty="0" smtClean="0">
+                          <a:solidFill>
+                            <a:schemeClr val="bg1"/>
+                          </a:solidFill>
+                        </a:rPr>
+                        <a:t>0</a:t>
+                      </a:r>
+                      <a:endParaRPr lang="de-CH" b="1" dirty="0">
+                        <a:solidFill>
+                          <a:schemeClr val="bg1"/>
+                        </a:solidFill>
+                      </a:endParaRPr>
+                    </a:p>
+                  </a:txBody>
+                  <a:tcPr anchor="ctr"/>
+                </a:tc>
+                <a:tc>
+                  <a:txBody>
+                    <a:bodyPr/>
+                    <a:lstStyle/>
+                    <a:p>
+                      <a:pPr algn="ctr"/>
+                      <a:r>
+                        <a:rPr lang="de-CH" b="1" dirty="0" smtClean="0">
+                          <a:solidFill>
+                            <a:schemeClr val="bg1"/>
+                          </a:solidFill>
+                        </a:rPr>
+                        <a:t>0</a:t>
+                      </a:r>
+                      <a:endParaRPr lang="de-CH" b="1" dirty="0">
+                        <a:solidFill>
+                          <a:schemeClr val="bg1"/>
+                        </a:solidFill>
+                      </a:endParaRPr>
+                    </a:p>
+                  </a:txBody>
+                  <a:tcPr anchor="ctr"/>
+                </a:tc>
+                <a:tc>
+                  <a:txBody>
+                    <a:bodyPr/>
+                    <a:lstStyle/>
+                    <a:p>
+                      <a:pPr algn="ctr"/>
+                      <a:r>
+                        <a:rPr lang="de-CH" b="1" dirty="0" smtClean="0">
+                          <a:solidFill>
+                            <a:schemeClr val="bg1"/>
+                          </a:solidFill>
+                        </a:rPr>
+                        <a:t>6/5</a:t>
+                      </a:r>
+                      <a:endParaRPr lang="de-CH" b="1" dirty="0">
+                        <a:solidFill>
+                          <a:schemeClr val="bg1"/>
+                        </a:solidFill>
+                      </a:endParaRPr>
+                    </a:p>
+                  </a:txBody>
+                  <a:tcPr anchor="ctr"/>
+                </a:tc>
+                <a:tc>
+                  <a:txBody>
+                    <a:bodyPr/>
+                    <a:lstStyle/>
+                    <a:p>
+                      <a:pPr algn="ctr"/>
+                      <a:r>
+                        <a:rPr lang="de-CH" b="1" dirty="0" smtClean="0">
+                          <a:solidFill>
+                            <a:schemeClr val="bg1"/>
+                          </a:solidFill>
+                        </a:rPr>
+                        <a:t>6/5</a:t>
+                      </a:r>
+                      <a:endParaRPr lang="de-CH" b="1" dirty="0">
+                        <a:solidFill>
+                          <a:schemeClr val="bg1"/>
+                        </a:solidFill>
+                      </a:endParaRPr>
+                    </a:p>
+                  </a:txBody>
+                  <a:tcPr anchor="ctr"/>
+                </a:tc>
+                <a:tc>
+                  <a:txBody>
+                    <a:bodyPr/>
+                    <a:lstStyle/>
+                    <a:p>
+                      <a:pPr algn="ctr"/>
+                      <a:r>
+                        <a:rPr lang="de-CH" b="1" dirty="0" smtClean="0">
+                          <a:solidFill>
+                            <a:schemeClr val="bg1"/>
+                          </a:solidFill>
+                        </a:rPr>
+                        <a:t>6/5</a:t>
+                      </a:r>
+                      <a:endParaRPr lang="de-CH" b="1" dirty="0">
+                        <a:solidFill>
+                          <a:schemeClr val="bg1"/>
+                        </a:solidFill>
+                      </a:endParaRPr>
+                    </a:p>
+                  </a:txBody>
+                  <a:tcPr anchor="ctr"/>
+                </a:tc>
+                <a:tc>
+                  <a:txBody>
+                    <a:bodyPr/>
+                    <a:lstStyle/>
+                    <a:p>
+                      <a:pPr algn="ctr"/>
+                      <a:r>
+                        <a:rPr lang="de-CH" b="1" dirty="0" smtClean="0">
+                          <a:solidFill>
+                            <a:schemeClr val="bg1"/>
+                          </a:solidFill>
+                        </a:rPr>
+                        <a:t>6/5</a:t>
+                      </a:r>
+                      <a:endParaRPr lang="de-CH" b="1" dirty="0">
+                        <a:solidFill>
+                          <a:schemeClr val="bg1"/>
+                        </a:solidFill>
+                      </a:endParaRPr>
+                    </a:p>
+                  </a:txBody>
+                  <a:tcPr anchor="ctr"/>
+                </a:tc>
+                <a:tc>
+                  <a:txBody>
+                    <a:bodyPr/>
+                    <a:lstStyle/>
+                    <a:p>
+                      <a:pPr algn="ctr"/>
+                      <a:r>
+                        <a:rPr lang="de-CH" b="1" dirty="0" smtClean="0">
+                          <a:solidFill>
+                            <a:schemeClr val="bg1"/>
+                          </a:solidFill>
+                        </a:rPr>
+                        <a:t>6/5</a:t>
+                      </a:r>
+                      <a:endParaRPr lang="de-CH" b="1" dirty="0">
+                        <a:solidFill>
+                          <a:schemeClr val="bg1"/>
+                        </a:solidFill>
+                      </a:endParaRPr>
+                    </a:p>
+                  </a:txBody>
+                  <a:tcPr anchor="ctr"/>
+                </a:tc>
+                <a:tc>
+                  <a:txBody>
+                    <a:bodyPr/>
+                    <a:lstStyle/>
+                    <a:p>
+                      <a:pPr algn="ctr"/>
+                      <a:r>
+                        <a:rPr lang="de-CH" b="1" dirty="0" smtClean="0">
+                          <a:solidFill>
+                            <a:schemeClr val="bg1"/>
+                          </a:solidFill>
+                        </a:rPr>
+                        <a:t>0</a:t>
+                      </a:r>
+                      <a:endParaRPr lang="de-CH" b="1" dirty="0">
+                        <a:solidFill>
+                          <a:schemeClr val="bg1"/>
+                        </a:solidFill>
+                      </a:endParaRPr>
+                    </a:p>
+                  </a:txBody>
+                  <a:tcPr anchor="ctr"/>
+                </a:tc>
+                <a:tc>
+                  <a:txBody>
+                    <a:bodyPr/>
+                    <a:lstStyle/>
+                    <a:p>
+                      <a:pPr algn="ctr"/>
+                      <a:r>
+                        <a:rPr lang="de-CH" b="1" dirty="0" smtClean="0">
+                          <a:solidFill>
+                            <a:schemeClr val="bg1"/>
+                          </a:solidFill>
+                        </a:rPr>
+                        <a:t>0</a:t>
+                      </a:r>
+                      <a:endParaRPr lang="de-CH" b="1" dirty="0">
+                        <a:solidFill>
+                          <a:schemeClr val="bg1"/>
+                        </a:solidFill>
+                      </a:endParaRPr>
+                    </a:p>
+                  </a:txBody>
+                  <a:tcPr anchor="ctr"/>
+                </a:tc>
+                <a:tc>
+                  <a:txBody>
+                    <a:bodyPr/>
+                    <a:lstStyle/>
+                    <a:p>
+                      <a:pPr algn="ctr"/>
+                      <a:r>
+                        <a:rPr lang="de-CH" b="1" dirty="0" smtClean="0">
+                          <a:solidFill>
+                            <a:schemeClr val="bg1"/>
+                          </a:solidFill>
+                        </a:rPr>
+                        <a:t>0</a:t>
+                      </a:r>
+                      <a:endParaRPr lang="de-CH" b="1" dirty="0">
+                        <a:solidFill>
+                          <a:schemeClr val="bg1"/>
+                        </a:solidFill>
+                      </a:endParaRPr>
+                    </a:p>
+                  </a:txBody>
+                  <a:tcPr anchor="ctr"/>
+                </a:tc>
+              </a:tr>
+              <a:tr h="568325">
+                <a:tc>
+                  <a:txBody>
+                    <a:bodyPr/>
+                    <a:lstStyle/>
+                    <a:p>
+                      <a:pPr algn="ctr"/>
+                      <a:r>
+                        <a:rPr lang="de-CH" b="1" dirty="0" smtClean="0">
+                          <a:solidFill>
+                            <a:schemeClr val="bg1"/>
+                          </a:solidFill>
+                        </a:rPr>
+                        <a:t>0</a:t>
+                      </a:r>
+                      <a:endParaRPr lang="de-CH" b="1" dirty="0">
+                        <a:solidFill>
+                          <a:schemeClr val="bg1"/>
+                        </a:solidFill>
+                      </a:endParaRPr>
+                    </a:p>
+                  </a:txBody>
+                  <a:tcPr anchor="ctr"/>
+                </a:tc>
+                <a:tc>
+                  <a:txBody>
+                    <a:bodyPr/>
+                    <a:lstStyle/>
+                    <a:p>
+                      <a:pPr algn="ctr"/>
+                      <a:r>
+                        <a:rPr lang="de-CH" b="1" dirty="0" smtClean="0">
+                          <a:solidFill>
+                            <a:schemeClr val="bg1"/>
+                          </a:solidFill>
+                        </a:rPr>
+                        <a:t>0</a:t>
+                      </a:r>
+                      <a:endParaRPr lang="de-CH" b="1" dirty="0">
+                        <a:solidFill>
+                          <a:schemeClr val="bg1"/>
+                        </a:solidFill>
+                      </a:endParaRPr>
+                    </a:p>
+                  </a:txBody>
+                  <a:tcPr anchor="ctr"/>
+                </a:tc>
+                <a:tc>
+                  <a:txBody>
+                    <a:bodyPr/>
+                    <a:lstStyle/>
+                    <a:p>
+                      <a:pPr algn="ctr"/>
+                      <a:r>
+                        <a:rPr lang="de-CH" b="1" dirty="0" smtClean="0">
+                          <a:solidFill>
+                            <a:schemeClr val="bg1"/>
+                          </a:solidFill>
+                        </a:rPr>
+                        <a:t>1</a:t>
+                      </a:r>
+                      <a:endParaRPr lang="de-CH" b="1" dirty="0">
+                        <a:solidFill>
+                          <a:schemeClr val="bg1"/>
+                        </a:solidFill>
+                      </a:endParaRPr>
+                    </a:p>
+                  </a:txBody>
+                  <a:tcPr anchor="ctr"/>
+                </a:tc>
+                <a:tc>
+                  <a:txBody>
+                    <a:bodyPr/>
+                    <a:lstStyle/>
+                    <a:p>
+                      <a:pPr algn="ctr"/>
+                      <a:r>
+                        <a:rPr lang="de-CH" b="1" dirty="0" smtClean="0">
+                          <a:solidFill>
+                            <a:schemeClr val="bg1"/>
+                          </a:solidFill>
+                        </a:rPr>
+                        <a:t>1</a:t>
+                      </a:r>
+                      <a:endParaRPr lang="de-CH" b="1" dirty="0">
+                        <a:solidFill>
+                          <a:schemeClr val="bg1"/>
+                        </a:solidFill>
+                      </a:endParaRPr>
+                    </a:p>
+                  </a:txBody>
+                  <a:tcPr anchor="ctr"/>
+                </a:tc>
+                <a:tc>
+                  <a:txBody>
+                    <a:bodyPr/>
+                    <a:lstStyle/>
+                    <a:p>
+                      <a:pPr algn="ctr"/>
+                      <a:r>
+                        <a:rPr lang="de-CH" b="1" dirty="0" smtClean="0">
+                          <a:solidFill>
+                            <a:schemeClr val="bg1"/>
+                          </a:solidFill>
+                        </a:rPr>
+                        <a:t>1</a:t>
+                      </a:r>
+                      <a:endParaRPr lang="de-CH" b="1" dirty="0">
+                        <a:solidFill>
+                          <a:schemeClr val="bg1"/>
+                        </a:solidFill>
+                      </a:endParaRPr>
+                    </a:p>
+                  </a:txBody>
+                  <a:tcPr anchor="ctr"/>
+                </a:tc>
+                <a:tc>
+                  <a:txBody>
+                    <a:bodyPr/>
+                    <a:lstStyle/>
+                    <a:p>
+                      <a:pPr algn="ctr"/>
+                      <a:r>
+                        <a:rPr lang="de-CH" b="1" dirty="0" smtClean="0">
+                          <a:solidFill>
+                            <a:schemeClr val="bg1"/>
+                          </a:solidFill>
+                        </a:rPr>
+                        <a:t>1</a:t>
+                      </a:r>
+                      <a:endParaRPr lang="de-CH" b="1" dirty="0">
+                        <a:solidFill>
+                          <a:schemeClr val="bg1"/>
+                        </a:solidFill>
+                      </a:endParaRPr>
+                    </a:p>
+                  </a:txBody>
+                  <a:tcPr anchor="ctr"/>
+                </a:tc>
+                <a:tc>
+                  <a:txBody>
+                    <a:bodyPr/>
+                    <a:lstStyle/>
+                    <a:p>
+                      <a:pPr algn="ctr"/>
+                      <a:r>
+                        <a:rPr lang="de-CH" b="1" dirty="0" smtClean="0">
+                          <a:solidFill>
+                            <a:schemeClr val="bg1"/>
+                          </a:solidFill>
+                        </a:rPr>
+                        <a:t>1</a:t>
+                      </a:r>
+                      <a:endParaRPr lang="de-CH" b="1" dirty="0">
+                        <a:solidFill>
+                          <a:schemeClr val="bg1"/>
+                        </a:solidFill>
+                      </a:endParaRPr>
+                    </a:p>
+                  </a:txBody>
+                  <a:tcPr anchor="ctr"/>
+                </a:tc>
+                <a:tc>
+                  <a:txBody>
+                    <a:bodyPr/>
+                    <a:lstStyle/>
+                    <a:p>
+                      <a:pPr algn="ctr"/>
+                      <a:r>
+                        <a:rPr lang="de-CH" b="1" dirty="0" smtClean="0">
+                          <a:solidFill>
+                            <a:schemeClr val="bg1"/>
+                          </a:solidFill>
+                        </a:rPr>
+                        <a:t>0</a:t>
+                      </a:r>
+                      <a:endParaRPr lang="de-CH" b="1" dirty="0">
+                        <a:solidFill>
+                          <a:schemeClr val="bg1"/>
+                        </a:solidFill>
+                      </a:endParaRPr>
+                    </a:p>
+                  </a:txBody>
+                  <a:tcPr anchor="ctr"/>
+                </a:tc>
+                <a:tc>
+                  <a:txBody>
+                    <a:bodyPr/>
+                    <a:lstStyle/>
+                    <a:p>
+                      <a:pPr algn="ctr"/>
+                      <a:r>
+                        <a:rPr lang="de-CH" b="1" dirty="0" smtClean="0">
+                          <a:solidFill>
+                            <a:schemeClr val="bg1"/>
+                          </a:solidFill>
+                        </a:rPr>
+                        <a:t>0</a:t>
+                      </a:r>
+                      <a:endParaRPr lang="de-CH" b="1" dirty="0">
+                        <a:solidFill>
+                          <a:schemeClr val="bg1"/>
+                        </a:solidFill>
+                      </a:endParaRPr>
+                    </a:p>
+                  </a:txBody>
+                  <a:tcPr anchor="ctr"/>
+                </a:tc>
+                <a:tc>
+                  <a:txBody>
+                    <a:bodyPr/>
+                    <a:lstStyle/>
+                    <a:p>
+                      <a:pPr algn="ctr"/>
+                      <a:r>
+                        <a:rPr lang="de-CH" b="1" dirty="0" smtClean="0">
+                          <a:solidFill>
+                            <a:schemeClr val="bg1"/>
+                          </a:solidFill>
+                        </a:rPr>
+                        <a:t>0</a:t>
+                      </a:r>
+                      <a:endParaRPr lang="de-CH" b="1" dirty="0">
+                        <a:solidFill>
+                          <a:schemeClr val="bg1"/>
+                        </a:solidFill>
+                      </a:endParaRPr>
+                    </a:p>
+                  </a:txBody>
+                  <a:tcPr anchor="ctr"/>
+                </a:tc>
+              </a:tr>
+              <a:tr h="568325">
+                <a:tc>
+                  <a:txBody>
+                    <a:bodyPr/>
+                    <a:lstStyle/>
+                    <a:p>
+                      <a:pPr algn="ctr"/>
+                      <a:r>
+                        <a:rPr lang="de-CH" b="1" dirty="0" smtClean="0">
+                          <a:solidFill>
+                            <a:schemeClr val="bg1"/>
+                          </a:solidFill>
+                        </a:rPr>
+                        <a:t>1</a:t>
+                      </a:r>
+                      <a:endParaRPr lang="de-CH" b="1" dirty="0">
+                        <a:solidFill>
+                          <a:schemeClr val="bg1"/>
+                        </a:solidFill>
+                      </a:endParaRPr>
+                    </a:p>
+                  </a:txBody>
+                  <a:tcPr anchor="ctr"/>
+                </a:tc>
+                <a:tc>
+                  <a:txBody>
+                    <a:bodyPr/>
+                    <a:lstStyle/>
+                    <a:p>
+                      <a:pPr algn="ctr"/>
+                      <a:r>
+                        <a:rPr lang="de-CH" b="1" dirty="0" smtClean="0">
+                          <a:solidFill>
+                            <a:schemeClr val="bg1"/>
+                          </a:solidFill>
+                        </a:rPr>
+                        <a:t>1</a:t>
+                      </a:r>
+                      <a:endParaRPr lang="de-CH" b="1" dirty="0">
+                        <a:solidFill>
+                          <a:schemeClr val="bg1"/>
+                        </a:solidFill>
+                      </a:endParaRPr>
+                    </a:p>
+                  </a:txBody>
+                  <a:tcPr anchor="ctr"/>
+                </a:tc>
+                <a:tc>
+                  <a:txBody>
+                    <a:bodyPr/>
+                    <a:lstStyle/>
+                    <a:p>
+                      <a:pPr algn="ctr"/>
+                      <a:r>
+                        <a:rPr lang="de-CH" b="1" dirty="0" smtClean="0">
+                          <a:solidFill>
+                            <a:schemeClr val="bg1"/>
+                          </a:solidFill>
+                        </a:rPr>
+                        <a:t>1</a:t>
+                      </a:r>
+                      <a:endParaRPr lang="de-CH" b="1" dirty="0">
+                        <a:solidFill>
+                          <a:schemeClr val="bg1"/>
+                        </a:solidFill>
+                      </a:endParaRPr>
+                    </a:p>
+                  </a:txBody>
+                  <a:tcPr anchor="ctr"/>
+                </a:tc>
+                <a:tc>
+                  <a:txBody>
+                    <a:bodyPr/>
+                    <a:lstStyle/>
+                    <a:p>
+                      <a:pPr algn="ctr"/>
+                      <a:r>
+                        <a:rPr lang="de-CH" b="1" dirty="0" smtClean="0">
+                          <a:solidFill>
+                            <a:schemeClr val="bg1"/>
+                          </a:solidFill>
+                        </a:rPr>
+                        <a:t>1</a:t>
+                      </a:r>
+                      <a:endParaRPr lang="de-CH" b="1" dirty="0">
+                        <a:solidFill>
+                          <a:schemeClr val="bg1"/>
+                        </a:solidFill>
+                      </a:endParaRPr>
+                    </a:p>
+                  </a:txBody>
+                  <a:tcPr anchor="ctr"/>
+                </a:tc>
+                <a:tc>
+                  <a:txBody>
+                    <a:bodyPr/>
+                    <a:lstStyle/>
+                    <a:p>
+                      <a:pPr algn="ctr"/>
+                      <a:r>
+                        <a:rPr lang="de-CH" b="1" dirty="0" smtClean="0">
+                          <a:solidFill>
+                            <a:schemeClr val="bg1"/>
+                          </a:solidFill>
+                        </a:rPr>
+                        <a:t>1</a:t>
+                      </a:r>
+                      <a:endParaRPr lang="de-CH" b="1" dirty="0">
+                        <a:solidFill>
+                          <a:schemeClr val="bg1"/>
+                        </a:solidFill>
+                      </a:endParaRPr>
+                    </a:p>
+                  </a:txBody>
+                  <a:tcPr anchor="ctr"/>
+                </a:tc>
+                <a:tc>
+                  <a:txBody>
+                    <a:bodyPr/>
+                    <a:lstStyle/>
+                    <a:p>
+                      <a:pPr algn="ctr"/>
+                      <a:r>
+                        <a:rPr lang="de-CH" b="1" dirty="0" smtClean="0">
+                          <a:solidFill>
+                            <a:schemeClr val="bg1"/>
+                          </a:solidFill>
+                        </a:rPr>
+                        <a:t>1</a:t>
+                      </a:r>
+                      <a:endParaRPr lang="de-CH" b="1" dirty="0">
+                        <a:solidFill>
+                          <a:schemeClr val="bg1"/>
+                        </a:solidFill>
+                      </a:endParaRPr>
+                    </a:p>
+                  </a:txBody>
+                  <a:tcPr anchor="ctr"/>
+                </a:tc>
+                <a:tc>
+                  <a:txBody>
+                    <a:bodyPr/>
+                    <a:lstStyle/>
+                    <a:p>
+                      <a:pPr algn="ctr"/>
+                      <a:r>
+                        <a:rPr lang="de-CH" b="1" dirty="0" smtClean="0">
+                          <a:solidFill>
+                            <a:schemeClr val="bg1"/>
+                          </a:solidFill>
+                        </a:rPr>
+                        <a:t>1</a:t>
+                      </a:r>
+                      <a:endParaRPr lang="de-CH" b="1" dirty="0">
+                        <a:solidFill>
+                          <a:schemeClr val="bg1"/>
+                        </a:solidFill>
+                      </a:endParaRPr>
+                    </a:p>
+                  </a:txBody>
+                  <a:tcPr anchor="ctr"/>
+                </a:tc>
+                <a:tc>
+                  <a:txBody>
+                    <a:bodyPr/>
+                    <a:lstStyle/>
+                    <a:p>
+                      <a:pPr algn="ctr"/>
+                      <a:r>
+                        <a:rPr lang="de-CH" b="1" dirty="0" smtClean="0">
+                          <a:solidFill>
+                            <a:schemeClr val="bg1"/>
+                          </a:solidFill>
+                        </a:rPr>
+                        <a:t>1</a:t>
+                      </a:r>
+                      <a:endParaRPr lang="de-CH" b="1" dirty="0">
+                        <a:solidFill>
+                          <a:schemeClr val="bg1"/>
+                        </a:solidFill>
+                      </a:endParaRPr>
+                    </a:p>
+                  </a:txBody>
+                  <a:tcPr anchor="ctr"/>
+                </a:tc>
+                <a:tc>
+                  <a:txBody>
+                    <a:bodyPr/>
+                    <a:lstStyle/>
+                    <a:p>
+                      <a:pPr algn="ctr"/>
+                      <a:r>
+                        <a:rPr lang="de-CH" b="1" dirty="0" smtClean="0">
+                          <a:solidFill>
+                            <a:schemeClr val="bg1"/>
+                          </a:solidFill>
+                        </a:rPr>
+                        <a:t>0</a:t>
+                      </a:r>
+                      <a:endParaRPr lang="de-CH" b="1" dirty="0">
+                        <a:solidFill>
+                          <a:schemeClr val="bg1"/>
+                        </a:solidFill>
+                      </a:endParaRPr>
+                    </a:p>
+                  </a:txBody>
+                  <a:tcPr anchor="ctr"/>
+                </a:tc>
+                <a:tc>
+                  <a:txBody>
+                    <a:bodyPr/>
+                    <a:lstStyle/>
+                    <a:p>
+                      <a:pPr algn="ctr"/>
+                      <a:r>
+                        <a:rPr lang="de-CH" b="1" dirty="0" smtClean="0">
+                          <a:solidFill>
+                            <a:schemeClr val="bg1"/>
+                          </a:solidFill>
+                        </a:rPr>
+                        <a:t>0</a:t>
+                      </a:r>
+                      <a:endParaRPr lang="de-CH" b="1" dirty="0">
+                        <a:solidFill>
+                          <a:schemeClr val="bg1"/>
+                        </a:solidFill>
+                      </a:endParaRPr>
+                    </a:p>
+                  </a:txBody>
+                  <a:tcPr anchor="ctr"/>
+                </a:tc>
+              </a:tr>
+              <a:tr h="568325">
+                <a:tc>
+                  <a:txBody>
+                    <a:bodyPr/>
+                    <a:lstStyle/>
+                    <a:p>
+                      <a:pPr algn="ctr"/>
+                      <a:r>
+                        <a:rPr lang="de-CH" b="1" dirty="0" smtClean="0">
+                          <a:solidFill>
+                            <a:schemeClr val="bg1"/>
+                          </a:solidFill>
+                        </a:rPr>
+                        <a:t>1/3</a:t>
+                      </a:r>
+                      <a:endParaRPr lang="de-CH" b="1" dirty="0">
+                        <a:solidFill>
+                          <a:schemeClr val="bg1"/>
+                        </a:solidFill>
+                      </a:endParaRPr>
+                    </a:p>
+                  </a:txBody>
+                  <a:tcPr anchor="ctr"/>
+                </a:tc>
+                <a:tc>
+                  <a:txBody>
+                    <a:bodyPr/>
+                    <a:lstStyle/>
+                    <a:p>
+                      <a:pPr algn="ctr"/>
+                      <a:r>
+                        <a:rPr lang="de-CH" b="1" dirty="0" smtClean="0">
+                          <a:solidFill>
+                            <a:schemeClr val="bg1"/>
+                          </a:solidFill>
+                        </a:rPr>
+                        <a:t>1/3</a:t>
+                      </a:r>
+                      <a:endParaRPr lang="de-CH" b="1" dirty="0">
+                        <a:solidFill>
+                          <a:schemeClr val="bg1"/>
+                        </a:solidFill>
+                      </a:endParaRPr>
+                    </a:p>
+                  </a:txBody>
+                  <a:tcPr anchor="ctr"/>
+                </a:tc>
+                <a:tc>
+                  <a:txBody>
+                    <a:bodyPr/>
+                    <a:lstStyle/>
+                    <a:p>
+                      <a:pPr algn="ctr"/>
+                      <a:r>
+                        <a:rPr lang="de-CH" b="1" dirty="0" smtClean="0">
+                          <a:solidFill>
+                            <a:schemeClr val="bg1"/>
+                          </a:solidFill>
+                        </a:rPr>
+                        <a:t>1/3</a:t>
+                      </a:r>
+                    </a:p>
+                  </a:txBody>
+                  <a:tcPr anchor="ctr"/>
+                </a:tc>
+                <a:tc>
+                  <a:txBody>
+                    <a:bodyPr/>
+                    <a:lstStyle/>
+                    <a:p>
+                      <a:pPr algn="ctr"/>
+                      <a:r>
+                        <a:rPr lang="de-CH" b="1" dirty="0" smtClean="0">
+                          <a:solidFill>
+                            <a:schemeClr val="bg1"/>
+                          </a:solidFill>
+                        </a:rPr>
+                        <a:t>1</a:t>
+                      </a:r>
+                      <a:endParaRPr lang="de-CH" b="1" dirty="0">
+                        <a:solidFill>
+                          <a:schemeClr val="bg1"/>
+                        </a:solidFill>
+                      </a:endParaRPr>
+                    </a:p>
+                  </a:txBody>
+                  <a:tcPr anchor="ctr"/>
+                </a:tc>
+                <a:tc>
+                  <a:txBody>
+                    <a:bodyPr/>
+                    <a:lstStyle/>
+                    <a:p>
+                      <a:pPr algn="ctr"/>
+                      <a:r>
+                        <a:rPr lang="de-CH" b="1" dirty="0" smtClean="0">
+                          <a:solidFill>
+                            <a:schemeClr val="bg1"/>
+                          </a:solidFill>
+                        </a:rPr>
+                        <a:t>1</a:t>
+                      </a:r>
+                      <a:endParaRPr lang="de-CH" b="1" dirty="0">
+                        <a:solidFill>
+                          <a:schemeClr val="bg1"/>
+                        </a:solidFill>
+                      </a:endParaRPr>
+                    </a:p>
+                  </a:txBody>
+                  <a:tcPr anchor="ctr"/>
+                </a:tc>
+                <a:tc>
+                  <a:txBody>
+                    <a:bodyPr/>
+                    <a:lstStyle/>
+                    <a:p>
+                      <a:pPr algn="ctr"/>
+                      <a:r>
+                        <a:rPr lang="de-CH" b="1" dirty="0" smtClean="0">
+                          <a:solidFill>
+                            <a:schemeClr val="bg1"/>
+                          </a:solidFill>
+                        </a:rPr>
+                        <a:t>3</a:t>
+                      </a:r>
+                      <a:endParaRPr lang="de-CH" b="1" dirty="0">
+                        <a:solidFill>
+                          <a:schemeClr val="bg1"/>
+                        </a:solidFill>
+                      </a:endParaRPr>
+                    </a:p>
+                  </a:txBody>
+                  <a:tcPr anchor="ctr"/>
+                </a:tc>
+                <a:tc>
+                  <a:txBody>
+                    <a:bodyPr/>
+                    <a:lstStyle/>
+                    <a:p>
+                      <a:pPr algn="ctr"/>
+                      <a:r>
+                        <a:rPr lang="de-CH" b="1" dirty="0" smtClean="0">
+                          <a:solidFill>
+                            <a:schemeClr val="bg1"/>
+                          </a:solidFill>
+                        </a:rPr>
+                        <a:t>1</a:t>
+                      </a:r>
+                      <a:endParaRPr lang="de-CH" b="1" dirty="0">
+                        <a:solidFill>
+                          <a:schemeClr val="bg1"/>
+                        </a:solidFill>
+                      </a:endParaRPr>
+                    </a:p>
+                  </a:txBody>
+                  <a:tcPr anchor="ctr"/>
+                </a:tc>
+                <a:tc>
+                  <a:txBody>
+                    <a:bodyPr/>
+                    <a:lstStyle/>
+                    <a:p>
+                      <a:pPr algn="ctr"/>
+                      <a:r>
+                        <a:rPr lang="de-CH" b="1" dirty="0" smtClean="0">
+                          <a:solidFill>
+                            <a:schemeClr val="bg1"/>
+                          </a:solidFill>
+                        </a:rPr>
+                        <a:t>1</a:t>
+                      </a:r>
+                      <a:endParaRPr lang="de-CH" b="1" dirty="0">
+                        <a:solidFill>
+                          <a:schemeClr val="bg1"/>
+                        </a:solidFill>
+                      </a:endParaRPr>
+                    </a:p>
+                  </a:txBody>
+                  <a:tcPr anchor="ctr"/>
+                </a:tc>
+                <a:tc>
+                  <a:txBody>
+                    <a:bodyPr/>
+                    <a:lstStyle/>
+                    <a:p>
+                      <a:pPr algn="ctr"/>
+                      <a:r>
+                        <a:rPr lang="de-CH" b="1" dirty="0" smtClean="0">
+                          <a:solidFill>
+                            <a:schemeClr val="bg1"/>
+                          </a:solidFill>
+                        </a:rPr>
+                        <a:t>1</a:t>
+                      </a:r>
+                      <a:endParaRPr lang="de-CH" b="1" dirty="0">
+                        <a:solidFill>
+                          <a:schemeClr val="bg1"/>
+                        </a:solidFill>
+                      </a:endParaRPr>
+                    </a:p>
+                  </a:txBody>
+                  <a:tcPr anchor="ctr"/>
+                </a:tc>
+                <a:tc>
+                  <a:txBody>
+                    <a:bodyPr/>
+                    <a:lstStyle/>
+                    <a:p>
+                      <a:pPr algn="ctr"/>
+                      <a:r>
+                        <a:rPr lang="de-CH" b="1" dirty="0" smtClean="0">
+                          <a:solidFill>
+                            <a:schemeClr val="bg1"/>
+                          </a:solidFill>
+                        </a:rPr>
+                        <a:t>1</a:t>
+                      </a:r>
+                      <a:endParaRPr lang="de-CH" b="1" dirty="0">
+                        <a:solidFill>
+                          <a:schemeClr val="bg1"/>
+                        </a:solidFill>
+                      </a:endParaRPr>
+                    </a:p>
+                  </a:txBody>
+                  <a:tcPr anchor="ctr"/>
+                </a:tc>
+              </a:tr>
+            </a:tbl>
+          </a:graphicData>
+        </a:graphic>
+      </p:graphicFrame>
+      <p:graphicFrame>
+        <p:nvGraphicFramePr>
+          <p:cNvPr id="5" name="Table 4"/>
+          <p:cNvGraphicFramePr>
+            <a:graphicFrameLocks noGrp="1"/>
+          </p:cNvGraphicFramePr>
+          <p:nvPr>
+            <p:extLst>
+              <p:ext uri="{D42A27DB-BD31-4B8C-83A1-F6EECF244321}">
+                <p14:modId xmlns:p14="http://schemas.microsoft.com/office/powerpoint/2010/main" val="604399725"/>
+              </p:ext>
+            </p:extLst>
+          </p:nvPr>
+        </p:nvGraphicFramePr>
+        <p:xfrm>
+          <a:off x="1488280" y="5013176"/>
+          <a:ext cx="5698330" cy="504056"/>
+        </p:xfrm>
+        <a:graphic>
+          <a:graphicData uri="http://schemas.openxmlformats.org/drawingml/2006/table">
+            <a:tbl>
+              <a:tblPr firstRow="1" bandRow="1">
+                <a:tableStyleId>{5940675A-B579-460E-94D1-54222C63F5DA}</a:tableStyleId>
+              </a:tblPr>
+              <a:tblGrid>
+                <a:gridCol w="569833"/>
+                <a:gridCol w="569833"/>
+                <a:gridCol w="569833"/>
+                <a:gridCol w="569833"/>
+                <a:gridCol w="569833"/>
+                <a:gridCol w="569833"/>
+                <a:gridCol w="569833"/>
+                <a:gridCol w="569833"/>
+                <a:gridCol w="569833"/>
+                <a:gridCol w="569833"/>
+              </a:tblGrid>
+              <a:tr h="504056">
+                <a:tc>
+                  <a:txBody>
+                    <a:bodyPr/>
+                    <a:lstStyle/>
+                    <a:p>
+                      <a:pPr algn="ctr"/>
+                      <a:r>
+                        <a:rPr lang="de-CH" b="1" dirty="0" smtClean="0">
+                          <a:solidFill>
+                            <a:schemeClr val="bg1"/>
+                          </a:solidFill>
+                        </a:rPr>
+                        <a:t>1.3</a:t>
+                      </a:r>
+                      <a:endParaRPr lang="de-CH" b="1" dirty="0">
+                        <a:solidFill>
+                          <a:schemeClr val="bg1"/>
+                        </a:solidFill>
+                      </a:endParaRPr>
+                    </a:p>
+                  </a:txBody>
+                  <a:tcPr anchor="ctr"/>
+                </a:tc>
+                <a:tc>
+                  <a:txBody>
+                    <a:bodyPr/>
+                    <a:lstStyle/>
+                    <a:p>
+                      <a:pPr algn="ctr"/>
+                      <a:r>
+                        <a:rPr lang="de-CH" b="1" dirty="0" smtClean="0">
+                          <a:solidFill>
+                            <a:schemeClr val="bg1"/>
+                          </a:solidFill>
+                        </a:rPr>
+                        <a:t>1.3</a:t>
+                      </a:r>
+                      <a:endParaRPr lang="de-CH" b="1" dirty="0">
+                        <a:solidFill>
+                          <a:schemeClr val="bg1"/>
+                        </a:solidFill>
+                      </a:endParaRPr>
+                    </a:p>
+                  </a:txBody>
+                  <a:tcPr anchor="ctr"/>
+                </a:tc>
+                <a:tc>
+                  <a:txBody>
+                    <a:bodyPr/>
+                    <a:lstStyle/>
+                    <a:p>
+                      <a:pPr algn="ctr"/>
+                      <a:r>
+                        <a:rPr lang="de-CH" b="1" dirty="0" smtClean="0">
+                          <a:solidFill>
+                            <a:schemeClr val="bg1"/>
+                          </a:solidFill>
+                        </a:rPr>
+                        <a:t>3.5</a:t>
+                      </a:r>
+                    </a:p>
+                  </a:txBody>
+                  <a:tcPr anchor="ctr"/>
+                </a:tc>
+                <a:tc>
+                  <a:txBody>
+                    <a:bodyPr/>
+                    <a:lstStyle/>
+                    <a:p>
+                      <a:pPr algn="ctr"/>
+                      <a:r>
+                        <a:rPr lang="de-CH" b="1" dirty="0" smtClean="0">
+                          <a:solidFill>
+                            <a:schemeClr val="bg1"/>
+                          </a:solidFill>
+                        </a:rPr>
+                        <a:t>4.2</a:t>
+                      </a:r>
+                      <a:endParaRPr lang="de-CH" b="1" dirty="0">
+                        <a:solidFill>
+                          <a:schemeClr val="bg1"/>
+                        </a:solidFill>
+                      </a:endParaRPr>
+                    </a:p>
+                  </a:txBody>
+                  <a:tcPr anchor="ctr"/>
+                </a:tc>
+                <a:tc>
+                  <a:txBody>
+                    <a:bodyPr/>
+                    <a:lstStyle/>
+                    <a:p>
+                      <a:pPr algn="ctr"/>
+                      <a:r>
+                        <a:rPr lang="de-CH" b="1" dirty="0" smtClean="0">
+                          <a:solidFill>
+                            <a:schemeClr val="bg1"/>
+                          </a:solidFill>
+                        </a:rPr>
+                        <a:t>4.2</a:t>
+                      </a:r>
+                      <a:endParaRPr lang="de-CH" b="1" dirty="0">
+                        <a:solidFill>
+                          <a:schemeClr val="bg1"/>
+                        </a:solidFill>
+                      </a:endParaRPr>
+                    </a:p>
+                  </a:txBody>
+                  <a:tcPr anchor="ctr"/>
+                </a:tc>
+                <a:tc>
+                  <a:txBody>
+                    <a:bodyPr/>
+                    <a:lstStyle/>
+                    <a:p>
+                      <a:pPr algn="ctr"/>
+                      <a:r>
+                        <a:rPr lang="de-CH" b="1" dirty="0" smtClean="0">
+                          <a:solidFill>
+                            <a:schemeClr val="bg1"/>
+                          </a:solidFill>
+                        </a:rPr>
+                        <a:t>6.2</a:t>
+                      </a:r>
+                      <a:endParaRPr lang="de-CH" b="1" dirty="0">
+                        <a:solidFill>
+                          <a:schemeClr val="bg1"/>
+                        </a:solidFill>
+                      </a:endParaRPr>
+                    </a:p>
+                  </a:txBody>
+                  <a:tcPr anchor="ctr"/>
+                </a:tc>
+                <a:tc>
+                  <a:txBody>
+                    <a:bodyPr/>
+                    <a:lstStyle/>
+                    <a:p>
+                      <a:pPr algn="ctr"/>
+                      <a:r>
+                        <a:rPr lang="de-CH" b="1" dirty="0" smtClean="0">
+                          <a:solidFill>
+                            <a:schemeClr val="bg1"/>
+                          </a:solidFill>
+                        </a:rPr>
+                        <a:t>4.2</a:t>
+                      </a:r>
+                      <a:endParaRPr lang="de-CH" b="1" dirty="0">
+                        <a:solidFill>
+                          <a:schemeClr val="bg1"/>
+                        </a:solidFill>
+                      </a:endParaRPr>
+                    </a:p>
+                  </a:txBody>
+                  <a:tcPr anchor="ctr"/>
+                </a:tc>
+                <a:tc>
+                  <a:txBody>
+                    <a:bodyPr/>
+                    <a:lstStyle/>
+                    <a:p>
+                      <a:pPr algn="ctr"/>
+                      <a:r>
+                        <a:rPr lang="de-CH" b="1" dirty="0" smtClean="0">
+                          <a:solidFill>
+                            <a:schemeClr val="bg1"/>
+                          </a:solidFill>
+                        </a:rPr>
+                        <a:t>2</a:t>
+                      </a:r>
+                      <a:endParaRPr lang="de-CH" b="1" dirty="0">
+                        <a:solidFill>
+                          <a:schemeClr val="bg1"/>
+                        </a:solidFill>
+                      </a:endParaRPr>
+                    </a:p>
+                  </a:txBody>
+                  <a:tcPr anchor="ctr"/>
+                </a:tc>
+                <a:tc>
+                  <a:txBody>
+                    <a:bodyPr/>
+                    <a:lstStyle/>
+                    <a:p>
+                      <a:pPr algn="ctr"/>
+                      <a:r>
+                        <a:rPr lang="de-CH" b="1" dirty="0" smtClean="0">
+                          <a:solidFill>
+                            <a:schemeClr val="bg1"/>
+                          </a:solidFill>
+                        </a:rPr>
+                        <a:t>1</a:t>
+                      </a:r>
+                      <a:endParaRPr lang="de-CH" b="1" dirty="0">
+                        <a:solidFill>
+                          <a:schemeClr val="bg1"/>
+                        </a:solidFill>
+                      </a:endParaRPr>
+                    </a:p>
+                  </a:txBody>
+                  <a:tcPr anchor="ctr"/>
+                </a:tc>
+                <a:tc>
+                  <a:txBody>
+                    <a:bodyPr/>
+                    <a:lstStyle/>
+                    <a:p>
+                      <a:pPr algn="ctr"/>
+                      <a:r>
+                        <a:rPr lang="de-CH" b="1" dirty="0" smtClean="0">
+                          <a:solidFill>
+                            <a:schemeClr val="bg1"/>
+                          </a:solidFill>
+                        </a:rPr>
+                        <a:t>1</a:t>
+                      </a:r>
+                      <a:endParaRPr lang="de-CH" b="1" dirty="0">
+                        <a:solidFill>
+                          <a:schemeClr val="bg1"/>
+                        </a:solidFill>
+                      </a:endParaRPr>
+                    </a:p>
+                  </a:txBody>
+                  <a:tcPr anchor="ctr"/>
+                </a:tc>
+              </a:tr>
+            </a:tbl>
+          </a:graphicData>
+        </a:graphic>
+      </p:graphicFrame>
+      <p:graphicFrame>
+        <p:nvGraphicFramePr>
+          <p:cNvPr id="7" name="Table 6"/>
+          <p:cNvGraphicFramePr>
+            <a:graphicFrameLocks noGrp="1"/>
+          </p:cNvGraphicFramePr>
+          <p:nvPr>
+            <p:extLst>
+              <p:ext uri="{D42A27DB-BD31-4B8C-83A1-F6EECF244321}">
+                <p14:modId xmlns:p14="http://schemas.microsoft.com/office/powerpoint/2010/main" val="2397581698"/>
+              </p:ext>
+            </p:extLst>
+          </p:nvPr>
+        </p:nvGraphicFramePr>
+        <p:xfrm>
+          <a:off x="7308304" y="6115323"/>
+          <a:ext cx="569833" cy="504056"/>
+        </p:xfrm>
+        <a:graphic>
+          <a:graphicData uri="http://schemas.openxmlformats.org/drawingml/2006/table">
+            <a:tbl>
+              <a:tblPr firstRow="1" bandRow="1">
+                <a:tableStyleId>{5940675A-B579-460E-94D1-54222C63F5DA}</a:tableStyleId>
+              </a:tblPr>
+              <a:tblGrid>
+                <a:gridCol w="569833"/>
+              </a:tblGrid>
+              <a:tr h="504056">
+                <a:tc>
+                  <a:txBody>
+                    <a:bodyPr/>
+                    <a:lstStyle/>
+                    <a:p>
+                      <a:pPr algn="ctr"/>
+                      <a:r>
+                        <a:rPr lang="de-CH" sz="2100" b="1" dirty="0" smtClean="0">
+                          <a:solidFill>
+                            <a:srgbClr val="C00000"/>
+                          </a:solidFill>
+                        </a:rPr>
+                        <a:t>5.1</a:t>
+                      </a:r>
+                    </a:p>
+                  </a:txBody>
+                  <a:tcPr anchor="ctr"/>
+                </a:tc>
+              </a:tr>
+            </a:tbl>
+          </a:graphicData>
+        </a:graphic>
+      </p:graphicFrame>
+      <p:graphicFrame>
+        <p:nvGraphicFramePr>
+          <p:cNvPr id="8" name="Table 7"/>
+          <p:cNvGraphicFramePr>
+            <a:graphicFrameLocks noGrp="1"/>
+          </p:cNvGraphicFramePr>
+          <p:nvPr>
+            <p:extLst>
+              <p:ext uri="{D42A27DB-BD31-4B8C-83A1-F6EECF244321}">
+                <p14:modId xmlns:p14="http://schemas.microsoft.com/office/powerpoint/2010/main" val="3217088367"/>
+              </p:ext>
+            </p:extLst>
+          </p:nvPr>
+        </p:nvGraphicFramePr>
+        <p:xfrm>
+          <a:off x="1482006" y="5567015"/>
+          <a:ext cx="5698330" cy="504056"/>
+        </p:xfrm>
+        <a:graphic>
+          <a:graphicData uri="http://schemas.openxmlformats.org/drawingml/2006/table">
+            <a:tbl>
+              <a:tblPr firstRow="1" bandRow="1">
+                <a:tableStyleId>{5940675A-B579-460E-94D1-54222C63F5DA}</a:tableStyleId>
+              </a:tblPr>
+              <a:tblGrid>
+                <a:gridCol w="569833"/>
+                <a:gridCol w="569833"/>
+                <a:gridCol w="569833"/>
+                <a:gridCol w="569833"/>
+                <a:gridCol w="569833"/>
+                <a:gridCol w="569833"/>
+                <a:gridCol w="569833"/>
+                <a:gridCol w="569833"/>
+                <a:gridCol w="569833"/>
+                <a:gridCol w="569833"/>
+              </a:tblGrid>
+              <a:tr h="504056">
+                <a:tc>
+                  <a:txBody>
+                    <a:bodyPr/>
+                    <a:lstStyle/>
+                    <a:p>
+                      <a:pPr algn="ctr"/>
+                      <a:r>
+                        <a:rPr lang="de-CH" b="1" dirty="0" smtClean="0">
+                          <a:solidFill>
+                            <a:schemeClr val="bg1"/>
+                          </a:solidFill>
+                        </a:rPr>
+                        <a:t>5</a:t>
+                      </a:r>
+                      <a:endParaRPr lang="de-CH" b="1" dirty="0">
+                        <a:solidFill>
+                          <a:schemeClr val="bg1"/>
+                        </a:solidFill>
+                      </a:endParaRPr>
+                    </a:p>
+                  </a:txBody>
+                  <a:tcPr anchor="ctr"/>
+                </a:tc>
+                <a:tc>
+                  <a:txBody>
+                    <a:bodyPr/>
+                    <a:lstStyle/>
+                    <a:p>
+                      <a:pPr algn="ctr"/>
+                      <a:r>
+                        <a:rPr lang="de-CH" b="1" dirty="0" smtClean="0">
+                          <a:solidFill>
+                            <a:schemeClr val="bg1"/>
+                          </a:solidFill>
+                        </a:rPr>
+                        <a:t>4</a:t>
+                      </a:r>
+                      <a:endParaRPr lang="de-CH" b="1" dirty="0">
+                        <a:solidFill>
+                          <a:schemeClr val="bg1"/>
+                        </a:solidFill>
+                      </a:endParaRPr>
+                    </a:p>
+                  </a:txBody>
+                  <a:tcPr anchor="ctr"/>
+                </a:tc>
+                <a:tc>
+                  <a:txBody>
+                    <a:bodyPr/>
+                    <a:lstStyle/>
+                    <a:p>
+                      <a:pPr algn="ctr"/>
+                      <a:r>
+                        <a:rPr lang="de-CH" b="1" dirty="0" smtClean="0">
+                          <a:solidFill>
+                            <a:schemeClr val="bg1"/>
+                          </a:solidFill>
+                        </a:rPr>
+                        <a:t>3</a:t>
+                      </a:r>
+                    </a:p>
+                  </a:txBody>
+                  <a:tcPr anchor="ctr"/>
+                </a:tc>
+                <a:tc>
+                  <a:txBody>
+                    <a:bodyPr/>
+                    <a:lstStyle/>
+                    <a:p>
+                      <a:pPr algn="ctr"/>
+                      <a:r>
+                        <a:rPr lang="de-CH" b="1" dirty="0" smtClean="0">
+                          <a:solidFill>
+                            <a:schemeClr val="bg1"/>
+                          </a:solidFill>
+                        </a:rPr>
+                        <a:t>2</a:t>
+                      </a:r>
+                      <a:endParaRPr lang="de-CH" b="1" dirty="0">
+                        <a:solidFill>
+                          <a:schemeClr val="bg1"/>
+                        </a:solidFill>
+                      </a:endParaRPr>
+                    </a:p>
+                  </a:txBody>
+                  <a:tcPr anchor="ctr"/>
+                </a:tc>
+                <a:tc>
+                  <a:txBody>
+                    <a:bodyPr/>
+                    <a:lstStyle/>
+                    <a:p>
+                      <a:pPr algn="ctr"/>
+                      <a:r>
+                        <a:rPr lang="de-CH" b="1" dirty="0" smtClean="0">
+                          <a:solidFill>
+                            <a:schemeClr val="bg1"/>
+                          </a:solidFill>
+                        </a:rPr>
+                        <a:t>1</a:t>
+                      </a:r>
+                      <a:endParaRPr lang="de-CH" b="1" dirty="0">
+                        <a:solidFill>
+                          <a:schemeClr val="bg1"/>
+                        </a:solidFill>
+                      </a:endParaRPr>
+                    </a:p>
+                  </a:txBody>
+                  <a:tcPr anchor="ctr"/>
+                </a:tc>
+                <a:tc>
+                  <a:txBody>
+                    <a:bodyPr/>
+                    <a:lstStyle/>
+                    <a:p>
+                      <a:pPr algn="ctr"/>
+                      <a:r>
+                        <a:rPr lang="de-CH" b="1" dirty="0" smtClean="0">
+                          <a:solidFill>
+                            <a:schemeClr val="bg1"/>
+                          </a:solidFill>
+                        </a:rPr>
+                        <a:t>-1</a:t>
+                      </a:r>
+                      <a:endParaRPr lang="de-CH" b="1" dirty="0">
+                        <a:solidFill>
+                          <a:schemeClr val="bg1"/>
+                        </a:solidFill>
+                      </a:endParaRPr>
+                    </a:p>
+                  </a:txBody>
+                  <a:tcPr anchor="ctr"/>
+                </a:tc>
+                <a:tc>
+                  <a:txBody>
+                    <a:bodyPr/>
+                    <a:lstStyle/>
+                    <a:p>
+                      <a:pPr algn="ctr"/>
+                      <a:r>
+                        <a:rPr lang="de-CH" b="1" dirty="0" smtClean="0">
+                          <a:solidFill>
+                            <a:schemeClr val="bg1"/>
+                          </a:solidFill>
+                        </a:rPr>
+                        <a:t>-2</a:t>
+                      </a:r>
+                      <a:endParaRPr lang="de-CH" b="1" dirty="0">
+                        <a:solidFill>
+                          <a:schemeClr val="bg1"/>
+                        </a:solidFill>
+                      </a:endParaRPr>
+                    </a:p>
+                  </a:txBody>
+                  <a:tcPr anchor="ctr"/>
+                </a:tc>
+                <a:tc>
+                  <a:txBody>
+                    <a:bodyPr/>
+                    <a:lstStyle/>
+                    <a:p>
+                      <a:pPr algn="ctr"/>
+                      <a:r>
+                        <a:rPr lang="de-CH" b="1" dirty="0" smtClean="0">
+                          <a:solidFill>
+                            <a:schemeClr val="bg1"/>
+                          </a:solidFill>
+                        </a:rPr>
+                        <a:t>-3</a:t>
+                      </a:r>
+                      <a:endParaRPr lang="de-CH" b="1" dirty="0">
+                        <a:solidFill>
+                          <a:schemeClr val="bg1"/>
+                        </a:solidFill>
+                      </a:endParaRPr>
+                    </a:p>
+                  </a:txBody>
+                  <a:tcPr anchor="ctr"/>
+                </a:tc>
+                <a:tc>
+                  <a:txBody>
+                    <a:bodyPr/>
+                    <a:lstStyle/>
+                    <a:p>
+                      <a:pPr algn="ctr"/>
+                      <a:r>
+                        <a:rPr lang="de-CH" b="1" dirty="0" smtClean="0">
+                          <a:solidFill>
+                            <a:schemeClr val="bg1"/>
+                          </a:solidFill>
+                        </a:rPr>
+                        <a:t>-4</a:t>
+                      </a:r>
+                      <a:endParaRPr lang="de-CH" b="1" dirty="0">
+                        <a:solidFill>
+                          <a:schemeClr val="bg1"/>
+                        </a:solidFill>
+                      </a:endParaRPr>
+                    </a:p>
+                  </a:txBody>
+                  <a:tcPr anchor="ctr"/>
+                </a:tc>
+                <a:tc>
+                  <a:txBody>
+                    <a:bodyPr/>
+                    <a:lstStyle/>
+                    <a:p>
+                      <a:pPr algn="ctr"/>
+                      <a:r>
+                        <a:rPr lang="de-CH" b="1" dirty="0" smtClean="0">
+                          <a:solidFill>
+                            <a:schemeClr val="bg1"/>
+                          </a:solidFill>
+                        </a:rPr>
+                        <a:t>-5</a:t>
+                      </a:r>
+                      <a:endParaRPr lang="de-CH" b="1" dirty="0">
+                        <a:solidFill>
+                          <a:schemeClr val="bg1"/>
+                        </a:solidFill>
+                      </a:endParaRPr>
+                    </a:p>
+                  </a:txBody>
+                  <a:tcPr anchor="ctr"/>
+                </a:tc>
+              </a:tr>
+            </a:tbl>
+          </a:graphicData>
+        </a:graphic>
+      </p:graphicFrame>
+      <p:graphicFrame>
+        <p:nvGraphicFramePr>
+          <p:cNvPr id="9" name="Table 8"/>
+          <p:cNvGraphicFramePr>
+            <a:graphicFrameLocks noGrp="1"/>
+          </p:cNvGraphicFramePr>
+          <p:nvPr>
+            <p:extLst>
+              <p:ext uri="{D42A27DB-BD31-4B8C-83A1-F6EECF244321}">
+                <p14:modId xmlns:p14="http://schemas.microsoft.com/office/powerpoint/2010/main" val="2565376794"/>
+              </p:ext>
+            </p:extLst>
+          </p:nvPr>
+        </p:nvGraphicFramePr>
+        <p:xfrm>
+          <a:off x="1475656" y="6115323"/>
+          <a:ext cx="5698330" cy="504056"/>
+        </p:xfrm>
+        <a:graphic>
+          <a:graphicData uri="http://schemas.openxmlformats.org/drawingml/2006/table">
+            <a:tbl>
+              <a:tblPr firstRow="1" bandRow="1">
+                <a:tableStyleId>{5940675A-B579-460E-94D1-54222C63F5DA}</a:tableStyleId>
+              </a:tblPr>
+              <a:tblGrid>
+                <a:gridCol w="569833"/>
+                <a:gridCol w="569833"/>
+                <a:gridCol w="569833"/>
+                <a:gridCol w="569833"/>
+                <a:gridCol w="569833"/>
+                <a:gridCol w="569833"/>
+                <a:gridCol w="569833"/>
+                <a:gridCol w="569833"/>
+                <a:gridCol w="569833"/>
+                <a:gridCol w="569833"/>
+              </a:tblGrid>
+              <a:tr h="504056">
+                <a:tc>
+                  <a:txBody>
+                    <a:bodyPr/>
+                    <a:lstStyle/>
+                    <a:p>
+                      <a:pPr algn="ctr"/>
+                      <a:r>
+                        <a:rPr lang="de-CH" sz="1500" b="1" dirty="0" smtClean="0">
+                          <a:solidFill>
+                            <a:schemeClr val="bg1"/>
+                          </a:solidFill>
+                        </a:rPr>
+                        <a:t>6.5</a:t>
+                      </a:r>
+                      <a:endParaRPr lang="de-CH" sz="1500" b="1" dirty="0">
+                        <a:solidFill>
+                          <a:schemeClr val="bg1"/>
+                        </a:solidFill>
+                      </a:endParaRPr>
+                    </a:p>
+                  </a:txBody>
+                  <a:tcPr anchor="ctr"/>
+                </a:tc>
+                <a:tc>
+                  <a:txBody>
+                    <a:bodyPr/>
+                    <a:lstStyle/>
+                    <a:p>
+                      <a:pPr algn="ctr"/>
+                      <a:r>
+                        <a:rPr lang="de-CH" sz="1500" b="1" dirty="0" smtClean="0">
+                          <a:solidFill>
+                            <a:schemeClr val="bg1"/>
+                          </a:solidFill>
+                        </a:rPr>
+                        <a:t>5.2</a:t>
+                      </a:r>
+                    </a:p>
+                  </a:txBody>
+                  <a:tcPr anchor="ctr"/>
+                </a:tc>
+                <a:tc>
+                  <a:txBody>
+                    <a:bodyPr/>
+                    <a:lstStyle/>
+                    <a:p>
+                      <a:pPr algn="ctr"/>
+                      <a:r>
+                        <a:rPr lang="de-CH" sz="1500" b="1" dirty="0" smtClean="0">
+                          <a:solidFill>
+                            <a:schemeClr val="bg1"/>
+                          </a:solidFill>
+                        </a:rPr>
+                        <a:t>10.5</a:t>
+                      </a:r>
+                    </a:p>
+                  </a:txBody>
+                  <a:tcPr anchor="ctr"/>
+                </a:tc>
+                <a:tc>
+                  <a:txBody>
+                    <a:bodyPr/>
+                    <a:lstStyle/>
+                    <a:p>
+                      <a:pPr algn="ctr"/>
+                      <a:r>
+                        <a:rPr lang="de-CH" sz="1500" b="1" dirty="0" smtClean="0">
+                          <a:solidFill>
+                            <a:schemeClr val="bg1"/>
+                          </a:solidFill>
+                        </a:rPr>
+                        <a:t>8.4</a:t>
+                      </a:r>
+                      <a:endParaRPr lang="de-CH" sz="1500" b="1" dirty="0">
+                        <a:solidFill>
+                          <a:schemeClr val="bg1"/>
+                        </a:solidFill>
+                      </a:endParaRPr>
+                    </a:p>
+                  </a:txBody>
+                  <a:tcPr anchor="ctr"/>
+                </a:tc>
+                <a:tc>
+                  <a:txBody>
+                    <a:bodyPr/>
+                    <a:lstStyle/>
+                    <a:p>
+                      <a:pPr algn="ctr"/>
+                      <a:r>
+                        <a:rPr lang="de-CH" sz="1500" b="1" dirty="0" smtClean="0">
+                          <a:solidFill>
+                            <a:schemeClr val="bg1"/>
+                          </a:solidFill>
+                        </a:rPr>
+                        <a:t>4.1</a:t>
+                      </a:r>
+                      <a:endParaRPr lang="de-CH" sz="1500" b="1" dirty="0">
+                        <a:solidFill>
+                          <a:schemeClr val="bg1"/>
+                        </a:solidFill>
+                      </a:endParaRPr>
+                    </a:p>
+                  </a:txBody>
+                  <a:tcPr anchor="ctr"/>
+                </a:tc>
+                <a:tc>
+                  <a:txBody>
+                    <a:bodyPr/>
+                    <a:lstStyle/>
+                    <a:p>
+                      <a:pPr algn="ctr"/>
+                      <a:r>
+                        <a:rPr lang="de-CH" sz="1500" b="1" dirty="0" smtClean="0">
+                          <a:solidFill>
+                            <a:schemeClr val="bg1"/>
+                          </a:solidFill>
+                        </a:rPr>
+                        <a:t>-6.2</a:t>
+                      </a:r>
+                      <a:endParaRPr lang="de-CH" sz="1500" b="1" dirty="0">
+                        <a:solidFill>
+                          <a:schemeClr val="bg1"/>
+                        </a:solidFill>
+                      </a:endParaRPr>
+                    </a:p>
+                  </a:txBody>
+                  <a:tcPr anchor="ctr"/>
+                </a:tc>
+                <a:tc>
+                  <a:txBody>
+                    <a:bodyPr/>
+                    <a:lstStyle/>
+                    <a:p>
+                      <a:pPr algn="ctr"/>
+                      <a:r>
+                        <a:rPr lang="de-CH" sz="1500" b="1" dirty="0" smtClean="0">
+                          <a:solidFill>
+                            <a:schemeClr val="bg1"/>
+                          </a:solidFill>
+                        </a:rPr>
+                        <a:t>-8.4</a:t>
+                      </a:r>
+                      <a:endParaRPr lang="de-CH" sz="1500" b="1" dirty="0">
+                        <a:solidFill>
+                          <a:schemeClr val="bg1"/>
+                        </a:solidFill>
+                      </a:endParaRPr>
+                    </a:p>
+                  </a:txBody>
+                  <a:tcPr anchor="ctr"/>
+                </a:tc>
+                <a:tc>
+                  <a:txBody>
+                    <a:bodyPr/>
+                    <a:lstStyle/>
+                    <a:p>
+                      <a:pPr algn="ctr"/>
+                      <a:r>
+                        <a:rPr lang="de-CH" sz="1500" b="1" dirty="0" smtClean="0">
+                          <a:solidFill>
+                            <a:schemeClr val="bg1"/>
+                          </a:solidFill>
+                        </a:rPr>
+                        <a:t>-6</a:t>
+                      </a:r>
+                      <a:endParaRPr lang="de-CH" sz="1500" b="1" dirty="0">
+                        <a:solidFill>
+                          <a:schemeClr val="bg1"/>
+                        </a:solidFill>
+                      </a:endParaRPr>
+                    </a:p>
+                  </a:txBody>
+                  <a:tcPr anchor="ctr"/>
+                </a:tc>
+                <a:tc>
+                  <a:txBody>
+                    <a:bodyPr/>
+                    <a:lstStyle/>
+                    <a:p>
+                      <a:pPr algn="ctr"/>
+                      <a:r>
+                        <a:rPr lang="de-CH" sz="1500" b="1" dirty="0" smtClean="0">
+                          <a:solidFill>
+                            <a:schemeClr val="bg1"/>
+                          </a:solidFill>
+                        </a:rPr>
+                        <a:t>-4</a:t>
+                      </a:r>
+                      <a:endParaRPr lang="de-CH" sz="1500" b="1" dirty="0">
+                        <a:solidFill>
+                          <a:schemeClr val="bg1"/>
+                        </a:solidFill>
+                      </a:endParaRPr>
+                    </a:p>
+                  </a:txBody>
+                  <a:tcPr anchor="ctr"/>
+                </a:tc>
+                <a:tc>
+                  <a:txBody>
+                    <a:bodyPr/>
+                    <a:lstStyle/>
+                    <a:p>
+                      <a:pPr algn="ctr"/>
+                      <a:r>
+                        <a:rPr lang="de-CH" sz="1500" b="1" dirty="0" smtClean="0">
+                          <a:solidFill>
+                            <a:schemeClr val="bg1"/>
+                          </a:solidFill>
+                        </a:rPr>
+                        <a:t>-5</a:t>
+                      </a:r>
+                      <a:endParaRPr lang="de-CH" sz="1500" b="1" dirty="0">
+                        <a:solidFill>
+                          <a:schemeClr val="bg1"/>
+                        </a:solidFill>
+                      </a:endParaRPr>
+                    </a:p>
+                  </a:txBody>
+                  <a:tcPr anchor="ctr"/>
+                </a:tc>
+              </a:tr>
+            </a:tbl>
+          </a:graphicData>
+        </a:graphic>
+      </p:graphicFrame>
+      <p:sp>
+        <p:nvSpPr>
+          <p:cNvPr id="6" name="TextBox 5"/>
+          <p:cNvSpPr txBox="1"/>
+          <p:nvPr/>
+        </p:nvSpPr>
+        <p:spPr>
+          <a:xfrm>
+            <a:off x="463352" y="5654636"/>
+            <a:ext cx="1224136" cy="369332"/>
+          </a:xfrm>
+          <a:prstGeom prst="rect">
+            <a:avLst/>
+          </a:prstGeom>
+          <a:noFill/>
+        </p:spPr>
+        <p:txBody>
+          <a:bodyPr wrap="square" rtlCol="0">
+            <a:spAutoFit/>
+          </a:bodyPr>
+          <a:lstStyle/>
+          <a:p>
+            <a:r>
+              <a:rPr lang="de-CH" b="1" dirty="0" smtClean="0">
+                <a:solidFill>
+                  <a:schemeClr val="bg1"/>
+                </a:solidFill>
+              </a:rPr>
+              <a:t>Faktor</a:t>
+            </a:r>
+            <a:endParaRPr lang="de-CH" b="1" dirty="0">
+              <a:solidFill>
+                <a:schemeClr val="bg1"/>
+              </a:solidFill>
+            </a:endParaRPr>
+          </a:p>
+        </p:txBody>
+      </p:sp>
+      <p:sp>
+        <p:nvSpPr>
+          <p:cNvPr id="11" name="TextBox 10"/>
+          <p:cNvSpPr txBox="1"/>
+          <p:nvPr/>
+        </p:nvSpPr>
+        <p:spPr>
+          <a:xfrm>
+            <a:off x="465510" y="5085184"/>
+            <a:ext cx="1224136" cy="369332"/>
+          </a:xfrm>
+          <a:prstGeom prst="rect">
+            <a:avLst/>
+          </a:prstGeom>
+          <a:noFill/>
+        </p:spPr>
+        <p:txBody>
+          <a:bodyPr wrap="square" rtlCol="0">
+            <a:spAutoFit/>
+          </a:bodyPr>
+          <a:lstStyle/>
+          <a:p>
+            <a:r>
+              <a:rPr lang="de-CH" b="1" dirty="0" smtClean="0">
+                <a:solidFill>
+                  <a:schemeClr val="bg1"/>
+                </a:solidFill>
+              </a:rPr>
+              <a:t>Summe</a:t>
+            </a:r>
+            <a:endParaRPr lang="de-CH" b="1" dirty="0">
+              <a:solidFill>
+                <a:schemeClr val="bg1"/>
+              </a:solidFill>
+            </a:endParaRPr>
+          </a:p>
+        </p:txBody>
+      </p:sp>
+    </p:spTree>
+    <p:extLst>
+      <p:ext uri="{BB962C8B-B14F-4D97-AF65-F5344CB8AC3E}">
+        <p14:creationId xmlns:p14="http://schemas.microsoft.com/office/powerpoint/2010/main" val="3004298897"/>
+      </p:ext>
+    </p:extLst>
+  </p:cSld>
+  <p:clrMapOvr>
+    <a:masterClrMapping/>
+  </p:clrMapOvr>
+  <p:timing>
+    <p:tnLst>
+      <p:par>
+        <p:cTn id="1" dur="indefinite" restart="never" nodeType="tmRoot">
+          <p:childTnLst>
+            <p:seq concurrent="1" nextAc="seek">
+              <p:cTn id="2" dur="indefinite" nodeType="mainSeq">
+                <p:childTnLst>
+                  <p:par>
+                    <p:cTn id="3" fill="hold">
+                      <p:stCondLst>
+                        <p:cond delay="indefinite"/>
+                      </p:stCondLst>
+                      <p:childTnLst>
+                        <p:par>
+                          <p:cTn id="4" fill="hold">
+                            <p:stCondLst>
+                              <p:cond delay="0"/>
+                            </p:stCondLst>
+                            <p:childTnLst>
+                              <p:par>
+                                <p:cTn id="5" presetID="1" presetClass="entr" presetSubtype="0" fill="hold" nodeType="clickEffect">
+                                  <p:stCondLst>
+                                    <p:cond delay="0"/>
+                                  </p:stCondLst>
+                                  <p:childTnLst>
+                                    <p:set>
+                                      <p:cBhvr>
+                                        <p:cTn id="6" dur="1" fill="hold">
+                                          <p:stCondLst>
+                                            <p:cond delay="0"/>
+                                          </p:stCondLst>
+                                        </p:cTn>
+                                        <p:tgtEl>
+                                          <p:spTgt spid="5"/>
+                                        </p:tgtEl>
+                                        <p:attrNameLst>
+                                          <p:attrName>style.visibility</p:attrName>
+                                        </p:attrNameLst>
+                                      </p:cBhvr>
+                                      <p:to>
+                                        <p:strVal val="visible"/>
+                                      </p:to>
+                                    </p:set>
+                                  </p:childTnLst>
+                                </p:cTn>
+                              </p:par>
+                              <p:par>
+                                <p:cTn id="7" presetID="1" presetClass="entr" presetSubtype="0" fill="hold" grpId="0" nodeType="withEffect">
+                                  <p:stCondLst>
+                                    <p:cond delay="0"/>
+                                  </p:stCondLst>
+                                  <p:childTnLst>
+                                    <p:set>
+                                      <p:cBhvr>
+                                        <p:cTn id="8" dur="1" fill="hold">
+                                          <p:stCondLst>
+                                            <p:cond delay="0"/>
+                                          </p:stCondLst>
+                                        </p:cTn>
+                                        <p:tgtEl>
+                                          <p:spTgt spid="11"/>
+                                        </p:tgtEl>
+                                        <p:attrNameLst>
+                                          <p:attrName>style.visibility</p:attrName>
+                                        </p:attrNameLst>
+                                      </p:cBhvr>
+                                      <p:to>
+                                        <p:strVal val="visible"/>
+                                      </p:to>
+                                    </p:set>
+                                  </p:childTnLst>
+                                </p:cTn>
+                              </p:par>
+                            </p:childTnLst>
+                          </p:cTn>
+                        </p:par>
+                      </p:childTnLst>
+                    </p:cTn>
+                  </p:par>
+                  <p:par>
+                    <p:cTn id="9" fill="hold">
+                      <p:stCondLst>
+                        <p:cond delay="indefinite"/>
+                      </p:stCondLst>
+                      <p:childTnLst>
+                        <p:par>
+                          <p:cTn id="10" fill="hold">
+                            <p:stCondLst>
+                              <p:cond delay="0"/>
+                            </p:stCondLst>
+                            <p:childTnLst>
+                              <p:par>
+                                <p:cTn id="11" presetID="1" presetClass="entr" presetSubtype="0" fill="hold" nodeType="clickEffect">
+                                  <p:stCondLst>
+                                    <p:cond delay="0"/>
+                                  </p:stCondLst>
+                                  <p:childTnLst>
+                                    <p:set>
+                                      <p:cBhvr>
+                                        <p:cTn id="12" dur="1" fill="hold">
+                                          <p:stCondLst>
+                                            <p:cond delay="0"/>
+                                          </p:stCondLst>
+                                        </p:cTn>
+                                        <p:tgtEl>
+                                          <p:spTgt spid="8"/>
+                                        </p:tgtEl>
+                                        <p:attrNameLst>
+                                          <p:attrName>style.visibility</p:attrName>
+                                        </p:attrNameLst>
+                                      </p:cBhvr>
+                                      <p:to>
+                                        <p:strVal val="visible"/>
+                                      </p:to>
+                                    </p:set>
+                                  </p:childTnLst>
+                                </p:cTn>
+                              </p:par>
+                              <p:par>
+                                <p:cTn id="13" presetID="1" presetClass="entr" presetSubtype="0" fill="hold" grpId="0" nodeType="withEffect">
+                                  <p:stCondLst>
+                                    <p:cond delay="0"/>
+                                  </p:stCondLst>
+                                  <p:childTnLst>
+                                    <p:set>
+                                      <p:cBhvr>
+                                        <p:cTn id="14" dur="1" fill="hold">
+                                          <p:stCondLst>
+                                            <p:cond delay="0"/>
+                                          </p:stCondLst>
+                                        </p:cTn>
+                                        <p:tgtEl>
+                                          <p:spTgt spid="6"/>
+                                        </p:tgtEl>
+                                        <p:attrNameLst>
+                                          <p:attrName>style.visibility</p:attrName>
+                                        </p:attrNameLst>
+                                      </p:cBhvr>
+                                      <p:to>
+                                        <p:strVal val="visible"/>
+                                      </p:to>
+                                    </p:set>
+                                  </p:childTnLst>
+                                </p:cTn>
+                              </p:par>
+                            </p:childTnLst>
+                          </p:cTn>
+                        </p:par>
+                      </p:childTnLst>
+                    </p:cTn>
+                  </p:par>
+                  <p:par>
+                    <p:cTn id="15" fill="hold">
+                      <p:stCondLst>
+                        <p:cond delay="indefinite"/>
+                      </p:stCondLst>
+                      <p:childTnLst>
+                        <p:par>
+                          <p:cTn id="16" fill="hold">
+                            <p:stCondLst>
+                              <p:cond delay="0"/>
+                            </p:stCondLst>
+                            <p:childTnLst>
+                              <p:par>
+                                <p:cTn id="17" presetID="1" presetClass="entr" presetSubtype="0" fill="hold" nodeType="clickEffect">
+                                  <p:stCondLst>
+                                    <p:cond delay="0"/>
+                                  </p:stCondLst>
+                                  <p:childTnLst>
+                                    <p:set>
+                                      <p:cBhvr>
+                                        <p:cTn id="18" dur="1" fill="hold">
+                                          <p:stCondLst>
+                                            <p:cond delay="0"/>
+                                          </p:stCondLst>
+                                        </p:cTn>
+                                        <p:tgtEl>
+                                          <p:spTgt spid="9"/>
+                                        </p:tgtEl>
+                                        <p:attrNameLst>
+                                          <p:attrName>style.visibility</p:attrName>
+                                        </p:attrNameLst>
+                                      </p:cBhvr>
+                                      <p:to>
+                                        <p:strVal val="visible"/>
+                                      </p:to>
+                                    </p:set>
+                                  </p:childTnLst>
+                                </p:cTn>
+                              </p:par>
+                            </p:childTnLst>
+                          </p:cTn>
+                        </p:par>
+                      </p:childTnLst>
+                    </p:cTn>
+                  </p:par>
+                  <p:par>
+                    <p:cTn id="19" fill="hold">
+                      <p:stCondLst>
+                        <p:cond delay="indefinite"/>
+                      </p:stCondLst>
+                      <p:childTnLst>
+                        <p:par>
+                          <p:cTn id="20" fill="hold">
+                            <p:stCondLst>
+                              <p:cond delay="0"/>
+                            </p:stCondLst>
+                            <p:childTnLst>
+                              <p:par>
+                                <p:cTn id="21" presetID="1" presetClass="entr" presetSubtype="0" fill="hold" nodeType="clickEffect">
+                                  <p:stCondLst>
+                                    <p:cond delay="0"/>
+                                  </p:stCondLst>
+                                  <p:childTnLst>
+                                    <p:set>
+                                      <p:cBhvr>
+                                        <p:cTn id="22" dur="1" fill="hold">
+                                          <p:stCondLst>
+                                            <p:cond delay="0"/>
+                                          </p:stCondLst>
+                                        </p:cTn>
+                                        <p:tgtEl>
+                                          <p:spTgt spid="7"/>
+                                        </p:tgtEl>
+                                        <p:attrNameLst>
+                                          <p:attrName>style.visibility</p:attrName>
+                                        </p:attrNameLst>
+                                      </p:cBhvr>
+                                      <p:to>
+                                        <p:strVal val="visible"/>
+                                      </p:to>
+                                    </p:set>
+                                  </p:childTnLst>
+                                </p:cTn>
+                              </p:par>
+                            </p:childTnLst>
+                          </p:cTn>
+                        </p:par>
+                      </p:childTnLst>
+                    </p:cTn>
+                  </p:par>
+                </p:childTnLst>
+              </p:cTn>
+              <p:prevCondLst>
+                <p:cond evt="onPrev" delay="0">
+                  <p:tgtEl>
+                    <p:sldTgt/>
+                  </p:tgtEl>
+                </p:cond>
+              </p:prevCondLst>
+              <p:nextCondLst>
+                <p:cond evt="onNext" delay="0">
+                  <p:tgtEl>
+                    <p:sldTgt/>
+                  </p:tgtEl>
+                </p:cond>
+              </p:nextCondLst>
+            </p:seq>
+          </p:childTnLst>
+        </p:cTn>
+      </p:par>
+    </p:tnLst>
+    <p:bldLst>
+      <p:bldP spid="6" grpId="0"/>
+      <p:bldP spid="11" grpId="0"/>
+    </p:bldLst>
+  </p:timing>
+</p:sld>
+</file>
+
+<file path=ppt/slides/slide15.xml><?xml version="1.0" encoding="utf-8"?>
+<p:sld xmlns:a="http://schemas.openxmlformats.org/drawingml/2006/main" xmlns:r="http://schemas.openxmlformats.org/officeDocument/2006/relationships" xmlns:p="http://schemas.openxmlformats.org/presentationml/2006/main">
+  <p:cSld>
+    <p:spTree>
+      <p:nvGrpSpPr>
+        <p:cNvPr id="1" name=""/>
+        <p:cNvGrpSpPr/>
+        <p:nvPr/>
+      </p:nvGrpSpPr>
+      <p:grpSpPr>
+        <a:xfrm>
+          <a:off x="0" y="0"/>
+          <a:ext cx="0" cy="0"/>
+          <a:chOff x="0" y="0"/>
+          <a:chExt cx="0" cy="0"/>
+        </a:xfrm>
+      </p:grpSpPr>
+      <p:sp>
+        <p:nvSpPr>
+          <p:cNvPr id="2" name="Titel 1"/>
+          <p:cNvSpPr>
+            <a:spLocks noGrp="1"/>
+          </p:cNvSpPr>
+          <p:nvPr>
+            <p:ph type="title"/>
+          </p:nvPr>
+        </p:nvSpPr>
+        <p:spPr/>
+        <p:txBody>
+          <a:bodyPr>
+            <a:normAutofit fontScale="90000"/>
+          </a:bodyPr>
+          <a:lstStyle/>
+          <a:p>
+            <a:r>
+              <a:rPr lang="de-CH" dirty="0" smtClean="0"/>
+              <a:t>Auswertungsalgorithmus</a:t>
+            </a:r>
+            <a:endParaRPr lang="de-CH" dirty="0"/>
+          </a:p>
+        </p:txBody>
+      </p:sp>
+      <p:sp>
+        <p:nvSpPr>
+          <p:cNvPr id="3" name="Inhaltsplatzhalter 2"/>
+          <p:cNvSpPr>
+            <a:spLocks noGrp="1"/>
+          </p:cNvSpPr>
+          <p:nvPr>
+            <p:ph idx="1"/>
+          </p:nvPr>
+        </p:nvSpPr>
+        <p:spPr/>
+        <p:txBody>
+          <a:bodyPr/>
+          <a:lstStyle/>
+          <a:p>
+            <a:r>
+              <a:rPr lang="de-CH" dirty="0" smtClean="0"/>
+              <a:t>Entfernen des Faktors</a:t>
+            </a:r>
+          </a:p>
+          <a:p>
+            <a:pPr lvl="1"/>
+            <a:r>
+              <a:rPr lang="de-CH" dirty="0" smtClean="0"/>
+              <a:t>Bruchwerte</a:t>
+            </a:r>
+          </a:p>
+          <a:p>
+            <a:pPr lvl="1"/>
+            <a:endParaRPr lang="de-CH" dirty="0"/>
+          </a:p>
+          <a:p>
+            <a:pPr lvl="1"/>
+            <a:endParaRPr lang="de-CH" dirty="0" smtClean="0"/>
+          </a:p>
+          <a:p>
+            <a:pPr lvl="1"/>
+            <a:endParaRPr lang="de-CH" dirty="0"/>
+          </a:p>
+          <a:p>
+            <a:pPr lvl="1"/>
+            <a:endParaRPr lang="de-CH" dirty="0" smtClean="0"/>
+          </a:p>
+          <a:p>
+            <a:pPr lvl="1"/>
+            <a:r>
+              <a:rPr lang="de-CH" dirty="0" err="1" smtClean="0"/>
+              <a:t>Kenterwert</a:t>
+            </a:r>
+            <a:endParaRPr lang="de-CH" dirty="0" smtClean="0"/>
+          </a:p>
+        </p:txBody>
+      </p:sp>
+      <p:graphicFrame>
+        <p:nvGraphicFramePr>
+          <p:cNvPr id="12" name="Table 11"/>
+          <p:cNvGraphicFramePr>
+            <a:graphicFrameLocks noGrp="1"/>
+          </p:cNvGraphicFramePr>
+          <p:nvPr>
+            <p:extLst>
+              <p:ext uri="{D42A27DB-BD31-4B8C-83A1-F6EECF244321}">
+                <p14:modId xmlns:p14="http://schemas.microsoft.com/office/powerpoint/2010/main" val="4284011483"/>
+              </p:ext>
+            </p:extLst>
+          </p:nvPr>
+        </p:nvGraphicFramePr>
+        <p:xfrm>
+          <a:off x="1619672" y="2420888"/>
+          <a:ext cx="5128497" cy="504056"/>
+        </p:xfrm>
+        <a:graphic>
+          <a:graphicData uri="http://schemas.openxmlformats.org/drawingml/2006/table">
+            <a:tbl>
+              <a:tblPr firstRow="1" bandRow="1">
+                <a:tableStyleId>{5940675A-B579-460E-94D1-54222C63F5DA}</a:tableStyleId>
+              </a:tblPr>
+              <a:tblGrid>
+                <a:gridCol w="569833"/>
+                <a:gridCol w="569833"/>
+                <a:gridCol w="569833"/>
+                <a:gridCol w="569833"/>
+                <a:gridCol w="569833"/>
+                <a:gridCol w="569833"/>
+                <a:gridCol w="569833"/>
+                <a:gridCol w="569833"/>
+                <a:gridCol w="569833"/>
+              </a:tblGrid>
+              <a:tr h="504056">
+                <a:tc>
+                  <a:txBody>
+                    <a:bodyPr/>
+                    <a:lstStyle/>
+                    <a:p>
+                      <a:pPr algn="ctr"/>
+                      <a:r>
+                        <a:rPr lang="de-CH" sz="2100" b="1" dirty="0" smtClean="0">
+                          <a:solidFill>
+                            <a:srgbClr val="008000"/>
+                          </a:solidFill>
+                        </a:rPr>
+                        <a:t>0</a:t>
+                      </a:r>
+                      <a:endParaRPr lang="de-CH" sz="2100" b="1" dirty="0">
+                        <a:solidFill>
+                          <a:srgbClr val="008000"/>
+                        </a:solidFill>
+                      </a:endParaRPr>
+                    </a:p>
+                  </a:txBody>
+                  <a:tcPr anchor="ctr"/>
+                </a:tc>
+                <a:tc>
+                  <a:txBody>
+                    <a:bodyPr/>
+                    <a:lstStyle/>
+                    <a:p>
+                      <a:pPr algn="ctr"/>
+                      <a:r>
+                        <a:rPr lang="de-CH" sz="2100" b="1" dirty="0" smtClean="0">
+                          <a:solidFill>
+                            <a:srgbClr val="C00000"/>
+                          </a:solidFill>
+                        </a:rPr>
+                        <a:t>5</a:t>
+                      </a:r>
+                    </a:p>
+                  </a:txBody>
+                  <a:tcPr anchor="ctr"/>
+                </a:tc>
+                <a:tc>
+                  <a:txBody>
+                    <a:bodyPr/>
+                    <a:lstStyle/>
+                    <a:p>
+                      <a:pPr algn="ctr"/>
+                      <a:r>
+                        <a:rPr lang="de-CH" sz="2100" b="1" dirty="0" smtClean="0">
+                          <a:solidFill>
+                            <a:srgbClr val="669900"/>
+                          </a:solidFill>
+                        </a:rPr>
+                        <a:t>0.5</a:t>
+                      </a:r>
+                    </a:p>
+                  </a:txBody>
+                  <a:tcPr anchor="ctr"/>
+                </a:tc>
+                <a:tc>
+                  <a:txBody>
+                    <a:bodyPr/>
+                    <a:lstStyle/>
+                    <a:p>
+                      <a:pPr algn="ctr"/>
+                      <a:r>
+                        <a:rPr lang="de-CH" sz="2100" b="1" dirty="0" smtClean="0">
+                          <a:solidFill>
+                            <a:srgbClr val="008000"/>
+                          </a:solidFill>
+                        </a:rPr>
+                        <a:t>0</a:t>
+                      </a:r>
+                      <a:endParaRPr lang="de-CH" sz="2100" b="1" dirty="0">
+                        <a:solidFill>
+                          <a:srgbClr val="008000"/>
+                        </a:solidFill>
+                      </a:endParaRPr>
+                    </a:p>
+                  </a:txBody>
+                  <a:tcPr anchor="ctr"/>
+                </a:tc>
+                <a:tc>
+                  <a:txBody>
+                    <a:bodyPr/>
+                    <a:lstStyle/>
+                    <a:p>
+                      <a:pPr algn="ctr"/>
+                      <a:r>
+                        <a:rPr lang="de-CH" sz="2100" b="1" dirty="0" smtClean="0">
+                          <a:solidFill>
+                            <a:srgbClr val="FF6600"/>
+                          </a:solidFill>
+                        </a:rPr>
+                        <a:t>2</a:t>
+                      </a:r>
+                      <a:endParaRPr lang="de-CH" sz="2100" b="1" dirty="0">
+                        <a:solidFill>
+                          <a:srgbClr val="FF6600"/>
+                        </a:solidFill>
+                      </a:endParaRPr>
+                    </a:p>
+                  </a:txBody>
+                  <a:tcPr anchor="ctr"/>
+                </a:tc>
+                <a:tc>
+                  <a:txBody>
+                    <a:bodyPr/>
+                    <a:lstStyle/>
+                    <a:p>
+                      <a:pPr algn="ctr"/>
+                      <a:r>
+                        <a:rPr lang="de-CH" sz="2100" b="1" dirty="0" smtClean="0">
+                          <a:solidFill>
+                            <a:srgbClr val="FF6600"/>
+                          </a:solidFill>
+                        </a:rPr>
+                        <a:t>2</a:t>
+                      </a:r>
+                      <a:endParaRPr lang="de-CH" sz="2100" b="1" dirty="0">
+                        <a:solidFill>
+                          <a:srgbClr val="FF6600"/>
+                        </a:solidFill>
+                      </a:endParaRPr>
+                    </a:p>
+                  </a:txBody>
+                  <a:tcPr anchor="ctr"/>
+                </a:tc>
+                <a:tc>
+                  <a:txBody>
+                    <a:bodyPr/>
+                    <a:lstStyle/>
+                    <a:p>
+                      <a:pPr algn="ctr"/>
+                      <a:r>
+                        <a:rPr lang="de-CH" sz="2100" b="1" dirty="0" smtClean="0">
+                          <a:solidFill>
+                            <a:srgbClr val="C00000"/>
+                          </a:solidFill>
+                        </a:rPr>
+                        <a:t>5.5</a:t>
+                      </a:r>
+                      <a:endParaRPr lang="de-CH" sz="2100" b="1" dirty="0">
+                        <a:solidFill>
+                          <a:srgbClr val="C00000"/>
+                        </a:solidFill>
+                      </a:endParaRPr>
+                    </a:p>
+                  </a:txBody>
+                  <a:tcPr anchor="ctr"/>
+                </a:tc>
+                <a:tc>
+                  <a:txBody>
+                    <a:bodyPr/>
+                    <a:lstStyle/>
+                    <a:p>
+                      <a:pPr algn="ctr"/>
+                      <a:r>
+                        <a:rPr lang="de-CH" sz="2100" b="1" dirty="0" smtClean="0">
+                          <a:solidFill>
+                            <a:srgbClr val="669900"/>
+                          </a:solidFill>
+                        </a:rPr>
+                        <a:t>1</a:t>
+                      </a:r>
+                      <a:endParaRPr lang="de-CH" sz="2100" b="1" dirty="0">
+                        <a:solidFill>
+                          <a:srgbClr val="669900"/>
+                        </a:solidFill>
+                      </a:endParaRPr>
+                    </a:p>
+                  </a:txBody>
+                  <a:tcPr anchor="ctr"/>
+                </a:tc>
+                <a:tc>
+                  <a:txBody>
+                    <a:bodyPr/>
+                    <a:lstStyle/>
+                    <a:p>
+                      <a:pPr algn="ctr"/>
+                      <a:r>
+                        <a:rPr lang="de-CH" sz="2100" b="1" dirty="0" smtClean="0">
+                          <a:solidFill>
+                            <a:srgbClr val="008000"/>
+                          </a:solidFill>
+                        </a:rPr>
+                        <a:t>0</a:t>
+                      </a:r>
+                      <a:endParaRPr lang="de-CH" sz="2100" b="1" dirty="0">
+                        <a:solidFill>
+                          <a:srgbClr val="008000"/>
+                        </a:solidFill>
+                      </a:endParaRPr>
+                    </a:p>
+                  </a:txBody>
+                  <a:tcPr anchor="ctr"/>
+                </a:tc>
+              </a:tr>
+            </a:tbl>
+          </a:graphicData>
+        </a:graphic>
+      </p:graphicFrame>
+      <p:graphicFrame>
+        <p:nvGraphicFramePr>
+          <p:cNvPr id="13" name="Table 12"/>
+          <p:cNvGraphicFramePr>
+            <a:graphicFrameLocks noGrp="1"/>
+          </p:cNvGraphicFramePr>
+          <p:nvPr>
+            <p:extLst>
+              <p:ext uri="{D42A27DB-BD31-4B8C-83A1-F6EECF244321}">
+                <p14:modId xmlns:p14="http://schemas.microsoft.com/office/powerpoint/2010/main" val="3695417781"/>
+              </p:ext>
+            </p:extLst>
+          </p:nvPr>
+        </p:nvGraphicFramePr>
+        <p:xfrm>
+          <a:off x="1619672" y="2996952"/>
+          <a:ext cx="5128497" cy="504056"/>
+        </p:xfrm>
+        <a:graphic>
+          <a:graphicData uri="http://schemas.openxmlformats.org/drawingml/2006/table">
+            <a:tbl>
+              <a:tblPr firstRow="1" bandRow="1">
+                <a:tableStyleId>{5940675A-B579-460E-94D1-54222C63F5DA}</a:tableStyleId>
+              </a:tblPr>
+              <a:tblGrid>
+                <a:gridCol w="569833"/>
+                <a:gridCol w="569833"/>
+                <a:gridCol w="569833"/>
+                <a:gridCol w="569833"/>
+                <a:gridCol w="569833"/>
+                <a:gridCol w="569833"/>
+                <a:gridCol w="569833"/>
+                <a:gridCol w="569833"/>
+                <a:gridCol w="569833"/>
+              </a:tblGrid>
+              <a:tr h="504056">
+                <a:tc>
+                  <a:txBody>
+                    <a:bodyPr/>
+                    <a:lstStyle/>
+                    <a:p>
+                      <a:pPr algn="ctr"/>
+                      <a:r>
+                        <a:rPr lang="de-CH" sz="2100" b="1" dirty="0" smtClean="0">
+                          <a:solidFill>
+                            <a:srgbClr val="008000"/>
+                          </a:solidFill>
+                        </a:rPr>
+                        <a:t>0</a:t>
+                      </a:r>
+                      <a:endParaRPr lang="de-CH" sz="2100" b="1" dirty="0">
+                        <a:solidFill>
+                          <a:srgbClr val="008000"/>
+                        </a:solidFill>
+                      </a:endParaRPr>
+                    </a:p>
+                  </a:txBody>
+                  <a:tcPr anchor="ctr"/>
+                </a:tc>
+                <a:tc>
+                  <a:txBody>
+                    <a:bodyPr/>
+                    <a:lstStyle/>
+                    <a:p>
+                      <a:pPr algn="ctr"/>
+                      <a:r>
+                        <a:rPr lang="de-CH" sz="2100" b="1" dirty="0" smtClean="0">
+                          <a:solidFill>
+                            <a:srgbClr val="C00000"/>
+                          </a:solidFill>
+                        </a:rPr>
+                        <a:t>1</a:t>
+                      </a:r>
+                    </a:p>
+                  </a:txBody>
+                  <a:tcPr anchor="ctr"/>
+                </a:tc>
+                <a:tc>
+                  <a:txBody>
+                    <a:bodyPr/>
+                    <a:lstStyle/>
+                    <a:p>
+                      <a:pPr algn="ctr"/>
+                      <a:r>
+                        <a:rPr lang="de-CH" sz="2100" b="1" dirty="0" smtClean="0">
+                          <a:solidFill>
+                            <a:srgbClr val="669900"/>
+                          </a:solidFill>
+                        </a:rPr>
+                        <a:t>0.1</a:t>
+                      </a:r>
+                    </a:p>
+                  </a:txBody>
+                  <a:tcPr anchor="ctr"/>
+                </a:tc>
+                <a:tc>
+                  <a:txBody>
+                    <a:bodyPr/>
+                    <a:lstStyle/>
+                    <a:p>
+                      <a:pPr algn="ctr"/>
+                      <a:r>
+                        <a:rPr lang="de-CH" sz="2100" b="1" dirty="0" smtClean="0">
+                          <a:solidFill>
+                            <a:srgbClr val="008000"/>
+                          </a:solidFill>
+                        </a:rPr>
+                        <a:t>0</a:t>
+                      </a:r>
+                      <a:endParaRPr lang="de-CH" sz="2100" b="1" dirty="0">
+                        <a:solidFill>
+                          <a:srgbClr val="008000"/>
+                        </a:solidFill>
+                      </a:endParaRPr>
+                    </a:p>
+                  </a:txBody>
+                  <a:tcPr anchor="ctr"/>
+                </a:tc>
+                <a:tc>
+                  <a:txBody>
+                    <a:bodyPr/>
+                    <a:lstStyle/>
+                    <a:p>
+                      <a:pPr algn="ctr"/>
+                      <a:r>
+                        <a:rPr lang="de-CH" sz="2100" b="1" dirty="0" smtClean="0">
+                          <a:solidFill>
+                            <a:srgbClr val="FF6600"/>
+                          </a:solidFill>
+                        </a:rPr>
+                        <a:t>0.4</a:t>
+                      </a:r>
+                      <a:endParaRPr lang="de-CH" sz="2100" b="1" dirty="0">
+                        <a:solidFill>
+                          <a:srgbClr val="FF6600"/>
+                        </a:solidFill>
+                      </a:endParaRPr>
+                    </a:p>
+                  </a:txBody>
+                  <a:tcPr anchor="ctr"/>
+                </a:tc>
+                <a:tc>
+                  <a:txBody>
+                    <a:bodyPr/>
+                    <a:lstStyle/>
+                    <a:p>
+                      <a:pPr algn="ctr"/>
+                      <a:r>
+                        <a:rPr lang="de-CH" sz="2100" b="1" dirty="0" smtClean="0">
+                          <a:solidFill>
+                            <a:srgbClr val="FF6600"/>
+                          </a:solidFill>
+                        </a:rPr>
+                        <a:t>0.4</a:t>
+                      </a:r>
+                      <a:endParaRPr lang="de-CH" sz="2100" b="1" dirty="0">
+                        <a:solidFill>
+                          <a:srgbClr val="FF6600"/>
+                        </a:solidFill>
+                      </a:endParaRPr>
+                    </a:p>
+                  </a:txBody>
+                  <a:tcPr anchor="ctr"/>
+                </a:tc>
+                <a:tc>
+                  <a:txBody>
+                    <a:bodyPr/>
+                    <a:lstStyle/>
+                    <a:p>
+                      <a:pPr algn="ctr"/>
+                      <a:r>
+                        <a:rPr lang="de-CH" sz="2100" b="1" dirty="0" smtClean="0">
+                          <a:solidFill>
+                            <a:srgbClr val="C00000"/>
+                          </a:solidFill>
+                        </a:rPr>
+                        <a:t>1.1</a:t>
+                      </a:r>
+                      <a:endParaRPr lang="de-CH" sz="2100" b="1" dirty="0">
+                        <a:solidFill>
+                          <a:srgbClr val="C00000"/>
+                        </a:solidFill>
+                      </a:endParaRPr>
+                    </a:p>
+                  </a:txBody>
+                  <a:tcPr anchor="ctr"/>
+                </a:tc>
+                <a:tc>
+                  <a:txBody>
+                    <a:bodyPr/>
+                    <a:lstStyle/>
+                    <a:p>
+                      <a:pPr algn="ctr"/>
+                      <a:r>
+                        <a:rPr lang="de-CH" sz="2100" b="1" dirty="0" smtClean="0">
+                          <a:solidFill>
+                            <a:srgbClr val="669900"/>
+                          </a:solidFill>
+                        </a:rPr>
+                        <a:t>0.2</a:t>
+                      </a:r>
+                      <a:endParaRPr lang="de-CH" sz="2100" b="1" dirty="0">
+                        <a:solidFill>
+                          <a:srgbClr val="669900"/>
+                        </a:solidFill>
+                      </a:endParaRPr>
+                    </a:p>
+                  </a:txBody>
+                  <a:tcPr anchor="ctr"/>
+                </a:tc>
+                <a:tc>
+                  <a:txBody>
+                    <a:bodyPr/>
+                    <a:lstStyle/>
+                    <a:p>
+                      <a:pPr algn="ctr"/>
+                      <a:r>
+                        <a:rPr lang="de-CH" sz="2100" b="1" dirty="0" smtClean="0">
+                          <a:solidFill>
+                            <a:srgbClr val="008000"/>
+                          </a:solidFill>
+                        </a:rPr>
+                        <a:t>0</a:t>
+                      </a:r>
+                      <a:endParaRPr lang="de-CH" sz="2100" b="1" dirty="0">
+                        <a:solidFill>
+                          <a:srgbClr val="008000"/>
+                        </a:solidFill>
+                      </a:endParaRPr>
+                    </a:p>
+                  </a:txBody>
+                  <a:tcPr anchor="ctr"/>
+                </a:tc>
+              </a:tr>
+            </a:tbl>
+          </a:graphicData>
+        </a:graphic>
+      </p:graphicFrame>
+      <p:sp>
+        <p:nvSpPr>
+          <p:cNvPr id="10" name="Rectangle 9"/>
+          <p:cNvSpPr/>
+          <p:nvPr/>
+        </p:nvSpPr>
+        <p:spPr>
+          <a:xfrm>
+            <a:off x="1539695" y="4586317"/>
+            <a:ext cx="2167581" cy="400110"/>
+          </a:xfrm>
+          <a:prstGeom prst="rect">
+            <a:avLst/>
+          </a:prstGeom>
+        </p:spPr>
+        <p:txBody>
+          <a:bodyPr wrap="none">
+            <a:spAutoFit/>
+          </a:bodyPr>
+          <a:lstStyle/>
+          <a:p>
+            <a:pPr algn="ctr"/>
+            <a:r>
+              <a:rPr lang="de-CH" sz="2000" b="1" dirty="0" smtClean="0">
+                <a:solidFill>
+                  <a:srgbClr val="C00000"/>
+                </a:solidFill>
+              </a:rPr>
+              <a:t>5.1   (/5)</a:t>
+            </a:r>
+            <a:r>
+              <a:rPr lang="de-CH" sz="2000" b="1" dirty="0" smtClean="0">
+                <a:solidFill>
+                  <a:srgbClr val="C00000"/>
+                </a:solidFill>
+                <a:sym typeface="Wingdings" panose="05000000000000000000" pitchFamily="2" charset="2"/>
+              </a:rPr>
+              <a:t>    1.02</a:t>
+            </a:r>
+            <a:endParaRPr lang="de-CH" sz="2000" b="1" dirty="0">
+              <a:solidFill>
+                <a:srgbClr val="C00000"/>
+              </a:solidFill>
+            </a:endParaRPr>
+          </a:p>
+        </p:txBody>
+      </p:sp>
+      <p:sp>
+        <p:nvSpPr>
+          <p:cNvPr id="15" name="Rectangle 14"/>
+          <p:cNvSpPr/>
+          <p:nvPr/>
+        </p:nvSpPr>
+        <p:spPr>
+          <a:xfrm>
+            <a:off x="1619672" y="3601482"/>
+            <a:ext cx="6914137" cy="461665"/>
+          </a:xfrm>
+          <a:prstGeom prst="rect">
+            <a:avLst/>
+          </a:prstGeom>
+        </p:spPr>
+        <p:txBody>
+          <a:bodyPr wrap="none">
+            <a:spAutoFit/>
+          </a:bodyPr>
+          <a:lstStyle/>
+          <a:p>
+            <a:r>
+              <a:rPr lang="de-CH" sz="2400" dirty="0"/>
+              <a:t>Werte &gt; 1  </a:t>
+            </a:r>
+            <a:r>
+              <a:rPr lang="de-CH" sz="2400" dirty="0">
+                <a:sym typeface="Wingdings" panose="05000000000000000000" pitchFamily="2" charset="2"/>
+              </a:rPr>
+              <a:t>  das Schiff </a:t>
+            </a:r>
+            <a:r>
+              <a:rPr lang="de-CH" sz="2400" dirty="0" smtClean="0">
+                <a:sym typeface="Wingdings" panose="05000000000000000000" pitchFamily="2" charset="2"/>
+              </a:rPr>
+              <a:t>bricht </a:t>
+            </a:r>
+            <a:r>
+              <a:rPr lang="de-CH" sz="2400" dirty="0">
+                <a:sym typeface="Wingdings" panose="05000000000000000000" pitchFamily="2" charset="2"/>
+              </a:rPr>
+              <a:t>an dieser Position</a:t>
+            </a:r>
+            <a:endParaRPr lang="de-CH" sz="2400" dirty="0"/>
+          </a:p>
+        </p:txBody>
+      </p:sp>
+      <p:sp>
+        <p:nvSpPr>
+          <p:cNvPr id="16" name="Rectangle 15"/>
+          <p:cNvSpPr/>
+          <p:nvPr/>
+        </p:nvSpPr>
+        <p:spPr>
+          <a:xfrm>
+            <a:off x="1619672" y="5090368"/>
+            <a:ext cx="6984776" cy="830997"/>
+          </a:xfrm>
+          <a:prstGeom prst="rect">
+            <a:avLst/>
+          </a:prstGeom>
+        </p:spPr>
+        <p:txBody>
+          <a:bodyPr wrap="square">
+            <a:spAutoFit/>
+          </a:bodyPr>
+          <a:lstStyle/>
+          <a:p>
+            <a:r>
+              <a:rPr lang="de-CH" sz="2400" dirty="0"/>
+              <a:t>Werte &gt; 1  </a:t>
+            </a:r>
+            <a:r>
+              <a:rPr lang="de-CH" sz="2400" dirty="0">
+                <a:sym typeface="Wingdings" panose="05000000000000000000" pitchFamily="2" charset="2"/>
+              </a:rPr>
+              <a:t>  das Schiff </a:t>
+            </a:r>
+            <a:r>
+              <a:rPr lang="de-CH" sz="2400" dirty="0" smtClean="0">
+                <a:sym typeface="Wingdings" panose="05000000000000000000" pitchFamily="2" charset="2"/>
+              </a:rPr>
+              <a:t>kentert nach </a:t>
+            </a:r>
+            <a:r>
+              <a:rPr lang="de-CH" sz="2400" dirty="0" smtClean="0">
+                <a:sym typeface="Wingdings" panose="05000000000000000000" pitchFamily="2" charset="2"/>
+              </a:rPr>
+              <a:t>links</a:t>
+            </a:r>
+            <a:endParaRPr lang="de-CH" sz="2400" dirty="0" smtClean="0">
+              <a:sym typeface="Wingdings" panose="05000000000000000000" pitchFamily="2" charset="2"/>
+            </a:endParaRPr>
+          </a:p>
+          <a:p>
+            <a:r>
+              <a:rPr lang="de-CH" sz="2400" dirty="0" smtClean="0">
+                <a:sym typeface="Wingdings" panose="05000000000000000000" pitchFamily="2" charset="2"/>
+              </a:rPr>
+              <a:t>Werte &lt; -1   das Schiff kentert nach </a:t>
+            </a:r>
+            <a:r>
+              <a:rPr lang="de-CH" sz="2400" dirty="0" smtClean="0">
+                <a:sym typeface="Wingdings" panose="05000000000000000000" pitchFamily="2" charset="2"/>
+              </a:rPr>
+              <a:t>rechts</a:t>
+            </a:r>
+            <a:endParaRPr lang="de-CH" sz="2400" dirty="0"/>
+          </a:p>
+        </p:txBody>
+      </p:sp>
+      <p:sp>
+        <p:nvSpPr>
+          <p:cNvPr id="20" name="Arc 19"/>
+          <p:cNvSpPr/>
+          <p:nvPr/>
+        </p:nvSpPr>
+        <p:spPr>
+          <a:xfrm>
+            <a:off x="6588224" y="2564904"/>
+            <a:ext cx="720080" cy="864096"/>
+          </a:xfrm>
+          <a:prstGeom prst="arc">
+            <a:avLst>
+              <a:gd name="adj1" fmla="val 16200000"/>
+              <a:gd name="adj2" fmla="val 5928860"/>
+            </a:avLst>
+          </a:prstGeom>
+          <a:ln w="38100">
+            <a:solidFill>
+              <a:srgbClr val="C00000"/>
+            </a:solidFill>
+            <a:tailEnd type="triangle" w="lg" len="lg"/>
+          </a:ln>
+        </p:spPr>
+        <p:style>
+          <a:lnRef idx="1">
+            <a:schemeClr val="accent1"/>
+          </a:lnRef>
+          <a:fillRef idx="0">
+            <a:schemeClr val="accent1"/>
+          </a:fillRef>
+          <a:effectRef idx="0">
+            <a:schemeClr val="accent1"/>
+          </a:effectRef>
+          <a:fontRef idx="minor">
+            <a:schemeClr val="tx1"/>
+          </a:fontRef>
+        </p:style>
+        <p:txBody>
+          <a:bodyPr rtlCol="0" anchor="ctr"/>
+          <a:lstStyle/>
+          <a:p>
+            <a:pPr algn="ctr"/>
+            <a:endParaRPr lang="de-CH"/>
+          </a:p>
+        </p:txBody>
+      </p:sp>
+      <p:sp>
+        <p:nvSpPr>
+          <p:cNvPr id="21" name="Rectangle 20"/>
+          <p:cNvSpPr/>
+          <p:nvPr/>
+        </p:nvSpPr>
+        <p:spPr>
+          <a:xfrm>
+            <a:off x="7452320" y="2812286"/>
+            <a:ext cx="441146" cy="461665"/>
+          </a:xfrm>
+          <a:prstGeom prst="rect">
+            <a:avLst/>
+          </a:prstGeom>
+        </p:spPr>
+        <p:txBody>
+          <a:bodyPr wrap="none">
+            <a:spAutoFit/>
+          </a:bodyPr>
+          <a:lstStyle/>
+          <a:p>
+            <a:r>
+              <a:rPr lang="de-CH" sz="2400" b="1" dirty="0" smtClean="0">
+                <a:solidFill>
+                  <a:srgbClr val="C00000"/>
+                </a:solidFill>
+                <a:sym typeface="Wingdings" panose="05000000000000000000" pitchFamily="2" charset="2"/>
+              </a:rPr>
+              <a:t>/5</a:t>
+            </a:r>
+            <a:endParaRPr lang="de-CH" sz="2400" dirty="0"/>
+          </a:p>
+        </p:txBody>
+      </p:sp>
+    </p:spTree>
+    <p:extLst>
+      <p:ext uri="{BB962C8B-B14F-4D97-AF65-F5344CB8AC3E}">
+        <p14:creationId xmlns:p14="http://schemas.microsoft.com/office/powerpoint/2010/main" val="592054257"/>
+      </p:ext>
+    </p:extLst>
+  </p:cSld>
+  <p:clrMapOvr>
+    <a:masterClrMapping/>
+  </p:clrMapOvr>
+  <p:timing>
+    <p:tnLst>
+      <p:par>
+        <p:cTn id="1" dur="indefinite" restart="never" nodeType="tmRoot">
+          <p:childTnLst>
+            <p:seq concurrent="1" nextAc="seek">
+              <p:cTn id="2" dur="indefinite" nodeType="mainSeq">
+                <p:childTnLst>
+                  <p:par>
+                    <p:cTn id="3" fill="hold">
+                      <p:stCondLst>
+                        <p:cond delay="indefinite"/>
+                      </p:stCondLst>
+                      <p:childTnLst>
+                        <p:par>
+                          <p:cTn id="4" fill="hold">
+                            <p:stCondLst>
+                              <p:cond delay="0"/>
+                            </p:stCondLst>
+                            <p:childTnLst>
+                              <p:par>
+                                <p:cTn id="5" presetID="1" presetClass="entr" presetSubtype="0" fill="hold" nodeType="clickEffect">
+                                  <p:stCondLst>
+                                    <p:cond delay="0"/>
+                                  </p:stCondLst>
+                                  <p:childTnLst>
+                                    <p:set>
+                                      <p:cBhvr>
+                                        <p:cTn id="6" dur="1" fill="hold">
+                                          <p:stCondLst>
+                                            <p:cond delay="0"/>
+                                          </p:stCondLst>
+                                        </p:cTn>
+                                        <p:tgtEl>
+                                          <p:spTgt spid="3">
+                                            <p:txEl>
+                                              <p:pRg st="1" end="1"/>
+                                            </p:txEl>
+                                          </p:spTgt>
+                                        </p:tgtEl>
+                                        <p:attrNameLst>
+                                          <p:attrName>style.visibility</p:attrName>
+                                        </p:attrNameLst>
+                                      </p:cBhvr>
+                                      <p:to>
+                                        <p:strVal val="visible"/>
+                                      </p:to>
+                                    </p:set>
+                                  </p:childTnLst>
+                                </p:cTn>
+                              </p:par>
+                            </p:childTnLst>
+                          </p:cTn>
+                        </p:par>
+                      </p:childTnLst>
+                    </p:cTn>
+                  </p:par>
+                  <p:par>
+                    <p:cTn id="7" fill="hold">
+                      <p:stCondLst>
+                        <p:cond delay="indefinite"/>
+                      </p:stCondLst>
+                      <p:childTnLst>
+                        <p:par>
+                          <p:cTn id="8" fill="hold">
+                            <p:stCondLst>
+                              <p:cond delay="0"/>
+                            </p:stCondLst>
+                            <p:childTnLst>
+                              <p:par>
+                                <p:cTn id="9" presetID="1" presetClass="entr" presetSubtype="0" fill="hold" nodeType="clickEffect">
+                                  <p:stCondLst>
+                                    <p:cond delay="0"/>
+                                  </p:stCondLst>
+                                  <p:childTnLst>
+                                    <p:set>
+                                      <p:cBhvr>
+                                        <p:cTn id="10" dur="1" fill="hold">
+                                          <p:stCondLst>
+                                            <p:cond delay="0"/>
+                                          </p:stCondLst>
+                                        </p:cTn>
+                                        <p:tgtEl>
+                                          <p:spTgt spid="12"/>
+                                        </p:tgtEl>
+                                        <p:attrNameLst>
+                                          <p:attrName>style.visibility</p:attrName>
+                                        </p:attrNameLst>
+                                      </p:cBhvr>
+                                      <p:to>
+                                        <p:strVal val="visible"/>
+                                      </p:to>
+                                    </p:set>
+                                  </p:childTnLst>
+                                </p:cTn>
+                              </p:par>
+                            </p:childTnLst>
+                          </p:cTn>
+                        </p:par>
+                      </p:childTnLst>
+                    </p:cTn>
+                  </p:par>
+                  <p:par>
+                    <p:cTn id="11" fill="hold">
+                      <p:stCondLst>
+                        <p:cond delay="indefinite"/>
+                      </p:stCondLst>
+                      <p:childTnLst>
+                        <p:par>
+                          <p:cTn id="12" fill="hold">
+                            <p:stCondLst>
+                              <p:cond delay="0"/>
+                            </p:stCondLst>
+                            <p:childTnLst>
+                              <p:par>
+                                <p:cTn id="13" presetID="1" presetClass="entr" presetSubtype="0" fill="hold" grpId="0" nodeType="clickEffect">
+                                  <p:stCondLst>
+                                    <p:cond delay="0"/>
+                                  </p:stCondLst>
+                                  <p:childTnLst>
+                                    <p:set>
+                                      <p:cBhvr>
+                                        <p:cTn id="14" dur="1" fill="hold">
+                                          <p:stCondLst>
+                                            <p:cond delay="0"/>
+                                          </p:stCondLst>
+                                        </p:cTn>
+                                        <p:tgtEl>
+                                          <p:spTgt spid="20"/>
+                                        </p:tgtEl>
+                                        <p:attrNameLst>
+                                          <p:attrName>style.visibility</p:attrName>
+                                        </p:attrNameLst>
+                                      </p:cBhvr>
+                                      <p:to>
+                                        <p:strVal val="visible"/>
+                                      </p:to>
+                                    </p:set>
+                                  </p:childTnLst>
+                                </p:cTn>
+                              </p:par>
+                              <p:par>
+                                <p:cTn id="15" presetID="1" presetClass="entr" presetSubtype="0" fill="hold" grpId="0" nodeType="withEffect">
+                                  <p:stCondLst>
+                                    <p:cond delay="0"/>
+                                  </p:stCondLst>
+                                  <p:childTnLst>
+                                    <p:set>
+                                      <p:cBhvr>
+                                        <p:cTn id="16" dur="1" fill="hold">
+                                          <p:stCondLst>
+                                            <p:cond delay="0"/>
+                                          </p:stCondLst>
+                                        </p:cTn>
+                                        <p:tgtEl>
+                                          <p:spTgt spid="21"/>
+                                        </p:tgtEl>
+                                        <p:attrNameLst>
+                                          <p:attrName>style.visibility</p:attrName>
+                                        </p:attrNameLst>
+                                      </p:cBhvr>
+                                      <p:to>
+                                        <p:strVal val="visible"/>
+                                      </p:to>
+                                    </p:set>
+                                  </p:childTnLst>
+                                </p:cTn>
+                              </p:par>
+                              <p:par>
+                                <p:cTn id="17" presetID="1" presetClass="entr" presetSubtype="0" fill="hold" nodeType="withEffect">
+                                  <p:stCondLst>
+                                    <p:cond delay="0"/>
+                                  </p:stCondLst>
+                                  <p:childTnLst>
+                                    <p:set>
+                                      <p:cBhvr>
+                                        <p:cTn id="18" dur="1" fill="hold">
+                                          <p:stCondLst>
+                                            <p:cond delay="0"/>
+                                          </p:stCondLst>
+                                        </p:cTn>
+                                        <p:tgtEl>
+                                          <p:spTgt spid="13"/>
+                                        </p:tgtEl>
+                                        <p:attrNameLst>
+                                          <p:attrName>style.visibility</p:attrName>
+                                        </p:attrNameLst>
+                                      </p:cBhvr>
+                                      <p:to>
+                                        <p:strVal val="visible"/>
+                                      </p:to>
+                                    </p:set>
+                                  </p:childTnLst>
+                                </p:cTn>
+                              </p:par>
+                            </p:childTnLst>
+                          </p:cTn>
+                        </p:par>
+                      </p:childTnLst>
+                    </p:cTn>
+                  </p:par>
+                  <p:par>
+                    <p:cTn id="19" fill="hold">
+                      <p:stCondLst>
+                        <p:cond delay="indefinite"/>
+                      </p:stCondLst>
+                      <p:childTnLst>
+                        <p:par>
+                          <p:cTn id="20" fill="hold">
+                            <p:stCondLst>
+                              <p:cond delay="0"/>
+                            </p:stCondLst>
+                            <p:childTnLst>
+                              <p:par>
+                                <p:cTn id="21" presetID="1" presetClass="entr" presetSubtype="0" fill="hold" grpId="0" nodeType="clickEffect">
+                                  <p:stCondLst>
+                                    <p:cond delay="0"/>
+                                  </p:stCondLst>
+                                  <p:childTnLst>
+                                    <p:set>
+                                      <p:cBhvr>
+                                        <p:cTn id="22" dur="1" fill="hold">
+                                          <p:stCondLst>
+                                            <p:cond delay="0"/>
+                                          </p:stCondLst>
+                                        </p:cTn>
+                                        <p:tgtEl>
+                                          <p:spTgt spid="15"/>
+                                        </p:tgtEl>
+                                        <p:attrNameLst>
+                                          <p:attrName>style.visibility</p:attrName>
+                                        </p:attrNameLst>
+                                      </p:cBhvr>
+                                      <p:to>
+                                        <p:strVal val="visible"/>
+                                      </p:to>
+                                    </p:set>
+                                  </p:childTnLst>
+                                </p:cTn>
+                              </p:par>
+                            </p:childTnLst>
+                          </p:cTn>
+                        </p:par>
+                      </p:childTnLst>
+                    </p:cTn>
+                  </p:par>
+                  <p:par>
+                    <p:cTn id="23" fill="hold">
+                      <p:stCondLst>
+                        <p:cond delay="indefinite"/>
+                      </p:stCondLst>
+                      <p:childTnLst>
+                        <p:par>
+                          <p:cTn id="24" fill="hold">
+                            <p:stCondLst>
+                              <p:cond delay="0"/>
+                            </p:stCondLst>
+                            <p:childTnLst>
+                              <p:par>
+                                <p:cTn id="25" presetID="1" presetClass="entr" presetSubtype="0" fill="hold" nodeType="clickEffect">
+                                  <p:stCondLst>
+                                    <p:cond delay="0"/>
+                                  </p:stCondLst>
+                                  <p:childTnLst>
+                                    <p:set>
+                                      <p:cBhvr>
+                                        <p:cTn id="26" dur="1" fill="hold">
+                                          <p:stCondLst>
+                                            <p:cond delay="0"/>
+                                          </p:stCondLst>
+                                        </p:cTn>
+                                        <p:tgtEl>
+                                          <p:spTgt spid="3">
+                                            <p:txEl>
+                                              <p:pRg st="6" end="6"/>
+                                            </p:txEl>
+                                          </p:spTgt>
+                                        </p:tgtEl>
+                                        <p:attrNameLst>
+                                          <p:attrName>style.visibility</p:attrName>
+                                        </p:attrNameLst>
+                                      </p:cBhvr>
+                                      <p:to>
+                                        <p:strVal val="visible"/>
+                                      </p:to>
+                                    </p:set>
+                                  </p:childTnLst>
+                                </p:cTn>
+                              </p:par>
+                            </p:childTnLst>
+                          </p:cTn>
+                        </p:par>
+                      </p:childTnLst>
+                    </p:cTn>
+                  </p:par>
+                  <p:par>
+                    <p:cTn id="27" fill="hold">
+                      <p:stCondLst>
+                        <p:cond delay="indefinite"/>
+                      </p:stCondLst>
+                      <p:childTnLst>
+                        <p:par>
+                          <p:cTn id="28" fill="hold">
+                            <p:stCondLst>
+                              <p:cond delay="0"/>
+                            </p:stCondLst>
+                            <p:childTnLst>
+                              <p:par>
+                                <p:cTn id="29" presetID="1" presetClass="entr" presetSubtype="0" fill="hold" grpId="0" nodeType="clickEffect">
+                                  <p:stCondLst>
+                                    <p:cond delay="0"/>
+                                  </p:stCondLst>
+                                  <p:childTnLst>
+                                    <p:set>
+                                      <p:cBhvr>
+                                        <p:cTn id="30" dur="1" fill="hold">
+                                          <p:stCondLst>
+                                            <p:cond delay="0"/>
+                                          </p:stCondLst>
+                                        </p:cTn>
+                                        <p:tgtEl>
+                                          <p:spTgt spid="10"/>
+                                        </p:tgtEl>
+                                        <p:attrNameLst>
+                                          <p:attrName>style.visibility</p:attrName>
+                                        </p:attrNameLst>
+                                      </p:cBhvr>
+                                      <p:to>
+                                        <p:strVal val="visible"/>
+                                      </p:to>
+                                    </p:set>
+                                  </p:childTnLst>
+                                </p:cTn>
+                              </p:par>
+                            </p:childTnLst>
+                          </p:cTn>
+                        </p:par>
+                      </p:childTnLst>
+                    </p:cTn>
+                  </p:par>
+                  <p:par>
+                    <p:cTn id="31" fill="hold">
+                      <p:stCondLst>
+                        <p:cond delay="indefinite"/>
+                      </p:stCondLst>
+                      <p:childTnLst>
+                        <p:par>
+                          <p:cTn id="32" fill="hold">
+                            <p:stCondLst>
+                              <p:cond delay="0"/>
+                            </p:stCondLst>
+                            <p:childTnLst>
+                              <p:par>
+                                <p:cTn id="33" presetID="1" presetClass="entr" presetSubtype="0" fill="hold" grpId="0" nodeType="clickEffect">
+                                  <p:stCondLst>
+                                    <p:cond delay="0"/>
+                                  </p:stCondLst>
+                                  <p:childTnLst>
+                                    <p:set>
+                                      <p:cBhvr>
+                                        <p:cTn id="34" dur="1" fill="hold">
+                                          <p:stCondLst>
+                                            <p:cond delay="0"/>
+                                          </p:stCondLst>
+                                        </p:cTn>
+                                        <p:tgtEl>
+                                          <p:spTgt spid="16"/>
+                                        </p:tgtEl>
+                                        <p:attrNameLst>
+                                          <p:attrName>style.visibility</p:attrName>
+                                        </p:attrNameLst>
+                                      </p:cBhvr>
+                                      <p:to>
+                                        <p:strVal val="visible"/>
+                                      </p:to>
+                                    </p:set>
+                                  </p:childTnLst>
+                                </p:cTn>
+                              </p:par>
+                            </p:childTnLst>
+                          </p:cTn>
+                        </p:par>
+                      </p:childTnLst>
+                    </p:cTn>
+                  </p:par>
+                </p:childTnLst>
+              </p:cTn>
+              <p:prevCondLst>
+                <p:cond evt="onPrev" delay="0">
+                  <p:tgtEl>
+                    <p:sldTgt/>
+                  </p:tgtEl>
+                </p:cond>
+              </p:prevCondLst>
+              <p:nextCondLst>
+                <p:cond evt="onNext" delay="0">
+                  <p:tgtEl>
+                    <p:sldTgt/>
+                  </p:tgtEl>
+                </p:cond>
+              </p:nextCondLst>
+            </p:seq>
+          </p:childTnLst>
+        </p:cTn>
+      </p:par>
+    </p:tnLst>
+    <p:bldLst>
+      <p:bldP spid="10" grpId="0"/>
+      <p:bldP spid="15" grpId="0"/>
+      <p:bldP spid="16" grpId="0"/>
+      <p:bldP spid="20" grpId="0" animBg="1"/>
+      <p:bldP spid="21" grpId="0"/>
+    </p:bldLst>
+  </p:timing>
+</p:sld>
+</file>
+
+<file path=ppt/slides/slide16.xml><?xml version="1.0" encoding="utf-8"?>
 <p:sld xmlns:a="http://schemas.openxmlformats.org/drawingml/2006/main" xmlns:r="http://schemas.openxmlformats.org/officeDocument/2006/relationships" xmlns:p="http://schemas.openxmlformats.org/presentationml/2006/main">
   <p:cSld>
     <p:spTree>
@@ -4931,7 +11421,7 @@
 </p:sld>
 </file>
 
-<file path=ppt/slides/slide13.xml><?xml version="1.0" encoding="utf-8"?>
+<file path=ppt/slides/slide17.xml><?xml version="1.0" encoding="utf-8"?>
 <p:sld xmlns:a="http://schemas.openxmlformats.org/drawingml/2006/main" xmlns:r="http://schemas.openxmlformats.org/officeDocument/2006/relationships" xmlns:p="http://schemas.openxmlformats.org/presentationml/2006/main">
   <p:cSld>
     <p:spTree>
@@ -4993,7 +11483,7 @@
 </p:sld>
 </file>
 
-<file path=ppt/slides/slide14.xml><?xml version="1.0" encoding="utf-8"?>
+<file path=ppt/slides/slide18.xml><?xml version="1.0" encoding="utf-8"?>
 <p:sld xmlns:a="http://schemas.openxmlformats.org/drawingml/2006/main" xmlns:r="http://schemas.openxmlformats.org/officeDocument/2006/relationships" xmlns:p="http://schemas.openxmlformats.org/presentationml/2006/main">
   <p:cSld>
     <p:spTree>

--- a/Documents/Design/Design_Präsentation_v1.pptx
+++ b/Documents/Design/Design_Präsentation_v1.pptx
@@ -5,10 +5,10 @@
     <p:sldMasterId id="2147483696" r:id="rId1"/>
   </p:sldMasterIdLst>
   <p:notesMasterIdLst>
-    <p:notesMasterId r:id="rId20"/>
+    <p:notesMasterId r:id="rId24"/>
   </p:notesMasterIdLst>
   <p:handoutMasterIdLst>
-    <p:handoutMasterId r:id="rId21"/>
+    <p:handoutMasterId r:id="rId25"/>
   </p:handoutMasterIdLst>
   <p:sldIdLst>
     <p:sldId id="256" r:id="rId2"/>
@@ -27,8 +27,12 @@
     <p:sldId id="286" r:id="rId15"/>
     <p:sldId id="287" r:id="rId16"/>
     <p:sldId id="276" r:id="rId17"/>
-    <p:sldId id="267" r:id="rId18"/>
-    <p:sldId id="272" r:id="rId19"/>
+    <p:sldId id="290" r:id="rId18"/>
+    <p:sldId id="289" r:id="rId19"/>
+    <p:sldId id="291" r:id="rId20"/>
+    <p:sldId id="292" r:id="rId21"/>
+    <p:sldId id="267" r:id="rId22"/>
+    <p:sldId id="272" r:id="rId23"/>
   </p:sldIdLst>
   <p:sldSz cx="9144000" cy="6858000" type="screen4x3"/>
   <p:notesSz cx="6858000" cy="9144000"/>
@@ -129,7 +133,7 @@
   </p:defaultTextStyle>
   <p:extLst>
     <p:ext uri="{EFAFB233-063F-42B5-8137-9DF3F51BA10A}">
-      <p15:sldGuideLst xmlns:p15="http://schemas.microsoft.com/office/powerpoint/2012/main" xmlns="">
+      <p15:sldGuideLst xmlns:p15="http://schemas.microsoft.com/office/powerpoint/2012/main">
         <p15:guide id="1" orient="horz" pos="2160">
           <p15:clr>
             <a:srgbClr val="A4A3A4"/>
@@ -143,7 +147,7 @@
       </p15:sldGuideLst>
     </p:ext>
     <p:ext uri="{2D200454-40CA-4A62-9FC3-DE9A4176ACB9}">
-      <p15:notesGuideLst xmlns:p15="http://schemas.microsoft.com/office/powerpoint/2012/main" xmlns=""/>
+      <p15:notesGuideLst xmlns:p15="http://schemas.microsoft.com/office/powerpoint/2012/main"/>
     </p:ext>
   </p:extLst>
 </p:presentation>
@@ -231,7 +235,7 @@
           <a:p>
             <a:fld id="{4B25F24D-90CF-44A7-A9EA-C384FF6564EC}" type="datetimeFigureOut">
               <a:rPr lang="de-CH" smtClean="0"/>
-              <a:t>15.11.2014</a:t>
+              <a:t>16.11.2014</a:t>
             </a:fld>
             <a:endParaRPr lang="de-CH"/>
           </a:p>
@@ -297,7 +301,7 @@
           <a:p>
             <a:fld id="{8FA47960-71E6-41D7-97C8-9D68B0218EF7}" type="slidenum">
               <a:rPr lang="de-CH" smtClean="0"/>
-              <a:t>‹#›</a:t>
+              <a:t>‹Nr.›</a:t>
             </a:fld>
             <a:endParaRPr lang="de-CH"/>
           </a:p>
@@ -396,7 +400,7 @@
           <a:p>
             <a:fld id="{F2686799-5163-409F-B733-C9681AE00980}" type="datetimeFigureOut">
               <a:rPr lang="de-CH" smtClean="0"/>
-              <a:t>15.11.2014</a:t>
+              <a:t>16.11.2014</a:t>
             </a:fld>
             <a:endParaRPr lang="de-CH"/>
           </a:p>
@@ -555,7 +559,7 @@
           <a:p>
             <a:fld id="{539D6FB8-A289-4D31-AE1B-368BC10F6FE7}" type="slidenum">
               <a:rPr lang="de-CH" smtClean="0"/>
-              <a:t>‹#›</a:t>
+              <a:t>‹Nr.›</a:t>
             </a:fld>
             <a:endParaRPr lang="de-CH"/>
           </a:p>
@@ -662,6 +666,174 @@
     </a:lvl9pPr>
   </p:notesStyle>
 </p:notesMaster>
+</file>
+
+<file path=ppt/notesSlides/notesSlide1.xml><?xml version="1.0" encoding="utf-8"?>
+<p:notes xmlns:a="http://schemas.openxmlformats.org/drawingml/2006/main" xmlns:r="http://schemas.openxmlformats.org/officeDocument/2006/relationships" xmlns:p="http://schemas.openxmlformats.org/presentationml/2006/main">
+  <p:cSld>
+    <p:spTree>
+      <p:nvGrpSpPr>
+        <p:cNvPr id="1" name=""/>
+        <p:cNvGrpSpPr/>
+        <p:nvPr/>
+      </p:nvGrpSpPr>
+      <p:grpSpPr>
+        <a:xfrm>
+          <a:off x="0" y="0"/>
+          <a:ext cx="0" cy="0"/>
+          <a:chOff x="0" y="0"/>
+          <a:chExt cx="0" cy="0"/>
+        </a:xfrm>
+      </p:grpSpPr>
+      <p:sp>
+        <p:nvSpPr>
+          <p:cNvPr id="2" name="Folienbildplatzhalter 1"/>
+          <p:cNvSpPr>
+            <a:spLocks noGrp="1" noRot="1" noChangeAspect="1"/>
+          </p:cNvSpPr>
+          <p:nvPr>
+            <p:ph type="sldImg"/>
+          </p:nvPr>
+        </p:nvSpPr>
+        <p:spPr/>
+      </p:sp>
+      <p:sp>
+        <p:nvSpPr>
+          <p:cNvPr id="3" name="Notizenplatzhalter 2"/>
+          <p:cNvSpPr>
+            <a:spLocks noGrp="1"/>
+          </p:cNvSpPr>
+          <p:nvPr>
+            <p:ph type="body" idx="1"/>
+          </p:nvPr>
+        </p:nvSpPr>
+        <p:spPr/>
+        <p:txBody>
+          <a:bodyPr/>
+          <a:lstStyle/>
+          <a:p>
+            <a:endParaRPr lang="de-CH" dirty="0"/>
+          </a:p>
+        </p:txBody>
+      </p:sp>
+      <p:sp>
+        <p:nvSpPr>
+          <p:cNvPr id="4" name="Foliennummernplatzhalter 3"/>
+          <p:cNvSpPr>
+            <a:spLocks noGrp="1"/>
+          </p:cNvSpPr>
+          <p:nvPr>
+            <p:ph type="sldNum" sz="quarter" idx="10"/>
+          </p:nvPr>
+        </p:nvSpPr>
+        <p:spPr/>
+        <p:txBody>
+          <a:bodyPr/>
+          <a:lstStyle/>
+          <a:p>
+            <a:fld id="{539D6FB8-A289-4D31-AE1B-368BC10F6FE7}" type="slidenum">
+              <a:rPr lang="de-CH" smtClean="0"/>
+              <a:t>17</a:t>
+            </a:fld>
+            <a:endParaRPr lang="de-CH"/>
+          </a:p>
+        </p:txBody>
+      </p:sp>
+    </p:spTree>
+    <p:extLst>
+      <p:ext uri="{BB962C8B-B14F-4D97-AF65-F5344CB8AC3E}">
+        <p14:creationId xmlns:p14="http://schemas.microsoft.com/office/powerpoint/2010/main" val="2106664737"/>
+      </p:ext>
+    </p:extLst>
+  </p:cSld>
+  <p:clrMapOvr>
+    <a:masterClrMapping/>
+  </p:clrMapOvr>
+</p:notes>
+</file>
+
+<file path=ppt/notesSlides/notesSlide2.xml><?xml version="1.0" encoding="utf-8"?>
+<p:notes xmlns:a="http://schemas.openxmlformats.org/drawingml/2006/main" xmlns:r="http://schemas.openxmlformats.org/officeDocument/2006/relationships" xmlns:p="http://schemas.openxmlformats.org/presentationml/2006/main">
+  <p:cSld>
+    <p:spTree>
+      <p:nvGrpSpPr>
+        <p:cNvPr id="1" name=""/>
+        <p:cNvGrpSpPr/>
+        <p:nvPr/>
+      </p:nvGrpSpPr>
+      <p:grpSpPr>
+        <a:xfrm>
+          <a:off x="0" y="0"/>
+          <a:ext cx="0" cy="0"/>
+          <a:chOff x="0" y="0"/>
+          <a:chExt cx="0" cy="0"/>
+        </a:xfrm>
+      </p:grpSpPr>
+      <p:sp>
+        <p:nvSpPr>
+          <p:cNvPr id="2" name="Folienbildplatzhalter 1"/>
+          <p:cNvSpPr>
+            <a:spLocks noGrp="1" noRot="1" noChangeAspect="1"/>
+          </p:cNvSpPr>
+          <p:nvPr>
+            <p:ph type="sldImg"/>
+          </p:nvPr>
+        </p:nvSpPr>
+        <p:spPr/>
+      </p:sp>
+      <p:sp>
+        <p:nvSpPr>
+          <p:cNvPr id="3" name="Notizenplatzhalter 2"/>
+          <p:cNvSpPr>
+            <a:spLocks noGrp="1"/>
+          </p:cNvSpPr>
+          <p:nvPr>
+            <p:ph type="body" idx="1"/>
+          </p:nvPr>
+        </p:nvSpPr>
+        <p:spPr/>
+        <p:txBody>
+          <a:bodyPr/>
+          <a:lstStyle/>
+          <a:p>
+            <a:endParaRPr lang="de-CH" dirty="0"/>
+          </a:p>
+        </p:txBody>
+      </p:sp>
+      <p:sp>
+        <p:nvSpPr>
+          <p:cNvPr id="4" name="Foliennummernplatzhalter 3"/>
+          <p:cNvSpPr>
+            <a:spLocks noGrp="1"/>
+          </p:cNvSpPr>
+          <p:nvPr>
+            <p:ph type="sldNum" sz="quarter" idx="10"/>
+          </p:nvPr>
+        </p:nvSpPr>
+        <p:spPr/>
+        <p:txBody>
+          <a:bodyPr/>
+          <a:lstStyle/>
+          <a:p>
+            <a:fld id="{539D6FB8-A289-4D31-AE1B-368BC10F6FE7}" type="slidenum">
+              <a:rPr lang="de-CH" smtClean="0"/>
+              <a:t>20</a:t>
+            </a:fld>
+            <a:endParaRPr lang="de-CH"/>
+          </a:p>
+        </p:txBody>
+      </p:sp>
+    </p:spTree>
+    <p:extLst>
+      <p:ext uri="{BB962C8B-B14F-4D97-AF65-F5344CB8AC3E}">
+        <p14:creationId xmlns:p14="http://schemas.microsoft.com/office/powerpoint/2010/main" val="1011459683"/>
+      </p:ext>
+    </p:extLst>
+  </p:cSld>
+  <p:clrMapOvr>
+    <a:masterClrMapping/>
+  </p:clrMapOvr>
+</p:notes>
 </file>
 
 <file path=ppt/slideLayouts/slideLayout1.xml><?xml version="1.0" encoding="utf-8"?>
@@ -836,7 +1008,7 @@
           <a:p>
             <a:fld id="{1BA50D42-C9CD-4801-B293-61D1F53EC57E}" type="datetimeFigureOut">
               <a:rPr lang="de-DE" smtClean="0"/>
-              <a:t>15.11.2014</a:t>
+              <a:t>16.11.2014</a:t>
             </a:fld>
             <a:endParaRPr lang="de-DE"/>
           </a:p>
@@ -894,7 +1066,7 @@
           <a:p>
             <a:fld id="{6C6AE60A-B69C-4790-82F7-3882EDF23186}" type="slidenum">
               <a:rPr lang="de-DE" smtClean="0"/>
-              <a:t>‹#›</a:t>
+              <a:t>‹Nr.›</a:t>
             </a:fld>
             <a:endParaRPr lang="de-DE"/>
           </a:p>
@@ -1035,7 +1207,7 @@
           <a:p>
             <a:fld id="{1BA50D42-C9CD-4801-B293-61D1F53EC57E}" type="datetimeFigureOut">
               <a:rPr lang="de-DE" smtClean="0"/>
-              <a:t>15.11.2014</a:t>
+              <a:t>16.11.2014</a:t>
             </a:fld>
             <a:endParaRPr lang="de-DE"/>
           </a:p>
@@ -1093,7 +1265,7 @@
           <a:p>
             <a:fld id="{6C6AE60A-B69C-4790-82F7-3882EDF23186}" type="slidenum">
               <a:rPr lang="de-DE" smtClean="0"/>
-              <a:t>‹#›</a:t>
+              <a:t>‹Nr.›</a:t>
             </a:fld>
             <a:endParaRPr lang="de-DE"/>
           </a:p>
@@ -1588,7 +1760,7 @@
           <a:p>
             <a:fld id="{1BA50D42-C9CD-4801-B293-61D1F53EC57E}" type="datetimeFigureOut">
               <a:rPr lang="de-DE" smtClean="0"/>
-              <a:t>15.11.2014</a:t>
+              <a:t>16.11.2014</a:t>
             </a:fld>
             <a:endParaRPr lang="de-DE"/>
           </a:p>
@@ -1619,7 +1791,7 @@
           <a:p>
             <a:fld id="{6C6AE60A-B69C-4790-82F7-3882EDF23186}" type="slidenum">
               <a:rPr lang="de-DE" smtClean="0"/>
-              <a:t>‹#›</a:t>
+              <a:t>‹Nr.›</a:t>
             </a:fld>
             <a:endParaRPr lang="de-DE"/>
           </a:p>
@@ -1858,7 +2030,7 @@
           <a:p>
             <a:fld id="{1BA50D42-C9CD-4801-B293-61D1F53EC57E}" type="datetimeFigureOut">
               <a:rPr lang="de-DE" smtClean="0"/>
-              <a:t>15.11.2014</a:t>
+              <a:t>16.11.2014</a:t>
             </a:fld>
             <a:endParaRPr lang="de-DE"/>
           </a:p>
@@ -1916,7 +2088,7 @@
           <a:p>
             <a:fld id="{6C6AE60A-B69C-4790-82F7-3882EDF23186}" type="slidenum">
               <a:rPr lang="de-DE" smtClean="0"/>
-              <a:t>‹#›</a:t>
+              <a:t>‹Nr.›</a:t>
             </a:fld>
             <a:endParaRPr lang="de-DE"/>
           </a:p>
@@ -2011,7 +2183,7 @@
           <a:p>
             <a:fld id="{1BA50D42-C9CD-4801-B293-61D1F53EC57E}" type="datetimeFigureOut">
               <a:rPr lang="de-DE" smtClean="0"/>
-              <a:t>15.11.2014</a:t>
+              <a:t>16.11.2014</a:t>
             </a:fld>
             <a:endParaRPr lang="de-DE"/>
           </a:p>
@@ -2069,7 +2241,7 @@
           <a:p>
             <a:fld id="{6C6AE60A-B69C-4790-82F7-3882EDF23186}" type="slidenum">
               <a:rPr lang="de-DE" smtClean="0"/>
-              <a:t>‹#›</a:t>
+              <a:t>‹Nr.›</a:t>
             </a:fld>
             <a:endParaRPr lang="de-DE"/>
           </a:p>
@@ -2393,7 +2565,7 @@
           <a:p>
             <a:fld id="{1BA50D42-C9CD-4801-B293-61D1F53EC57E}" type="datetimeFigureOut">
               <a:rPr lang="de-DE" smtClean="0"/>
-              <a:t>15.11.2014</a:t>
+              <a:t>16.11.2014</a:t>
             </a:fld>
             <a:endParaRPr lang="de-DE"/>
           </a:p>
@@ -2451,7 +2623,7 @@
           <a:p>
             <a:fld id="{6C6AE60A-B69C-4790-82F7-3882EDF23186}" type="slidenum">
               <a:rPr lang="de-DE" smtClean="0"/>
-              <a:t>‹#›</a:t>
+              <a:t>‹Nr.›</a:t>
             </a:fld>
             <a:endParaRPr lang="de-DE"/>
           </a:p>
@@ -2696,7 +2868,7 @@
           <a:p>
             <a:fld id="{1BA50D42-C9CD-4801-B293-61D1F53EC57E}" type="datetimeFigureOut">
               <a:rPr lang="de-DE" smtClean="0"/>
-              <a:t>15.11.2014</a:t>
+              <a:t>16.11.2014</a:t>
             </a:fld>
             <a:endParaRPr lang="de-DE"/>
           </a:p>
@@ -2754,7 +2926,7 @@
           <a:p>
             <a:fld id="{6C6AE60A-B69C-4790-82F7-3882EDF23186}" type="slidenum">
               <a:rPr lang="de-DE" smtClean="0"/>
-              <a:t>‹#›</a:t>
+              <a:t>‹Nr.›</a:t>
             </a:fld>
             <a:endParaRPr lang="de-DE"/>
           </a:p>
@@ -10803,30 +10975,15 @@
               <a:rPr lang="de-CH" sz="2400" dirty="0" smtClean="0">
                 <a:sym typeface="Wingdings" panose="05000000000000000000" pitchFamily="2" charset="2"/>
               </a:rPr>
-              <a:t>kentert nach </a:t>
+              <a:t>kentert nach links</a:t>
             </a:r>
-            <a:r>
-              <a:rPr lang="de-CH" sz="2400" dirty="0" smtClean="0">
-                <a:sym typeface="Wingdings" panose="05000000000000000000" pitchFamily="2" charset="2"/>
-              </a:rPr>
-              <a:t>links</a:t>
-            </a:r>
-            <a:endParaRPr lang="de-CH" sz="2400" dirty="0" smtClean="0">
-              <a:sym typeface="Wingdings" panose="05000000000000000000" pitchFamily="2" charset="2"/>
-            </a:endParaRPr>
           </a:p>
           <a:p>
             <a:r>
               <a:rPr lang="de-CH" sz="2400" dirty="0" smtClean="0">
                 <a:sym typeface="Wingdings" panose="05000000000000000000" pitchFamily="2" charset="2"/>
               </a:rPr>
-              <a:t>Werte &lt; -1   das Schiff kentert nach </a:t>
-            </a:r>
-            <a:r>
-              <a:rPr lang="de-CH" sz="2400" dirty="0" smtClean="0">
-                <a:sym typeface="Wingdings" panose="05000000000000000000" pitchFamily="2" charset="2"/>
-              </a:rPr>
-              <a:t>rechts</a:t>
+              <a:t>Werte &lt; -1   das Schiff kentert nach rechts</a:t>
             </a:r>
             <a:endParaRPr lang="de-CH" sz="2400" dirty="0"/>
           </a:p>
@@ -11397,10 +11554,376 @@
           <a:bodyPr/>
           <a:lstStyle/>
           <a:p>
-            <a:endParaRPr lang="de-CH"/>
+            <a:r>
+              <a:rPr lang="de-CH" dirty="0" smtClean="0"/>
+              <a:t>Modularer Aufbau</a:t>
+            </a:r>
+          </a:p>
+          <a:p>
+            <a:pPr lvl="1"/>
+            <a:r>
+              <a:rPr lang="de-CH" dirty="0" smtClean="0"/>
+              <a:t>Weniger </a:t>
+            </a:r>
+            <a:r>
+              <a:rPr lang="de-CH" dirty="0" smtClean="0"/>
+              <a:t>Speicherplatz</a:t>
+            </a:r>
+          </a:p>
+          <a:p>
+            <a:pPr lvl="1"/>
+            <a:r>
+              <a:rPr lang="de-CH" dirty="0" smtClean="0"/>
+              <a:t>Mehr Flexibilität</a:t>
+            </a:r>
+            <a:endParaRPr lang="de-CH" dirty="0"/>
           </a:p>
         </p:txBody>
       </p:sp>
+      <p:grpSp>
+        <p:nvGrpSpPr>
+          <p:cNvPr id="9" name="Gruppieren 8"/>
+          <p:cNvGrpSpPr/>
+          <p:nvPr/>
+        </p:nvGrpSpPr>
+        <p:grpSpPr>
+          <a:xfrm>
+            <a:off x="1835696" y="3212976"/>
+            <a:ext cx="5201306" cy="955797"/>
+            <a:chOff x="324268" y="2362333"/>
+            <a:chExt cx="11609278" cy="2133333"/>
+          </a:xfrm>
+          <a:effectLst>
+            <a:outerShdw blurRad="50800" dist="127000" dir="2700000" algn="tl" rotWithShape="0">
+              <a:prstClr val="black">
+                <a:alpha val="40000"/>
+              </a:prstClr>
+            </a:outerShdw>
+          </a:effectLst>
+        </p:grpSpPr>
+        <p:pic>
+          <p:nvPicPr>
+            <p:cNvPr id="4" name="Grafik 3"/>
+            <p:cNvPicPr>
+              <a:picLocks noChangeAspect="1"/>
+            </p:cNvPicPr>
+            <p:nvPr/>
+          </p:nvPicPr>
+          <p:blipFill>
+            <a:blip r:embed="rId2">
+              <a:extLst>
+                <a:ext uri="{28A0092B-C50C-407E-A947-70E740481C1C}">
+                  <a14:useLocalDpi xmlns:a14="http://schemas.microsoft.com/office/drawing/2010/main" val="0"/>
+                </a:ext>
+              </a:extLst>
+            </a:blip>
+            <a:stretch>
+              <a:fillRect/>
+            </a:stretch>
+          </p:blipFill>
+          <p:spPr>
+            <a:xfrm>
+              <a:off x="3505333" y="2362333"/>
+              <a:ext cx="2133333" cy="2133333"/>
+            </a:xfrm>
+            <a:prstGeom prst="rect">
+              <a:avLst/>
+            </a:prstGeom>
+          </p:spPr>
+        </p:pic>
+        <p:pic>
+          <p:nvPicPr>
+            <p:cNvPr id="5" name="Grafik 4"/>
+            <p:cNvPicPr>
+              <a:picLocks noChangeAspect="1"/>
+            </p:cNvPicPr>
+            <p:nvPr/>
+          </p:nvPicPr>
+          <p:blipFill>
+            <a:blip r:embed="rId3">
+              <a:extLst>
+                <a:ext uri="{28A0092B-C50C-407E-A947-70E740481C1C}">
+                  <a14:useLocalDpi xmlns:a14="http://schemas.microsoft.com/office/drawing/2010/main" val="0"/>
+                </a:ext>
+              </a:extLst>
+            </a:blip>
+            <a:stretch>
+              <a:fillRect/>
+            </a:stretch>
+          </p:blipFill>
+          <p:spPr>
+            <a:xfrm>
+              <a:off x="324268" y="2362333"/>
+              <a:ext cx="2133333" cy="2133333"/>
+            </a:xfrm>
+            <a:prstGeom prst="rect">
+              <a:avLst/>
+            </a:prstGeom>
+          </p:spPr>
+        </p:pic>
+        <p:pic>
+          <p:nvPicPr>
+            <p:cNvPr id="6" name="Grafik 5"/>
+            <p:cNvPicPr>
+              <a:picLocks noChangeAspect="1"/>
+            </p:cNvPicPr>
+            <p:nvPr/>
+          </p:nvPicPr>
+          <p:blipFill>
+            <a:blip r:embed="rId4">
+              <a:extLst>
+                <a:ext uri="{28A0092B-C50C-407E-A947-70E740481C1C}">
+                  <a14:useLocalDpi xmlns:a14="http://schemas.microsoft.com/office/drawing/2010/main" val="0"/>
+                </a:ext>
+              </a:extLst>
+            </a:blip>
+            <a:stretch>
+              <a:fillRect/>
+            </a:stretch>
+          </p:blipFill>
+          <p:spPr>
+            <a:xfrm>
+              <a:off x="7126986" y="2362333"/>
+              <a:ext cx="2133333" cy="2133333"/>
+            </a:xfrm>
+            <a:prstGeom prst="rect">
+              <a:avLst/>
+            </a:prstGeom>
+          </p:spPr>
+        </p:pic>
+        <p:pic>
+          <p:nvPicPr>
+            <p:cNvPr id="7" name="Grafik 6"/>
+            <p:cNvPicPr>
+              <a:picLocks noChangeAspect="1"/>
+            </p:cNvPicPr>
+            <p:nvPr/>
+          </p:nvPicPr>
+          <p:blipFill>
+            <a:blip r:embed="rId5">
+              <a:extLst>
+                <a:ext uri="{28A0092B-C50C-407E-A947-70E740481C1C}">
+                  <a14:useLocalDpi xmlns:a14="http://schemas.microsoft.com/office/drawing/2010/main" val="0"/>
+                </a:ext>
+              </a:extLst>
+            </a:blip>
+            <a:stretch>
+              <a:fillRect/>
+            </a:stretch>
+          </p:blipFill>
+          <p:spPr>
+            <a:xfrm>
+              <a:off x="11628784" y="3073444"/>
+              <a:ext cx="304762" cy="711111"/>
+            </a:xfrm>
+            <a:prstGeom prst="rect">
+              <a:avLst/>
+            </a:prstGeom>
+          </p:spPr>
+        </p:pic>
+        <p:pic>
+          <p:nvPicPr>
+            <p:cNvPr id="8" name="Grafik 7"/>
+            <p:cNvPicPr>
+              <a:picLocks noChangeAspect="1"/>
+            </p:cNvPicPr>
+            <p:nvPr/>
+          </p:nvPicPr>
+          <p:blipFill>
+            <a:blip r:embed="rId6">
+              <a:extLst>
+                <a:ext uri="{28A0092B-C50C-407E-A947-70E740481C1C}">
+                  <a14:useLocalDpi xmlns:a14="http://schemas.microsoft.com/office/drawing/2010/main" val="0"/>
+                </a:ext>
+              </a:extLst>
+            </a:blip>
+            <a:stretch>
+              <a:fillRect/>
+            </a:stretch>
+          </p:blipFill>
+          <p:spPr>
+            <a:xfrm>
+              <a:off x="9924881" y="2921063"/>
+              <a:ext cx="609524" cy="1015873"/>
+            </a:xfrm>
+            <a:prstGeom prst="rect">
+              <a:avLst/>
+            </a:prstGeom>
+          </p:spPr>
+        </p:pic>
+      </p:grpSp>
+      <p:grpSp>
+        <p:nvGrpSpPr>
+          <p:cNvPr id="16" name="Gruppieren 15"/>
+          <p:cNvGrpSpPr/>
+          <p:nvPr/>
+        </p:nvGrpSpPr>
+        <p:grpSpPr>
+          <a:xfrm>
+            <a:off x="873988" y="4628739"/>
+            <a:ext cx="7396024" cy="1680622"/>
+            <a:chOff x="505369" y="4681356"/>
+            <a:chExt cx="7396024" cy="1680622"/>
+          </a:xfrm>
+          <a:effectLst>
+            <a:outerShdw blurRad="50800" dist="127000" dir="2700000" algn="tl" rotWithShape="0">
+              <a:prstClr val="black">
+                <a:alpha val="40000"/>
+              </a:prstClr>
+            </a:outerShdw>
+          </a:effectLst>
+        </p:grpSpPr>
+        <p:pic>
+          <p:nvPicPr>
+            <p:cNvPr id="10" name="Grafik 9"/>
+            <p:cNvPicPr>
+              <a:picLocks noChangeAspect="1"/>
+            </p:cNvPicPr>
+            <p:nvPr/>
+          </p:nvPicPr>
+          <p:blipFill>
+            <a:blip r:embed="rId7" cstate="print">
+              <a:extLst>
+                <a:ext uri="{28A0092B-C50C-407E-A947-70E740481C1C}">
+                  <a14:useLocalDpi xmlns:a14="http://schemas.microsoft.com/office/drawing/2010/main" val="0"/>
+                </a:ext>
+              </a:extLst>
+            </a:blip>
+            <a:stretch>
+              <a:fillRect/>
+            </a:stretch>
+          </p:blipFill>
+          <p:spPr>
+            <a:xfrm>
+              <a:off x="3206562" y="5077809"/>
+              <a:ext cx="690137" cy="1281683"/>
+            </a:xfrm>
+            <a:prstGeom prst="rect">
+              <a:avLst/>
+            </a:prstGeom>
+          </p:spPr>
+        </p:pic>
+        <p:pic>
+          <p:nvPicPr>
+            <p:cNvPr id="11" name="Grafik 10"/>
+            <p:cNvPicPr>
+              <a:picLocks noChangeAspect="1"/>
+            </p:cNvPicPr>
+            <p:nvPr/>
+          </p:nvPicPr>
+          <p:blipFill>
+            <a:blip r:embed="rId8" cstate="print">
+              <a:extLst>
+                <a:ext uri="{28A0092B-C50C-407E-A947-70E740481C1C}">
+                  <a14:useLocalDpi xmlns:a14="http://schemas.microsoft.com/office/drawing/2010/main" val="0"/>
+                </a:ext>
+              </a:extLst>
+            </a:blip>
+            <a:stretch>
+              <a:fillRect/>
+            </a:stretch>
+          </p:blipFill>
+          <p:spPr>
+            <a:xfrm>
+              <a:off x="1242607" y="4913491"/>
+              <a:ext cx="1610320" cy="1446001"/>
+            </a:xfrm>
+            <a:prstGeom prst="rect">
+              <a:avLst/>
+            </a:prstGeom>
+          </p:spPr>
+        </p:pic>
+        <p:pic>
+          <p:nvPicPr>
+            <p:cNvPr id="12" name="Grafik 11"/>
+            <p:cNvPicPr>
+              <a:picLocks noChangeAspect="1"/>
+            </p:cNvPicPr>
+            <p:nvPr/>
+          </p:nvPicPr>
+          <p:blipFill>
+            <a:blip r:embed="rId9" cstate="print">
+              <a:extLst>
+                <a:ext uri="{28A0092B-C50C-407E-A947-70E740481C1C}">
+                  <a14:useLocalDpi xmlns:a14="http://schemas.microsoft.com/office/drawing/2010/main" val="0"/>
+                </a:ext>
+              </a:extLst>
+            </a:blip>
+            <a:stretch>
+              <a:fillRect/>
+            </a:stretch>
+          </p:blipFill>
+          <p:spPr>
+            <a:xfrm>
+              <a:off x="4250334" y="4948840"/>
+              <a:ext cx="1938956" cy="1413138"/>
+            </a:xfrm>
+            <a:prstGeom prst="rect">
+              <a:avLst/>
+            </a:prstGeom>
+          </p:spPr>
+        </p:pic>
+        <p:pic>
+          <p:nvPicPr>
+            <p:cNvPr id="13" name="Grafik 12"/>
+            <p:cNvPicPr>
+              <a:picLocks noChangeAspect="1"/>
+            </p:cNvPicPr>
+            <p:nvPr/>
+          </p:nvPicPr>
+          <p:blipFill>
+            <a:blip r:embed="rId10" cstate="print">
+              <a:extLst>
+                <a:ext uri="{28A0092B-C50C-407E-A947-70E740481C1C}">
+                  <a14:useLocalDpi xmlns:a14="http://schemas.microsoft.com/office/drawing/2010/main" val="0"/>
+                </a:ext>
+              </a:extLst>
+            </a:blip>
+            <a:stretch>
+              <a:fillRect/>
+            </a:stretch>
+          </p:blipFill>
+          <p:spPr>
+            <a:xfrm>
+              <a:off x="6685437" y="4681356"/>
+              <a:ext cx="1215956" cy="1643183"/>
+            </a:xfrm>
+            <a:prstGeom prst="rect">
+              <a:avLst/>
+            </a:prstGeom>
+          </p:spPr>
+        </p:pic>
+        <p:pic>
+          <p:nvPicPr>
+            <p:cNvPr id="15" name="Grafik 14"/>
+            <p:cNvPicPr>
+              <a:picLocks noChangeAspect="1"/>
+            </p:cNvPicPr>
+            <p:nvPr/>
+          </p:nvPicPr>
+          <p:blipFill>
+            <a:blip r:embed="rId11">
+              <a:extLst>
+                <a:ext uri="{28A0092B-C50C-407E-A947-70E740481C1C}">
+                  <a14:useLocalDpi xmlns:a14="http://schemas.microsoft.com/office/drawing/2010/main" val="0"/>
+                </a:ext>
+              </a:extLst>
+            </a:blip>
+            <a:stretch>
+              <a:fillRect/>
+            </a:stretch>
+          </p:blipFill>
+          <p:spPr>
+            <a:xfrm>
+              <a:off x="505369" y="5159264"/>
+              <a:ext cx="241091" cy="1165275"/>
+            </a:xfrm>
+            <a:prstGeom prst="rect">
+              <a:avLst/>
+            </a:prstGeom>
+          </p:spPr>
+        </p:pic>
+      </p:grpSp>
     </p:spTree>
     <p:extLst>
       <p:ext uri="{BB962C8B-B14F-4D97-AF65-F5344CB8AC3E}">
@@ -11445,28 +11968,321 @@
             <a:spLocks noGrp="1"/>
           </p:cNvSpPr>
           <p:nvPr>
-            <p:ph type="ctrTitle"/>
+            <p:ph type="title"/>
           </p:nvPr>
         </p:nvSpPr>
         <p:spPr/>
         <p:txBody>
           <a:bodyPr>
-            <a:normAutofit/>
+            <a:normAutofit fontScale="90000"/>
           </a:bodyPr>
           <a:lstStyle/>
           <a:p>
             <a:r>
               <a:rPr lang="de-CH" dirty="0" smtClean="0"/>
-              <a:t>Fragen?</a:t>
+              <a:t>Grafik</a:t>
             </a:r>
             <a:endParaRPr lang="de-CH" dirty="0"/>
+          </a:p>
+        </p:txBody>
+      </p:sp>
+      <p:sp>
+        <p:nvSpPr>
+          <p:cNvPr id="3" name="Inhaltsplatzhalter 2"/>
+          <p:cNvSpPr>
+            <a:spLocks noGrp="1"/>
+          </p:cNvSpPr>
+          <p:nvPr>
+            <p:ph idx="1"/>
+          </p:nvPr>
+        </p:nvSpPr>
+        <p:spPr/>
+        <p:txBody>
+          <a:bodyPr/>
+          <a:lstStyle/>
+          <a:p>
+            <a:r>
+              <a:rPr lang="de-CH" dirty="0" smtClean="0"/>
+              <a:t>Textur Atlas</a:t>
+            </a:r>
+          </a:p>
+          <a:p>
+            <a:pPr lvl="1"/>
+            <a:r>
+              <a:rPr lang="de-CH" dirty="0" smtClean="0"/>
+              <a:t>Weniger Filezugriffe</a:t>
+            </a:r>
+          </a:p>
+          <a:p>
+            <a:pPr lvl="1"/>
+            <a:r>
+              <a:rPr lang="de-CH" dirty="0" smtClean="0"/>
+              <a:t>Effizienter für OpenGL</a:t>
+            </a:r>
+          </a:p>
+          <a:p>
+            <a:pPr lvl="2"/>
+            <a:r>
+              <a:rPr lang="de-CH" dirty="0" smtClean="0"/>
+              <a:t>Power </a:t>
+            </a:r>
+            <a:r>
+              <a:rPr lang="de-CH" dirty="0" err="1" smtClean="0"/>
+              <a:t>of</a:t>
+            </a:r>
+            <a:r>
+              <a:rPr lang="de-CH" dirty="0" smtClean="0"/>
+              <a:t> </a:t>
+            </a:r>
+            <a:r>
+              <a:rPr lang="de-CH" dirty="0" err="1" smtClean="0"/>
+              <a:t>two</a:t>
+            </a:r>
+            <a:r>
+              <a:rPr lang="de-CH" dirty="0" smtClean="0"/>
+              <a:t> Textur</a:t>
+            </a:r>
+          </a:p>
+          <a:p>
+            <a:pPr lvl="2"/>
+            <a:r>
+              <a:rPr lang="de-CH" dirty="0" smtClean="0"/>
+              <a:t>Weniger </a:t>
+            </a:r>
+            <a:r>
+              <a:rPr lang="de-CH" dirty="0" err="1" smtClean="0"/>
+              <a:t>Texture</a:t>
+            </a:r>
+            <a:r>
+              <a:rPr lang="de-CH" dirty="0" smtClean="0"/>
+              <a:t> </a:t>
+            </a:r>
+            <a:r>
+              <a:rPr lang="de-CH" dirty="0" err="1" smtClean="0"/>
+              <a:t>Bindings</a:t>
+            </a:r>
+            <a:endParaRPr lang="de-CH" dirty="0" smtClean="0"/>
+          </a:p>
+          <a:p>
+            <a:pPr lvl="1"/>
+            <a:r>
+              <a:rPr lang="de-CH" dirty="0" smtClean="0"/>
+              <a:t>Zugriff auf Textur Regionen per Label</a:t>
+            </a:r>
+          </a:p>
+          <a:p>
+            <a:pPr lvl="2"/>
+            <a:r>
+              <a:rPr lang="de-CH" dirty="0" smtClean="0"/>
+              <a:t>Bezeichnung unabhängig vom </a:t>
+            </a:r>
+            <a:r>
+              <a:rPr lang="de-CH" dirty="0" err="1" smtClean="0"/>
+              <a:t>Datetyp</a:t>
+            </a:r>
+            <a:endParaRPr lang="de-CH" dirty="0"/>
+          </a:p>
+          <a:p>
+            <a:endParaRPr lang="de-CH" dirty="0"/>
+          </a:p>
+        </p:txBody>
+      </p:sp>
+      <p:pic>
+        <p:nvPicPr>
+          <p:cNvPr id="4" name="Grafik 3"/>
+          <p:cNvPicPr>
+            <a:picLocks noChangeAspect="1"/>
+          </p:cNvPicPr>
+          <p:nvPr/>
+        </p:nvPicPr>
+        <p:blipFill>
+          <a:blip r:embed="rId3" cstate="print">
+            <a:extLst>
+              <a:ext uri="{28A0092B-C50C-407E-A947-70E740481C1C}">
+                <a14:useLocalDpi xmlns:a14="http://schemas.microsoft.com/office/drawing/2010/main" val="0"/>
+              </a:ext>
+            </a:extLst>
+          </a:blip>
+          <a:stretch>
+            <a:fillRect/>
+          </a:stretch>
+        </p:blipFill>
+        <p:spPr>
+          <a:xfrm>
+            <a:off x="538480" y="4801640"/>
+            <a:ext cx="8426008" cy="1053251"/>
+          </a:xfrm>
+          <a:prstGeom prst="rect">
+            <a:avLst/>
+          </a:prstGeom>
+          <a:ln>
+            <a:solidFill>
+              <a:schemeClr val="tx1"/>
+            </a:solidFill>
+          </a:ln>
+          <a:effectLst>
+            <a:outerShdw blurRad="50800" dist="127000" dir="2700000" algn="tl" rotWithShape="0">
+              <a:prstClr val="black">
+                <a:alpha val="40000"/>
+              </a:prstClr>
+            </a:outerShdw>
+          </a:effectLst>
+        </p:spPr>
+      </p:pic>
+      <p:cxnSp>
+        <p:nvCxnSpPr>
+          <p:cNvPr id="6" name="Gerader Verbinder 5"/>
+          <p:cNvCxnSpPr/>
+          <p:nvPr/>
+        </p:nvCxnSpPr>
+        <p:spPr>
+          <a:xfrm>
+            <a:off x="538480" y="6097784"/>
+            <a:ext cx="8426008" cy="0"/>
+          </a:xfrm>
+          <a:prstGeom prst="line">
+            <a:avLst/>
+          </a:prstGeom>
+          <a:ln w="38100">
+            <a:solidFill>
+              <a:schemeClr val="tx2"/>
+            </a:solidFill>
+            <a:headEnd type="arrow" w="lg" len="lg"/>
+            <a:tailEnd type="arrow" w="lg" len="lg"/>
+          </a:ln>
+        </p:spPr>
+        <p:style>
+          <a:lnRef idx="1">
+            <a:schemeClr val="accent1"/>
+          </a:lnRef>
+          <a:fillRef idx="0">
+            <a:schemeClr val="accent1"/>
+          </a:fillRef>
+          <a:effectRef idx="0">
+            <a:schemeClr val="accent1"/>
+          </a:effectRef>
+          <a:fontRef idx="minor">
+            <a:schemeClr val="tx1"/>
+          </a:fontRef>
+        </p:style>
+      </p:cxnSp>
+      <p:cxnSp>
+        <p:nvCxnSpPr>
+          <p:cNvPr id="8" name="Gerader Verbinder 7"/>
+          <p:cNvCxnSpPr/>
+          <p:nvPr/>
+        </p:nvCxnSpPr>
+        <p:spPr>
+          <a:xfrm flipV="1">
+            <a:off x="358996" y="4801640"/>
+            <a:ext cx="0" cy="1053251"/>
+          </a:xfrm>
+          <a:prstGeom prst="line">
+            <a:avLst/>
+          </a:prstGeom>
+          <a:ln w="38100">
+            <a:solidFill>
+              <a:schemeClr val="tx2"/>
+            </a:solidFill>
+            <a:headEnd type="arrow" w="lg" len="lg"/>
+            <a:tailEnd type="arrow" w="lg" len="lg"/>
+          </a:ln>
+        </p:spPr>
+        <p:style>
+          <a:lnRef idx="1">
+            <a:schemeClr val="accent1"/>
+          </a:lnRef>
+          <a:fillRef idx="0">
+            <a:schemeClr val="accent1"/>
+          </a:fillRef>
+          <a:effectRef idx="0">
+            <a:schemeClr val="accent1"/>
+          </a:effectRef>
+          <a:fontRef idx="minor">
+            <a:schemeClr val="tx1"/>
+          </a:fontRef>
+        </p:style>
+      </p:cxnSp>
+      <p:sp>
+        <p:nvSpPr>
+          <p:cNvPr id="11" name="Textfeld 10"/>
+          <p:cNvSpPr txBox="1"/>
+          <p:nvPr/>
+        </p:nvSpPr>
+        <p:spPr>
+          <a:xfrm>
+            <a:off x="4095472" y="6156012"/>
+            <a:ext cx="936104" cy="369332"/>
+          </a:xfrm>
+          <a:prstGeom prst="rect">
+            <a:avLst/>
+          </a:prstGeom>
+          <a:noFill/>
+        </p:spPr>
+        <p:txBody>
+          <a:bodyPr wrap="square" rtlCol="0">
+            <a:spAutoFit/>
+          </a:bodyPr>
+          <a:lstStyle/>
+          <a:p>
+            <a:r>
+              <a:rPr lang="de-CH" dirty="0" smtClean="0">
+                <a:solidFill>
+                  <a:schemeClr val="tx2"/>
+                </a:solidFill>
+              </a:rPr>
+              <a:t>1024px</a:t>
+            </a:r>
+            <a:endParaRPr lang="de-CH" dirty="0">
+              <a:solidFill>
+                <a:schemeClr val="tx2"/>
+              </a:solidFill>
+            </a:endParaRPr>
+          </a:p>
+        </p:txBody>
+      </p:sp>
+      <p:sp>
+        <p:nvSpPr>
+          <p:cNvPr id="12" name="Textfeld 11"/>
+          <p:cNvSpPr txBox="1"/>
+          <p:nvPr/>
+        </p:nvSpPr>
+        <p:spPr>
+          <a:xfrm>
+            <a:off x="-13925" y="4432308"/>
+            <a:ext cx="936104" cy="369332"/>
+          </a:xfrm>
+          <a:prstGeom prst="rect">
+            <a:avLst/>
+          </a:prstGeom>
+          <a:noFill/>
+        </p:spPr>
+        <p:txBody>
+          <a:bodyPr wrap="square" rtlCol="0">
+            <a:spAutoFit/>
+          </a:bodyPr>
+          <a:lstStyle/>
+          <a:p>
+            <a:r>
+              <a:rPr lang="de-CH" dirty="0" smtClean="0">
+                <a:solidFill>
+                  <a:schemeClr val="tx2"/>
+                </a:solidFill>
+              </a:rPr>
+              <a:t>128px</a:t>
+            </a:r>
+            <a:endParaRPr lang="de-CH" dirty="0">
+              <a:solidFill>
+                <a:schemeClr val="tx2"/>
+              </a:solidFill>
+            </a:endParaRPr>
           </a:p>
         </p:txBody>
       </p:sp>
     </p:spTree>
     <p:extLst>
       <p:ext uri="{BB962C8B-B14F-4D97-AF65-F5344CB8AC3E}">
-        <p14:creationId xmlns:p14="http://schemas.microsoft.com/office/powerpoint/2010/main" val="887838879"/>
+        <p14:creationId xmlns:p14="http://schemas.microsoft.com/office/powerpoint/2010/main" val="3797515652"/>
       </p:ext>
     </p:extLst>
   </p:cSld>
@@ -11507,7 +12323,32 @@
             <a:spLocks noGrp="1"/>
           </p:cNvSpPr>
           <p:nvPr>
-            <p:ph type="ctrTitle"/>
+            <p:ph type="title"/>
+          </p:nvPr>
+        </p:nvSpPr>
+        <p:spPr/>
+        <p:txBody>
+          <a:bodyPr>
+            <a:normAutofit fontScale="90000"/>
+          </a:bodyPr>
+          <a:lstStyle/>
+          <a:p>
+            <a:r>
+              <a:rPr lang="de-CH" dirty="0" smtClean="0"/>
+              <a:t>Grafik</a:t>
+            </a:r>
+            <a:endParaRPr lang="de-CH" dirty="0"/>
+          </a:p>
+        </p:txBody>
+      </p:sp>
+      <p:sp>
+        <p:nvSpPr>
+          <p:cNvPr id="3" name="Inhaltsplatzhalter 2"/>
+          <p:cNvSpPr>
+            <a:spLocks noGrp="1"/>
+          </p:cNvSpPr>
+          <p:nvPr>
+            <p:ph idx="1"/>
           </p:nvPr>
         </p:nvSpPr>
         <p:spPr/>
@@ -11515,18 +12356,122 @@
           <a:bodyPr/>
           <a:lstStyle/>
           <a:p>
-            <a:endParaRPr lang="de-DE"/>
+            <a:r>
+              <a:rPr lang="de-CH" dirty="0" smtClean="0"/>
+              <a:t>Workflow:</a:t>
+            </a:r>
+          </a:p>
+          <a:p>
+            <a:pPr marL="560070" indent="-514350">
+              <a:buFont typeface="+mj-lt"/>
+              <a:buAutoNum type="arabicPeriod"/>
+            </a:pPr>
+            <a:r>
+              <a:rPr lang="de-CH" dirty="0" smtClean="0"/>
+              <a:t>Bilder in Photoshop erstellen</a:t>
+            </a:r>
+          </a:p>
+          <a:p>
+            <a:pPr marL="560070" indent="-514350">
+              <a:buFont typeface="+mj-lt"/>
+              <a:buAutoNum type="arabicPeriod"/>
+            </a:pPr>
+            <a:r>
+              <a:rPr lang="de-CH" dirty="0" smtClean="0"/>
+              <a:t>Per PS-Script Ebenen als Files exportieren</a:t>
+            </a:r>
+          </a:p>
+          <a:p>
+            <a:pPr marL="560070" indent="-514350">
+              <a:buFont typeface="+mj-lt"/>
+              <a:buAutoNum type="arabicPeriod"/>
+            </a:pPr>
+            <a:r>
+              <a:rPr lang="de-CH" dirty="0" smtClean="0"/>
+              <a:t>Mit libGDX-</a:t>
+            </a:r>
+            <a:r>
+              <a:rPr lang="de-CH" dirty="0" err="1" smtClean="0"/>
+              <a:t>TexturePacker</a:t>
+            </a:r>
+            <a:r>
+              <a:rPr lang="de-CH" dirty="0" smtClean="0"/>
+              <a:t> Atlas erstellen</a:t>
+            </a:r>
+            <a:endParaRPr lang="de-CH" dirty="0"/>
+          </a:p>
+        </p:txBody>
+      </p:sp>
+    </p:spTree>
+    <p:extLst>
+      <p:ext uri="{BB962C8B-B14F-4D97-AF65-F5344CB8AC3E}">
+        <p14:creationId xmlns:p14="http://schemas.microsoft.com/office/powerpoint/2010/main" val="3289957506"/>
+      </p:ext>
+    </p:extLst>
+  </p:cSld>
+  <p:clrMapOvr>
+    <a:masterClrMapping/>
+  </p:clrMapOvr>
+  <p:timing>
+    <p:tnLst>
+      <p:par>
+        <p:cTn id="1" dur="indefinite" restart="never" nodeType="tmRoot"/>
+      </p:par>
+    </p:tnLst>
+  </p:timing>
+</p:sld>
+</file>
+
+<file path=ppt/slides/slide19.xml><?xml version="1.0" encoding="utf-8"?>
+<p:sld xmlns:a="http://schemas.openxmlformats.org/drawingml/2006/main" xmlns:r="http://schemas.openxmlformats.org/officeDocument/2006/relationships" xmlns:p="http://schemas.openxmlformats.org/presentationml/2006/main">
+  <p:cSld>
+    <p:spTree>
+      <p:nvGrpSpPr>
+        <p:cNvPr id="1" name=""/>
+        <p:cNvGrpSpPr/>
+        <p:nvPr/>
+      </p:nvGrpSpPr>
+      <p:grpSpPr>
+        <a:xfrm>
+          <a:off x="0" y="0"/>
+          <a:ext cx="0" cy="0"/>
+          <a:chOff x="0" y="0"/>
+          <a:chExt cx="0" cy="0"/>
+        </a:xfrm>
+      </p:grpSpPr>
+      <p:sp>
+        <p:nvSpPr>
+          <p:cNvPr id="2" name="Titel 1"/>
+          <p:cNvSpPr>
+            <a:spLocks noGrp="1"/>
+          </p:cNvSpPr>
+          <p:nvPr>
+            <p:ph type="title"/>
+          </p:nvPr>
+        </p:nvSpPr>
+        <p:spPr/>
+        <p:txBody>
+          <a:bodyPr>
+            <a:normAutofit fontScale="90000"/>
+          </a:bodyPr>
+          <a:lstStyle/>
+          <a:p>
+            <a:r>
+              <a:rPr lang="de-CH" dirty="0" smtClean="0"/>
+              <a:t>Grafik</a:t>
+            </a:r>
+            <a:endParaRPr lang="de-CH" dirty="0"/>
           </a:p>
         </p:txBody>
       </p:sp>
       <p:sp>
         <p:nvSpPr>
-          <p:cNvPr id="3" name="Untertitel 2"/>
+          <p:cNvPr id="3" name="Inhaltsplatzhalter 2"/>
           <p:cNvSpPr>
             <a:spLocks noGrp="1"/>
           </p:cNvSpPr>
           <p:nvPr>
-            <p:ph type="subTitle" idx="1"/>
+            <p:ph idx="1"/>
           </p:nvPr>
         </p:nvSpPr>
         <p:spPr/>
@@ -11534,14 +12479,206 @@
           <a:bodyPr/>
           <a:lstStyle/>
           <a:p>
-            <a:endParaRPr lang="de-DE"/>
+            <a:r>
+              <a:rPr lang="de-CH" dirty="0" smtClean="0"/>
+              <a:t>Problem:</a:t>
+            </a:r>
+          </a:p>
+          <a:p>
+            <a:r>
+              <a:rPr lang="de-CH" dirty="0" smtClean="0"/>
+              <a:t>Lösung:</a:t>
+            </a:r>
+          </a:p>
+          <a:p>
+            <a:r>
+              <a:rPr lang="de-CH" dirty="0" smtClean="0"/>
+              <a:t>GL_NEAREST anstatt GL_LINEAR als </a:t>
+            </a:r>
+            <a:r>
+              <a:rPr lang="de-CH" dirty="0" err="1" smtClean="0"/>
+              <a:t>TextureFilter</a:t>
+            </a:r>
+            <a:r>
+              <a:rPr lang="de-CH" dirty="0" smtClean="0"/>
+              <a:t> verwenden</a:t>
+            </a:r>
+            <a:endParaRPr lang="de-CH" dirty="0"/>
+          </a:p>
+        </p:txBody>
+      </p:sp>
+      <p:pic>
+        <p:nvPicPr>
+          <p:cNvPr id="5" name="Grafik 4"/>
+          <p:cNvPicPr>
+            <a:picLocks noChangeAspect="1"/>
+          </p:cNvPicPr>
+          <p:nvPr/>
+        </p:nvPicPr>
+        <p:blipFill>
+          <a:blip r:embed="rId2" cstate="print">
+            <a:extLst>
+              <a:ext uri="{28A0092B-C50C-407E-A947-70E740481C1C}">
+                <a14:useLocalDpi xmlns:a14="http://schemas.microsoft.com/office/drawing/2010/main" val="0"/>
+              </a:ext>
+            </a:extLst>
+          </a:blip>
+          <a:stretch>
+            <a:fillRect/>
+          </a:stretch>
+        </p:blipFill>
+        <p:spPr>
+          <a:xfrm>
+            <a:off x="551500" y="1959795"/>
+            <a:ext cx="7092280" cy="4493582"/>
+          </a:xfrm>
+          <a:prstGeom prst="rect">
+            <a:avLst/>
+          </a:prstGeom>
+        </p:spPr>
+      </p:pic>
+      <p:sp>
+        <p:nvSpPr>
+          <p:cNvPr id="6" name="Rechteck 5"/>
+          <p:cNvSpPr/>
+          <p:nvPr/>
+        </p:nvSpPr>
+        <p:spPr>
+          <a:xfrm>
+            <a:off x="827584" y="5445224"/>
+            <a:ext cx="1440160" cy="720080"/>
+          </a:xfrm>
+          <a:prstGeom prst="rect">
+            <a:avLst/>
+          </a:prstGeom>
+          <a:noFill/>
+          <a:ln w="38100">
+            <a:solidFill>
+              <a:schemeClr val="tx2"/>
+            </a:solidFill>
+          </a:ln>
+        </p:spPr>
+        <p:style>
+          <a:lnRef idx="2">
+            <a:schemeClr val="accent1">
+              <a:shade val="50000"/>
+            </a:schemeClr>
+          </a:lnRef>
+          <a:fillRef idx="1">
+            <a:schemeClr val="accent1"/>
+          </a:fillRef>
+          <a:effectRef idx="0">
+            <a:schemeClr val="accent1"/>
+          </a:effectRef>
+          <a:fontRef idx="minor">
+            <a:schemeClr val="lt1"/>
+          </a:fontRef>
+        </p:style>
+        <p:txBody>
+          <a:bodyPr rtlCol="0" anchor="ctr"/>
+          <a:lstStyle/>
+          <a:p>
+            <a:pPr algn="ctr"/>
+            <a:endParaRPr lang="de-CH"/>
+          </a:p>
+        </p:txBody>
+      </p:sp>
+      <p:sp>
+        <p:nvSpPr>
+          <p:cNvPr id="7" name="Rechteck 6"/>
+          <p:cNvSpPr/>
+          <p:nvPr/>
+        </p:nvSpPr>
+        <p:spPr>
+          <a:xfrm>
+            <a:off x="5724128" y="5445224"/>
+            <a:ext cx="1440160" cy="720080"/>
+          </a:xfrm>
+          <a:prstGeom prst="rect">
+            <a:avLst/>
+          </a:prstGeom>
+          <a:noFill/>
+          <a:ln w="38100">
+            <a:solidFill>
+              <a:schemeClr val="tx2"/>
+            </a:solidFill>
+          </a:ln>
+        </p:spPr>
+        <p:style>
+          <a:lnRef idx="2">
+            <a:schemeClr val="accent1">
+              <a:shade val="50000"/>
+            </a:schemeClr>
+          </a:lnRef>
+          <a:fillRef idx="1">
+            <a:schemeClr val="accent1"/>
+          </a:fillRef>
+          <a:effectRef idx="0">
+            <a:schemeClr val="accent1"/>
+          </a:effectRef>
+          <a:fontRef idx="minor">
+            <a:schemeClr val="lt1"/>
+          </a:fontRef>
+        </p:style>
+        <p:txBody>
+          <a:bodyPr rtlCol="0" anchor="ctr"/>
+          <a:lstStyle/>
+          <a:p>
+            <a:pPr algn="ctr"/>
+            <a:endParaRPr lang="de-CH"/>
+          </a:p>
+        </p:txBody>
+      </p:sp>
+      <p:sp>
+        <p:nvSpPr>
+          <p:cNvPr id="10" name="Rechteck 9"/>
+          <p:cNvSpPr/>
+          <p:nvPr/>
+        </p:nvSpPr>
+        <p:spPr>
+          <a:xfrm>
+            <a:off x="5508104" y="2204864"/>
+            <a:ext cx="576064" cy="576064"/>
+          </a:xfrm>
+          <a:prstGeom prst="rect">
+            <a:avLst/>
+          </a:prstGeom>
+          <a:noFill/>
+          <a:ln w="38100">
+            <a:solidFill>
+              <a:schemeClr val="tx2"/>
+            </a:solidFill>
+          </a:ln>
+        </p:spPr>
+        <p:style>
+          <a:lnRef idx="2">
+            <a:schemeClr val="accent1">
+              <a:shade val="50000"/>
+            </a:schemeClr>
+          </a:lnRef>
+          <a:fillRef idx="1">
+            <a:schemeClr val="accent1"/>
+          </a:fillRef>
+          <a:effectRef idx="0">
+            <a:schemeClr val="accent1"/>
+          </a:effectRef>
+          <a:fontRef idx="minor">
+            <a:schemeClr val="lt1"/>
+          </a:fontRef>
+        </p:style>
+        <p:txBody>
+          <a:bodyPr rtlCol="0" anchor="ctr"/>
+          <a:lstStyle/>
+          <a:p>
+            <a:pPr algn="ctr"/>
+            <a:endParaRPr lang="de-CH"/>
           </a:p>
         </p:txBody>
       </p:sp>
     </p:spTree>
     <p:extLst>
       <p:ext uri="{BB962C8B-B14F-4D97-AF65-F5344CB8AC3E}">
-        <p14:creationId xmlns:p14="http://schemas.microsoft.com/office/powerpoint/2010/main" val="2250555948"/>
+        <p14:creationId xmlns:p14="http://schemas.microsoft.com/office/powerpoint/2010/main" val="3519344095"/>
       </p:ext>
     </p:extLst>
   </p:cSld>
@@ -11623,6 +12760,304 @@
     <p:extLst>
       <p:ext uri="{BB962C8B-B14F-4D97-AF65-F5344CB8AC3E}">
         <p14:creationId xmlns:p14="http://schemas.microsoft.com/office/powerpoint/2010/main" val="284351435"/>
+      </p:ext>
+    </p:extLst>
+  </p:cSld>
+  <p:clrMapOvr>
+    <a:masterClrMapping/>
+  </p:clrMapOvr>
+  <p:timing>
+    <p:tnLst>
+      <p:par>
+        <p:cTn id="1" dur="indefinite" restart="never" nodeType="tmRoot"/>
+      </p:par>
+    </p:tnLst>
+  </p:timing>
+</p:sld>
+</file>
+
+<file path=ppt/slides/slide20.xml><?xml version="1.0" encoding="utf-8"?>
+<p:sld xmlns:a="http://schemas.openxmlformats.org/drawingml/2006/main" xmlns:r="http://schemas.openxmlformats.org/officeDocument/2006/relationships" xmlns:p="http://schemas.openxmlformats.org/presentationml/2006/main">
+  <p:cSld>
+    <p:spTree>
+      <p:nvGrpSpPr>
+        <p:cNvPr id="1" name=""/>
+        <p:cNvGrpSpPr/>
+        <p:nvPr/>
+      </p:nvGrpSpPr>
+      <p:grpSpPr>
+        <a:xfrm>
+          <a:off x="0" y="0"/>
+          <a:ext cx="0" cy="0"/>
+          <a:chOff x="0" y="0"/>
+          <a:chExt cx="0" cy="0"/>
+        </a:xfrm>
+      </p:grpSpPr>
+      <p:sp>
+        <p:nvSpPr>
+          <p:cNvPr id="2" name="Titel 1"/>
+          <p:cNvSpPr>
+            <a:spLocks noGrp="1"/>
+          </p:cNvSpPr>
+          <p:nvPr>
+            <p:ph type="title"/>
+          </p:nvPr>
+        </p:nvSpPr>
+        <p:spPr/>
+        <p:txBody>
+          <a:bodyPr>
+            <a:normAutofit fontScale="90000"/>
+          </a:bodyPr>
+          <a:lstStyle/>
+          <a:p>
+            <a:r>
+              <a:rPr lang="de-CH" dirty="0" smtClean="0"/>
+              <a:t>Grafik</a:t>
+            </a:r>
+            <a:endParaRPr lang="de-CH" dirty="0"/>
+          </a:p>
+        </p:txBody>
+      </p:sp>
+      <p:sp>
+        <p:nvSpPr>
+          <p:cNvPr id="3" name="Inhaltsplatzhalter 2"/>
+          <p:cNvSpPr>
+            <a:spLocks noGrp="1"/>
+          </p:cNvSpPr>
+          <p:nvPr>
+            <p:ph idx="1"/>
+          </p:nvPr>
+        </p:nvSpPr>
+        <p:spPr/>
+        <p:txBody>
+          <a:bodyPr/>
+          <a:lstStyle/>
+          <a:p>
+            <a:r>
+              <a:rPr lang="de-CH" dirty="0" smtClean="0"/>
+              <a:t>Ursache:</a:t>
+            </a:r>
+          </a:p>
+          <a:p>
+            <a:pPr lvl="1"/>
+            <a:r>
+              <a:rPr lang="de-CH" dirty="0" smtClean="0"/>
+              <a:t>Rundungs- und Interpolationsfehler</a:t>
+            </a:r>
+          </a:p>
+          <a:p>
+            <a:r>
+              <a:rPr lang="de-CH" dirty="0" smtClean="0"/>
+              <a:t>Lösung:</a:t>
+            </a:r>
+          </a:p>
+          <a:p>
+            <a:pPr lvl="1"/>
+            <a:r>
+              <a:rPr lang="de-CH" dirty="0" smtClean="0"/>
+              <a:t>GL_NEAREST anstatt GL_LINEAR als </a:t>
+            </a:r>
+            <a:r>
+              <a:rPr lang="de-CH" dirty="0" err="1" smtClean="0"/>
+              <a:t>TextureFilter</a:t>
+            </a:r>
+            <a:r>
+              <a:rPr lang="de-CH" dirty="0" smtClean="0"/>
+              <a:t> verwenden</a:t>
+            </a:r>
+          </a:p>
+          <a:p>
+            <a:pPr lvl="1"/>
+            <a:r>
+              <a:rPr lang="de-CH" dirty="0" err="1" smtClean="0"/>
+              <a:t>TexturePacker</a:t>
+            </a:r>
+            <a:r>
+              <a:rPr lang="de-CH" dirty="0" smtClean="0"/>
+              <a:t> so konfigurieren, das Randpixel dupliziert werden</a:t>
+            </a:r>
+            <a:endParaRPr lang="de-CH" dirty="0"/>
+          </a:p>
+        </p:txBody>
+      </p:sp>
+      <p:pic>
+        <p:nvPicPr>
+          <p:cNvPr id="4" name="Grafik 3"/>
+          <p:cNvPicPr>
+            <a:picLocks noChangeAspect="1"/>
+          </p:cNvPicPr>
+          <p:nvPr/>
+        </p:nvPicPr>
+        <p:blipFill>
+          <a:blip r:embed="rId3">
+            <a:extLst>
+              <a:ext uri="{28A0092B-C50C-407E-A947-70E740481C1C}">
+                <a14:useLocalDpi xmlns:a14="http://schemas.microsoft.com/office/drawing/2010/main" val="0"/>
+              </a:ext>
+            </a:extLst>
+          </a:blip>
+          <a:stretch>
+            <a:fillRect/>
+          </a:stretch>
+        </p:blipFill>
+        <p:spPr>
+          <a:xfrm>
+            <a:off x="945912" y="4797152"/>
+            <a:ext cx="6876256" cy="1820935"/>
+          </a:xfrm>
+          <a:prstGeom prst="rect">
+            <a:avLst/>
+          </a:prstGeom>
+          <a:effectLst>
+            <a:outerShdw blurRad="50800" dist="127000" dir="2700000" algn="tl" rotWithShape="0">
+              <a:prstClr val="black">
+                <a:alpha val="40000"/>
+              </a:prstClr>
+            </a:outerShdw>
+          </a:effectLst>
+        </p:spPr>
+      </p:pic>
+    </p:spTree>
+    <p:extLst>
+      <p:ext uri="{BB962C8B-B14F-4D97-AF65-F5344CB8AC3E}">
+        <p14:creationId xmlns:p14="http://schemas.microsoft.com/office/powerpoint/2010/main" val="3375961068"/>
+      </p:ext>
+    </p:extLst>
+  </p:cSld>
+  <p:clrMapOvr>
+    <a:masterClrMapping/>
+  </p:clrMapOvr>
+  <p:timing>
+    <p:tnLst>
+      <p:par>
+        <p:cTn id="1" dur="indefinite" restart="never" nodeType="tmRoot"/>
+      </p:par>
+    </p:tnLst>
+  </p:timing>
+</p:sld>
+</file>
+
+<file path=ppt/slides/slide21.xml><?xml version="1.0" encoding="utf-8"?>
+<p:sld xmlns:a="http://schemas.openxmlformats.org/drawingml/2006/main" xmlns:r="http://schemas.openxmlformats.org/officeDocument/2006/relationships" xmlns:p="http://schemas.openxmlformats.org/presentationml/2006/main">
+  <p:cSld>
+    <p:spTree>
+      <p:nvGrpSpPr>
+        <p:cNvPr id="1" name=""/>
+        <p:cNvGrpSpPr/>
+        <p:nvPr/>
+      </p:nvGrpSpPr>
+      <p:grpSpPr>
+        <a:xfrm>
+          <a:off x="0" y="0"/>
+          <a:ext cx="0" cy="0"/>
+          <a:chOff x="0" y="0"/>
+          <a:chExt cx="0" cy="0"/>
+        </a:xfrm>
+      </p:grpSpPr>
+      <p:sp>
+        <p:nvSpPr>
+          <p:cNvPr id="2" name="Titel 1"/>
+          <p:cNvSpPr>
+            <a:spLocks noGrp="1"/>
+          </p:cNvSpPr>
+          <p:nvPr>
+            <p:ph type="ctrTitle"/>
+          </p:nvPr>
+        </p:nvSpPr>
+        <p:spPr/>
+        <p:txBody>
+          <a:bodyPr>
+            <a:normAutofit/>
+          </a:bodyPr>
+          <a:lstStyle/>
+          <a:p>
+            <a:r>
+              <a:rPr lang="de-CH" dirty="0" smtClean="0"/>
+              <a:t>Fragen?</a:t>
+            </a:r>
+            <a:endParaRPr lang="de-CH" dirty="0"/>
+          </a:p>
+        </p:txBody>
+      </p:sp>
+    </p:spTree>
+    <p:extLst>
+      <p:ext uri="{BB962C8B-B14F-4D97-AF65-F5344CB8AC3E}">
+        <p14:creationId xmlns:p14="http://schemas.microsoft.com/office/powerpoint/2010/main" val="887838879"/>
+      </p:ext>
+    </p:extLst>
+  </p:cSld>
+  <p:clrMapOvr>
+    <a:masterClrMapping/>
+  </p:clrMapOvr>
+  <p:timing>
+    <p:tnLst>
+      <p:par>
+        <p:cTn id="1" dur="indefinite" restart="never" nodeType="tmRoot"/>
+      </p:par>
+    </p:tnLst>
+  </p:timing>
+</p:sld>
+</file>
+
+<file path=ppt/slides/slide22.xml><?xml version="1.0" encoding="utf-8"?>
+<p:sld xmlns:a="http://schemas.openxmlformats.org/drawingml/2006/main" xmlns:r="http://schemas.openxmlformats.org/officeDocument/2006/relationships" xmlns:p="http://schemas.openxmlformats.org/presentationml/2006/main">
+  <p:cSld>
+    <p:spTree>
+      <p:nvGrpSpPr>
+        <p:cNvPr id="1" name=""/>
+        <p:cNvGrpSpPr/>
+        <p:nvPr/>
+      </p:nvGrpSpPr>
+      <p:grpSpPr>
+        <a:xfrm>
+          <a:off x="0" y="0"/>
+          <a:ext cx="0" cy="0"/>
+          <a:chOff x="0" y="0"/>
+          <a:chExt cx="0" cy="0"/>
+        </a:xfrm>
+      </p:grpSpPr>
+      <p:sp>
+        <p:nvSpPr>
+          <p:cNvPr id="2" name="Titel 1"/>
+          <p:cNvSpPr>
+            <a:spLocks noGrp="1"/>
+          </p:cNvSpPr>
+          <p:nvPr>
+            <p:ph type="ctrTitle"/>
+          </p:nvPr>
+        </p:nvSpPr>
+        <p:spPr/>
+        <p:txBody>
+          <a:bodyPr/>
+          <a:lstStyle/>
+          <a:p>
+            <a:endParaRPr lang="de-DE"/>
+          </a:p>
+        </p:txBody>
+      </p:sp>
+      <p:sp>
+        <p:nvSpPr>
+          <p:cNvPr id="3" name="Untertitel 2"/>
+          <p:cNvSpPr>
+            <a:spLocks noGrp="1"/>
+          </p:cNvSpPr>
+          <p:nvPr>
+            <p:ph type="subTitle" idx="1"/>
+          </p:nvPr>
+        </p:nvSpPr>
+        <p:spPr/>
+        <p:txBody>
+          <a:bodyPr/>
+          <a:lstStyle/>
+          <a:p>
+            <a:endParaRPr lang="de-DE"/>
+          </a:p>
+        </p:txBody>
+      </p:sp>
+    </p:spTree>
+    <p:extLst>
+      <p:ext uri="{BB962C8B-B14F-4D97-AF65-F5344CB8AC3E}">
+        <p14:creationId xmlns:p14="http://schemas.microsoft.com/office/powerpoint/2010/main" val="2250555948"/>
       </p:ext>
     </p:extLst>
   </p:cSld>
@@ -18903,7 +20338,7 @@
   <a:extraClrSchemeLst/>
   <a:extLst>
     <a:ext uri="{05A4C25C-085E-4340-85A3-A5531E510DB2}">
-      <thm15:themeFamily xmlns:thm15="http://schemas.microsoft.com/office/thememl/2012/main" xmlns="" name="Office Theme" id="{62F939B6-93AF-4DB8-9C6B-D6C7DFDC589F}" vid="{4A3C46E8-61CC-4603-A589-7422A47A8E4A}"/>
+      <thm15:themeFamily xmlns:thm15="http://schemas.microsoft.com/office/thememl/2012/main" name="Office Theme" id="{62F939B6-93AF-4DB8-9C6B-D6C7DFDC589F}" vid="{4A3C46E8-61CC-4603-A589-7422A47A8E4A}"/>
     </a:ext>
   </a:extLst>
 </a:theme>

--- a/Documents/Design/Design_Präsentation_v1.pptx
+++ b/Documents/Design/Design_Präsentation_v1.pptx
@@ -235,7 +235,7 @@
           <a:p>
             <a:fld id="{4B25F24D-90CF-44A7-A9EA-C384FF6564EC}" type="datetimeFigureOut">
               <a:rPr lang="de-CH" smtClean="0"/>
-              <a:t>16.11.2014</a:t>
+              <a:t>17.11.2014</a:t>
             </a:fld>
             <a:endParaRPr lang="de-CH"/>
           </a:p>
@@ -400,7 +400,7 @@
           <a:p>
             <a:fld id="{F2686799-5163-409F-B733-C9681AE00980}" type="datetimeFigureOut">
               <a:rPr lang="de-CH" smtClean="0"/>
-              <a:t>16.11.2014</a:t>
+              <a:t>17.11.2014</a:t>
             </a:fld>
             <a:endParaRPr lang="de-CH"/>
           </a:p>
@@ -1008,7 +1008,7 @@
           <a:p>
             <a:fld id="{1BA50D42-C9CD-4801-B293-61D1F53EC57E}" type="datetimeFigureOut">
               <a:rPr lang="de-DE" smtClean="0"/>
-              <a:t>16.11.2014</a:t>
+              <a:t>17.11.2014</a:t>
             </a:fld>
             <a:endParaRPr lang="de-DE"/>
           </a:p>
@@ -1207,7 +1207,7 @@
           <a:p>
             <a:fld id="{1BA50D42-C9CD-4801-B293-61D1F53EC57E}" type="datetimeFigureOut">
               <a:rPr lang="de-DE" smtClean="0"/>
-              <a:t>16.11.2014</a:t>
+              <a:t>17.11.2014</a:t>
             </a:fld>
             <a:endParaRPr lang="de-DE"/>
           </a:p>
@@ -1760,7 +1760,7 @@
           <a:p>
             <a:fld id="{1BA50D42-C9CD-4801-B293-61D1F53EC57E}" type="datetimeFigureOut">
               <a:rPr lang="de-DE" smtClean="0"/>
-              <a:t>16.11.2014</a:t>
+              <a:t>17.11.2014</a:t>
             </a:fld>
             <a:endParaRPr lang="de-DE"/>
           </a:p>
@@ -2030,7 +2030,7 @@
           <a:p>
             <a:fld id="{1BA50D42-C9CD-4801-B293-61D1F53EC57E}" type="datetimeFigureOut">
               <a:rPr lang="de-DE" smtClean="0"/>
-              <a:t>16.11.2014</a:t>
+              <a:t>17.11.2014</a:t>
             </a:fld>
             <a:endParaRPr lang="de-DE"/>
           </a:p>
@@ -2183,7 +2183,7 @@
           <a:p>
             <a:fld id="{1BA50D42-C9CD-4801-B293-61D1F53EC57E}" type="datetimeFigureOut">
               <a:rPr lang="de-DE" smtClean="0"/>
-              <a:t>16.11.2014</a:t>
+              <a:t>17.11.2014</a:t>
             </a:fld>
             <a:endParaRPr lang="de-DE"/>
           </a:p>
@@ -2565,7 +2565,7 @@
           <a:p>
             <a:fld id="{1BA50D42-C9CD-4801-B293-61D1F53EC57E}" type="datetimeFigureOut">
               <a:rPr lang="de-DE" smtClean="0"/>
-              <a:t>16.11.2014</a:t>
+              <a:t>17.11.2014</a:t>
             </a:fld>
             <a:endParaRPr lang="de-DE"/>
           </a:p>
@@ -2868,7 +2868,7 @@
           <a:p>
             <a:fld id="{1BA50D42-C9CD-4801-B293-61D1F53EC57E}" type="datetimeFigureOut">
               <a:rPr lang="de-DE" smtClean="0"/>
-              <a:t>16.11.2014</a:t>
+              <a:t>17.11.2014</a:t>
             </a:fld>
             <a:endParaRPr lang="de-DE"/>
           </a:p>
@@ -3698,8 +3698,8 @@
               <a:t>Der Reihe nach in Liste einfügen und </a:t>
             </a:r>
             <a:r>
-              <a:rPr lang="de-CH" dirty="0" err="1" smtClean="0"/>
-              <a:t>mischeln</a:t>
+              <a:rPr lang="de-CH" dirty="0" smtClean="0"/>
+              <a:t>mischen</a:t>
             </a:r>
             <a:endParaRPr lang="de-CH" dirty="0" smtClean="0"/>
           </a:p>
@@ -11563,11 +11563,7 @@
             <a:pPr lvl="1"/>
             <a:r>
               <a:rPr lang="de-CH" dirty="0" smtClean="0"/>
-              <a:t>Weniger </a:t>
-            </a:r>
-            <a:r>
-              <a:rPr lang="de-CH" dirty="0" smtClean="0"/>
-              <a:t>Speicherplatz</a:t>
+              <a:t>Weniger Speicherplatz</a:t>
             </a:r>
           </a:p>
           <a:p>
@@ -12077,8 +12073,8 @@
               <a:t>Bezeichnung unabhängig vom </a:t>
             </a:r>
             <a:r>
-              <a:rPr lang="de-CH" dirty="0" err="1" smtClean="0"/>
-              <a:t>Datetyp</a:t>
+              <a:rPr lang="de-CH" dirty="0" smtClean="0"/>
+              <a:t>Datentyp</a:t>
             </a:r>
             <a:endParaRPr lang="de-CH" dirty="0"/>
           </a:p>
@@ -13016,44 +13012,6 @@
           <a:chExt cx="0" cy="0"/>
         </a:xfrm>
       </p:grpSpPr>
-      <p:sp>
-        <p:nvSpPr>
-          <p:cNvPr id="2" name="Titel 1"/>
-          <p:cNvSpPr>
-            <a:spLocks noGrp="1"/>
-          </p:cNvSpPr>
-          <p:nvPr>
-            <p:ph type="ctrTitle"/>
-          </p:nvPr>
-        </p:nvSpPr>
-        <p:spPr/>
-        <p:txBody>
-          <a:bodyPr/>
-          <a:lstStyle/>
-          <a:p>
-            <a:endParaRPr lang="de-DE"/>
-          </a:p>
-        </p:txBody>
-      </p:sp>
-      <p:sp>
-        <p:nvSpPr>
-          <p:cNvPr id="3" name="Untertitel 2"/>
-          <p:cNvSpPr>
-            <a:spLocks noGrp="1"/>
-          </p:cNvSpPr>
-          <p:nvPr>
-            <p:ph type="subTitle" idx="1"/>
-          </p:nvPr>
-        </p:nvSpPr>
-        <p:spPr/>
-        <p:txBody>
-          <a:bodyPr/>
-          <a:lstStyle/>
-          <a:p>
-            <a:endParaRPr lang="de-DE"/>
-          </a:p>
-        </p:txBody>
-      </p:sp>
     </p:spTree>
     <p:extLst>
       <p:ext uri="{BB962C8B-B14F-4D97-AF65-F5344CB8AC3E}">

--- a/Documents/Design/Design_Präsentation_v1.pptx
+++ b/Documents/Design/Design_Präsentation_v1.pptx
@@ -5,10 +5,10 @@
     <p:sldMasterId id="2147483696" r:id="rId1"/>
   </p:sldMasterIdLst>
   <p:notesMasterIdLst>
-    <p:notesMasterId r:id="rId24"/>
+    <p:notesMasterId r:id="rId25"/>
   </p:notesMasterIdLst>
   <p:handoutMasterIdLst>
-    <p:handoutMasterId r:id="rId25"/>
+    <p:handoutMasterId r:id="rId26"/>
   </p:handoutMasterIdLst>
   <p:sldIdLst>
     <p:sldId id="256" r:id="rId2"/>
@@ -28,11 +28,12 @@
     <p:sldId id="287" r:id="rId16"/>
     <p:sldId id="276" r:id="rId17"/>
     <p:sldId id="290" r:id="rId18"/>
-    <p:sldId id="289" r:id="rId19"/>
-    <p:sldId id="291" r:id="rId20"/>
-    <p:sldId id="292" r:id="rId21"/>
-    <p:sldId id="267" r:id="rId22"/>
-    <p:sldId id="272" r:id="rId23"/>
+    <p:sldId id="293" r:id="rId19"/>
+    <p:sldId id="289" r:id="rId20"/>
+    <p:sldId id="291" r:id="rId21"/>
+    <p:sldId id="292" r:id="rId22"/>
+    <p:sldId id="267" r:id="rId23"/>
+    <p:sldId id="272" r:id="rId24"/>
   </p:sldIdLst>
   <p:sldSz cx="9144000" cy="6858000" type="screen4x3"/>
   <p:notesSz cx="6858000" cy="9144000"/>
@@ -235,7 +236,7 @@
           <a:p>
             <a:fld id="{4B25F24D-90CF-44A7-A9EA-C384FF6564EC}" type="datetimeFigureOut">
               <a:rPr lang="de-CH" smtClean="0"/>
-              <a:t>17.11.2014</a:t>
+              <a:t>18.11.2014</a:t>
             </a:fld>
             <a:endParaRPr lang="de-CH"/>
           </a:p>
@@ -400,7 +401,7 @@
           <a:p>
             <a:fld id="{F2686799-5163-409F-B733-C9681AE00980}" type="datetimeFigureOut">
               <a:rPr lang="de-CH" smtClean="0"/>
-              <a:t>17.11.2014</a:t>
+              <a:t>18.11.2014</a:t>
             </a:fld>
             <a:endParaRPr lang="de-CH"/>
           </a:p>
@@ -817,7 +818,7 @@
           <a:p>
             <a:fld id="{539D6FB8-A289-4D31-AE1B-368BC10F6FE7}" type="slidenum">
               <a:rPr lang="de-CH" smtClean="0"/>
-              <a:t>20</a:t>
+              <a:t>21</a:t>
             </a:fld>
             <a:endParaRPr lang="de-CH"/>
           </a:p>
@@ -1008,7 +1009,7 @@
           <a:p>
             <a:fld id="{1BA50D42-C9CD-4801-B293-61D1F53EC57E}" type="datetimeFigureOut">
               <a:rPr lang="de-DE" smtClean="0"/>
-              <a:t>17.11.2014</a:t>
+              <a:t>18.11.2014</a:t>
             </a:fld>
             <a:endParaRPr lang="de-DE"/>
           </a:p>
@@ -1207,7 +1208,7 @@
           <a:p>
             <a:fld id="{1BA50D42-C9CD-4801-B293-61D1F53EC57E}" type="datetimeFigureOut">
               <a:rPr lang="de-DE" smtClean="0"/>
-              <a:t>17.11.2014</a:t>
+              <a:t>18.11.2014</a:t>
             </a:fld>
             <a:endParaRPr lang="de-DE"/>
           </a:p>
@@ -1760,7 +1761,7 @@
           <a:p>
             <a:fld id="{1BA50D42-C9CD-4801-B293-61D1F53EC57E}" type="datetimeFigureOut">
               <a:rPr lang="de-DE" smtClean="0"/>
-              <a:t>17.11.2014</a:t>
+              <a:t>18.11.2014</a:t>
             </a:fld>
             <a:endParaRPr lang="de-DE"/>
           </a:p>
@@ -2030,7 +2031,7 @@
           <a:p>
             <a:fld id="{1BA50D42-C9CD-4801-B293-61D1F53EC57E}" type="datetimeFigureOut">
               <a:rPr lang="de-DE" smtClean="0"/>
-              <a:t>17.11.2014</a:t>
+              <a:t>18.11.2014</a:t>
             </a:fld>
             <a:endParaRPr lang="de-DE"/>
           </a:p>
@@ -2183,7 +2184,7 @@
           <a:p>
             <a:fld id="{1BA50D42-C9CD-4801-B293-61D1F53EC57E}" type="datetimeFigureOut">
               <a:rPr lang="de-DE" smtClean="0"/>
-              <a:t>17.11.2014</a:t>
+              <a:t>18.11.2014</a:t>
             </a:fld>
             <a:endParaRPr lang="de-DE"/>
           </a:p>
@@ -2565,7 +2566,7 @@
           <a:p>
             <a:fld id="{1BA50D42-C9CD-4801-B293-61D1F53EC57E}" type="datetimeFigureOut">
               <a:rPr lang="de-DE" smtClean="0"/>
-              <a:t>17.11.2014</a:t>
+              <a:t>18.11.2014</a:t>
             </a:fld>
             <a:endParaRPr lang="de-DE"/>
           </a:p>
@@ -2868,7 +2869,7 @@
           <a:p>
             <a:fld id="{1BA50D42-C9CD-4801-B293-61D1F53EC57E}" type="datetimeFigureOut">
               <a:rPr lang="de-DE" smtClean="0"/>
-              <a:t>17.11.2014</a:t>
+              <a:t>18.11.2014</a:t>
             </a:fld>
             <a:endParaRPr lang="de-DE"/>
           </a:p>
@@ -3695,13 +3696,8 @@
             <a:pPr lvl="1"/>
             <a:r>
               <a:rPr lang="de-CH" dirty="0" smtClean="0"/>
-              <a:t>Der Reihe nach in Liste einfügen und </a:t>
+              <a:t>Der Reihe nach in Liste einfügen und mischen</a:t>
             </a:r>
-            <a:r>
-              <a:rPr lang="de-CH" dirty="0" smtClean="0"/>
-              <a:t>mischen</a:t>
-            </a:r>
-            <a:endParaRPr lang="de-CH" dirty="0" smtClean="0"/>
           </a:p>
         </p:txBody>
       </p:sp>
@@ -12036,8 +12032,13 @@
             </a:r>
             <a:r>
               <a:rPr lang="de-CH" dirty="0" smtClean="0"/>
-              <a:t> Textur</a:t>
+              <a:t> </a:t>
             </a:r>
+            <a:r>
+              <a:rPr lang="de-CH" dirty="0" smtClean="0"/>
+              <a:t>Dimensionen</a:t>
+            </a:r>
+            <a:endParaRPr lang="de-CH" dirty="0" smtClean="0"/>
           </a:p>
           <a:p>
             <a:pPr lvl="2"/>
@@ -12058,25 +12059,6 @@
               <a:t>Bindings</a:t>
             </a:r>
             <a:endParaRPr lang="de-CH" dirty="0" smtClean="0"/>
-          </a:p>
-          <a:p>
-            <a:pPr lvl="1"/>
-            <a:r>
-              <a:rPr lang="de-CH" dirty="0" smtClean="0"/>
-              <a:t>Zugriff auf Textur Regionen per Label</a:t>
-            </a:r>
-          </a:p>
-          <a:p>
-            <a:pPr lvl="2"/>
-            <a:r>
-              <a:rPr lang="de-CH" dirty="0" smtClean="0"/>
-              <a:t>Bezeichnung unabhängig vom </a:t>
-            </a:r>
-            <a:r>
-              <a:rPr lang="de-CH" dirty="0" smtClean="0"/>
-              <a:t>Datentyp</a:t>
-            </a:r>
-            <a:endParaRPr lang="de-CH" dirty="0"/>
           </a:p>
           <a:p>
             <a:endParaRPr lang="de-CH" dirty="0"/>
@@ -12105,7 +12087,7 @@
         </p:blipFill>
         <p:spPr>
           <a:xfrm>
-            <a:off x="538480" y="4801640"/>
+            <a:off x="538480" y="4518412"/>
             <a:ext cx="8426008" cy="1053251"/>
           </a:xfrm>
           <a:prstGeom prst="rect">
@@ -12133,7 +12115,7 @@
         </p:nvCxnSpPr>
         <p:spPr>
           <a:xfrm>
-            <a:off x="538480" y="6097784"/>
+            <a:off x="538480" y="5814556"/>
             <a:ext cx="8426008" cy="0"/>
           </a:xfrm>
           <a:prstGeom prst="line">
@@ -12170,7 +12152,7 @@
         </p:nvCxnSpPr>
         <p:spPr>
           <a:xfrm flipV="1">
-            <a:off x="358996" y="4801640"/>
+            <a:off x="358996" y="4518412"/>
             <a:ext cx="0" cy="1053251"/>
           </a:xfrm>
           <a:prstGeom prst="line">
@@ -12207,7 +12189,7 @@
         </p:nvSpPr>
         <p:spPr>
           <a:xfrm>
-            <a:off x="4095472" y="6156012"/>
+            <a:off x="4095472" y="5872784"/>
             <a:ext cx="936104" cy="369332"/>
           </a:xfrm>
           <a:prstGeom prst="rect">
@@ -12245,7 +12227,7 @@
         </p:nvSpPr>
         <p:spPr>
           <a:xfrm>
-            <a:off x="-13925" y="4432308"/>
+            <a:off x="-13925" y="4149080"/>
             <a:ext cx="936104" cy="369332"/>
           </a:xfrm>
           <a:prstGeom prst="rect">
@@ -12296,6 +12278,238 @@
 </file>
 
 <file path=ppt/slides/slide18.xml><?xml version="1.0" encoding="utf-8"?>
+<p:sld xmlns:a="http://schemas.openxmlformats.org/drawingml/2006/main" xmlns:r="http://schemas.openxmlformats.org/officeDocument/2006/relationships" xmlns:p="http://schemas.openxmlformats.org/presentationml/2006/main">
+  <p:cSld>
+    <p:spTree>
+      <p:nvGrpSpPr>
+        <p:cNvPr id="1" name=""/>
+        <p:cNvGrpSpPr/>
+        <p:nvPr/>
+      </p:nvGrpSpPr>
+      <p:grpSpPr>
+        <a:xfrm>
+          <a:off x="0" y="0"/>
+          <a:ext cx="0" cy="0"/>
+          <a:chOff x="0" y="0"/>
+          <a:chExt cx="0" cy="0"/>
+        </a:xfrm>
+      </p:grpSpPr>
+      <p:sp>
+        <p:nvSpPr>
+          <p:cNvPr id="2" name="Titel 1"/>
+          <p:cNvSpPr>
+            <a:spLocks noGrp="1"/>
+          </p:cNvSpPr>
+          <p:nvPr>
+            <p:ph type="title"/>
+          </p:nvPr>
+        </p:nvSpPr>
+        <p:spPr/>
+        <p:txBody>
+          <a:bodyPr>
+            <a:normAutofit fontScale="90000"/>
+          </a:bodyPr>
+          <a:lstStyle/>
+          <a:p>
+            <a:r>
+              <a:rPr lang="de-CH" dirty="0" smtClean="0"/>
+              <a:t>Grafik</a:t>
+            </a:r>
+            <a:endParaRPr lang="de-CH" dirty="0"/>
+          </a:p>
+        </p:txBody>
+      </p:sp>
+      <p:sp>
+        <p:nvSpPr>
+          <p:cNvPr id="3" name="Inhaltsplatzhalter 2"/>
+          <p:cNvSpPr>
+            <a:spLocks noGrp="1"/>
+          </p:cNvSpPr>
+          <p:nvPr>
+            <p:ph idx="1"/>
+          </p:nvPr>
+        </p:nvSpPr>
+        <p:spPr/>
+        <p:txBody>
+          <a:bodyPr/>
+          <a:lstStyle/>
+          <a:p>
+            <a:r>
+              <a:rPr lang="de-CH" dirty="0" smtClean="0"/>
+              <a:t>Bildinformationen in separaten File</a:t>
+            </a:r>
+          </a:p>
+          <a:p>
+            <a:endParaRPr lang="de-CH" dirty="0" smtClean="0"/>
+          </a:p>
+          <a:p>
+            <a:endParaRPr lang="de-CH" dirty="0"/>
+          </a:p>
+          <a:p>
+            <a:pPr marL="45720" indent="0">
+              <a:buNone/>
+            </a:pPr>
+            <a:endParaRPr lang="de-CH" dirty="0" smtClean="0"/>
+          </a:p>
+          <a:p>
+            <a:r>
+              <a:rPr lang="de-CH" dirty="0" smtClean="0"/>
+              <a:t>Zugriff </a:t>
+            </a:r>
+            <a:r>
+              <a:rPr lang="de-CH" dirty="0"/>
+              <a:t>auf Textur Regionen per Label</a:t>
+            </a:r>
+          </a:p>
+          <a:p>
+            <a:pPr lvl="1"/>
+            <a:r>
+              <a:rPr lang="de-CH" dirty="0"/>
+              <a:t>Bezeichnung unabhängig </a:t>
+            </a:r>
+            <a:r>
+              <a:rPr lang="de-CH" dirty="0" smtClean="0"/>
+              <a:t>vom </a:t>
+            </a:r>
+            <a:r>
+              <a:rPr lang="de-CH" dirty="0"/>
+              <a:t>Datentyp</a:t>
+            </a:r>
+          </a:p>
+          <a:p>
+            <a:endParaRPr lang="de-CH" dirty="0"/>
+          </a:p>
+        </p:txBody>
+      </p:sp>
+      <p:pic>
+        <p:nvPicPr>
+          <p:cNvPr id="5" name="Grafik 4"/>
+          <p:cNvPicPr>
+            <a:picLocks noChangeAspect="1"/>
+          </p:cNvPicPr>
+          <p:nvPr/>
+        </p:nvPicPr>
+        <p:blipFill>
+          <a:blip r:embed="rId2"/>
+          <a:stretch>
+            <a:fillRect/>
+          </a:stretch>
+        </p:blipFill>
+        <p:spPr>
+          <a:xfrm>
+            <a:off x="402419" y="4725144"/>
+            <a:ext cx="8339162" cy="1512168"/>
+          </a:xfrm>
+          <a:prstGeom prst="rect">
+            <a:avLst/>
+          </a:prstGeom>
+          <a:solidFill>
+            <a:srgbClr val="FFFFFF">
+              <a:shade val="85000"/>
+            </a:srgbClr>
+          </a:solidFill>
+          <a:ln w="88900" cap="sq">
+            <a:solidFill>
+              <a:srgbClr val="FFFFFF"/>
+            </a:solidFill>
+            <a:miter lim="800000"/>
+          </a:ln>
+          <a:effectLst>
+            <a:outerShdw blurRad="55000" dist="18000" dir="5400000" algn="tl" rotWithShape="0">
+              <a:srgbClr val="000000">
+                <a:alpha val="40000"/>
+              </a:srgbClr>
+            </a:outerShdw>
+          </a:effectLst>
+          <a:scene3d>
+            <a:camera prst="orthographicFront"/>
+            <a:lightRig rig="twoPt" dir="t">
+              <a:rot lat="0" lon="0" rev="7200000"/>
+            </a:lightRig>
+          </a:scene3d>
+          <a:sp3d>
+            <a:bevelT w="25400" h="19050"/>
+            <a:contourClr>
+              <a:srgbClr val="FFFFFF"/>
+            </a:contourClr>
+          </a:sp3d>
+        </p:spPr>
+      </p:pic>
+      <p:pic>
+        <p:nvPicPr>
+          <p:cNvPr id="7" name="Grafik 6"/>
+          <p:cNvPicPr>
+            <a:picLocks noChangeAspect="1"/>
+          </p:cNvPicPr>
+          <p:nvPr/>
+        </p:nvPicPr>
+        <p:blipFill>
+          <a:blip r:embed="rId3"/>
+          <a:stretch>
+            <a:fillRect/>
+          </a:stretch>
+        </p:blipFill>
+        <p:spPr>
+          <a:xfrm>
+            <a:off x="6607981" y="1434467"/>
+            <a:ext cx="2133600" cy="1981200"/>
+          </a:xfrm>
+          <a:prstGeom prst="rect">
+            <a:avLst/>
+          </a:prstGeom>
+          <a:solidFill>
+            <a:srgbClr val="FFFFFF">
+              <a:shade val="85000"/>
+            </a:srgbClr>
+          </a:solidFill>
+          <a:ln w="88900" cap="sq">
+            <a:solidFill>
+              <a:srgbClr val="FFFFFF"/>
+            </a:solidFill>
+            <a:miter lim="800000"/>
+          </a:ln>
+          <a:effectLst>
+            <a:outerShdw blurRad="55000" dist="18000" dir="5400000" algn="tl" rotWithShape="0">
+              <a:srgbClr val="000000">
+                <a:alpha val="40000"/>
+              </a:srgbClr>
+            </a:outerShdw>
+          </a:effectLst>
+          <a:scene3d>
+            <a:camera prst="orthographicFront"/>
+            <a:lightRig rig="twoPt" dir="t">
+              <a:rot lat="0" lon="0" rev="7200000"/>
+            </a:lightRig>
+          </a:scene3d>
+          <a:sp3d>
+            <a:bevelT w="25400" h="19050"/>
+            <a:contourClr>
+              <a:srgbClr val="FFFFFF"/>
+            </a:contourClr>
+          </a:sp3d>
+        </p:spPr>
+      </p:pic>
+    </p:spTree>
+    <p:extLst>
+      <p:ext uri="{BB962C8B-B14F-4D97-AF65-F5344CB8AC3E}">
+        <p14:creationId xmlns:p14="http://schemas.microsoft.com/office/powerpoint/2010/main" val="1703610407"/>
+      </p:ext>
+    </p:extLst>
+  </p:cSld>
+  <p:clrMapOvr>
+    <a:masterClrMapping/>
+  </p:clrMapOvr>
+  <p:timing>
+    <p:tnLst>
+      <p:par>
+        <p:cTn id="1" dur="indefinite" restart="never" nodeType="tmRoot"/>
+      </p:par>
+    </p:tnLst>
+  </p:timing>
+</p:sld>
+</file>
+
+<file path=ppt/slides/slide19.xml><?xml version="1.0" encoding="utf-8"?>
 <p:sld xmlns:a="http://schemas.openxmlformats.org/drawingml/2006/main" xmlns:r="http://schemas.openxmlformats.org/officeDocument/2006/relationships" xmlns:p="http://schemas.openxmlformats.org/presentationml/2006/main">
   <p:cSld>
     <p:spTree>
@@ -12418,7 +12632,88 @@
 </p:sld>
 </file>
 
-<file path=ppt/slides/slide19.xml><?xml version="1.0" encoding="utf-8"?>
+<file path=ppt/slides/slide2.xml><?xml version="1.0" encoding="utf-8"?>
+<p:sld xmlns:a="http://schemas.openxmlformats.org/drawingml/2006/main" xmlns:r="http://schemas.openxmlformats.org/officeDocument/2006/relationships" xmlns:p="http://schemas.openxmlformats.org/presentationml/2006/main">
+  <p:cSld>
+    <p:spTree>
+      <p:nvGrpSpPr>
+        <p:cNvPr id="1" name=""/>
+        <p:cNvGrpSpPr/>
+        <p:nvPr/>
+      </p:nvGrpSpPr>
+      <p:grpSpPr>
+        <a:xfrm>
+          <a:off x="0" y="0"/>
+          <a:ext cx="0" cy="0"/>
+          <a:chOff x="0" y="0"/>
+          <a:chExt cx="0" cy="0"/>
+        </a:xfrm>
+      </p:grpSpPr>
+      <p:sp>
+        <p:nvSpPr>
+          <p:cNvPr id="2" name="Titel 1"/>
+          <p:cNvSpPr>
+            <a:spLocks noGrp="1"/>
+          </p:cNvSpPr>
+          <p:nvPr>
+            <p:ph type="ctrTitle"/>
+          </p:nvPr>
+        </p:nvSpPr>
+        <p:spPr/>
+        <p:txBody>
+          <a:bodyPr>
+            <a:normAutofit/>
+          </a:bodyPr>
+          <a:lstStyle/>
+          <a:p>
+            <a:r>
+              <a:rPr lang="de-CH" sz="9600" dirty="0" smtClean="0"/>
+              <a:t>Demo</a:t>
+            </a:r>
+            <a:endParaRPr lang="de-CH" sz="9600" dirty="0"/>
+          </a:p>
+        </p:txBody>
+      </p:sp>
+      <p:sp>
+        <p:nvSpPr>
+          <p:cNvPr id="4" name="Untertitel 3"/>
+          <p:cNvSpPr>
+            <a:spLocks noGrp="1"/>
+          </p:cNvSpPr>
+          <p:nvPr>
+            <p:ph type="subTitle" idx="1"/>
+          </p:nvPr>
+        </p:nvSpPr>
+        <p:spPr/>
+        <p:txBody>
+          <a:bodyPr/>
+          <a:lstStyle/>
+          <a:p>
+            <a:endParaRPr lang="de-CH" dirty="0"/>
+          </a:p>
+        </p:txBody>
+      </p:sp>
+    </p:spTree>
+    <p:extLst>
+      <p:ext uri="{BB962C8B-B14F-4D97-AF65-F5344CB8AC3E}">
+        <p14:creationId xmlns:p14="http://schemas.microsoft.com/office/powerpoint/2010/main" val="284351435"/>
+      </p:ext>
+    </p:extLst>
+  </p:cSld>
+  <p:clrMapOvr>
+    <a:masterClrMapping/>
+  </p:clrMapOvr>
+  <p:timing>
+    <p:tnLst>
+      <p:par>
+        <p:cTn id="1" dur="indefinite" restart="never" nodeType="tmRoot"/>
+      </p:par>
+    </p:tnLst>
+  </p:timing>
+</p:sld>
+</file>
+
+<file path=ppt/slides/slide20.xml><?xml version="1.0" encoding="utf-8"?>
 <p:sld xmlns:a="http://schemas.openxmlformats.org/drawingml/2006/main" xmlns:r="http://schemas.openxmlformats.org/officeDocument/2006/relationships" xmlns:p="http://schemas.openxmlformats.org/presentationml/2006/main">
   <p:cSld>
     <p:spTree>
@@ -12691,88 +12986,7 @@
 </p:sld>
 </file>
 
-<file path=ppt/slides/slide2.xml><?xml version="1.0" encoding="utf-8"?>
-<p:sld xmlns:a="http://schemas.openxmlformats.org/drawingml/2006/main" xmlns:r="http://schemas.openxmlformats.org/officeDocument/2006/relationships" xmlns:p="http://schemas.openxmlformats.org/presentationml/2006/main">
-  <p:cSld>
-    <p:spTree>
-      <p:nvGrpSpPr>
-        <p:cNvPr id="1" name=""/>
-        <p:cNvGrpSpPr/>
-        <p:nvPr/>
-      </p:nvGrpSpPr>
-      <p:grpSpPr>
-        <a:xfrm>
-          <a:off x="0" y="0"/>
-          <a:ext cx="0" cy="0"/>
-          <a:chOff x="0" y="0"/>
-          <a:chExt cx="0" cy="0"/>
-        </a:xfrm>
-      </p:grpSpPr>
-      <p:sp>
-        <p:nvSpPr>
-          <p:cNvPr id="2" name="Titel 1"/>
-          <p:cNvSpPr>
-            <a:spLocks noGrp="1"/>
-          </p:cNvSpPr>
-          <p:nvPr>
-            <p:ph type="ctrTitle"/>
-          </p:nvPr>
-        </p:nvSpPr>
-        <p:spPr/>
-        <p:txBody>
-          <a:bodyPr>
-            <a:normAutofit/>
-          </a:bodyPr>
-          <a:lstStyle/>
-          <a:p>
-            <a:r>
-              <a:rPr lang="de-CH" sz="9600" dirty="0" smtClean="0"/>
-              <a:t>Demo</a:t>
-            </a:r>
-            <a:endParaRPr lang="de-CH" sz="9600" dirty="0"/>
-          </a:p>
-        </p:txBody>
-      </p:sp>
-      <p:sp>
-        <p:nvSpPr>
-          <p:cNvPr id="4" name="Untertitel 3"/>
-          <p:cNvSpPr>
-            <a:spLocks noGrp="1"/>
-          </p:cNvSpPr>
-          <p:nvPr>
-            <p:ph type="subTitle" idx="1"/>
-          </p:nvPr>
-        </p:nvSpPr>
-        <p:spPr/>
-        <p:txBody>
-          <a:bodyPr/>
-          <a:lstStyle/>
-          <a:p>
-            <a:endParaRPr lang="de-CH" dirty="0"/>
-          </a:p>
-        </p:txBody>
-      </p:sp>
-    </p:spTree>
-    <p:extLst>
-      <p:ext uri="{BB962C8B-B14F-4D97-AF65-F5344CB8AC3E}">
-        <p14:creationId xmlns:p14="http://schemas.microsoft.com/office/powerpoint/2010/main" val="284351435"/>
-      </p:ext>
-    </p:extLst>
-  </p:cSld>
-  <p:clrMapOvr>
-    <a:masterClrMapping/>
-  </p:clrMapOvr>
-  <p:timing>
-    <p:tnLst>
-      <p:par>
-        <p:cTn id="1" dur="indefinite" restart="never" nodeType="tmRoot"/>
-      </p:par>
-    </p:tnLst>
-  </p:timing>
-</p:sld>
-</file>
-
-<file path=ppt/slides/slide20.xml><?xml version="1.0" encoding="utf-8"?>
+<file path=ppt/slides/slide21.xml><?xml version="1.0" encoding="utf-8"?>
 <p:sld xmlns:a="http://schemas.openxmlformats.org/drawingml/2006/main" xmlns:r="http://schemas.openxmlformats.org/officeDocument/2006/relationships" xmlns:p="http://schemas.openxmlformats.org/presentationml/2006/main">
   <p:cSld>
     <p:spTree>
@@ -12933,7 +13147,7 @@
 </p:sld>
 </file>
 
-<file path=ppt/slides/slide21.xml><?xml version="1.0" encoding="utf-8"?>
+<file path=ppt/slides/slide22.xml><?xml version="1.0" encoding="utf-8"?>
 <p:sld xmlns:a="http://schemas.openxmlformats.org/drawingml/2006/main" xmlns:r="http://schemas.openxmlformats.org/officeDocument/2006/relationships" xmlns:p="http://schemas.openxmlformats.org/presentationml/2006/main">
   <p:cSld>
     <p:spTree>
@@ -12995,7 +13209,7 @@
 </p:sld>
 </file>
 
-<file path=ppt/slides/slide22.xml><?xml version="1.0" encoding="utf-8"?>
+<file path=ppt/slides/slide23.xml><?xml version="1.0" encoding="utf-8"?>
 <p:sld xmlns:a="http://schemas.openxmlformats.org/drawingml/2006/main" xmlns:r="http://schemas.openxmlformats.org/officeDocument/2006/relationships" xmlns:p="http://schemas.openxmlformats.org/presentationml/2006/main">
   <p:cSld>
     <p:spTree>

--- a/Documents/Design/Design_Präsentation_v1.pptx
+++ b/Documents/Design/Design_Präsentation_v1.pptx
@@ -12032,13 +12032,8 @@
             </a:r>
             <a:r>
               <a:rPr lang="de-CH" dirty="0" smtClean="0"/>
-              <a:t> </a:t>
+              <a:t> Dimensionen</a:t>
             </a:r>
-            <a:r>
-              <a:rPr lang="de-CH" dirty="0" smtClean="0"/>
-              <a:t>Dimensionen</a:t>
-            </a:r>
-            <a:endParaRPr lang="de-CH" dirty="0" smtClean="0"/>
           </a:p>
           <a:p>
             <a:pPr lvl="2"/>
@@ -13312,15 +13307,17 @@
             <a:pPr lvl="1"/>
             <a:r>
               <a:rPr lang="de-CH" dirty="0" smtClean="0"/>
-              <a:t>Schiffslänge</a:t>
+              <a:t>Schiffsbreite</a:t>
             </a:r>
+            <a:endParaRPr lang="de-CH" dirty="0" smtClean="0"/>
           </a:p>
           <a:p>
             <a:pPr lvl="1"/>
             <a:r>
               <a:rPr lang="de-CH" dirty="0" smtClean="0"/>
-              <a:t>Schiffsbreite</a:t>
+              <a:t>Schiffshöhe</a:t>
             </a:r>
+            <a:endParaRPr lang="de-CH" dirty="0" smtClean="0"/>
           </a:p>
           <a:p>
             <a:pPr lvl="1"/>
